--- a/linguappt/es/templates/vocab_spanish_classic.pptx
+++ b/linguappt/es/templates/vocab_spanish_classic.pptx
@@ -197,7 +197,7 @@
           <a:p>
             <a:fld id="{49827307-2D32-1C49-A664-3E09AADAF8D1}" type="datetimeFigureOut">
               <a:rPr lang="en-CN" smtClean="0"/>
-              <a:t>4/2/21</a:t>
+              <a:t>2021/9/21</a:t>
             </a:fld>
             <a:endParaRPr lang="en-CN"/>
           </a:p>
@@ -4539,7 +4539,7 @@
 
 <file path=ppt/slideLayouts/slideLayout2.xml><?xml version="1.0" encoding="utf-8"?>
 <p:sldLayout xmlns:a="http://schemas.openxmlformats.org/drawingml/2006/main" xmlns:r="http://schemas.openxmlformats.org/officeDocument/2006/relationships" xmlns:p="http://schemas.openxmlformats.org/presentationml/2006/main" preserve="1" userDrawn="1">
-  <p:cSld name="Opening for english">
+  <p:cSld name="Opening for spanish">
     <p:bg>
       <p:bgPr>
         <a:solidFill>

--- a/linguappt/es/templates/vocab_spanish_classic.pptx
+++ b/linguappt/es/templates/vocab_spanish_classic.pptx
@@ -197,7 +197,7 @@
           <a:p>
             <a:fld id="{49827307-2D32-1C49-A664-3E09AADAF8D1}" type="datetimeFigureOut">
               <a:rPr lang="en-CN" smtClean="0"/>
-              <a:t>2021/9/21</a:t>
+              <a:t>11/17/21</a:t>
             </a:fld>
             <a:endParaRPr lang="en-CN"/>
           </a:p>
@@ -467,17 +467,319 @@
 
 <file path=ppt/slideLayouts/slideLayout1.xml><?xml version="1.0" encoding="utf-8"?>
 <p:sldLayout xmlns:a="http://schemas.openxmlformats.org/drawingml/2006/main" xmlns:r="http://schemas.openxmlformats.org/officeDocument/2006/relationships" xmlns:p="http://schemas.openxmlformats.org/presentationml/2006/main" preserve="1" userDrawn="1">
-  <p:cSld name="Opening for chinese">
-    <p:bg>
-      <p:bgPr>
-        <a:solidFill>
-          <a:srgbClr val="E3A501">
-            <a:alpha val="10000"/>
-          </a:srgbClr>
-        </a:solidFill>
-        <a:effectLst/>
-      </p:bgPr>
-    </p:bg>
+  <p:cSld name="Opening">
+    <p:spTree>
+      <p:nvGrpSpPr>
+        <p:cNvPr id="1" name=""/>
+        <p:cNvGrpSpPr/>
+        <p:nvPr/>
+      </p:nvGrpSpPr>
+      <p:grpSpPr>
+        <a:xfrm>
+          <a:off x="0" y="0"/>
+          <a:ext cx="0" cy="0"/>
+          <a:chOff x="0" y="0"/>
+          <a:chExt cx="0" cy="0"/>
+        </a:xfrm>
+      </p:grpSpPr>
+      <p:sp>
+        <p:nvSpPr>
+          <p:cNvPr id="6" name="Text Placeholder 6">
+            <a:extLst>
+              <a:ext uri="{FF2B5EF4-FFF2-40B4-BE49-F238E27FC236}">
+                <a16:creationId xmlns:a16="http://schemas.microsoft.com/office/drawing/2014/main" id="{4FB182CF-DBA7-DC42-B0E5-2B91ECD026B9}"/>
+              </a:ext>
+            </a:extLst>
+          </p:cNvPr>
+          <p:cNvSpPr>
+            <a:spLocks noGrp="1"/>
+          </p:cNvSpPr>
+          <p:nvPr>
+            <p:ph type="body" sz="quarter" idx="10" hasCustomPrompt="1"/>
+          </p:nvPr>
+        </p:nvSpPr>
+        <p:spPr>
+          <a:xfrm>
+            <a:off x="583482" y="561089"/>
+            <a:ext cx="6390523" cy="2143125"/>
+          </a:xfrm>
+          <a:prstGeom prst="rect">
+            <a:avLst/>
+          </a:prstGeom>
+        </p:spPr>
+        <p:txBody>
+          <a:bodyPr vert="horz" anchor="b"/>
+          <a:lstStyle>
+            <a:lvl1pPr marL="0" indent="0" algn="ctr">
+              <a:buNone/>
+              <a:defRPr sz="4800" b="0" i="0" baseline="0">
+                <a:solidFill>
+                  <a:schemeClr val="accent2"/>
+                </a:solidFill>
+                <a:latin typeface="Cambria" panose="02040503050406030204" pitchFamily="18" charset="0"/>
+                <a:ea typeface="PingFang SC" panose="020B0400000000000000" pitchFamily="34" charset="-122"/>
+                <a:cs typeface="Helvetica Neue Medium" panose="02000503000000020004" pitchFamily="2" charset="0"/>
+              </a:defRPr>
+            </a:lvl1pPr>
+            <a:lvl2pPr>
+              <a:defRPr>
+                <a:solidFill>
+                  <a:schemeClr val="tx1">
+                    <a:lumMod val="95000"/>
+                    <a:lumOff val="5000"/>
+                  </a:schemeClr>
+                </a:solidFill>
+                <a:latin typeface="Helvetica Neue" panose="02000503000000020004" pitchFamily="2" charset="0"/>
+                <a:ea typeface="Helvetica Neue" panose="02000503000000020004" pitchFamily="2" charset="0"/>
+                <a:cs typeface="Helvetica Neue" panose="02000503000000020004" pitchFamily="2" charset="0"/>
+              </a:defRPr>
+            </a:lvl2pPr>
+            <a:lvl3pPr>
+              <a:defRPr>
+                <a:solidFill>
+                  <a:schemeClr val="tx1">
+                    <a:lumMod val="95000"/>
+                    <a:lumOff val="5000"/>
+                  </a:schemeClr>
+                </a:solidFill>
+                <a:latin typeface="Helvetica Neue" panose="02000503000000020004" pitchFamily="2" charset="0"/>
+                <a:ea typeface="Helvetica Neue" panose="02000503000000020004" pitchFamily="2" charset="0"/>
+                <a:cs typeface="Helvetica Neue" panose="02000503000000020004" pitchFamily="2" charset="0"/>
+              </a:defRPr>
+            </a:lvl3pPr>
+            <a:lvl4pPr>
+              <a:defRPr>
+                <a:solidFill>
+                  <a:schemeClr val="tx1">
+                    <a:lumMod val="95000"/>
+                    <a:lumOff val="5000"/>
+                  </a:schemeClr>
+                </a:solidFill>
+                <a:latin typeface="Helvetica Neue" panose="02000503000000020004" pitchFamily="2" charset="0"/>
+                <a:ea typeface="Helvetica Neue" panose="02000503000000020004" pitchFamily="2" charset="0"/>
+                <a:cs typeface="Helvetica Neue" panose="02000503000000020004" pitchFamily="2" charset="0"/>
+              </a:defRPr>
+            </a:lvl4pPr>
+            <a:lvl5pPr>
+              <a:defRPr>
+                <a:solidFill>
+                  <a:schemeClr val="tx1">
+                    <a:lumMod val="95000"/>
+                    <a:lumOff val="5000"/>
+                  </a:schemeClr>
+                </a:solidFill>
+                <a:latin typeface="Helvetica Neue" panose="02000503000000020004" pitchFamily="2" charset="0"/>
+                <a:ea typeface="Helvetica Neue" panose="02000503000000020004" pitchFamily="2" charset="0"/>
+                <a:cs typeface="Helvetica Neue" panose="02000503000000020004" pitchFamily="2" charset="0"/>
+              </a:defRPr>
+            </a:lvl5pPr>
+          </a:lstStyle>
+          <a:p>
+            <a:pPr lvl="0"/>
+            <a:r>
+              <a:rPr lang="en-US" dirty="0"/>
+              <a:t>Presentation</a:t>
+            </a:r>
+            <a:r>
+              <a:rPr lang="zh-CN" altLang="en-US" dirty="0"/>
+              <a:t> </a:t>
+            </a:r>
+            <a:r>
+              <a:rPr lang="en-US" altLang="zh-CN" dirty="0"/>
+              <a:t>Title</a:t>
+            </a:r>
+            <a:endParaRPr lang="en-US" dirty="0"/>
+          </a:p>
+        </p:txBody>
+      </p:sp>
+      <p:sp>
+        <p:nvSpPr>
+          <p:cNvPr id="9" name="Text Placeholder 6">
+            <a:extLst>
+              <a:ext uri="{FF2B5EF4-FFF2-40B4-BE49-F238E27FC236}">
+                <a16:creationId xmlns:a16="http://schemas.microsoft.com/office/drawing/2014/main" id="{B643768C-F38B-604D-A5EA-72AD15631058}"/>
+              </a:ext>
+            </a:extLst>
+          </p:cNvPr>
+          <p:cNvSpPr>
+            <a:spLocks noGrp="1"/>
+          </p:cNvSpPr>
+          <p:nvPr>
+            <p:ph type="body" sz="quarter" idx="11" hasCustomPrompt="1"/>
+          </p:nvPr>
+        </p:nvSpPr>
+        <p:spPr>
+          <a:xfrm>
+            <a:off x="583482" y="2778042"/>
+            <a:ext cx="6390523" cy="2143125"/>
+          </a:xfrm>
+          <a:prstGeom prst="rect">
+            <a:avLst/>
+          </a:prstGeom>
+        </p:spPr>
+        <p:txBody>
+          <a:bodyPr vert="horz" anchor="t"/>
+          <a:lstStyle>
+            <a:lvl1pPr marL="0" indent="0" algn="ctr">
+              <a:buNone/>
+              <a:defRPr sz="2800" b="1" i="0" spc="0" baseline="0">
+                <a:solidFill>
+                  <a:schemeClr val="accent5">
+                    <a:lumMod val="75000"/>
+                  </a:schemeClr>
+                </a:solidFill>
+                <a:latin typeface="Calibri" panose="020F0502020204030204" pitchFamily="34" charset="0"/>
+                <a:ea typeface="PingFang SC" panose="020B0400000000000000" pitchFamily="34" charset="-122"/>
+                <a:cs typeface="Helvetica Neue" panose="02000503000000020004" pitchFamily="2" charset="0"/>
+              </a:defRPr>
+            </a:lvl1pPr>
+            <a:lvl2pPr>
+              <a:defRPr>
+                <a:solidFill>
+                  <a:schemeClr val="tx1">
+                    <a:lumMod val="95000"/>
+                    <a:lumOff val="5000"/>
+                  </a:schemeClr>
+                </a:solidFill>
+                <a:latin typeface="Helvetica Neue" panose="02000503000000020004" pitchFamily="2" charset="0"/>
+                <a:ea typeface="Helvetica Neue" panose="02000503000000020004" pitchFamily="2" charset="0"/>
+                <a:cs typeface="Helvetica Neue" panose="02000503000000020004" pitchFamily="2" charset="0"/>
+              </a:defRPr>
+            </a:lvl2pPr>
+            <a:lvl3pPr>
+              <a:defRPr>
+                <a:solidFill>
+                  <a:schemeClr val="tx1">
+                    <a:lumMod val="95000"/>
+                    <a:lumOff val="5000"/>
+                  </a:schemeClr>
+                </a:solidFill>
+                <a:latin typeface="Helvetica Neue" panose="02000503000000020004" pitchFamily="2" charset="0"/>
+                <a:ea typeface="Helvetica Neue" panose="02000503000000020004" pitchFamily="2" charset="0"/>
+                <a:cs typeface="Helvetica Neue" panose="02000503000000020004" pitchFamily="2" charset="0"/>
+              </a:defRPr>
+            </a:lvl3pPr>
+            <a:lvl4pPr>
+              <a:defRPr>
+                <a:solidFill>
+                  <a:schemeClr val="tx1">
+                    <a:lumMod val="95000"/>
+                    <a:lumOff val="5000"/>
+                  </a:schemeClr>
+                </a:solidFill>
+                <a:latin typeface="Helvetica Neue" panose="02000503000000020004" pitchFamily="2" charset="0"/>
+                <a:ea typeface="Helvetica Neue" panose="02000503000000020004" pitchFamily="2" charset="0"/>
+                <a:cs typeface="Helvetica Neue" panose="02000503000000020004" pitchFamily="2" charset="0"/>
+              </a:defRPr>
+            </a:lvl4pPr>
+            <a:lvl5pPr>
+              <a:defRPr>
+                <a:solidFill>
+                  <a:schemeClr val="tx1">
+                    <a:lumMod val="95000"/>
+                    <a:lumOff val="5000"/>
+                  </a:schemeClr>
+                </a:solidFill>
+                <a:latin typeface="Helvetica Neue" panose="02000503000000020004" pitchFamily="2" charset="0"/>
+                <a:ea typeface="Helvetica Neue" panose="02000503000000020004" pitchFamily="2" charset="0"/>
+                <a:cs typeface="Helvetica Neue" panose="02000503000000020004" pitchFamily="2" charset="0"/>
+              </a:defRPr>
+            </a:lvl5pPr>
+          </a:lstStyle>
+          <a:p>
+            <a:pPr lvl="0"/>
+            <a:r>
+              <a:rPr lang="en-US" dirty="0"/>
+              <a:t>Presentation</a:t>
+            </a:r>
+            <a:r>
+              <a:rPr lang="zh-CN" altLang="en-US" dirty="0"/>
+              <a:t> </a:t>
+            </a:r>
+            <a:r>
+              <a:rPr lang="en-US" altLang="zh-CN" dirty="0"/>
+              <a:t>Subtitle</a:t>
+            </a:r>
+            <a:endParaRPr lang="en-US" dirty="0"/>
+          </a:p>
+        </p:txBody>
+      </p:sp>
+      <p:pic>
+        <p:nvPicPr>
+          <p:cNvPr id="10" name="Picture 9">
+            <a:extLst>
+              <a:ext uri="{FF2B5EF4-FFF2-40B4-BE49-F238E27FC236}">
+                <a16:creationId xmlns:a16="http://schemas.microsoft.com/office/drawing/2014/main" id="{FEFD462D-EB85-9C4A-9216-8C1530019388}"/>
+              </a:ext>
+            </a:extLst>
+          </p:cNvPr>
+          <p:cNvPicPr>
+            <a:picLocks noChangeAspect="1"/>
+          </p:cNvPicPr>
+          <p:nvPr userDrawn="1"/>
+        </p:nvPicPr>
+        <p:blipFill>
+          <a:blip r:embed="rId2"/>
+          <a:stretch>
+            <a:fillRect/>
+          </a:stretch>
+        </p:blipFill>
+        <p:spPr>
+          <a:xfrm>
+            <a:off x="3328743" y="5396911"/>
+            <a:ext cx="900000" cy="900000"/>
+          </a:xfrm>
+          <a:prstGeom prst="rect">
+            <a:avLst/>
+          </a:prstGeom>
+        </p:spPr>
+      </p:pic>
+      <p:pic>
+        <p:nvPicPr>
+          <p:cNvPr id="11" name="Picture 10">
+            <a:extLst>
+              <a:ext uri="{FF2B5EF4-FFF2-40B4-BE49-F238E27FC236}">
+                <a16:creationId xmlns:a16="http://schemas.microsoft.com/office/drawing/2014/main" id="{0667A502-23C5-6448-9ED7-B73175C3263A}"/>
+              </a:ext>
+            </a:extLst>
+          </p:cNvPr>
+          <p:cNvPicPr>
+            <a:picLocks noChangeAspect="1"/>
+          </p:cNvPicPr>
+          <p:nvPr userDrawn="1"/>
+        </p:nvPicPr>
+        <p:blipFill>
+          <a:blip r:embed="rId3"/>
+          <a:stretch>
+            <a:fillRect/>
+          </a:stretch>
+        </p:blipFill>
+        <p:spPr>
+          <a:xfrm>
+            <a:off x="7463654" y="561089"/>
+            <a:ext cx="4144864" cy="5735822"/>
+          </a:xfrm>
+          <a:prstGeom prst="rect">
+            <a:avLst/>
+          </a:prstGeom>
+        </p:spPr>
+      </p:pic>
+    </p:spTree>
+    <p:extLst>
+      <p:ext uri="{BB962C8B-B14F-4D97-AF65-F5344CB8AC3E}">
+        <p14:creationId xmlns:p14="http://schemas.microsoft.com/office/powerpoint/2010/main" val="3853228183"/>
+      </p:ext>
+    </p:extLst>
+  </p:cSld>
+  <p:clrMapOvr>
+    <a:masterClrMapping/>
+  </p:clrMapOvr>
+</p:sldLayout>
+</file>
+
+<file path=ppt/slideLayouts/slideLayout10.xml><?xml version="1.0" encoding="utf-8"?>
+<p:sldLayout xmlns:a="http://schemas.openxmlformats.org/drawingml/2006/main" xmlns:r="http://schemas.openxmlformats.org/officeDocument/2006/relationships" xmlns:p="http://schemas.openxmlformats.org/presentationml/2006/main" preserve="1" userDrawn="1">
+  <p:cSld name="Verb with extension B">
     <p:spTree>
       <p:nvGrpSpPr>
         <p:cNvPr id="1" name=""/>
@@ -494,10 +796,10 @@
       </p:grpSpPr>
       <p:pic>
         <p:nvPicPr>
-          <p:cNvPr id="5" name="Picture 4">
+          <p:cNvPr id="10" name="Picture 9">
             <a:extLst>
               <a:ext uri="{FF2B5EF4-FFF2-40B4-BE49-F238E27FC236}">
-                <a16:creationId xmlns:a16="http://schemas.microsoft.com/office/drawing/2014/main" id="{B71516F5-0FF8-4447-8AC2-D1781656E7BB}"/>
+                <a16:creationId xmlns:a16="http://schemas.microsoft.com/office/drawing/2014/main" id="{E8FB9F31-7738-FD43-A12F-0A6BD179C1D0}"/>
               </a:ext>
             </a:extLst>
           </p:cNvPr>
@@ -514,8 +816,8 @@
         </p:blipFill>
         <p:spPr>
           <a:xfrm>
-            <a:off x="0" y="0"/>
-            <a:ext cx="12192000" cy="6858000"/>
+            <a:off x="-2" y="3868"/>
+            <a:ext cx="12192001" cy="6858001"/>
           </a:xfrm>
           <a:prstGeom prst="rect">
             <a:avLst/>
@@ -524,230 +826,10 @@
       </p:pic>
       <p:sp>
         <p:nvSpPr>
-          <p:cNvPr id="91" name="Text Placeholder 6">
+          <p:cNvPr id="27" name="Rounded Rectangle 26">
             <a:extLst>
               <a:ext uri="{FF2B5EF4-FFF2-40B4-BE49-F238E27FC236}">
-                <a16:creationId xmlns:a16="http://schemas.microsoft.com/office/drawing/2014/main" id="{24C3FF9E-7065-F74E-BBE4-40BDC1CA7B1F}"/>
-              </a:ext>
-            </a:extLst>
-          </p:cNvPr>
-          <p:cNvSpPr>
-            <a:spLocks noGrp="1"/>
-          </p:cNvSpPr>
-          <p:nvPr userDrawn="1">
-            <p:ph type="body" sz="quarter" idx="10" hasCustomPrompt="1"/>
-          </p:nvPr>
-        </p:nvSpPr>
-        <p:spPr>
-          <a:xfrm>
-            <a:off x="774551" y="685760"/>
-            <a:ext cx="6997849" cy="2143125"/>
-          </a:xfrm>
-          <a:prstGeom prst="rect">
-            <a:avLst/>
-          </a:prstGeom>
-        </p:spPr>
-        <p:txBody>
-          <a:bodyPr vert="horz" anchor="b"/>
-          <a:lstStyle>
-            <a:lvl1pPr marL="0" indent="0" algn="l">
-              <a:buNone/>
-              <a:defRPr sz="6400" b="0" i="0">
-                <a:solidFill>
-                  <a:srgbClr val="4B0706"/>
-                </a:solidFill>
-                <a:latin typeface="PingFang SC" panose="020B0400000000000000" pitchFamily="34" charset="-122"/>
-                <a:ea typeface="PingFang SC" panose="020B0400000000000000" pitchFamily="34" charset="-122"/>
-                <a:cs typeface="Helvetica Neue Medium" panose="02000503000000020004" pitchFamily="2" charset="0"/>
-              </a:defRPr>
-            </a:lvl1pPr>
-            <a:lvl2pPr>
-              <a:defRPr>
-                <a:solidFill>
-                  <a:schemeClr val="tx1">
-                    <a:lumMod val="95000"/>
-                    <a:lumOff val="5000"/>
-                  </a:schemeClr>
-                </a:solidFill>
-                <a:latin typeface="Helvetica Neue" panose="02000503000000020004" pitchFamily="2" charset="0"/>
-                <a:ea typeface="Helvetica Neue" panose="02000503000000020004" pitchFamily="2" charset="0"/>
-                <a:cs typeface="Helvetica Neue" panose="02000503000000020004" pitchFamily="2" charset="0"/>
-              </a:defRPr>
-            </a:lvl2pPr>
-            <a:lvl3pPr>
-              <a:defRPr>
-                <a:solidFill>
-                  <a:schemeClr val="tx1">
-                    <a:lumMod val="95000"/>
-                    <a:lumOff val="5000"/>
-                  </a:schemeClr>
-                </a:solidFill>
-                <a:latin typeface="Helvetica Neue" panose="02000503000000020004" pitchFamily="2" charset="0"/>
-                <a:ea typeface="Helvetica Neue" panose="02000503000000020004" pitchFamily="2" charset="0"/>
-                <a:cs typeface="Helvetica Neue" panose="02000503000000020004" pitchFamily="2" charset="0"/>
-              </a:defRPr>
-            </a:lvl3pPr>
-            <a:lvl4pPr>
-              <a:defRPr>
-                <a:solidFill>
-                  <a:schemeClr val="tx1">
-                    <a:lumMod val="95000"/>
-                    <a:lumOff val="5000"/>
-                  </a:schemeClr>
-                </a:solidFill>
-                <a:latin typeface="Helvetica Neue" panose="02000503000000020004" pitchFamily="2" charset="0"/>
-                <a:ea typeface="Helvetica Neue" panose="02000503000000020004" pitchFamily="2" charset="0"/>
-                <a:cs typeface="Helvetica Neue" panose="02000503000000020004" pitchFamily="2" charset="0"/>
-              </a:defRPr>
-            </a:lvl4pPr>
-            <a:lvl5pPr>
-              <a:defRPr>
-                <a:solidFill>
-                  <a:schemeClr val="tx1">
-                    <a:lumMod val="95000"/>
-                    <a:lumOff val="5000"/>
-                  </a:schemeClr>
-                </a:solidFill>
-                <a:latin typeface="Helvetica Neue" panose="02000503000000020004" pitchFamily="2" charset="0"/>
-                <a:ea typeface="Helvetica Neue" panose="02000503000000020004" pitchFamily="2" charset="0"/>
-                <a:cs typeface="Helvetica Neue" panose="02000503000000020004" pitchFamily="2" charset="0"/>
-              </a:defRPr>
-            </a:lvl5pPr>
-          </a:lstStyle>
-          <a:p>
-            <a:pPr lvl="0"/>
-            <a:r>
-              <a:rPr lang="en-US" dirty="0"/>
-              <a:t>Presentation</a:t>
-            </a:r>
-            <a:r>
-              <a:rPr lang="zh-CN" altLang="en-US" dirty="0"/>
-              <a:t> </a:t>
-            </a:r>
-            <a:r>
-              <a:rPr lang="en-US" altLang="zh-CN" dirty="0"/>
-              <a:t>Title</a:t>
-            </a:r>
-            <a:endParaRPr lang="en-US" dirty="0"/>
-          </a:p>
-        </p:txBody>
-      </p:sp>
-      <p:sp>
-        <p:nvSpPr>
-          <p:cNvPr id="92" name="Text Placeholder 6">
-            <a:extLst>
-              <a:ext uri="{FF2B5EF4-FFF2-40B4-BE49-F238E27FC236}">
-                <a16:creationId xmlns:a16="http://schemas.microsoft.com/office/drawing/2014/main" id="{F5CDB6B1-91C8-6B40-BBBD-7C6446BC9D7C}"/>
-              </a:ext>
-            </a:extLst>
-          </p:cNvPr>
-          <p:cNvSpPr>
-            <a:spLocks noGrp="1"/>
-          </p:cNvSpPr>
-          <p:nvPr userDrawn="1">
-            <p:ph type="body" sz="quarter" idx="11" hasCustomPrompt="1"/>
-          </p:nvPr>
-        </p:nvSpPr>
-        <p:spPr>
-          <a:xfrm>
-            <a:off x="774551" y="3335551"/>
-            <a:ext cx="6997849" cy="1131008"/>
-          </a:xfrm>
-          <a:prstGeom prst="rect">
-            <a:avLst/>
-          </a:prstGeom>
-        </p:spPr>
-        <p:txBody>
-          <a:bodyPr vert="horz" anchor="t"/>
-          <a:lstStyle>
-            <a:lvl1pPr marL="0" indent="0" algn="l">
-              <a:buNone/>
-              <a:defRPr sz="3600" b="0" i="0" spc="300">
-                <a:solidFill>
-                  <a:srgbClr val="4B0706"/>
-                </a:solidFill>
-                <a:latin typeface="PingFang SC" panose="020B0400000000000000" pitchFamily="34" charset="-122"/>
-                <a:ea typeface="PingFang SC" panose="020B0400000000000000" pitchFamily="34" charset="-122"/>
-                <a:cs typeface="Helvetica Neue" panose="02000503000000020004" pitchFamily="2" charset="0"/>
-              </a:defRPr>
-            </a:lvl1pPr>
-            <a:lvl2pPr>
-              <a:defRPr>
-                <a:solidFill>
-                  <a:schemeClr val="tx1">
-                    <a:lumMod val="95000"/>
-                    <a:lumOff val="5000"/>
-                  </a:schemeClr>
-                </a:solidFill>
-                <a:latin typeface="Helvetica Neue" panose="02000503000000020004" pitchFamily="2" charset="0"/>
-                <a:ea typeface="Helvetica Neue" panose="02000503000000020004" pitchFamily="2" charset="0"/>
-                <a:cs typeface="Helvetica Neue" panose="02000503000000020004" pitchFamily="2" charset="0"/>
-              </a:defRPr>
-            </a:lvl2pPr>
-            <a:lvl3pPr>
-              <a:defRPr>
-                <a:solidFill>
-                  <a:schemeClr val="tx1">
-                    <a:lumMod val="95000"/>
-                    <a:lumOff val="5000"/>
-                  </a:schemeClr>
-                </a:solidFill>
-                <a:latin typeface="Helvetica Neue" panose="02000503000000020004" pitchFamily="2" charset="0"/>
-                <a:ea typeface="Helvetica Neue" panose="02000503000000020004" pitchFamily="2" charset="0"/>
-                <a:cs typeface="Helvetica Neue" panose="02000503000000020004" pitchFamily="2" charset="0"/>
-              </a:defRPr>
-            </a:lvl3pPr>
-            <a:lvl4pPr>
-              <a:defRPr>
-                <a:solidFill>
-                  <a:schemeClr val="tx1">
-                    <a:lumMod val="95000"/>
-                    <a:lumOff val="5000"/>
-                  </a:schemeClr>
-                </a:solidFill>
-                <a:latin typeface="Helvetica Neue" panose="02000503000000020004" pitchFamily="2" charset="0"/>
-                <a:ea typeface="Helvetica Neue" panose="02000503000000020004" pitchFamily="2" charset="0"/>
-                <a:cs typeface="Helvetica Neue" panose="02000503000000020004" pitchFamily="2" charset="0"/>
-              </a:defRPr>
-            </a:lvl4pPr>
-            <a:lvl5pPr>
-              <a:defRPr>
-                <a:solidFill>
-                  <a:schemeClr val="tx1">
-                    <a:lumMod val="95000"/>
-                    <a:lumOff val="5000"/>
-                  </a:schemeClr>
-                </a:solidFill>
-                <a:latin typeface="Helvetica Neue" panose="02000503000000020004" pitchFamily="2" charset="0"/>
-                <a:ea typeface="Helvetica Neue" panose="02000503000000020004" pitchFamily="2" charset="0"/>
-                <a:cs typeface="Helvetica Neue" panose="02000503000000020004" pitchFamily="2" charset="0"/>
-              </a:defRPr>
-            </a:lvl5pPr>
-          </a:lstStyle>
-          <a:p>
-            <a:pPr lvl="0"/>
-            <a:r>
-              <a:rPr lang="en-US" dirty="0"/>
-              <a:t>Presentation</a:t>
-            </a:r>
-            <a:r>
-              <a:rPr lang="zh-CN" altLang="en-US" dirty="0"/>
-              <a:t> </a:t>
-            </a:r>
-            <a:r>
-              <a:rPr lang="en-US" altLang="zh-CN" dirty="0"/>
-              <a:t>Subtitle</a:t>
-            </a:r>
-            <a:endParaRPr lang="en-US" dirty="0"/>
-          </a:p>
-        </p:txBody>
-      </p:sp>
-      <p:sp>
-        <p:nvSpPr>
-          <p:cNvPr id="93" name="Rectangle 92">
-            <a:extLst>
-              <a:ext uri="{FF2B5EF4-FFF2-40B4-BE49-F238E27FC236}">
-                <a16:creationId xmlns:a16="http://schemas.microsoft.com/office/drawing/2014/main" id="{1AD5B537-5D39-554B-A1F8-4FCE13B53844}"/>
+                <a16:creationId xmlns:a16="http://schemas.microsoft.com/office/drawing/2014/main" id="{356B0A39-DBB3-DB4A-9768-EC5BA32BEE37}"/>
               </a:ext>
             </a:extLst>
           </p:cNvPr>
@@ -756,17 +838,21 @@
         </p:nvSpPr>
         <p:spPr>
           <a:xfrm>
-            <a:off x="882157" y="3055652"/>
-            <a:ext cx="1080000" cy="72000"/>
-          </a:xfrm>
-          <a:prstGeom prst="rect">
-            <a:avLst/>
+            <a:off x="5093407" y="1205573"/>
+            <a:ext cx="669600" cy="324000"/>
+          </a:xfrm>
+          <a:prstGeom prst="roundRect">
+            <a:avLst>
+              <a:gd name="adj" fmla="val 50000"/>
+            </a:avLst>
           </a:prstGeom>
           <a:solidFill>
-            <a:srgbClr val="E9473F"/>
+            <a:srgbClr val="FFF9F2"/>
           </a:solidFill>
-          <a:ln>
-            <a:noFill/>
+          <a:ln w="12700">
+            <a:solidFill>
+              <a:srgbClr val="D8C5B8"/>
+            </a:solidFill>
           </a:ln>
         </p:spPr>
         <p:style>
@@ -790,74 +876,683 @@
           <a:lstStyle/>
           <a:p>
             <a:pPr algn="ctr"/>
-            <a:endParaRPr lang="en-CN"/>
+            <a:endParaRPr lang="en-JP" sz="1200" dirty="0">
+              <a:solidFill>
+                <a:schemeClr val="tx1">
+                  <a:lumMod val="50000"/>
+                  <a:lumOff val="50000"/>
+                </a:schemeClr>
+              </a:solidFill>
+              <a:latin typeface="PingFang SC" panose="020B0400000000000000" pitchFamily="34" charset="-122"/>
+              <a:ea typeface="PingFang SC" panose="020B0400000000000000" pitchFamily="34" charset="-122"/>
+            </a:endParaRPr>
           </a:p>
         </p:txBody>
       </p:sp>
-      <p:pic>
-        <p:nvPicPr>
-          <p:cNvPr id="4" name="Picture 3">
+      <p:sp>
+        <p:nvSpPr>
+          <p:cNvPr id="28" name="Text Placeholder 6">
             <a:extLst>
               <a:ext uri="{FF2B5EF4-FFF2-40B4-BE49-F238E27FC236}">
-                <a16:creationId xmlns:a16="http://schemas.microsoft.com/office/drawing/2014/main" id="{A080AA85-60DF-D54E-B3FB-C69C7412560E}"/>
+                <a16:creationId xmlns:a16="http://schemas.microsoft.com/office/drawing/2014/main" id="{EF136A3A-DFC8-0449-A14F-EDC5094A8186}"/>
               </a:ext>
             </a:extLst>
           </p:cNvPr>
-          <p:cNvPicPr>
-            <a:picLocks noChangeAspect="1"/>
-          </p:cNvPicPr>
-          <p:nvPr userDrawn="1"/>
-        </p:nvPicPr>
-        <p:blipFill>
-          <a:blip r:embed="rId3"/>
-          <a:stretch>
-            <a:fillRect/>
-          </a:stretch>
-        </p:blipFill>
-        <p:spPr>
-          <a:xfrm>
-            <a:off x="9103116" y="2612922"/>
-            <a:ext cx="2206727" cy="2206727"/>
+          <p:cNvSpPr>
+            <a:spLocks noGrp="1"/>
+          </p:cNvSpPr>
+          <p:nvPr>
+            <p:ph type="body" sz="quarter" idx="10" hasCustomPrompt="1"/>
+          </p:nvPr>
+        </p:nvSpPr>
+        <p:spPr>
+          <a:xfrm>
+            <a:off x="5093408" y="1198329"/>
+            <a:ext cx="669599" cy="324000"/>
           </a:xfrm>
           <a:prstGeom prst="rect">
             <a:avLst/>
           </a:prstGeom>
         </p:spPr>
-      </p:pic>
-      <p:pic>
-        <p:nvPicPr>
-          <p:cNvPr id="7" name="Picture 6">
+        <p:txBody>
+          <a:bodyPr anchor="ctr"/>
+          <a:lstStyle>
+            <a:lvl1pPr marL="0" indent="0" algn="ctr">
+              <a:buNone/>
+              <a:defRPr sz="1400" b="1" i="0">
+                <a:solidFill>
+                  <a:schemeClr val="accent1">
+                    <a:lumMod val="75000"/>
+                  </a:schemeClr>
+                </a:solidFill>
+                <a:latin typeface="+mj-lt"/>
+                <a:ea typeface="Roboto" pitchFamily="2" charset="0"/>
+              </a:defRPr>
+            </a:lvl1pPr>
+            <a:lvl2pPr marL="324000" indent="0">
+              <a:buNone/>
+              <a:defRPr sz="1200" b="0" i="0">
+                <a:latin typeface="PingFang SC Light" panose="020B0300000000000000" pitchFamily="34" charset="-122"/>
+                <a:ea typeface="PingFang SC Light" panose="020B0300000000000000" pitchFamily="34" charset="-122"/>
+              </a:defRPr>
+            </a:lvl2pPr>
+            <a:lvl3pPr marL="630000" indent="0">
+              <a:buNone/>
+              <a:defRPr sz="1200" b="0" i="0">
+                <a:latin typeface="PingFang SC Light" panose="020B0300000000000000" pitchFamily="34" charset="-122"/>
+                <a:ea typeface="PingFang SC Light" panose="020B0300000000000000" pitchFamily="34" charset="-122"/>
+              </a:defRPr>
+            </a:lvl3pPr>
+            <a:lvl4pPr marL="1008000" indent="0">
+              <a:buNone/>
+              <a:defRPr sz="1200" b="0" i="0">
+                <a:latin typeface="PingFang SC Light" panose="020B0300000000000000" pitchFamily="34" charset="-122"/>
+                <a:ea typeface="PingFang SC Light" panose="020B0300000000000000" pitchFamily="34" charset="-122"/>
+              </a:defRPr>
+            </a:lvl4pPr>
+            <a:lvl5pPr marL="1368000" indent="0">
+              <a:buNone/>
+              <a:defRPr sz="1200" b="0" i="0">
+                <a:latin typeface="PingFang SC Light" panose="020B0300000000000000" pitchFamily="34" charset="-122"/>
+                <a:ea typeface="PingFang SC Light" panose="020B0300000000000000" pitchFamily="34" charset="-122"/>
+              </a:defRPr>
+            </a:lvl5pPr>
+          </a:lstStyle>
+          <a:p>
+            <a:pPr lvl="0"/>
+            <a:r>
+              <a:rPr lang="en-US" altLang="zh-CN" dirty="0"/>
+              <a:t>pos</a:t>
+            </a:r>
+            <a:r>
+              <a:rPr lang="en-JP" dirty="0"/>
+              <a:t>.</a:t>
+            </a:r>
+          </a:p>
+        </p:txBody>
+      </p:sp>
+      <p:sp>
+        <p:nvSpPr>
+          <p:cNvPr id="29" name="Text Placeholder 6">
             <a:extLst>
               <a:ext uri="{FF2B5EF4-FFF2-40B4-BE49-F238E27FC236}">
-                <a16:creationId xmlns:a16="http://schemas.microsoft.com/office/drawing/2014/main" id="{02320B6E-0A86-7D46-9DC1-C104E9730708}"/>
+                <a16:creationId xmlns:a16="http://schemas.microsoft.com/office/drawing/2014/main" id="{030B175E-F833-7349-99E7-938B401DF2EF}"/>
               </a:ext>
             </a:extLst>
           </p:cNvPr>
-          <p:cNvPicPr>
-            <a:picLocks noChangeAspect="1"/>
-          </p:cNvPicPr>
-          <p:nvPr userDrawn="1"/>
-        </p:nvPicPr>
-        <p:blipFill>
-          <a:blip r:embed="rId4"/>
-          <a:stretch>
-            <a:fillRect/>
-          </a:stretch>
-        </p:blipFill>
-        <p:spPr>
-          <a:xfrm>
-            <a:off x="774551" y="5611950"/>
-            <a:ext cx="900000" cy="900000"/>
+          <p:cNvSpPr>
+            <a:spLocks noGrp="1"/>
+          </p:cNvSpPr>
+          <p:nvPr>
+            <p:ph type="body" sz="quarter" idx="11" hasCustomPrompt="1"/>
+          </p:nvPr>
+        </p:nvSpPr>
+        <p:spPr>
+          <a:xfrm>
+            <a:off x="6723" y="1656938"/>
+            <a:ext cx="5756284" cy="410271"/>
           </a:xfrm>
           <a:prstGeom prst="rect">
             <a:avLst/>
           </a:prstGeom>
         </p:spPr>
-      </p:pic>
+        <p:txBody>
+          <a:bodyPr anchor="ctr"/>
+          <a:lstStyle>
+            <a:lvl1pPr marL="0" indent="0" algn="r">
+              <a:buNone/>
+              <a:defRPr sz="2400" b="1" i="0">
+                <a:solidFill>
+                  <a:schemeClr val="accent1">
+                    <a:lumMod val="75000"/>
+                  </a:schemeClr>
+                </a:solidFill>
+                <a:latin typeface="+mj-lt"/>
+                <a:ea typeface="Roboto Medium" pitchFamily="2" charset="0"/>
+              </a:defRPr>
+            </a:lvl1pPr>
+            <a:lvl2pPr marL="324000" indent="0">
+              <a:buNone/>
+              <a:defRPr sz="1200" b="0" i="0">
+                <a:latin typeface="PingFang SC Light" panose="020B0300000000000000" pitchFamily="34" charset="-122"/>
+                <a:ea typeface="PingFang SC Light" panose="020B0300000000000000" pitchFamily="34" charset="-122"/>
+              </a:defRPr>
+            </a:lvl2pPr>
+            <a:lvl3pPr marL="630000" indent="0">
+              <a:buNone/>
+              <a:defRPr sz="1200" b="0" i="0">
+                <a:latin typeface="PingFang SC Light" panose="020B0300000000000000" pitchFamily="34" charset="-122"/>
+                <a:ea typeface="PingFang SC Light" panose="020B0300000000000000" pitchFamily="34" charset="-122"/>
+              </a:defRPr>
+            </a:lvl3pPr>
+            <a:lvl4pPr marL="1008000" indent="0">
+              <a:buNone/>
+              <a:defRPr sz="1200" b="0" i="0">
+                <a:latin typeface="PingFang SC Light" panose="020B0300000000000000" pitchFamily="34" charset="-122"/>
+                <a:ea typeface="PingFang SC Light" panose="020B0300000000000000" pitchFamily="34" charset="-122"/>
+              </a:defRPr>
+            </a:lvl4pPr>
+            <a:lvl5pPr marL="1368000" indent="0">
+              <a:buNone/>
+              <a:defRPr sz="1200" b="0" i="0">
+                <a:latin typeface="PingFang SC Light" panose="020B0300000000000000" pitchFamily="34" charset="-122"/>
+                <a:ea typeface="PingFang SC Light" panose="020B0300000000000000" pitchFamily="34" charset="-122"/>
+              </a:defRPr>
+            </a:lvl5pPr>
+          </a:lstStyle>
+          <a:p>
+            <a:pPr lvl="0"/>
+            <a:r>
+              <a:rPr lang="en-US" altLang="zh-CN" dirty="0"/>
+              <a:t>verb</a:t>
+            </a:r>
+            <a:endParaRPr lang="en-JP" dirty="0"/>
+          </a:p>
+        </p:txBody>
+      </p:sp>
+      <p:sp>
+        <p:nvSpPr>
+          <p:cNvPr id="38" name="Text Placeholder 6">
+            <a:extLst>
+              <a:ext uri="{FF2B5EF4-FFF2-40B4-BE49-F238E27FC236}">
+                <a16:creationId xmlns:a16="http://schemas.microsoft.com/office/drawing/2014/main" id="{FC23AD70-C21F-2D47-8286-79E21C55807A}"/>
+              </a:ext>
+            </a:extLst>
+          </p:cNvPr>
+          <p:cNvSpPr>
+            <a:spLocks noGrp="1"/>
+          </p:cNvSpPr>
+          <p:nvPr>
+            <p:ph type="body" sz="quarter" idx="12" hasCustomPrompt="1"/>
+          </p:nvPr>
+        </p:nvSpPr>
+        <p:spPr>
+          <a:xfrm>
+            <a:off x="6723" y="2165121"/>
+            <a:ext cx="5756284" cy="1133785"/>
+          </a:xfrm>
+          <a:prstGeom prst="rect">
+            <a:avLst/>
+          </a:prstGeom>
+        </p:spPr>
+        <p:txBody>
+          <a:bodyPr anchor="ctr"/>
+          <a:lstStyle>
+            <a:lvl1pPr marL="0" indent="0" algn="r">
+              <a:buNone/>
+              <a:defRPr sz="5800" b="1" i="0">
+                <a:solidFill>
+                  <a:schemeClr val="accent1">
+                    <a:lumMod val="75000"/>
+                  </a:schemeClr>
+                </a:solidFill>
+                <a:latin typeface="+mj-lt"/>
+                <a:ea typeface="Roboto Medium" pitchFamily="2" charset="0"/>
+              </a:defRPr>
+            </a:lvl1pPr>
+            <a:lvl2pPr marL="324000" indent="0">
+              <a:buNone/>
+              <a:defRPr sz="1200" b="0" i="0">
+                <a:latin typeface="PingFang SC Light" panose="020B0300000000000000" pitchFamily="34" charset="-122"/>
+                <a:ea typeface="PingFang SC Light" panose="020B0300000000000000" pitchFamily="34" charset="-122"/>
+              </a:defRPr>
+            </a:lvl2pPr>
+            <a:lvl3pPr marL="630000" indent="0">
+              <a:buNone/>
+              <a:defRPr sz="1200" b="0" i="0">
+                <a:latin typeface="PingFang SC Light" panose="020B0300000000000000" pitchFamily="34" charset="-122"/>
+                <a:ea typeface="PingFang SC Light" panose="020B0300000000000000" pitchFamily="34" charset="-122"/>
+              </a:defRPr>
+            </a:lvl3pPr>
+            <a:lvl4pPr marL="1008000" indent="0">
+              <a:buNone/>
+              <a:defRPr sz="1200" b="0" i="0">
+                <a:latin typeface="PingFang SC Light" panose="020B0300000000000000" pitchFamily="34" charset="-122"/>
+                <a:ea typeface="PingFang SC Light" panose="020B0300000000000000" pitchFamily="34" charset="-122"/>
+              </a:defRPr>
+            </a:lvl4pPr>
+            <a:lvl5pPr marL="1368000" indent="0">
+              <a:buNone/>
+              <a:defRPr sz="1200" b="0" i="0">
+                <a:latin typeface="PingFang SC Light" panose="020B0300000000000000" pitchFamily="34" charset="-122"/>
+                <a:ea typeface="PingFang SC Light" panose="020B0300000000000000" pitchFamily="34" charset="-122"/>
+              </a:defRPr>
+            </a:lvl5pPr>
+          </a:lstStyle>
+          <a:p>
+            <a:pPr lvl="0"/>
+            <a:r>
+              <a:rPr lang="en-US" altLang="zh-CN" dirty="0"/>
+              <a:t>verb</a:t>
+            </a:r>
+            <a:endParaRPr lang="en-JP" dirty="0"/>
+          </a:p>
+        </p:txBody>
+      </p:sp>
+      <p:sp>
+        <p:nvSpPr>
+          <p:cNvPr id="39" name="Text Placeholder 6">
+            <a:extLst>
+              <a:ext uri="{FF2B5EF4-FFF2-40B4-BE49-F238E27FC236}">
+                <a16:creationId xmlns:a16="http://schemas.microsoft.com/office/drawing/2014/main" id="{DB3A96E7-0AF8-A440-BE27-23B5D7B2DE3A}"/>
+              </a:ext>
+            </a:extLst>
+          </p:cNvPr>
+          <p:cNvSpPr>
+            <a:spLocks noGrp="1"/>
+          </p:cNvSpPr>
+          <p:nvPr>
+            <p:ph type="body" sz="quarter" idx="13" hasCustomPrompt="1"/>
+          </p:nvPr>
+        </p:nvSpPr>
+        <p:spPr>
+          <a:xfrm>
+            <a:off x="6723" y="3462134"/>
+            <a:ext cx="5756284" cy="2022179"/>
+          </a:xfrm>
+          <a:prstGeom prst="rect">
+            <a:avLst/>
+          </a:prstGeom>
+        </p:spPr>
+        <p:txBody>
+          <a:bodyPr anchor="t"/>
+          <a:lstStyle>
+            <a:lvl1pPr marL="0" indent="0" algn="r">
+              <a:buNone/>
+              <a:defRPr sz="2400" b="0" i="0">
+                <a:solidFill>
+                  <a:schemeClr val="accent1">
+                    <a:lumMod val="75000"/>
+                  </a:schemeClr>
+                </a:solidFill>
+                <a:latin typeface="+mj-lt"/>
+                <a:ea typeface="PingFang SC Light" panose="020B0300000000000000" pitchFamily="34" charset="-122"/>
+              </a:defRPr>
+            </a:lvl1pPr>
+            <a:lvl2pPr marL="324000" indent="0">
+              <a:buNone/>
+              <a:defRPr sz="1200" b="0" i="0">
+                <a:latin typeface="PingFang SC Light" panose="020B0300000000000000" pitchFamily="34" charset="-122"/>
+                <a:ea typeface="PingFang SC Light" panose="020B0300000000000000" pitchFamily="34" charset="-122"/>
+              </a:defRPr>
+            </a:lvl2pPr>
+            <a:lvl3pPr marL="630000" indent="0">
+              <a:buNone/>
+              <a:defRPr sz="1200" b="0" i="0">
+                <a:latin typeface="PingFang SC Light" panose="020B0300000000000000" pitchFamily="34" charset="-122"/>
+                <a:ea typeface="PingFang SC Light" panose="020B0300000000000000" pitchFamily="34" charset="-122"/>
+              </a:defRPr>
+            </a:lvl3pPr>
+            <a:lvl4pPr marL="1008000" indent="0">
+              <a:buNone/>
+              <a:defRPr sz="1200" b="0" i="0">
+                <a:latin typeface="PingFang SC Light" panose="020B0300000000000000" pitchFamily="34" charset="-122"/>
+                <a:ea typeface="PingFang SC Light" panose="020B0300000000000000" pitchFamily="34" charset="-122"/>
+              </a:defRPr>
+            </a:lvl4pPr>
+            <a:lvl5pPr marL="1368000" indent="0">
+              <a:buNone/>
+              <a:defRPr sz="1200" b="0" i="0">
+                <a:latin typeface="PingFang SC Light" panose="020B0300000000000000" pitchFamily="34" charset="-122"/>
+                <a:ea typeface="PingFang SC Light" panose="020B0300000000000000" pitchFamily="34" charset="-122"/>
+              </a:defRPr>
+            </a:lvl5pPr>
+          </a:lstStyle>
+          <a:p>
+            <a:pPr lvl="0"/>
+            <a:r>
+              <a:rPr lang="zh-CN" altLang="en-JP" dirty="0"/>
+              <a:t>翻译</a:t>
+            </a:r>
+            <a:r>
+              <a:rPr lang="en-US" altLang="zh-CN" dirty="0"/>
+              <a:t>1</a:t>
+            </a:r>
+          </a:p>
+          <a:p>
+            <a:pPr lvl="0"/>
+            <a:r>
+              <a:rPr lang="zh-CN" altLang="en-US" dirty="0"/>
+              <a:t>翻译</a:t>
+            </a:r>
+            <a:r>
+              <a:rPr lang="en-US" altLang="zh-CN" dirty="0"/>
+              <a:t>2</a:t>
+            </a:r>
+          </a:p>
+          <a:p>
+            <a:pPr lvl="0"/>
+            <a:r>
+              <a:rPr lang="zh-CN" altLang="en-US" dirty="0"/>
+              <a:t>翻译</a:t>
+            </a:r>
+            <a:r>
+              <a:rPr lang="en-US" altLang="zh-CN" dirty="0"/>
+              <a:t>3</a:t>
+            </a:r>
+          </a:p>
+          <a:p>
+            <a:pPr lvl="0"/>
+            <a:r>
+              <a:rPr lang="zh-CN" altLang="en-US" dirty="0"/>
+              <a:t>翻译</a:t>
+            </a:r>
+            <a:r>
+              <a:rPr lang="en-US" altLang="zh-CN" dirty="0"/>
+              <a:t>4</a:t>
+            </a:r>
+          </a:p>
+        </p:txBody>
+      </p:sp>
+      <p:sp>
+        <p:nvSpPr>
+          <p:cNvPr id="23" name="Text Placeholder 6">
+            <a:extLst>
+              <a:ext uri="{FF2B5EF4-FFF2-40B4-BE49-F238E27FC236}">
+                <a16:creationId xmlns:a16="http://schemas.microsoft.com/office/drawing/2014/main" id="{E3161DD5-B711-3943-9B6B-17ADD13811CB}"/>
+              </a:ext>
+            </a:extLst>
+          </p:cNvPr>
+          <p:cNvSpPr>
+            <a:spLocks noGrp="1"/>
+          </p:cNvSpPr>
+          <p:nvPr>
+            <p:ph type="body" sz="quarter" idx="14" hasCustomPrompt="1"/>
+          </p:nvPr>
+        </p:nvSpPr>
+        <p:spPr>
+          <a:xfrm>
+            <a:off x="6519134" y="1769782"/>
+            <a:ext cx="2116866" cy="3058247"/>
+          </a:xfrm>
+          <a:prstGeom prst="rect">
+            <a:avLst/>
+          </a:prstGeom>
+        </p:spPr>
+        <p:txBody>
+          <a:bodyPr vert="horz" anchor="ctr"/>
+          <a:lstStyle>
+            <a:lvl1pPr marL="0" marR="0" indent="0" algn="r" defTabSz="457200" rtl="0" eaLnBrk="1" fontAlgn="auto" latinLnBrk="0" hangingPunct="1">
+              <a:lnSpc>
+                <a:spcPct val="150000"/>
+              </a:lnSpc>
+              <a:spcBef>
+                <a:spcPct val="20000"/>
+              </a:spcBef>
+              <a:spcAft>
+                <a:spcPts val="600"/>
+              </a:spcAft>
+              <a:buClr>
+                <a:schemeClr val="accent2"/>
+              </a:buClr>
+              <a:buSzPct val="92000"/>
+              <a:buFont typeface="Arial" panose="020B0604020202020204" pitchFamily="34" charset="0"/>
+              <a:buNone/>
+              <a:tabLst/>
+              <a:defRPr sz="1600" b="0" i="0">
+                <a:solidFill>
+                  <a:schemeClr val="accent1">
+                    <a:lumMod val="60000"/>
+                    <a:lumOff val="40000"/>
+                  </a:schemeClr>
+                </a:solidFill>
+                <a:latin typeface="+mj-lt"/>
+                <a:ea typeface="PingFang SC Medium" panose="020B0400000000000000" pitchFamily="34" charset="-122"/>
+                <a:cs typeface="Helvetica Neue" panose="02000503000000020004" pitchFamily="2" charset="0"/>
+              </a:defRPr>
+            </a:lvl1pPr>
+            <a:lvl2pPr>
+              <a:defRPr>
+                <a:solidFill>
+                  <a:schemeClr val="tx1">
+                    <a:lumMod val="95000"/>
+                    <a:lumOff val="5000"/>
+                  </a:schemeClr>
+                </a:solidFill>
+                <a:latin typeface="Helvetica Neue" panose="02000503000000020004" pitchFamily="2" charset="0"/>
+                <a:ea typeface="Helvetica Neue" panose="02000503000000020004" pitchFamily="2" charset="0"/>
+                <a:cs typeface="Helvetica Neue" panose="02000503000000020004" pitchFamily="2" charset="0"/>
+              </a:defRPr>
+            </a:lvl2pPr>
+            <a:lvl3pPr>
+              <a:defRPr>
+                <a:solidFill>
+                  <a:schemeClr val="tx1">
+                    <a:lumMod val="95000"/>
+                    <a:lumOff val="5000"/>
+                  </a:schemeClr>
+                </a:solidFill>
+                <a:latin typeface="Helvetica Neue" panose="02000503000000020004" pitchFamily="2" charset="0"/>
+                <a:ea typeface="Helvetica Neue" panose="02000503000000020004" pitchFamily="2" charset="0"/>
+                <a:cs typeface="Helvetica Neue" panose="02000503000000020004" pitchFamily="2" charset="0"/>
+              </a:defRPr>
+            </a:lvl3pPr>
+            <a:lvl4pPr>
+              <a:defRPr>
+                <a:solidFill>
+                  <a:schemeClr val="tx1">
+                    <a:lumMod val="95000"/>
+                    <a:lumOff val="5000"/>
+                  </a:schemeClr>
+                </a:solidFill>
+                <a:latin typeface="Helvetica Neue" panose="02000503000000020004" pitchFamily="2" charset="0"/>
+                <a:ea typeface="Helvetica Neue" panose="02000503000000020004" pitchFamily="2" charset="0"/>
+                <a:cs typeface="Helvetica Neue" panose="02000503000000020004" pitchFamily="2" charset="0"/>
+              </a:defRPr>
+            </a:lvl4pPr>
+            <a:lvl5pPr>
+              <a:defRPr>
+                <a:solidFill>
+                  <a:schemeClr val="tx1">
+                    <a:lumMod val="95000"/>
+                    <a:lumOff val="5000"/>
+                  </a:schemeClr>
+                </a:solidFill>
+                <a:latin typeface="Helvetica Neue" panose="02000503000000020004" pitchFamily="2" charset="0"/>
+                <a:ea typeface="Helvetica Neue" panose="02000503000000020004" pitchFamily="2" charset="0"/>
+                <a:cs typeface="Helvetica Neue" panose="02000503000000020004" pitchFamily="2" charset="0"/>
+              </a:defRPr>
+            </a:lvl5pPr>
+          </a:lstStyle>
+          <a:p>
+            <a:pPr lvl="0"/>
+            <a:r>
+              <a:rPr lang="zh-CN" altLang="en-CN" dirty="0"/>
+              <a:t>时态</a:t>
+            </a:r>
+            <a:endParaRPr lang="en-US" altLang="zh-CN" dirty="0"/>
+          </a:p>
+          <a:p>
+            <a:pPr lvl="0"/>
+            <a:r>
+              <a:rPr lang="zh-CN" altLang="en-US" dirty="0"/>
+              <a:t>时态</a:t>
+            </a:r>
+            <a:r>
+              <a:rPr lang="en-US" altLang="zh-CN" dirty="0"/>
+              <a:t>2</a:t>
+            </a:r>
+          </a:p>
+          <a:p>
+            <a:pPr lvl="0"/>
+            <a:r>
+              <a:rPr lang="zh-CN" altLang="en-US" dirty="0"/>
+              <a:t>时态</a:t>
+            </a:r>
+            <a:r>
+              <a:rPr lang="en-US" altLang="zh-CN" dirty="0"/>
+              <a:t>3</a:t>
+            </a:r>
+          </a:p>
+          <a:p>
+            <a:pPr lvl="0"/>
+            <a:r>
+              <a:rPr lang="zh-CN" altLang="en-US" dirty="0"/>
+              <a:t>时态</a:t>
+            </a:r>
+            <a:r>
+              <a:rPr lang="en-US" altLang="zh-CN" dirty="0"/>
+              <a:t>4</a:t>
+            </a:r>
+          </a:p>
+        </p:txBody>
+      </p:sp>
+      <p:sp>
+        <p:nvSpPr>
+          <p:cNvPr id="24" name="Text Placeholder 6">
+            <a:extLst>
+              <a:ext uri="{FF2B5EF4-FFF2-40B4-BE49-F238E27FC236}">
+                <a16:creationId xmlns:a16="http://schemas.microsoft.com/office/drawing/2014/main" id="{420CD529-CF25-D948-A3F5-05E037D44B1C}"/>
+              </a:ext>
+            </a:extLst>
+          </p:cNvPr>
+          <p:cNvSpPr>
+            <a:spLocks noGrp="1"/>
+          </p:cNvSpPr>
+          <p:nvPr>
+            <p:ph type="body" sz="quarter" idx="15" hasCustomPrompt="1"/>
+          </p:nvPr>
+        </p:nvSpPr>
+        <p:spPr>
+          <a:xfrm>
+            <a:off x="8636000" y="1769782"/>
+            <a:ext cx="3555552" cy="3058247"/>
+          </a:xfrm>
+          <a:prstGeom prst="rect">
+            <a:avLst/>
+          </a:prstGeom>
+        </p:spPr>
+        <p:txBody>
+          <a:bodyPr vert="horz" anchor="ctr"/>
+          <a:lstStyle>
+            <a:lvl1pPr marL="0" marR="0" indent="0" algn="l" defTabSz="457200" rtl="0" eaLnBrk="1" fontAlgn="auto" latinLnBrk="0" hangingPunct="1">
+              <a:lnSpc>
+                <a:spcPct val="150000"/>
+              </a:lnSpc>
+              <a:spcBef>
+                <a:spcPct val="20000"/>
+              </a:spcBef>
+              <a:spcAft>
+                <a:spcPts val="600"/>
+              </a:spcAft>
+              <a:buClr>
+                <a:schemeClr val="accent2"/>
+              </a:buClr>
+              <a:buSzPct val="92000"/>
+              <a:buFont typeface="Arial" panose="020B0604020202020204" pitchFamily="34" charset="0"/>
+              <a:buNone/>
+              <a:tabLst/>
+              <a:defRPr sz="1600" b="0" i="0">
+                <a:solidFill>
+                  <a:schemeClr val="accent1">
+                    <a:lumMod val="75000"/>
+                  </a:schemeClr>
+                </a:solidFill>
+                <a:latin typeface="+mj-lt"/>
+                <a:ea typeface="PingFang SC" panose="020B0400000000000000" pitchFamily="34" charset="-122"/>
+                <a:cs typeface="Helvetica Neue" panose="02000503000000020004" pitchFamily="2" charset="0"/>
+              </a:defRPr>
+            </a:lvl1pPr>
+            <a:lvl2pPr>
+              <a:defRPr>
+                <a:solidFill>
+                  <a:schemeClr val="tx1">
+                    <a:lumMod val="95000"/>
+                    <a:lumOff val="5000"/>
+                  </a:schemeClr>
+                </a:solidFill>
+                <a:latin typeface="Helvetica Neue" panose="02000503000000020004" pitchFamily="2" charset="0"/>
+                <a:ea typeface="Helvetica Neue" panose="02000503000000020004" pitchFamily="2" charset="0"/>
+                <a:cs typeface="Helvetica Neue" panose="02000503000000020004" pitchFamily="2" charset="0"/>
+              </a:defRPr>
+            </a:lvl2pPr>
+            <a:lvl3pPr>
+              <a:defRPr>
+                <a:solidFill>
+                  <a:schemeClr val="tx1">
+                    <a:lumMod val="95000"/>
+                    <a:lumOff val="5000"/>
+                  </a:schemeClr>
+                </a:solidFill>
+                <a:latin typeface="Helvetica Neue" panose="02000503000000020004" pitchFamily="2" charset="0"/>
+                <a:ea typeface="Helvetica Neue" panose="02000503000000020004" pitchFamily="2" charset="0"/>
+                <a:cs typeface="Helvetica Neue" panose="02000503000000020004" pitchFamily="2" charset="0"/>
+              </a:defRPr>
+            </a:lvl3pPr>
+            <a:lvl4pPr>
+              <a:defRPr>
+                <a:solidFill>
+                  <a:schemeClr val="tx1">
+                    <a:lumMod val="95000"/>
+                    <a:lumOff val="5000"/>
+                  </a:schemeClr>
+                </a:solidFill>
+                <a:latin typeface="Helvetica Neue" panose="02000503000000020004" pitchFamily="2" charset="0"/>
+                <a:ea typeface="Helvetica Neue" panose="02000503000000020004" pitchFamily="2" charset="0"/>
+                <a:cs typeface="Helvetica Neue" panose="02000503000000020004" pitchFamily="2" charset="0"/>
+              </a:defRPr>
+            </a:lvl4pPr>
+            <a:lvl5pPr>
+              <a:defRPr>
+                <a:solidFill>
+                  <a:schemeClr val="tx1">
+                    <a:lumMod val="95000"/>
+                    <a:lumOff val="5000"/>
+                  </a:schemeClr>
+                </a:solidFill>
+                <a:latin typeface="Helvetica Neue" panose="02000503000000020004" pitchFamily="2" charset="0"/>
+                <a:ea typeface="Helvetica Neue" panose="02000503000000020004" pitchFamily="2" charset="0"/>
+                <a:cs typeface="Helvetica Neue" panose="02000503000000020004" pitchFamily="2" charset="0"/>
+              </a:defRPr>
+            </a:lvl5pPr>
+          </a:lstStyle>
+          <a:p>
+            <a:pPr lvl="0"/>
+            <a:r>
+              <a:rPr lang="zh-CN" altLang="en-US" dirty="0"/>
+              <a:t>变位</a:t>
+            </a:r>
+            <a:endParaRPr lang="en-US" altLang="zh-CN" dirty="0"/>
+          </a:p>
+          <a:p>
+            <a:pPr lvl="0"/>
+            <a:r>
+              <a:rPr lang="zh-CN" altLang="en-US" dirty="0"/>
+              <a:t>变位</a:t>
+            </a:r>
+            <a:r>
+              <a:rPr lang="en-US" altLang="zh-CN" dirty="0"/>
+              <a:t>2</a:t>
+            </a:r>
+          </a:p>
+          <a:p>
+            <a:pPr lvl="0"/>
+            <a:r>
+              <a:rPr lang="zh-CN" altLang="en-US" dirty="0"/>
+              <a:t>变位</a:t>
+            </a:r>
+            <a:r>
+              <a:rPr lang="en-US" altLang="zh-CN" dirty="0"/>
+              <a:t>3</a:t>
+            </a:r>
+          </a:p>
+          <a:p>
+            <a:pPr lvl="0"/>
+            <a:r>
+              <a:rPr lang="zh-CN" altLang="en-US" dirty="0"/>
+              <a:t>变位</a:t>
+            </a:r>
+            <a:r>
+              <a:rPr lang="en-US" altLang="zh-CN" dirty="0"/>
+              <a:t>4</a:t>
+            </a:r>
+          </a:p>
+        </p:txBody>
+      </p:sp>
     </p:spTree>
     <p:extLst>
       <p:ext uri="{BB962C8B-B14F-4D97-AF65-F5344CB8AC3E}">
-        <p14:creationId xmlns:p14="http://schemas.microsoft.com/office/powerpoint/2010/main" val="205283214"/>
+        <p14:creationId xmlns:p14="http://schemas.microsoft.com/office/powerpoint/2010/main" val="1673386510"/>
       </p:ext>
     </p:extLst>
   </p:cSld>
@@ -867,9 +1562,9 @@
 </p:sldLayout>
 </file>
 
-<file path=ppt/slideLayouts/slideLayout10.xml><?xml version="1.0" encoding="utf-8"?>
+<file path=ppt/slideLayouts/slideLayout11.xml><?xml version="1.0" encoding="utf-8"?>
 <p:sldLayout xmlns:a="http://schemas.openxmlformats.org/drawingml/2006/main" xmlns:r="http://schemas.openxmlformats.org/officeDocument/2006/relationships" xmlns:p="http://schemas.openxmlformats.org/presentationml/2006/main" preserve="1" userDrawn="1">
-  <p:cSld name="Verb with extension A">
+  <p:cSld name="Verb with extension C">
     <p:spTree>
       <p:nvGrpSpPr>
         <p:cNvPr id="1" name=""/>
@@ -886,10 +1581,10 @@
       </p:grpSpPr>
       <p:pic>
         <p:nvPicPr>
-          <p:cNvPr id="22" name="Picture 21">
+          <p:cNvPr id="9" name="Picture 8">
             <a:extLst>
               <a:ext uri="{FF2B5EF4-FFF2-40B4-BE49-F238E27FC236}">
-                <a16:creationId xmlns:a16="http://schemas.microsoft.com/office/drawing/2014/main" id="{F34D071D-C22F-9D42-8D15-EDBB11327A41}"/>
+                <a16:creationId xmlns:a16="http://schemas.microsoft.com/office/drawing/2014/main" id="{1252C56F-5514-9C43-BD77-EB8DBCADF131}"/>
               </a:ext>
             </a:extLst>
           </p:cNvPr>
@@ -906,8 +1601,8 @@
         </p:blipFill>
         <p:spPr>
           <a:xfrm>
-            <a:off x="0" y="0"/>
-            <a:ext cx="12192000" cy="6858000"/>
+            <a:off x="-2" y="3868"/>
+            <a:ext cx="12192001" cy="6858001"/>
           </a:xfrm>
           <a:prstGeom prst="rect">
             <a:avLst/>
@@ -928,7 +1623,7 @@
         </p:nvSpPr>
         <p:spPr>
           <a:xfrm>
-            <a:off x="5334317" y="1205573"/>
+            <a:off x="5086684" y="1205573"/>
             <a:ext cx="669600" cy="324000"/>
           </a:xfrm>
           <a:prstGeom prst="roundRect">
@@ -997,7 +1692,7 @@
         </p:nvSpPr>
         <p:spPr>
           <a:xfrm>
-            <a:off x="5334318" y="1198329"/>
+            <a:off x="5086685" y="1198329"/>
             <a:ext cx="669599" cy="324000"/>
           </a:xfrm>
           <a:prstGeom prst="rect">
@@ -1009,11 +1704,13 @@
           <a:lstStyle>
             <a:lvl1pPr marL="0" indent="0" algn="ctr">
               <a:buNone/>
-              <a:defRPr sz="1400" b="0" i="0">
-                <a:solidFill>
-                  <a:srgbClr val="4B0707"/>
-                </a:solidFill>
-                <a:latin typeface="Roboto" pitchFamily="2" charset="0"/>
+              <a:defRPr sz="1400" b="1" i="0">
+                <a:solidFill>
+                  <a:schemeClr val="accent1">
+                    <a:lumMod val="75000"/>
+                  </a:schemeClr>
+                </a:solidFill>
+                <a:latin typeface="+mj-lt"/>
                 <a:ea typeface="Roboto" pitchFamily="2" charset="0"/>
               </a:defRPr>
             </a:lvl1pPr>
@@ -1077,7 +1774,7 @@
         </p:nvSpPr>
         <p:spPr>
           <a:xfrm>
-            <a:off x="339716" y="1656938"/>
+            <a:off x="0" y="1656938"/>
             <a:ext cx="5756284" cy="410271"/>
           </a:xfrm>
           <a:prstGeom prst="rect">
@@ -1089,11 +1786,13 @@
           <a:lstStyle>
             <a:lvl1pPr marL="0" indent="0" algn="r">
               <a:buNone/>
-              <a:defRPr sz="2400" b="0" i="0">
-                <a:solidFill>
-                  <a:srgbClr val="4B0707"/>
-                </a:solidFill>
-                <a:latin typeface="Roboto Medium" pitchFamily="2" charset="0"/>
+              <a:defRPr sz="2400" b="1" i="0">
+                <a:solidFill>
+                  <a:schemeClr val="accent1">
+                    <a:lumMod val="75000"/>
+                  </a:schemeClr>
+                </a:solidFill>
+                <a:latin typeface="+mj-lt"/>
                 <a:ea typeface="Roboto Medium" pitchFamily="2" charset="0"/>
               </a:defRPr>
             </a:lvl1pPr>
@@ -1154,7 +1853,7 @@
         </p:nvSpPr>
         <p:spPr>
           <a:xfrm>
-            <a:off x="339716" y="2165121"/>
+            <a:off x="0" y="2165121"/>
             <a:ext cx="5756284" cy="1133785"/>
           </a:xfrm>
           <a:prstGeom prst="rect">
@@ -1166,11 +1865,13 @@
           <a:lstStyle>
             <a:lvl1pPr marL="0" indent="0" algn="r">
               <a:buNone/>
-              <a:defRPr sz="5800" b="0" i="0">
-                <a:solidFill>
-                  <a:srgbClr val="4B0707"/>
-                </a:solidFill>
-                <a:latin typeface="Roboto Medium" pitchFamily="2" charset="0"/>
+              <a:defRPr sz="5800" b="1" i="0">
+                <a:solidFill>
+                  <a:schemeClr val="accent1">
+                    <a:lumMod val="75000"/>
+                  </a:schemeClr>
+                </a:solidFill>
+                <a:latin typeface="+mj-lt"/>
                 <a:ea typeface="Roboto Medium" pitchFamily="2" charset="0"/>
               </a:defRPr>
             </a:lvl1pPr>
@@ -1231,7 +1932,7 @@
         </p:nvSpPr>
         <p:spPr>
           <a:xfrm>
-            <a:off x="339716" y="3462134"/>
+            <a:off x="0" y="3462134"/>
             <a:ext cx="5756284" cy="2022179"/>
           </a:xfrm>
           <a:prstGeom prst="rect">
@@ -1245,2626 +1946,11 @@
               <a:buNone/>
               <a:defRPr sz="2400" b="0" i="0">
                 <a:solidFill>
-                  <a:srgbClr val="4B0707"/>
-                </a:solidFill>
-                <a:latin typeface="PingFang SC Light" panose="020B0300000000000000" pitchFamily="34" charset="-122"/>
-                <a:ea typeface="PingFang SC Light" panose="020B0300000000000000" pitchFamily="34" charset="-122"/>
-              </a:defRPr>
-            </a:lvl1pPr>
-            <a:lvl2pPr marL="324000" indent="0">
-              <a:buNone/>
-              <a:defRPr sz="1200" b="0" i="0">
-                <a:latin typeface="PingFang SC Light" panose="020B0300000000000000" pitchFamily="34" charset="-122"/>
-                <a:ea typeface="PingFang SC Light" panose="020B0300000000000000" pitchFamily="34" charset="-122"/>
-              </a:defRPr>
-            </a:lvl2pPr>
-            <a:lvl3pPr marL="630000" indent="0">
-              <a:buNone/>
-              <a:defRPr sz="1200" b="0" i="0">
-                <a:latin typeface="PingFang SC Light" panose="020B0300000000000000" pitchFamily="34" charset="-122"/>
-                <a:ea typeface="PingFang SC Light" panose="020B0300000000000000" pitchFamily="34" charset="-122"/>
-              </a:defRPr>
-            </a:lvl3pPr>
-            <a:lvl4pPr marL="1008000" indent="0">
-              <a:buNone/>
-              <a:defRPr sz="1200" b="0" i="0">
-                <a:latin typeface="PingFang SC Light" panose="020B0300000000000000" pitchFamily="34" charset="-122"/>
-                <a:ea typeface="PingFang SC Light" panose="020B0300000000000000" pitchFamily="34" charset="-122"/>
-              </a:defRPr>
-            </a:lvl4pPr>
-            <a:lvl5pPr marL="1368000" indent="0">
-              <a:buNone/>
-              <a:defRPr sz="1200" b="0" i="0">
-                <a:latin typeface="PingFang SC Light" panose="020B0300000000000000" pitchFamily="34" charset="-122"/>
-                <a:ea typeface="PingFang SC Light" panose="020B0300000000000000" pitchFamily="34" charset="-122"/>
-              </a:defRPr>
-            </a:lvl5pPr>
-          </a:lstStyle>
-          <a:p>
-            <a:pPr lvl="0"/>
-            <a:r>
-              <a:rPr lang="zh-CN" altLang="en-JP" dirty="0"/>
-              <a:t>翻译</a:t>
-            </a:r>
-            <a:r>
-              <a:rPr lang="en-US" altLang="zh-CN" dirty="0"/>
-              <a:t>1</a:t>
-            </a:r>
-          </a:p>
-          <a:p>
-            <a:pPr lvl="0"/>
-            <a:r>
-              <a:rPr lang="zh-CN" altLang="en-US" dirty="0"/>
-              <a:t>翻译</a:t>
-            </a:r>
-            <a:r>
-              <a:rPr lang="en-US" altLang="zh-CN" dirty="0"/>
-              <a:t>2</a:t>
-            </a:r>
-          </a:p>
-          <a:p>
-            <a:pPr lvl="0"/>
-            <a:r>
-              <a:rPr lang="zh-CN" altLang="en-US" dirty="0"/>
-              <a:t>翻译</a:t>
-            </a:r>
-            <a:r>
-              <a:rPr lang="en-US" altLang="zh-CN" dirty="0"/>
-              <a:t>3</a:t>
-            </a:r>
-          </a:p>
-          <a:p>
-            <a:pPr lvl="0"/>
-            <a:r>
-              <a:rPr lang="zh-CN" altLang="en-US" dirty="0"/>
-              <a:t>翻译</a:t>
-            </a:r>
-            <a:r>
-              <a:rPr lang="en-US" altLang="zh-CN" dirty="0"/>
-              <a:t>4</a:t>
-            </a:r>
-          </a:p>
-        </p:txBody>
-      </p:sp>
-      <p:sp>
-        <p:nvSpPr>
-          <p:cNvPr id="40" name="TextBox 39">
-            <a:extLst>
-              <a:ext uri="{FF2B5EF4-FFF2-40B4-BE49-F238E27FC236}">
-                <a16:creationId xmlns:a16="http://schemas.microsoft.com/office/drawing/2014/main" id="{9798949B-6646-C944-88DD-4397EA726AEF}"/>
-              </a:ext>
-            </a:extLst>
-          </p:cNvPr>
-          <p:cNvSpPr txBox="1"/>
-          <p:nvPr userDrawn="1"/>
-        </p:nvSpPr>
-        <p:spPr>
-          <a:xfrm>
-            <a:off x="7276014" y="1027480"/>
-            <a:ext cx="348172" cy="276999"/>
-          </a:xfrm>
-          <a:prstGeom prst="rect">
-            <a:avLst/>
-          </a:prstGeom>
-          <a:noFill/>
-        </p:spPr>
-        <p:txBody>
-          <a:bodyPr wrap="none" rtlCol="0">
-            <a:spAutoFit/>
-          </a:bodyPr>
-          <a:lstStyle/>
-          <a:p>
-            <a:pPr algn="r"/>
-            <a:r>
-              <a:rPr lang="en-CN" sz="1200" b="0" i="0" dirty="0">
-                <a:solidFill>
-                  <a:srgbClr val="A78078"/>
-                </a:solidFill>
-                <a:latin typeface="Roboto" pitchFamily="2" charset="0"/>
-                <a:ea typeface="Roboto" pitchFamily="2" charset="0"/>
-              </a:rPr>
-              <a:t>yo</a:t>
-            </a:r>
-          </a:p>
-        </p:txBody>
-      </p:sp>
-      <p:sp>
-        <p:nvSpPr>
-          <p:cNvPr id="41" name="Text Placeholder 6">
-            <a:extLst>
-              <a:ext uri="{FF2B5EF4-FFF2-40B4-BE49-F238E27FC236}">
-                <a16:creationId xmlns:a16="http://schemas.microsoft.com/office/drawing/2014/main" id="{6BF1ED9F-A6FE-124C-9E0A-DDBCF2D42D24}"/>
-              </a:ext>
-            </a:extLst>
-          </p:cNvPr>
-          <p:cNvSpPr>
-            <a:spLocks noGrp="1"/>
-          </p:cNvSpPr>
-          <p:nvPr>
-            <p:ph type="body" sz="quarter" idx="14" hasCustomPrompt="1"/>
-          </p:nvPr>
-        </p:nvSpPr>
-        <p:spPr>
-          <a:xfrm>
-            <a:off x="7746274" y="769979"/>
-            <a:ext cx="4323805" cy="792000"/>
-          </a:xfrm>
-          <a:prstGeom prst="rect">
-            <a:avLst/>
-          </a:prstGeom>
-        </p:spPr>
-        <p:txBody>
-          <a:bodyPr vert="horz" anchor="ctr"/>
-          <a:lstStyle>
-            <a:lvl1pPr marL="0" indent="0" algn="l">
-              <a:buNone/>
-              <a:defRPr sz="2400" b="0" i="0">
-                <a:solidFill>
-                  <a:srgbClr val="4B0707"/>
-                </a:solidFill>
-                <a:latin typeface="Roboto Medium" pitchFamily="2" charset="0"/>
-                <a:ea typeface="Roboto Medium" pitchFamily="2" charset="0"/>
-                <a:cs typeface="Helvetica Neue" panose="02000503000000020004" pitchFamily="2" charset="0"/>
-              </a:defRPr>
-            </a:lvl1pPr>
-            <a:lvl2pPr>
-              <a:defRPr>
-                <a:solidFill>
-                  <a:schemeClr val="tx1">
-                    <a:lumMod val="95000"/>
-                    <a:lumOff val="5000"/>
-                  </a:schemeClr>
-                </a:solidFill>
-                <a:latin typeface="Helvetica Neue" panose="02000503000000020004" pitchFamily="2" charset="0"/>
-                <a:ea typeface="Helvetica Neue" panose="02000503000000020004" pitchFamily="2" charset="0"/>
-                <a:cs typeface="Helvetica Neue" panose="02000503000000020004" pitchFamily="2" charset="0"/>
-              </a:defRPr>
-            </a:lvl2pPr>
-            <a:lvl3pPr>
-              <a:defRPr>
-                <a:solidFill>
-                  <a:schemeClr val="tx1">
-                    <a:lumMod val="95000"/>
-                    <a:lumOff val="5000"/>
-                  </a:schemeClr>
-                </a:solidFill>
-                <a:latin typeface="Helvetica Neue" panose="02000503000000020004" pitchFamily="2" charset="0"/>
-                <a:ea typeface="Helvetica Neue" panose="02000503000000020004" pitchFamily="2" charset="0"/>
-                <a:cs typeface="Helvetica Neue" panose="02000503000000020004" pitchFamily="2" charset="0"/>
-              </a:defRPr>
-            </a:lvl3pPr>
-            <a:lvl4pPr>
-              <a:defRPr>
-                <a:solidFill>
-                  <a:schemeClr val="tx1">
-                    <a:lumMod val="95000"/>
-                    <a:lumOff val="5000"/>
-                  </a:schemeClr>
-                </a:solidFill>
-                <a:latin typeface="Helvetica Neue" panose="02000503000000020004" pitchFamily="2" charset="0"/>
-                <a:ea typeface="Helvetica Neue" panose="02000503000000020004" pitchFamily="2" charset="0"/>
-                <a:cs typeface="Helvetica Neue" panose="02000503000000020004" pitchFamily="2" charset="0"/>
-              </a:defRPr>
-            </a:lvl4pPr>
-            <a:lvl5pPr>
-              <a:defRPr>
-                <a:solidFill>
-                  <a:schemeClr val="tx1">
-                    <a:lumMod val="95000"/>
-                    <a:lumOff val="5000"/>
-                  </a:schemeClr>
-                </a:solidFill>
-                <a:latin typeface="Helvetica Neue" panose="02000503000000020004" pitchFamily="2" charset="0"/>
-                <a:ea typeface="Helvetica Neue" panose="02000503000000020004" pitchFamily="2" charset="0"/>
-                <a:cs typeface="Helvetica Neue" panose="02000503000000020004" pitchFamily="2" charset="0"/>
-              </a:defRPr>
-            </a:lvl5pPr>
-          </a:lstStyle>
-          <a:p>
-            <a:pPr lvl="0"/>
-            <a:r>
-              <a:rPr lang="en-US" altLang="zh-CN" dirty="0"/>
-              <a:t>v</a:t>
-            </a:r>
-            <a:r>
-              <a:rPr lang="en-CN" altLang="zh-CN"/>
-              <a:t>erb</a:t>
-            </a:r>
-            <a:endParaRPr lang="en-US" dirty="0"/>
-          </a:p>
-        </p:txBody>
-      </p:sp>
-      <p:sp>
-        <p:nvSpPr>
-          <p:cNvPr id="42" name="TextBox 41">
-            <a:extLst>
-              <a:ext uri="{FF2B5EF4-FFF2-40B4-BE49-F238E27FC236}">
-                <a16:creationId xmlns:a16="http://schemas.microsoft.com/office/drawing/2014/main" id="{8F050222-FE2D-4349-8883-E77284C17761}"/>
-              </a:ext>
-            </a:extLst>
-          </p:cNvPr>
-          <p:cNvSpPr txBox="1"/>
-          <p:nvPr userDrawn="1"/>
-        </p:nvSpPr>
-        <p:spPr>
-          <a:xfrm>
-            <a:off x="7303265" y="1824315"/>
-            <a:ext cx="320921" cy="276999"/>
-          </a:xfrm>
-          <a:prstGeom prst="rect">
-            <a:avLst/>
-          </a:prstGeom>
-          <a:noFill/>
-        </p:spPr>
-        <p:txBody>
-          <a:bodyPr wrap="none" rtlCol="0">
-            <a:spAutoFit/>
-          </a:bodyPr>
-          <a:lstStyle/>
-          <a:p>
-            <a:pPr algn="r"/>
-            <a:r>
-              <a:rPr lang="en-US" sz="1200" b="0" i="0" kern="1200" dirty="0" err="1">
-                <a:solidFill>
-                  <a:srgbClr val="A78078"/>
-                </a:solidFill>
-                <a:effectLst/>
-                <a:latin typeface="Roboto" pitchFamily="2" charset="0"/>
-                <a:ea typeface="Roboto" pitchFamily="2" charset="0"/>
-                <a:cs typeface="Helvetica Neue" panose="02000503000000020004" pitchFamily="2" charset="0"/>
-              </a:rPr>
-              <a:t>tú</a:t>
-            </a:r>
-            <a:endParaRPr lang="en-CN" sz="1200" b="0" i="0" dirty="0">
-              <a:solidFill>
-                <a:srgbClr val="A78078"/>
-              </a:solidFill>
-              <a:latin typeface="Roboto" pitchFamily="2" charset="0"/>
-              <a:ea typeface="Roboto" pitchFamily="2" charset="0"/>
-              <a:cs typeface="Helvetica Neue" panose="02000503000000020004" pitchFamily="2" charset="0"/>
-            </a:endParaRPr>
-          </a:p>
-        </p:txBody>
-      </p:sp>
-      <p:sp>
-        <p:nvSpPr>
-          <p:cNvPr id="43" name="Text Placeholder 6">
-            <a:extLst>
-              <a:ext uri="{FF2B5EF4-FFF2-40B4-BE49-F238E27FC236}">
-                <a16:creationId xmlns:a16="http://schemas.microsoft.com/office/drawing/2014/main" id="{3EDA47DF-8576-E045-AD46-39DD9A715A5C}"/>
-              </a:ext>
-            </a:extLst>
-          </p:cNvPr>
-          <p:cNvSpPr>
-            <a:spLocks noGrp="1"/>
-          </p:cNvSpPr>
-          <p:nvPr>
-            <p:ph type="body" sz="quarter" idx="15" hasCustomPrompt="1"/>
-          </p:nvPr>
-        </p:nvSpPr>
-        <p:spPr>
-          <a:xfrm>
-            <a:off x="7746274" y="1566814"/>
-            <a:ext cx="4323805" cy="792000"/>
-          </a:xfrm>
-          <a:prstGeom prst="rect">
-            <a:avLst/>
-          </a:prstGeom>
-        </p:spPr>
-        <p:txBody>
-          <a:bodyPr vert="horz" anchor="ctr"/>
-          <a:lstStyle>
-            <a:lvl1pPr marL="0" indent="0" algn="l">
-              <a:buNone/>
-              <a:defRPr sz="2400" b="0" i="0">
-                <a:solidFill>
-                  <a:srgbClr val="4B0707"/>
-                </a:solidFill>
-                <a:latin typeface="Roboto Medium" pitchFamily="2" charset="0"/>
-                <a:ea typeface="Roboto Medium" pitchFamily="2" charset="0"/>
-                <a:cs typeface="Helvetica Neue" panose="02000503000000020004" pitchFamily="2" charset="0"/>
-              </a:defRPr>
-            </a:lvl1pPr>
-            <a:lvl2pPr>
-              <a:defRPr>
-                <a:solidFill>
-                  <a:schemeClr val="tx1">
-                    <a:lumMod val="95000"/>
-                    <a:lumOff val="5000"/>
-                  </a:schemeClr>
-                </a:solidFill>
-                <a:latin typeface="Helvetica Neue" panose="02000503000000020004" pitchFamily="2" charset="0"/>
-                <a:ea typeface="Helvetica Neue" panose="02000503000000020004" pitchFamily="2" charset="0"/>
-                <a:cs typeface="Helvetica Neue" panose="02000503000000020004" pitchFamily="2" charset="0"/>
-              </a:defRPr>
-            </a:lvl2pPr>
-            <a:lvl3pPr>
-              <a:defRPr>
-                <a:solidFill>
-                  <a:schemeClr val="tx1">
-                    <a:lumMod val="95000"/>
-                    <a:lumOff val="5000"/>
-                  </a:schemeClr>
-                </a:solidFill>
-                <a:latin typeface="Helvetica Neue" panose="02000503000000020004" pitchFamily="2" charset="0"/>
-                <a:ea typeface="Helvetica Neue" panose="02000503000000020004" pitchFamily="2" charset="0"/>
-                <a:cs typeface="Helvetica Neue" panose="02000503000000020004" pitchFamily="2" charset="0"/>
-              </a:defRPr>
-            </a:lvl3pPr>
-            <a:lvl4pPr>
-              <a:defRPr>
-                <a:solidFill>
-                  <a:schemeClr val="tx1">
-                    <a:lumMod val="95000"/>
-                    <a:lumOff val="5000"/>
-                  </a:schemeClr>
-                </a:solidFill>
-                <a:latin typeface="Helvetica Neue" panose="02000503000000020004" pitchFamily="2" charset="0"/>
-                <a:ea typeface="Helvetica Neue" panose="02000503000000020004" pitchFamily="2" charset="0"/>
-                <a:cs typeface="Helvetica Neue" panose="02000503000000020004" pitchFamily="2" charset="0"/>
-              </a:defRPr>
-            </a:lvl4pPr>
-            <a:lvl5pPr>
-              <a:defRPr>
-                <a:solidFill>
-                  <a:schemeClr val="tx1">
-                    <a:lumMod val="95000"/>
-                    <a:lumOff val="5000"/>
-                  </a:schemeClr>
-                </a:solidFill>
-                <a:latin typeface="Helvetica Neue" panose="02000503000000020004" pitchFamily="2" charset="0"/>
-                <a:ea typeface="Helvetica Neue" panose="02000503000000020004" pitchFamily="2" charset="0"/>
-                <a:cs typeface="Helvetica Neue" panose="02000503000000020004" pitchFamily="2" charset="0"/>
-              </a:defRPr>
-            </a:lvl5pPr>
-          </a:lstStyle>
-          <a:p>
-            <a:pPr lvl="0"/>
-            <a:r>
-              <a:rPr lang="en-US" altLang="zh-CN" dirty="0"/>
-              <a:t>v</a:t>
-            </a:r>
-            <a:r>
-              <a:rPr lang="en-CN" altLang="zh-CN"/>
-              <a:t>erb</a:t>
-            </a:r>
-            <a:endParaRPr lang="en-US" dirty="0"/>
-          </a:p>
-        </p:txBody>
-      </p:sp>
-      <p:sp>
-        <p:nvSpPr>
-          <p:cNvPr id="44" name="TextBox 43">
-            <a:extLst>
-              <a:ext uri="{FF2B5EF4-FFF2-40B4-BE49-F238E27FC236}">
-                <a16:creationId xmlns:a16="http://schemas.microsoft.com/office/drawing/2014/main" id="{5B2AAED3-7285-A74A-82DD-1944933A2CAB}"/>
-              </a:ext>
-            </a:extLst>
-          </p:cNvPr>
-          <p:cNvSpPr txBox="1"/>
-          <p:nvPr userDrawn="1"/>
-        </p:nvSpPr>
-        <p:spPr>
-          <a:xfrm>
-            <a:off x="7053196" y="2487822"/>
-            <a:ext cx="570990" cy="646331"/>
-          </a:xfrm>
-          <a:prstGeom prst="rect">
-            <a:avLst/>
-          </a:prstGeom>
-          <a:noFill/>
-        </p:spPr>
-        <p:txBody>
-          <a:bodyPr wrap="none" rtlCol="0">
-            <a:spAutoFit/>
-          </a:bodyPr>
-          <a:lstStyle/>
-          <a:p>
-            <a:pPr algn="r">
-              <a:lnSpc>
-                <a:spcPct val="100000"/>
-              </a:lnSpc>
-            </a:pPr>
-            <a:r>
-              <a:rPr lang="en-US" sz="1200" b="0" i="0" kern="1200" dirty="0" err="1">
-                <a:solidFill>
-                  <a:srgbClr val="A78078"/>
-                </a:solidFill>
-                <a:effectLst/>
-                <a:latin typeface="Roboto" pitchFamily="2" charset="0"/>
-                <a:ea typeface="Roboto" pitchFamily="2" charset="0"/>
-                <a:cs typeface="Helvetica Neue" panose="02000503000000020004" pitchFamily="2" charset="0"/>
-              </a:rPr>
-              <a:t>él</a:t>
-            </a:r>
-            <a:endParaRPr lang="en-US" sz="1200" b="0" i="0" kern="1200" dirty="0">
-              <a:solidFill>
-                <a:srgbClr val="A78078"/>
-              </a:solidFill>
-              <a:effectLst/>
-              <a:latin typeface="Roboto" pitchFamily="2" charset="0"/>
-              <a:ea typeface="Roboto" pitchFamily="2" charset="0"/>
-              <a:cs typeface="Helvetica Neue" panose="02000503000000020004" pitchFamily="2" charset="0"/>
-            </a:endParaRPr>
-          </a:p>
-          <a:p>
-            <a:pPr algn="r">
-              <a:lnSpc>
-                <a:spcPct val="100000"/>
-              </a:lnSpc>
-            </a:pPr>
-            <a:r>
-              <a:rPr lang="en-US" sz="1200" b="0" i="0" kern="1200" dirty="0" err="1">
-                <a:solidFill>
-                  <a:srgbClr val="A78078"/>
-                </a:solidFill>
-                <a:effectLst/>
-                <a:latin typeface="Roboto" pitchFamily="2" charset="0"/>
-                <a:ea typeface="Roboto" pitchFamily="2" charset="0"/>
-                <a:cs typeface="Helvetica Neue" panose="02000503000000020004" pitchFamily="2" charset="0"/>
-              </a:rPr>
-              <a:t>ella</a:t>
-            </a:r>
-            <a:endParaRPr lang="en-US" sz="1200" b="0" i="0" kern="1200" dirty="0">
-              <a:solidFill>
-                <a:srgbClr val="A78078"/>
-              </a:solidFill>
-              <a:effectLst/>
-              <a:latin typeface="Roboto" pitchFamily="2" charset="0"/>
-              <a:ea typeface="Roboto" pitchFamily="2" charset="0"/>
-              <a:cs typeface="Helvetica Neue" panose="02000503000000020004" pitchFamily="2" charset="0"/>
-            </a:endParaRPr>
-          </a:p>
-          <a:p>
-            <a:pPr algn="r">
-              <a:lnSpc>
-                <a:spcPct val="100000"/>
-              </a:lnSpc>
-            </a:pPr>
-            <a:r>
-              <a:rPr lang="en-US" altLang="zh-CN" sz="1200" b="0" i="0" kern="1200" dirty="0" err="1">
-                <a:solidFill>
-                  <a:srgbClr val="A78078"/>
-                </a:solidFill>
-                <a:effectLst/>
-                <a:latin typeface="Roboto" pitchFamily="2" charset="0"/>
-                <a:ea typeface="Roboto" pitchFamily="2" charset="0"/>
-                <a:cs typeface="Helvetica Neue" panose="02000503000000020004" pitchFamily="2" charset="0"/>
-              </a:rPr>
-              <a:t>usted</a:t>
-            </a:r>
-            <a:endParaRPr lang="en-CN" sz="1200" b="0" i="0" dirty="0">
-              <a:solidFill>
-                <a:srgbClr val="A78078"/>
-              </a:solidFill>
-              <a:latin typeface="Roboto" pitchFamily="2" charset="0"/>
-              <a:ea typeface="Roboto" pitchFamily="2" charset="0"/>
-              <a:cs typeface="Helvetica Neue" panose="02000503000000020004" pitchFamily="2" charset="0"/>
-            </a:endParaRPr>
-          </a:p>
-        </p:txBody>
-      </p:sp>
-      <p:sp>
-        <p:nvSpPr>
-          <p:cNvPr id="45" name="Text Placeholder 6">
-            <a:extLst>
-              <a:ext uri="{FF2B5EF4-FFF2-40B4-BE49-F238E27FC236}">
-                <a16:creationId xmlns:a16="http://schemas.microsoft.com/office/drawing/2014/main" id="{BB7C725E-EE63-264E-A38B-F237622B8E4A}"/>
-              </a:ext>
-            </a:extLst>
-          </p:cNvPr>
-          <p:cNvSpPr>
-            <a:spLocks noGrp="1"/>
-          </p:cNvSpPr>
-          <p:nvPr>
-            <p:ph type="body" sz="quarter" idx="16" hasCustomPrompt="1"/>
-          </p:nvPr>
-        </p:nvSpPr>
-        <p:spPr>
-          <a:xfrm>
-            <a:off x="7746274" y="2363648"/>
-            <a:ext cx="4323805" cy="792000"/>
-          </a:xfrm>
-          <a:prstGeom prst="rect">
-            <a:avLst/>
-          </a:prstGeom>
-        </p:spPr>
-        <p:txBody>
-          <a:bodyPr vert="horz" anchor="ctr"/>
-          <a:lstStyle>
-            <a:lvl1pPr marL="0" indent="0" algn="l">
-              <a:buNone/>
-              <a:defRPr sz="2400" b="0" i="0">
-                <a:solidFill>
-                  <a:srgbClr val="4B0707"/>
-                </a:solidFill>
-                <a:latin typeface="Roboto Medium" pitchFamily="2" charset="0"/>
-                <a:ea typeface="Roboto Medium" pitchFamily="2" charset="0"/>
-                <a:cs typeface="Helvetica Neue" panose="02000503000000020004" pitchFamily="2" charset="0"/>
-              </a:defRPr>
-            </a:lvl1pPr>
-            <a:lvl2pPr>
-              <a:defRPr>
-                <a:solidFill>
-                  <a:schemeClr val="tx1">
-                    <a:lumMod val="95000"/>
-                    <a:lumOff val="5000"/>
-                  </a:schemeClr>
-                </a:solidFill>
-                <a:latin typeface="Helvetica Neue" panose="02000503000000020004" pitchFamily="2" charset="0"/>
-                <a:ea typeface="Helvetica Neue" panose="02000503000000020004" pitchFamily="2" charset="0"/>
-                <a:cs typeface="Helvetica Neue" panose="02000503000000020004" pitchFamily="2" charset="0"/>
-              </a:defRPr>
-            </a:lvl2pPr>
-            <a:lvl3pPr>
-              <a:defRPr>
-                <a:solidFill>
-                  <a:schemeClr val="tx1">
-                    <a:lumMod val="95000"/>
-                    <a:lumOff val="5000"/>
-                  </a:schemeClr>
-                </a:solidFill>
-                <a:latin typeface="Helvetica Neue" panose="02000503000000020004" pitchFamily="2" charset="0"/>
-                <a:ea typeface="Helvetica Neue" panose="02000503000000020004" pitchFamily="2" charset="0"/>
-                <a:cs typeface="Helvetica Neue" panose="02000503000000020004" pitchFamily="2" charset="0"/>
-              </a:defRPr>
-            </a:lvl3pPr>
-            <a:lvl4pPr>
-              <a:defRPr>
-                <a:solidFill>
-                  <a:schemeClr val="tx1">
-                    <a:lumMod val="95000"/>
-                    <a:lumOff val="5000"/>
-                  </a:schemeClr>
-                </a:solidFill>
-                <a:latin typeface="Helvetica Neue" panose="02000503000000020004" pitchFamily="2" charset="0"/>
-                <a:ea typeface="Helvetica Neue" panose="02000503000000020004" pitchFamily="2" charset="0"/>
-                <a:cs typeface="Helvetica Neue" panose="02000503000000020004" pitchFamily="2" charset="0"/>
-              </a:defRPr>
-            </a:lvl4pPr>
-            <a:lvl5pPr>
-              <a:defRPr>
-                <a:solidFill>
-                  <a:schemeClr val="tx1">
-                    <a:lumMod val="95000"/>
-                    <a:lumOff val="5000"/>
-                  </a:schemeClr>
-                </a:solidFill>
-                <a:latin typeface="Helvetica Neue" panose="02000503000000020004" pitchFamily="2" charset="0"/>
-                <a:ea typeface="Helvetica Neue" panose="02000503000000020004" pitchFamily="2" charset="0"/>
-                <a:cs typeface="Helvetica Neue" panose="02000503000000020004" pitchFamily="2" charset="0"/>
-              </a:defRPr>
-            </a:lvl5pPr>
-          </a:lstStyle>
-          <a:p>
-            <a:pPr lvl="0"/>
-            <a:r>
-              <a:rPr lang="en-US" altLang="zh-CN" dirty="0"/>
-              <a:t>v</a:t>
-            </a:r>
-            <a:r>
-              <a:rPr lang="en-CN" altLang="zh-CN"/>
-              <a:t>erb</a:t>
-            </a:r>
-            <a:endParaRPr lang="en-US" dirty="0"/>
-          </a:p>
-        </p:txBody>
-      </p:sp>
-      <p:sp>
-        <p:nvSpPr>
-          <p:cNvPr id="46" name="TextBox 45">
-            <a:extLst>
-              <a:ext uri="{FF2B5EF4-FFF2-40B4-BE49-F238E27FC236}">
-                <a16:creationId xmlns:a16="http://schemas.microsoft.com/office/drawing/2014/main" id="{094DAEF5-1662-274F-847F-DBDDDD46FCA8}"/>
-              </a:ext>
-            </a:extLst>
-          </p:cNvPr>
-          <p:cNvSpPr txBox="1"/>
-          <p:nvPr userDrawn="1"/>
-        </p:nvSpPr>
-        <p:spPr>
-          <a:xfrm>
-            <a:off x="6823967" y="3708043"/>
-            <a:ext cx="800219" cy="461665"/>
-          </a:xfrm>
-          <a:prstGeom prst="rect">
-            <a:avLst/>
-          </a:prstGeom>
-          <a:noFill/>
-        </p:spPr>
-        <p:txBody>
-          <a:bodyPr wrap="none" rtlCol="0">
-            <a:spAutoFit/>
-          </a:bodyPr>
-          <a:lstStyle/>
-          <a:p>
-            <a:pPr algn="r"/>
-            <a:r>
-              <a:rPr lang="en-US" altLang="zh-CN" sz="1200" b="0" i="0" dirty="0" err="1">
-                <a:solidFill>
-                  <a:srgbClr val="A78078"/>
-                </a:solidFill>
-                <a:latin typeface="Roboto" pitchFamily="2" charset="0"/>
-                <a:ea typeface="Roboto" pitchFamily="2" charset="0"/>
-                <a:cs typeface="Helvetica Neue" panose="02000503000000020004" pitchFamily="2" charset="0"/>
-              </a:rPr>
-              <a:t>nosotros</a:t>
-            </a:r>
-            <a:endParaRPr lang="en-CN" altLang="zh-CN" sz="1200" b="0" i="0" dirty="0">
-              <a:solidFill>
-                <a:srgbClr val="A78078"/>
-              </a:solidFill>
-              <a:latin typeface="Roboto" pitchFamily="2" charset="0"/>
-              <a:ea typeface="Roboto" pitchFamily="2" charset="0"/>
-              <a:cs typeface="Helvetica Neue" panose="02000503000000020004" pitchFamily="2" charset="0"/>
-            </a:endParaRPr>
-          </a:p>
-          <a:p>
-            <a:pPr algn="r"/>
-            <a:r>
-              <a:rPr lang="en-CN" altLang="zh-CN" sz="1200" b="0" i="0" dirty="0">
-                <a:solidFill>
-                  <a:srgbClr val="A78078"/>
-                </a:solidFill>
-                <a:latin typeface="Roboto" pitchFamily="2" charset="0"/>
-                <a:ea typeface="Roboto" pitchFamily="2" charset="0"/>
-                <a:cs typeface="Helvetica Neue" panose="02000503000000020004" pitchFamily="2" charset="0"/>
-              </a:rPr>
-              <a:t>nosotras</a:t>
-            </a:r>
-            <a:endParaRPr lang="en-CN" sz="1200" b="0" i="0" dirty="0">
-              <a:solidFill>
-                <a:srgbClr val="A78078"/>
-              </a:solidFill>
-              <a:latin typeface="Roboto" pitchFamily="2" charset="0"/>
-              <a:ea typeface="Roboto" pitchFamily="2" charset="0"/>
-            </a:endParaRPr>
-          </a:p>
-        </p:txBody>
-      </p:sp>
-      <p:sp>
-        <p:nvSpPr>
-          <p:cNvPr id="47" name="Text Placeholder 6">
-            <a:extLst>
-              <a:ext uri="{FF2B5EF4-FFF2-40B4-BE49-F238E27FC236}">
-                <a16:creationId xmlns:a16="http://schemas.microsoft.com/office/drawing/2014/main" id="{DE0D3562-7636-FD4A-8FB3-BDA5B9584696}"/>
-              </a:ext>
-            </a:extLst>
-          </p:cNvPr>
-          <p:cNvSpPr>
-            <a:spLocks noGrp="1"/>
-          </p:cNvSpPr>
-          <p:nvPr>
-            <p:ph type="body" sz="quarter" idx="17" hasCustomPrompt="1"/>
-          </p:nvPr>
-        </p:nvSpPr>
-        <p:spPr>
-          <a:xfrm>
-            <a:off x="7746274" y="3450542"/>
-            <a:ext cx="4323805" cy="792000"/>
-          </a:xfrm>
-          <a:prstGeom prst="rect">
-            <a:avLst/>
-          </a:prstGeom>
-        </p:spPr>
-        <p:txBody>
-          <a:bodyPr vert="horz" anchor="ctr"/>
-          <a:lstStyle>
-            <a:lvl1pPr marL="0" indent="0" algn="l">
-              <a:buNone/>
-              <a:defRPr sz="2400" b="0" i="0">
-                <a:solidFill>
-                  <a:srgbClr val="4B0707"/>
-                </a:solidFill>
-                <a:latin typeface="Roboto Medium" pitchFamily="2" charset="0"/>
-                <a:ea typeface="Roboto Medium" pitchFamily="2" charset="0"/>
-                <a:cs typeface="Helvetica Neue" panose="02000503000000020004" pitchFamily="2" charset="0"/>
-              </a:defRPr>
-            </a:lvl1pPr>
-            <a:lvl2pPr>
-              <a:defRPr>
-                <a:solidFill>
-                  <a:schemeClr val="tx1">
-                    <a:lumMod val="95000"/>
-                    <a:lumOff val="5000"/>
-                  </a:schemeClr>
-                </a:solidFill>
-                <a:latin typeface="Helvetica Neue" panose="02000503000000020004" pitchFamily="2" charset="0"/>
-                <a:ea typeface="Helvetica Neue" panose="02000503000000020004" pitchFamily="2" charset="0"/>
-                <a:cs typeface="Helvetica Neue" panose="02000503000000020004" pitchFamily="2" charset="0"/>
-              </a:defRPr>
-            </a:lvl2pPr>
-            <a:lvl3pPr>
-              <a:defRPr>
-                <a:solidFill>
-                  <a:schemeClr val="tx1">
-                    <a:lumMod val="95000"/>
-                    <a:lumOff val="5000"/>
-                  </a:schemeClr>
-                </a:solidFill>
-                <a:latin typeface="Helvetica Neue" panose="02000503000000020004" pitchFamily="2" charset="0"/>
-                <a:ea typeface="Helvetica Neue" panose="02000503000000020004" pitchFamily="2" charset="0"/>
-                <a:cs typeface="Helvetica Neue" panose="02000503000000020004" pitchFamily="2" charset="0"/>
-              </a:defRPr>
-            </a:lvl3pPr>
-            <a:lvl4pPr>
-              <a:defRPr>
-                <a:solidFill>
-                  <a:schemeClr val="tx1">
-                    <a:lumMod val="95000"/>
-                    <a:lumOff val="5000"/>
-                  </a:schemeClr>
-                </a:solidFill>
-                <a:latin typeface="Helvetica Neue" panose="02000503000000020004" pitchFamily="2" charset="0"/>
-                <a:ea typeface="Helvetica Neue" panose="02000503000000020004" pitchFamily="2" charset="0"/>
-                <a:cs typeface="Helvetica Neue" panose="02000503000000020004" pitchFamily="2" charset="0"/>
-              </a:defRPr>
-            </a:lvl4pPr>
-            <a:lvl5pPr>
-              <a:defRPr>
-                <a:solidFill>
-                  <a:schemeClr val="tx1">
-                    <a:lumMod val="95000"/>
-                    <a:lumOff val="5000"/>
-                  </a:schemeClr>
-                </a:solidFill>
-                <a:latin typeface="Helvetica Neue" panose="02000503000000020004" pitchFamily="2" charset="0"/>
-                <a:ea typeface="Helvetica Neue" panose="02000503000000020004" pitchFamily="2" charset="0"/>
-                <a:cs typeface="Helvetica Neue" panose="02000503000000020004" pitchFamily="2" charset="0"/>
-              </a:defRPr>
-            </a:lvl5pPr>
-          </a:lstStyle>
-          <a:p>
-            <a:pPr lvl="0"/>
-            <a:r>
-              <a:rPr lang="en-US" altLang="zh-CN" dirty="0"/>
-              <a:t>v</a:t>
-            </a:r>
-            <a:r>
-              <a:rPr lang="en-CN" altLang="zh-CN"/>
-              <a:t>erb</a:t>
-            </a:r>
-            <a:endParaRPr lang="en-US" dirty="0"/>
-          </a:p>
-        </p:txBody>
-      </p:sp>
-      <p:sp>
-        <p:nvSpPr>
-          <p:cNvPr id="48" name="TextBox 47">
-            <a:extLst>
-              <a:ext uri="{FF2B5EF4-FFF2-40B4-BE49-F238E27FC236}">
-                <a16:creationId xmlns:a16="http://schemas.microsoft.com/office/drawing/2014/main" id="{8FA13772-0B6E-4142-952B-BD7E2C26459C}"/>
-              </a:ext>
-            </a:extLst>
-          </p:cNvPr>
-          <p:cNvSpPr txBox="1"/>
-          <p:nvPr userDrawn="1"/>
-        </p:nvSpPr>
-        <p:spPr>
-          <a:xfrm>
-            <a:off x="6833585" y="4412544"/>
-            <a:ext cx="790601" cy="461665"/>
-          </a:xfrm>
-          <a:prstGeom prst="rect">
-            <a:avLst/>
-          </a:prstGeom>
-          <a:noFill/>
-        </p:spPr>
-        <p:txBody>
-          <a:bodyPr wrap="none" rtlCol="0">
-            <a:spAutoFit/>
-          </a:bodyPr>
-          <a:lstStyle/>
-          <a:p>
-            <a:pPr algn="r"/>
-            <a:r>
-              <a:rPr lang="en-US" altLang="zh-CN" sz="1200" b="0" i="0" kern="1200" dirty="0" err="1">
-                <a:solidFill>
-                  <a:srgbClr val="A78078"/>
-                </a:solidFill>
-                <a:effectLst/>
-                <a:latin typeface="Roboto" pitchFamily="2" charset="0"/>
-                <a:ea typeface="Roboto" pitchFamily="2" charset="0"/>
-                <a:cs typeface="Helvetica Neue" panose="02000503000000020004" pitchFamily="2" charset="0"/>
-              </a:rPr>
-              <a:t>v</a:t>
-            </a:r>
-            <a:r>
-              <a:rPr lang="en-US" sz="1200" b="0" i="0" kern="1200" dirty="0" err="1">
-                <a:solidFill>
-                  <a:srgbClr val="A78078"/>
-                </a:solidFill>
-                <a:effectLst/>
-                <a:latin typeface="Roboto" pitchFamily="2" charset="0"/>
-                <a:ea typeface="Roboto" pitchFamily="2" charset="0"/>
-                <a:cs typeface="Helvetica Neue" panose="02000503000000020004" pitchFamily="2" charset="0"/>
-              </a:rPr>
-              <a:t>osotros</a:t>
-            </a:r>
-            <a:endParaRPr lang="en-US" sz="1200" b="0" i="0" kern="1200" dirty="0">
-              <a:solidFill>
-                <a:srgbClr val="A78078"/>
-              </a:solidFill>
-              <a:effectLst/>
-              <a:latin typeface="Roboto" pitchFamily="2" charset="0"/>
-              <a:ea typeface="Roboto" pitchFamily="2" charset="0"/>
-              <a:cs typeface="Helvetica Neue" panose="02000503000000020004" pitchFamily="2" charset="0"/>
-            </a:endParaRPr>
-          </a:p>
-          <a:p>
-            <a:pPr algn="r"/>
-            <a:r>
-              <a:rPr lang="en-US" sz="1200" b="0" i="0" kern="1200" dirty="0" err="1">
-                <a:solidFill>
-                  <a:srgbClr val="A78078"/>
-                </a:solidFill>
-                <a:effectLst/>
-                <a:latin typeface="Roboto" pitchFamily="2" charset="0"/>
-                <a:ea typeface="Roboto" pitchFamily="2" charset="0"/>
-                <a:cs typeface="Helvetica Neue" panose="02000503000000020004" pitchFamily="2" charset="0"/>
-              </a:rPr>
-              <a:t>vosotras</a:t>
-            </a:r>
-            <a:endParaRPr lang="en-CN" sz="1200" b="0" i="0" dirty="0">
-              <a:solidFill>
-                <a:srgbClr val="A78078"/>
-              </a:solidFill>
-              <a:latin typeface="Roboto" pitchFamily="2" charset="0"/>
-              <a:ea typeface="Roboto" pitchFamily="2" charset="0"/>
-            </a:endParaRPr>
-          </a:p>
-        </p:txBody>
-      </p:sp>
-      <p:sp>
-        <p:nvSpPr>
-          <p:cNvPr id="49" name="Text Placeholder 6">
-            <a:extLst>
-              <a:ext uri="{FF2B5EF4-FFF2-40B4-BE49-F238E27FC236}">
-                <a16:creationId xmlns:a16="http://schemas.microsoft.com/office/drawing/2014/main" id="{33C945EE-CF20-DB4E-ACA4-5CF60B6C7DAF}"/>
-              </a:ext>
-            </a:extLst>
-          </p:cNvPr>
-          <p:cNvSpPr>
-            <a:spLocks noGrp="1"/>
-          </p:cNvSpPr>
-          <p:nvPr>
-            <p:ph type="body" sz="quarter" idx="18" hasCustomPrompt="1"/>
-          </p:nvPr>
-        </p:nvSpPr>
-        <p:spPr>
-          <a:xfrm>
-            <a:off x="7746274" y="4247376"/>
-            <a:ext cx="4323805" cy="792000"/>
-          </a:xfrm>
-          <a:prstGeom prst="rect">
-            <a:avLst/>
-          </a:prstGeom>
-        </p:spPr>
-        <p:txBody>
-          <a:bodyPr vert="horz" anchor="ctr"/>
-          <a:lstStyle>
-            <a:lvl1pPr marL="0" indent="0" algn="l">
-              <a:buNone/>
-              <a:defRPr sz="2400" b="0" i="0">
-                <a:solidFill>
-                  <a:srgbClr val="4B0707"/>
-                </a:solidFill>
-                <a:latin typeface="Roboto Medium" pitchFamily="2" charset="0"/>
-                <a:ea typeface="Roboto Medium" pitchFamily="2" charset="0"/>
-                <a:cs typeface="Helvetica Neue" panose="02000503000000020004" pitchFamily="2" charset="0"/>
-              </a:defRPr>
-            </a:lvl1pPr>
-            <a:lvl2pPr>
-              <a:defRPr>
-                <a:solidFill>
-                  <a:schemeClr val="tx1">
-                    <a:lumMod val="95000"/>
-                    <a:lumOff val="5000"/>
-                  </a:schemeClr>
-                </a:solidFill>
-                <a:latin typeface="Helvetica Neue" panose="02000503000000020004" pitchFamily="2" charset="0"/>
-                <a:ea typeface="Helvetica Neue" panose="02000503000000020004" pitchFamily="2" charset="0"/>
-                <a:cs typeface="Helvetica Neue" panose="02000503000000020004" pitchFamily="2" charset="0"/>
-              </a:defRPr>
-            </a:lvl2pPr>
-            <a:lvl3pPr>
-              <a:defRPr>
-                <a:solidFill>
-                  <a:schemeClr val="tx1">
-                    <a:lumMod val="95000"/>
-                    <a:lumOff val="5000"/>
-                  </a:schemeClr>
-                </a:solidFill>
-                <a:latin typeface="Helvetica Neue" panose="02000503000000020004" pitchFamily="2" charset="0"/>
-                <a:ea typeface="Helvetica Neue" panose="02000503000000020004" pitchFamily="2" charset="0"/>
-                <a:cs typeface="Helvetica Neue" panose="02000503000000020004" pitchFamily="2" charset="0"/>
-              </a:defRPr>
-            </a:lvl3pPr>
-            <a:lvl4pPr>
-              <a:defRPr>
-                <a:solidFill>
-                  <a:schemeClr val="tx1">
-                    <a:lumMod val="95000"/>
-                    <a:lumOff val="5000"/>
-                  </a:schemeClr>
-                </a:solidFill>
-                <a:latin typeface="Helvetica Neue" panose="02000503000000020004" pitchFamily="2" charset="0"/>
-                <a:ea typeface="Helvetica Neue" panose="02000503000000020004" pitchFamily="2" charset="0"/>
-                <a:cs typeface="Helvetica Neue" panose="02000503000000020004" pitchFamily="2" charset="0"/>
-              </a:defRPr>
-            </a:lvl4pPr>
-            <a:lvl5pPr>
-              <a:defRPr>
-                <a:solidFill>
-                  <a:schemeClr val="tx1">
-                    <a:lumMod val="95000"/>
-                    <a:lumOff val="5000"/>
-                  </a:schemeClr>
-                </a:solidFill>
-                <a:latin typeface="Helvetica Neue" panose="02000503000000020004" pitchFamily="2" charset="0"/>
-                <a:ea typeface="Helvetica Neue" panose="02000503000000020004" pitchFamily="2" charset="0"/>
-                <a:cs typeface="Helvetica Neue" panose="02000503000000020004" pitchFamily="2" charset="0"/>
-              </a:defRPr>
-            </a:lvl5pPr>
-          </a:lstStyle>
-          <a:p>
-            <a:pPr lvl="0"/>
-            <a:r>
-              <a:rPr lang="en-US" altLang="zh-CN" dirty="0"/>
-              <a:t>v</a:t>
-            </a:r>
-            <a:r>
-              <a:rPr lang="en-CN" altLang="zh-CN"/>
-              <a:t>erb</a:t>
-            </a:r>
-            <a:endParaRPr lang="en-US" dirty="0"/>
-          </a:p>
-        </p:txBody>
-      </p:sp>
-      <p:sp>
-        <p:nvSpPr>
-          <p:cNvPr id="50" name="TextBox 49">
-            <a:extLst>
-              <a:ext uri="{FF2B5EF4-FFF2-40B4-BE49-F238E27FC236}">
-                <a16:creationId xmlns:a16="http://schemas.microsoft.com/office/drawing/2014/main" id="{618203A0-6E75-1141-9676-14B8225FDF39}"/>
-              </a:ext>
-            </a:extLst>
-          </p:cNvPr>
-          <p:cNvSpPr txBox="1"/>
-          <p:nvPr userDrawn="1"/>
-        </p:nvSpPr>
-        <p:spPr>
-          <a:xfrm>
-            <a:off x="6889690" y="5148364"/>
-            <a:ext cx="734496" cy="646331"/>
-          </a:xfrm>
-          <a:prstGeom prst="rect">
-            <a:avLst/>
-          </a:prstGeom>
-          <a:noFill/>
-        </p:spPr>
-        <p:txBody>
-          <a:bodyPr wrap="none" rtlCol="0">
-            <a:spAutoFit/>
-          </a:bodyPr>
-          <a:lstStyle/>
-          <a:p>
-            <a:pPr algn="r">
-              <a:lnSpc>
-                <a:spcPct val="100000"/>
-              </a:lnSpc>
-            </a:pPr>
-            <a:r>
-              <a:rPr lang="en-US" sz="1200" b="0" i="0" kern="1200" dirty="0" err="1">
-                <a:solidFill>
-                  <a:srgbClr val="A78078"/>
-                </a:solidFill>
-                <a:effectLst/>
-                <a:latin typeface="Roboto" pitchFamily="2" charset="0"/>
-                <a:ea typeface="Roboto" pitchFamily="2" charset="0"/>
-                <a:cs typeface="Helvetica Neue" panose="02000503000000020004" pitchFamily="2" charset="0"/>
-              </a:rPr>
-              <a:t>ellos</a:t>
-            </a:r>
-            <a:endParaRPr lang="en-US" sz="1200" b="0" i="0" kern="1200" dirty="0">
-              <a:solidFill>
-                <a:srgbClr val="A78078"/>
-              </a:solidFill>
-              <a:effectLst/>
-              <a:latin typeface="Roboto" pitchFamily="2" charset="0"/>
-              <a:ea typeface="Roboto" pitchFamily="2" charset="0"/>
-              <a:cs typeface="Helvetica Neue" panose="02000503000000020004" pitchFamily="2" charset="0"/>
-            </a:endParaRPr>
-          </a:p>
-          <a:p>
-            <a:pPr algn="r">
-              <a:lnSpc>
-                <a:spcPct val="100000"/>
-              </a:lnSpc>
-            </a:pPr>
-            <a:r>
-              <a:rPr lang="en-US" sz="1200" b="0" i="0" kern="1200" dirty="0" err="1">
-                <a:solidFill>
-                  <a:srgbClr val="A78078"/>
-                </a:solidFill>
-                <a:effectLst/>
-                <a:latin typeface="Roboto" pitchFamily="2" charset="0"/>
-                <a:ea typeface="Roboto" pitchFamily="2" charset="0"/>
-                <a:cs typeface="Helvetica Neue" panose="02000503000000020004" pitchFamily="2" charset="0"/>
-              </a:rPr>
-              <a:t>ellas</a:t>
-            </a:r>
-            <a:endParaRPr lang="en-US" sz="1200" b="0" i="0" kern="1200" dirty="0">
-              <a:solidFill>
-                <a:srgbClr val="A78078"/>
-              </a:solidFill>
-              <a:effectLst/>
-              <a:latin typeface="Roboto" pitchFamily="2" charset="0"/>
-              <a:ea typeface="Roboto" pitchFamily="2" charset="0"/>
-              <a:cs typeface="Helvetica Neue" panose="02000503000000020004" pitchFamily="2" charset="0"/>
-            </a:endParaRPr>
-          </a:p>
-          <a:p>
-            <a:pPr algn="r">
-              <a:lnSpc>
-                <a:spcPct val="100000"/>
-              </a:lnSpc>
-            </a:pPr>
-            <a:r>
-              <a:rPr lang="en-US" altLang="zh-CN" sz="1200" b="0" i="0" kern="1200" dirty="0" err="1">
-                <a:solidFill>
-                  <a:srgbClr val="A78078"/>
-                </a:solidFill>
-                <a:effectLst/>
-                <a:latin typeface="Roboto" pitchFamily="2" charset="0"/>
-                <a:ea typeface="Roboto" pitchFamily="2" charset="0"/>
-                <a:cs typeface="Helvetica Neue" panose="02000503000000020004" pitchFamily="2" charset="0"/>
-              </a:rPr>
-              <a:t>ustedes</a:t>
-            </a:r>
-            <a:endParaRPr lang="en-CN" sz="1200" b="0" i="0" dirty="0">
-              <a:solidFill>
-                <a:srgbClr val="A78078"/>
-              </a:solidFill>
-              <a:latin typeface="Roboto" pitchFamily="2" charset="0"/>
-              <a:ea typeface="Roboto" pitchFamily="2" charset="0"/>
-              <a:cs typeface="Helvetica Neue" panose="02000503000000020004" pitchFamily="2" charset="0"/>
-            </a:endParaRPr>
-          </a:p>
-        </p:txBody>
-      </p:sp>
-      <p:sp>
-        <p:nvSpPr>
-          <p:cNvPr id="51" name="Text Placeholder 6">
-            <a:extLst>
-              <a:ext uri="{FF2B5EF4-FFF2-40B4-BE49-F238E27FC236}">
-                <a16:creationId xmlns:a16="http://schemas.microsoft.com/office/drawing/2014/main" id="{2D1D0316-95FE-7F42-AEFA-76D9E3B7D6C1}"/>
-              </a:ext>
-            </a:extLst>
-          </p:cNvPr>
-          <p:cNvSpPr>
-            <a:spLocks noGrp="1"/>
-          </p:cNvSpPr>
-          <p:nvPr>
-            <p:ph type="body" sz="quarter" idx="19" hasCustomPrompt="1"/>
-          </p:nvPr>
-        </p:nvSpPr>
-        <p:spPr>
-          <a:xfrm>
-            <a:off x="7746274" y="5083399"/>
-            <a:ext cx="4323805" cy="792000"/>
-          </a:xfrm>
-          <a:prstGeom prst="rect">
-            <a:avLst/>
-          </a:prstGeom>
-        </p:spPr>
-        <p:txBody>
-          <a:bodyPr vert="horz" anchor="ctr"/>
-          <a:lstStyle>
-            <a:lvl1pPr marL="0" indent="0" algn="l">
-              <a:buNone/>
-              <a:defRPr sz="2400" b="0" i="0">
-                <a:solidFill>
-                  <a:srgbClr val="4B0707"/>
-                </a:solidFill>
-                <a:latin typeface="Roboto Medium" pitchFamily="2" charset="0"/>
-                <a:ea typeface="Roboto Medium" pitchFamily="2" charset="0"/>
-                <a:cs typeface="Helvetica Neue" panose="02000503000000020004" pitchFamily="2" charset="0"/>
-              </a:defRPr>
-            </a:lvl1pPr>
-            <a:lvl2pPr>
-              <a:defRPr>
-                <a:solidFill>
-                  <a:schemeClr val="tx1">
-                    <a:lumMod val="95000"/>
-                    <a:lumOff val="5000"/>
-                  </a:schemeClr>
-                </a:solidFill>
-                <a:latin typeface="Helvetica Neue" panose="02000503000000020004" pitchFamily="2" charset="0"/>
-                <a:ea typeface="Helvetica Neue" panose="02000503000000020004" pitchFamily="2" charset="0"/>
-                <a:cs typeface="Helvetica Neue" panose="02000503000000020004" pitchFamily="2" charset="0"/>
-              </a:defRPr>
-            </a:lvl2pPr>
-            <a:lvl3pPr>
-              <a:defRPr>
-                <a:solidFill>
-                  <a:schemeClr val="tx1">
-                    <a:lumMod val="95000"/>
-                    <a:lumOff val="5000"/>
-                  </a:schemeClr>
-                </a:solidFill>
-                <a:latin typeface="Helvetica Neue" panose="02000503000000020004" pitchFamily="2" charset="0"/>
-                <a:ea typeface="Helvetica Neue" panose="02000503000000020004" pitchFamily="2" charset="0"/>
-                <a:cs typeface="Helvetica Neue" panose="02000503000000020004" pitchFamily="2" charset="0"/>
-              </a:defRPr>
-            </a:lvl3pPr>
-            <a:lvl4pPr>
-              <a:defRPr>
-                <a:solidFill>
-                  <a:schemeClr val="tx1">
-                    <a:lumMod val="95000"/>
-                    <a:lumOff val="5000"/>
-                  </a:schemeClr>
-                </a:solidFill>
-                <a:latin typeface="Helvetica Neue" panose="02000503000000020004" pitchFamily="2" charset="0"/>
-                <a:ea typeface="Helvetica Neue" panose="02000503000000020004" pitchFamily="2" charset="0"/>
-                <a:cs typeface="Helvetica Neue" panose="02000503000000020004" pitchFamily="2" charset="0"/>
-              </a:defRPr>
-            </a:lvl4pPr>
-            <a:lvl5pPr>
-              <a:defRPr>
-                <a:solidFill>
-                  <a:schemeClr val="tx1">
-                    <a:lumMod val="95000"/>
-                    <a:lumOff val="5000"/>
-                  </a:schemeClr>
-                </a:solidFill>
-                <a:latin typeface="Helvetica Neue" panose="02000503000000020004" pitchFamily="2" charset="0"/>
-                <a:ea typeface="Helvetica Neue" panose="02000503000000020004" pitchFamily="2" charset="0"/>
-                <a:cs typeface="Helvetica Neue" panose="02000503000000020004" pitchFamily="2" charset="0"/>
-              </a:defRPr>
-            </a:lvl5pPr>
-          </a:lstStyle>
-          <a:p>
-            <a:pPr lvl="0"/>
-            <a:r>
-              <a:rPr lang="en-US" altLang="zh-CN" dirty="0"/>
-              <a:t>v</a:t>
-            </a:r>
-            <a:r>
-              <a:rPr lang="en-CN" altLang="zh-CN"/>
-              <a:t>erb</a:t>
-            </a:r>
-            <a:endParaRPr lang="en-US" dirty="0"/>
-          </a:p>
-        </p:txBody>
-      </p:sp>
-      <p:sp>
-        <p:nvSpPr>
-          <p:cNvPr id="52" name="Rounded Rectangle 51">
-            <a:extLst>
-              <a:ext uri="{FF2B5EF4-FFF2-40B4-BE49-F238E27FC236}">
-                <a16:creationId xmlns:a16="http://schemas.microsoft.com/office/drawing/2014/main" id="{ABF34FC3-6878-DA40-A937-0D9D185CD0CE}"/>
-              </a:ext>
-            </a:extLst>
-          </p:cNvPr>
-          <p:cNvSpPr/>
-          <p:nvPr userDrawn="1"/>
-        </p:nvSpPr>
-        <p:spPr>
-          <a:xfrm>
-            <a:off x="2852057" y="5660182"/>
-            <a:ext cx="3243942" cy="726888"/>
-          </a:xfrm>
-          <a:prstGeom prst="roundRect">
-            <a:avLst>
-              <a:gd name="adj" fmla="val 4877"/>
-            </a:avLst>
-          </a:prstGeom>
-          <a:solidFill>
-            <a:srgbClr val="D8C5B8">
-              <a:alpha val="34000"/>
-            </a:srgbClr>
-          </a:solidFill>
-          <a:ln w="12700">
-            <a:noFill/>
-          </a:ln>
-        </p:spPr>
-        <p:style>
-          <a:lnRef idx="2">
-            <a:schemeClr val="accent1">
-              <a:shade val="50000"/>
-            </a:schemeClr>
-          </a:lnRef>
-          <a:fillRef idx="1">
-            <a:schemeClr val="accent1"/>
-          </a:fillRef>
-          <a:effectRef idx="0">
-            <a:schemeClr val="accent1"/>
-          </a:effectRef>
-          <a:fontRef idx="minor">
-            <a:schemeClr val="lt1"/>
-          </a:fontRef>
-        </p:style>
-        <p:txBody>
-          <a:bodyPr rtlCol="0" anchor="ctr"/>
-          <a:lstStyle/>
-          <a:p>
-            <a:pPr algn="ctr"/>
-            <a:endParaRPr lang="en-CN"/>
-          </a:p>
-        </p:txBody>
-      </p:sp>
-      <p:sp>
-        <p:nvSpPr>
-          <p:cNvPr id="53" name="Text Placeholder 6">
-            <a:extLst>
-              <a:ext uri="{FF2B5EF4-FFF2-40B4-BE49-F238E27FC236}">
-                <a16:creationId xmlns:a16="http://schemas.microsoft.com/office/drawing/2014/main" id="{1BB438DF-30BA-3F4A-A349-4549580D2586}"/>
-              </a:ext>
-            </a:extLst>
-          </p:cNvPr>
-          <p:cNvSpPr>
-            <a:spLocks noGrp="1"/>
-          </p:cNvSpPr>
-          <p:nvPr>
-            <p:ph type="body" sz="quarter" idx="20" hasCustomPrompt="1"/>
-          </p:nvPr>
-        </p:nvSpPr>
-        <p:spPr>
-          <a:xfrm>
-            <a:off x="2902363" y="5777836"/>
-            <a:ext cx="3161338" cy="227948"/>
-          </a:xfrm>
-          <a:prstGeom prst="rect">
-            <a:avLst/>
-          </a:prstGeom>
-        </p:spPr>
-        <p:txBody>
-          <a:bodyPr vert="horz" anchor="ctr"/>
-          <a:lstStyle>
-            <a:lvl1pPr marL="0" indent="0" algn="r">
-              <a:buNone/>
-              <a:defRPr sz="1400" b="0" i="0">
-                <a:solidFill>
-                  <a:srgbClr val="4B0707"/>
-                </a:solidFill>
-                <a:latin typeface="PingFang SC" panose="020B0400000000000000" pitchFamily="34" charset="-122"/>
-                <a:ea typeface="PingFang SC" panose="020B0400000000000000" pitchFamily="34" charset="-122"/>
-                <a:cs typeface="Helvetica Neue" panose="02000503000000020004" pitchFamily="2" charset="0"/>
-              </a:defRPr>
-            </a:lvl1pPr>
-            <a:lvl2pPr>
-              <a:defRPr>
-                <a:solidFill>
-                  <a:schemeClr val="tx1">
-                    <a:lumMod val="95000"/>
-                    <a:lumOff val="5000"/>
-                  </a:schemeClr>
-                </a:solidFill>
-                <a:latin typeface="Helvetica Neue" panose="02000503000000020004" pitchFamily="2" charset="0"/>
-                <a:ea typeface="Helvetica Neue" panose="02000503000000020004" pitchFamily="2" charset="0"/>
-                <a:cs typeface="Helvetica Neue" panose="02000503000000020004" pitchFamily="2" charset="0"/>
-              </a:defRPr>
-            </a:lvl2pPr>
-            <a:lvl3pPr>
-              <a:defRPr>
-                <a:solidFill>
-                  <a:schemeClr val="tx1">
-                    <a:lumMod val="95000"/>
-                    <a:lumOff val="5000"/>
-                  </a:schemeClr>
-                </a:solidFill>
-                <a:latin typeface="Helvetica Neue" panose="02000503000000020004" pitchFamily="2" charset="0"/>
-                <a:ea typeface="Helvetica Neue" panose="02000503000000020004" pitchFamily="2" charset="0"/>
-                <a:cs typeface="Helvetica Neue" panose="02000503000000020004" pitchFamily="2" charset="0"/>
-              </a:defRPr>
-            </a:lvl3pPr>
-            <a:lvl4pPr>
-              <a:defRPr>
-                <a:solidFill>
-                  <a:schemeClr val="tx1">
-                    <a:lumMod val="95000"/>
-                    <a:lumOff val="5000"/>
-                  </a:schemeClr>
-                </a:solidFill>
-                <a:latin typeface="Helvetica Neue" panose="02000503000000020004" pitchFamily="2" charset="0"/>
-                <a:ea typeface="Helvetica Neue" panose="02000503000000020004" pitchFamily="2" charset="0"/>
-                <a:cs typeface="Helvetica Neue" panose="02000503000000020004" pitchFamily="2" charset="0"/>
-              </a:defRPr>
-            </a:lvl4pPr>
-            <a:lvl5pPr>
-              <a:defRPr>
-                <a:solidFill>
-                  <a:schemeClr val="tx1">
-                    <a:lumMod val="95000"/>
-                    <a:lumOff val="5000"/>
-                  </a:schemeClr>
-                </a:solidFill>
-                <a:latin typeface="Helvetica Neue" panose="02000503000000020004" pitchFamily="2" charset="0"/>
-                <a:ea typeface="Helvetica Neue" panose="02000503000000020004" pitchFamily="2" charset="0"/>
-                <a:cs typeface="Helvetica Neue" panose="02000503000000020004" pitchFamily="2" charset="0"/>
-              </a:defRPr>
-            </a:lvl5pPr>
-          </a:lstStyle>
-          <a:p>
-            <a:pPr lvl="0"/>
-            <a:r>
-              <a:rPr lang="zh-CN" altLang="en-CN" dirty="0"/>
-              <a:t>时态</a:t>
-            </a:r>
-            <a:endParaRPr lang="en-US" dirty="0"/>
-          </a:p>
-        </p:txBody>
-      </p:sp>
-      <p:sp>
-        <p:nvSpPr>
-          <p:cNvPr id="54" name="Text Placeholder 6">
-            <a:extLst>
-              <a:ext uri="{FF2B5EF4-FFF2-40B4-BE49-F238E27FC236}">
-                <a16:creationId xmlns:a16="http://schemas.microsoft.com/office/drawing/2014/main" id="{576FB3D7-49A4-774B-8506-38F41AFC7713}"/>
-              </a:ext>
-            </a:extLst>
-          </p:cNvPr>
-          <p:cNvSpPr>
-            <a:spLocks noGrp="1"/>
-          </p:cNvSpPr>
-          <p:nvPr>
-            <p:ph type="body" sz="quarter" idx="21" hasCustomPrompt="1"/>
-          </p:nvPr>
-        </p:nvSpPr>
-        <p:spPr>
-          <a:xfrm>
-            <a:off x="2902364" y="6049065"/>
-            <a:ext cx="3161338" cy="227946"/>
-          </a:xfrm>
-          <a:prstGeom prst="rect">
-            <a:avLst/>
-          </a:prstGeom>
-        </p:spPr>
-        <p:txBody>
-          <a:bodyPr vert="horz" anchor="ctr"/>
-          <a:lstStyle>
-            <a:lvl1pPr marL="0" indent="0" algn="r">
-              <a:buNone/>
-              <a:defRPr sz="1400" b="0" i="0">
-                <a:solidFill>
-                  <a:srgbClr val="4B0707"/>
-                </a:solidFill>
-                <a:latin typeface="PingFang SC" panose="020B0400000000000000" pitchFamily="34" charset="-122"/>
-                <a:ea typeface="PingFang SC" panose="020B0400000000000000" pitchFamily="34" charset="-122"/>
-                <a:cs typeface="Helvetica Neue" panose="02000503000000020004" pitchFamily="2" charset="0"/>
-              </a:defRPr>
-            </a:lvl1pPr>
-            <a:lvl2pPr>
-              <a:defRPr>
-                <a:solidFill>
-                  <a:schemeClr val="tx1">
-                    <a:lumMod val="95000"/>
-                    <a:lumOff val="5000"/>
-                  </a:schemeClr>
-                </a:solidFill>
-                <a:latin typeface="Helvetica Neue" panose="02000503000000020004" pitchFamily="2" charset="0"/>
-                <a:ea typeface="Helvetica Neue" panose="02000503000000020004" pitchFamily="2" charset="0"/>
-                <a:cs typeface="Helvetica Neue" panose="02000503000000020004" pitchFamily="2" charset="0"/>
-              </a:defRPr>
-            </a:lvl2pPr>
-            <a:lvl3pPr>
-              <a:defRPr>
-                <a:solidFill>
-                  <a:schemeClr val="tx1">
-                    <a:lumMod val="95000"/>
-                    <a:lumOff val="5000"/>
-                  </a:schemeClr>
-                </a:solidFill>
-                <a:latin typeface="Helvetica Neue" panose="02000503000000020004" pitchFamily="2" charset="0"/>
-                <a:ea typeface="Helvetica Neue" panose="02000503000000020004" pitchFamily="2" charset="0"/>
-                <a:cs typeface="Helvetica Neue" panose="02000503000000020004" pitchFamily="2" charset="0"/>
-              </a:defRPr>
-            </a:lvl3pPr>
-            <a:lvl4pPr>
-              <a:defRPr>
-                <a:solidFill>
-                  <a:schemeClr val="tx1">
-                    <a:lumMod val="95000"/>
-                    <a:lumOff val="5000"/>
-                  </a:schemeClr>
-                </a:solidFill>
-                <a:latin typeface="Helvetica Neue" panose="02000503000000020004" pitchFamily="2" charset="0"/>
-                <a:ea typeface="Helvetica Neue" panose="02000503000000020004" pitchFamily="2" charset="0"/>
-                <a:cs typeface="Helvetica Neue" panose="02000503000000020004" pitchFamily="2" charset="0"/>
-              </a:defRPr>
-            </a:lvl4pPr>
-            <a:lvl5pPr>
-              <a:defRPr>
-                <a:solidFill>
-                  <a:schemeClr val="tx1">
-                    <a:lumMod val="95000"/>
-                    <a:lumOff val="5000"/>
-                  </a:schemeClr>
-                </a:solidFill>
-                <a:latin typeface="Helvetica Neue" panose="02000503000000020004" pitchFamily="2" charset="0"/>
-                <a:ea typeface="Helvetica Neue" panose="02000503000000020004" pitchFamily="2" charset="0"/>
-                <a:cs typeface="Helvetica Neue" panose="02000503000000020004" pitchFamily="2" charset="0"/>
-              </a:defRPr>
-            </a:lvl5pPr>
-          </a:lstStyle>
-          <a:p>
-            <a:pPr lvl="0"/>
-            <a:r>
-              <a:rPr lang="zh-CN" altLang="en-US" dirty="0"/>
-              <a:t>人称</a:t>
-            </a:r>
-            <a:endParaRPr lang="en-US" dirty="0"/>
-          </a:p>
-        </p:txBody>
-      </p:sp>
-    </p:spTree>
-    <p:extLst>
-      <p:ext uri="{BB962C8B-B14F-4D97-AF65-F5344CB8AC3E}">
-        <p14:creationId xmlns:p14="http://schemas.microsoft.com/office/powerpoint/2010/main" val="2509066943"/>
-      </p:ext>
-    </p:extLst>
-  </p:cSld>
-  <p:clrMapOvr>
-    <a:masterClrMapping/>
-  </p:clrMapOvr>
-</p:sldLayout>
-</file>
-
-<file path=ppt/slideLayouts/slideLayout11.xml><?xml version="1.0" encoding="utf-8"?>
-<p:sldLayout xmlns:a="http://schemas.openxmlformats.org/drawingml/2006/main" xmlns:r="http://schemas.openxmlformats.org/officeDocument/2006/relationships" xmlns:p="http://schemas.openxmlformats.org/presentationml/2006/main" preserve="1" userDrawn="1">
-  <p:cSld name="Verb with extension B">
-    <p:spTree>
-      <p:nvGrpSpPr>
-        <p:cNvPr id="1" name=""/>
-        <p:cNvGrpSpPr/>
-        <p:nvPr/>
-      </p:nvGrpSpPr>
-      <p:grpSpPr>
-        <a:xfrm>
-          <a:off x="0" y="0"/>
-          <a:ext cx="0" cy="0"/>
-          <a:chOff x="0" y="0"/>
-          <a:chExt cx="0" cy="0"/>
-        </a:xfrm>
-      </p:grpSpPr>
-      <p:pic>
-        <p:nvPicPr>
-          <p:cNvPr id="22" name="Picture 21">
-            <a:extLst>
-              <a:ext uri="{FF2B5EF4-FFF2-40B4-BE49-F238E27FC236}">
-                <a16:creationId xmlns:a16="http://schemas.microsoft.com/office/drawing/2014/main" id="{F34D071D-C22F-9D42-8D15-EDBB11327A41}"/>
-              </a:ext>
-            </a:extLst>
-          </p:cNvPr>
-          <p:cNvPicPr>
-            <a:picLocks noChangeAspect="1"/>
-          </p:cNvPicPr>
-          <p:nvPr userDrawn="1"/>
-        </p:nvPicPr>
-        <p:blipFill>
-          <a:blip r:embed="rId2"/>
-          <a:stretch>
-            <a:fillRect/>
-          </a:stretch>
-        </p:blipFill>
-        <p:spPr>
-          <a:xfrm>
-            <a:off x="0" y="0"/>
-            <a:ext cx="12192000" cy="6858000"/>
-          </a:xfrm>
-          <a:prstGeom prst="rect">
-            <a:avLst/>
-          </a:prstGeom>
-        </p:spPr>
-      </p:pic>
-      <p:sp>
-        <p:nvSpPr>
-          <p:cNvPr id="27" name="Rounded Rectangle 26">
-            <a:extLst>
-              <a:ext uri="{FF2B5EF4-FFF2-40B4-BE49-F238E27FC236}">
-                <a16:creationId xmlns:a16="http://schemas.microsoft.com/office/drawing/2014/main" id="{356B0A39-DBB3-DB4A-9768-EC5BA32BEE37}"/>
-              </a:ext>
-            </a:extLst>
-          </p:cNvPr>
-          <p:cNvSpPr/>
-          <p:nvPr userDrawn="1"/>
-        </p:nvSpPr>
-        <p:spPr>
-          <a:xfrm>
-            <a:off x="5334317" y="1205573"/>
-            <a:ext cx="669600" cy="324000"/>
-          </a:xfrm>
-          <a:prstGeom prst="roundRect">
-            <a:avLst>
-              <a:gd name="adj" fmla="val 50000"/>
-            </a:avLst>
-          </a:prstGeom>
-          <a:solidFill>
-            <a:srgbClr val="FFF9F2"/>
-          </a:solidFill>
-          <a:ln w="12700">
-            <a:solidFill>
-              <a:srgbClr val="D8C5B8"/>
-            </a:solidFill>
-          </a:ln>
-        </p:spPr>
-        <p:style>
-          <a:lnRef idx="2">
-            <a:schemeClr val="accent1">
-              <a:shade val="50000"/>
-            </a:schemeClr>
-          </a:lnRef>
-          <a:fillRef idx="1">
-            <a:schemeClr val="accent1"/>
-          </a:fillRef>
-          <a:effectRef idx="0">
-            <a:schemeClr val="accent1"/>
-          </a:effectRef>
-          <a:fontRef idx="minor">
-            <a:schemeClr val="lt1"/>
-          </a:fontRef>
-        </p:style>
-        <p:txBody>
-          <a:bodyPr rtlCol="0" anchor="ctr"/>
-          <a:lstStyle/>
-          <a:p>
-            <a:pPr algn="ctr"/>
-            <a:endParaRPr lang="en-JP" sz="1200" dirty="0">
-              <a:solidFill>
-                <a:schemeClr val="tx1">
-                  <a:lumMod val="50000"/>
-                  <a:lumOff val="50000"/>
-                </a:schemeClr>
-              </a:solidFill>
-              <a:latin typeface="PingFang SC" panose="020B0400000000000000" pitchFamily="34" charset="-122"/>
-              <a:ea typeface="PingFang SC" panose="020B0400000000000000" pitchFamily="34" charset="-122"/>
-            </a:endParaRPr>
-          </a:p>
-        </p:txBody>
-      </p:sp>
-      <p:sp>
-        <p:nvSpPr>
-          <p:cNvPr id="28" name="Text Placeholder 6">
-            <a:extLst>
-              <a:ext uri="{FF2B5EF4-FFF2-40B4-BE49-F238E27FC236}">
-                <a16:creationId xmlns:a16="http://schemas.microsoft.com/office/drawing/2014/main" id="{EF136A3A-DFC8-0449-A14F-EDC5094A8186}"/>
-              </a:ext>
-            </a:extLst>
-          </p:cNvPr>
-          <p:cNvSpPr>
-            <a:spLocks noGrp="1"/>
-          </p:cNvSpPr>
-          <p:nvPr>
-            <p:ph type="body" sz="quarter" idx="10" hasCustomPrompt="1"/>
-          </p:nvPr>
-        </p:nvSpPr>
-        <p:spPr>
-          <a:xfrm>
-            <a:off x="5334318" y="1198329"/>
-            <a:ext cx="669599" cy="324000"/>
-          </a:xfrm>
-          <a:prstGeom prst="rect">
-            <a:avLst/>
-          </a:prstGeom>
-        </p:spPr>
-        <p:txBody>
-          <a:bodyPr anchor="ctr"/>
-          <a:lstStyle>
-            <a:lvl1pPr marL="0" indent="0" algn="ctr">
-              <a:buNone/>
-              <a:defRPr sz="1400" b="0" i="0">
-                <a:solidFill>
-                  <a:srgbClr val="4B0707"/>
-                </a:solidFill>
-                <a:latin typeface="Roboto" pitchFamily="2" charset="0"/>
-                <a:ea typeface="Roboto" pitchFamily="2" charset="0"/>
-              </a:defRPr>
-            </a:lvl1pPr>
-            <a:lvl2pPr marL="324000" indent="0">
-              <a:buNone/>
-              <a:defRPr sz="1200" b="0" i="0">
-                <a:latin typeface="PingFang SC Light" panose="020B0300000000000000" pitchFamily="34" charset="-122"/>
-                <a:ea typeface="PingFang SC Light" panose="020B0300000000000000" pitchFamily="34" charset="-122"/>
-              </a:defRPr>
-            </a:lvl2pPr>
-            <a:lvl3pPr marL="630000" indent="0">
-              <a:buNone/>
-              <a:defRPr sz="1200" b="0" i="0">
-                <a:latin typeface="PingFang SC Light" panose="020B0300000000000000" pitchFamily="34" charset="-122"/>
-                <a:ea typeface="PingFang SC Light" panose="020B0300000000000000" pitchFamily="34" charset="-122"/>
-              </a:defRPr>
-            </a:lvl3pPr>
-            <a:lvl4pPr marL="1008000" indent="0">
-              <a:buNone/>
-              <a:defRPr sz="1200" b="0" i="0">
-                <a:latin typeface="PingFang SC Light" panose="020B0300000000000000" pitchFamily="34" charset="-122"/>
-                <a:ea typeface="PingFang SC Light" panose="020B0300000000000000" pitchFamily="34" charset="-122"/>
-              </a:defRPr>
-            </a:lvl4pPr>
-            <a:lvl5pPr marL="1368000" indent="0">
-              <a:buNone/>
-              <a:defRPr sz="1200" b="0" i="0">
-                <a:latin typeface="PingFang SC Light" panose="020B0300000000000000" pitchFamily="34" charset="-122"/>
-                <a:ea typeface="PingFang SC Light" panose="020B0300000000000000" pitchFamily="34" charset="-122"/>
-              </a:defRPr>
-            </a:lvl5pPr>
-          </a:lstStyle>
-          <a:p>
-            <a:pPr lvl="0"/>
-            <a:r>
-              <a:rPr lang="en-US" altLang="zh-CN" dirty="0"/>
-              <a:t>pos</a:t>
-            </a:r>
-            <a:r>
-              <a:rPr lang="en-JP" dirty="0"/>
-              <a:t>.</a:t>
-            </a:r>
-          </a:p>
-        </p:txBody>
-      </p:sp>
-      <p:sp>
-        <p:nvSpPr>
-          <p:cNvPr id="29" name="Text Placeholder 6">
-            <a:extLst>
-              <a:ext uri="{FF2B5EF4-FFF2-40B4-BE49-F238E27FC236}">
-                <a16:creationId xmlns:a16="http://schemas.microsoft.com/office/drawing/2014/main" id="{030B175E-F833-7349-99E7-938B401DF2EF}"/>
-              </a:ext>
-            </a:extLst>
-          </p:cNvPr>
-          <p:cNvSpPr>
-            <a:spLocks noGrp="1"/>
-          </p:cNvSpPr>
-          <p:nvPr>
-            <p:ph type="body" sz="quarter" idx="11" hasCustomPrompt="1"/>
-          </p:nvPr>
-        </p:nvSpPr>
-        <p:spPr>
-          <a:xfrm>
-            <a:off x="339716" y="1656938"/>
-            <a:ext cx="5756284" cy="410271"/>
-          </a:xfrm>
-          <a:prstGeom prst="rect">
-            <a:avLst/>
-          </a:prstGeom>
-        </p:spPr>
-        <p:txBody>
-          <a:bodyPr anchor="ctr"/>
-          <a:lstStyle>
-            <a:lvl1pPr marL="0" indent="0" algn="r">
-              <a:buNone/>
-              <a:defRPr sz="2400" b="0" i="0">
-                <a:solidFill>
-                  <a:srgbClr val="4B0707"/>
-                </a:solidFill>
-                <a:latin typeface="Roboto Medium" pitchFamily="2" charset="0"/>
-                <a:ea typeface="Roboto Medium" pitchFamily="2" charset="0"/>
-              </a:defRPr>
-            </a:lvl1pPr>
-            <a:lvl2pPr marL="324000" indent="0">
-              <a:buNone/>
-              <a:defRPr sz="1200" b="0" i="0">
-                <a:latin typeface="PingFang SC Light" panose="020B0300000000000000" pitchFamily="34" charset="-122"/>
-                <a:ea typeface="PingFang SC Light" panose="020B0300000000000000" pitchFamily="34" charset="-122"/>
-              </a:defRPr>
-            </a:lvl2pPr>
-            <a:lvl3pPr marL="630000" indent="0">
-              <a:buNone/>
-              <a:defRPr sz="1200" b="0" i="0">
-                <a:latin typeface="PingFang SC Light" panose="020B0300000000000000" pitchFamily="34" charset="-122"/>
-                <a:ea typeface="PingFang SC Light" panose="020B0300000000000000" pitchFamily="34" charset="-122"/>
-              </a:defRPr>
-            </a:lvl3pPr>
-            <a:lvl4pPr marL="1008000" indent="0">
-              <a:buNone/>
-              <a:defRPr sz="1200" b="0" i="0">
-                <a:latin typeface="PingFang SC Light" panose="020B0300000000000000" pitchFamily="34" charset="-122"/>
-                <a:ea typeface="PingFang SC Light" panose="020B0300000000000000" pitchFamily="34" charset="-122"/>
-              </a:defRPr>
-            </a:lvl4pPr>
-            <a:lvl5pPr marL="1368000" indent="0">
-              <a:buNone/>
-              <a:defRPr sz="1200" b="0" i="0">
-                <a:latin typeface="PingFang SC Light" panose="020B0300000000000000" pitchFamily="34" charset="-122"/>
-                <a:ea typeface="PingFang SC Light" panose="020B0300000000000000" pitchFamily="34" charset="-122"/>
-              </a:defRPr>
-            </a:lvl5pPr>
-          </a:lstStyle>
-          <a:p>
-            <a:pPr lvl="0"/>
-            <a:r>
-              <a:rPr lang="en-US" altLang="zh-CN" dirty="0"/>
-              <a:t>verb</a:t>
-            </a:r>
-            <a:endParaRPr lang="en-JP" dirty="0"/>
-          </a:p>
-        </p:txBody>
-      </p:sp>
-      <p:sp>
-        <p:nvSpPr>
-          <p:cNvPr id="38" name="Text Placeholder 6">
-            <a:extLst>
-              <a:ext uri="{FF2B5EF4-FFF2-40B4-BE49-F238E27FC236}">
-                <a16:creationId xmlns:a16="http://schemas.microsoft.com/office/drawing/2014/main" id="{FC23AD70-C21F-2D47-8286-79E21C55807A}"/>
-              </a:ext>
-            </a:extLst>
-          </p:cNvPr>
-          <p:cNvSpPr>
-            <a:spLocks noGrp="1"/>
-          </p:cNvSpPr>
-          <p:nvPr>
-            <p:ph type="body" sz="quarter" idx="12" hasCustomPrompt="1"/>
-          </p:nvPr>
-        </p:nvSpPr>
-        <p:spPr>
-          <a:xfrm>
-            <a:off x="339716" y="2165121"/>
-            <a:ext cx="5756284" cy="1133785"/>
-          </a:xfrm>
-          <a:prstGeom prst="rect">
-            <a:avLst/>
-          </a:prstGeom>
-        </p:spPr>
-        <p:txBody>
-          <a:bodyPr anchor="ctr"/>
-          <a:lstStyle>
-            <a:lvl1pPr marL="0" indent="0" algn="r">
-              <a:buNone/>
-              <a:defRPr sz="5800" b="0" i="0">
-                <a:solidFill>
-                  <a:srgbClr val="4B0707"/>
-                </a:solidFill>
-                <a:latin typeface="Roboto Medium" pitchFamily="2" charset="0"/>
-                <a:ea typeface="Roboto Medium" pitchFamily="2" charset="0"/>
-              </a:defRPr>
-            </a:lvl1pPr>
-            <a:lvl2pPr marL="324000" indent="0">
-              <a:buNone/>
-              <a:defRPr sz="1200" b="0" i="0">
-                <a:latin typeface="PingFang SC Light" panose="020B0300000000000000" pitchFamily="34" charset="-122"/>
-                <a:ea typeface="PingFang SC Light" panose="020B0300000000000000" pitchFamily="34" charset="-122"/>
-              </a:defRPr>
-            </a:lvl2pPr>
-            <a:lvl3pPr marL="630000" indent="0">
-              <a:buNone/>
-              <a:defRPr sz="1200" b="0" i="0">
-                <a:latin typeface="PingFang SC Light" panose="020B0300000000000000" pitchFamily="34" charset="-122"/>
-                <a:ea typeface="PingFang SC Light" panose="020B0300000000000000" pitchFamily="34" charset="-122"/>
-              </a:defRPr>
-            </a:lvl3pPr>
-            <a:lvl4pPr marL="1008000" indent="0">
-              <a:buNone/>
-              <a:defRPr sz="1200" b="0" i="0">
-                <a:latin typeface="PingFang SC Light" panose="020B0300000000000000" pitchFamily="34" charset="-122"/>
-                <a:ea typeface="PingFang SC Light" panose="020B0300000000000000" pitchFamily="34" charset="-122"/>
-              </a:defRPr>
-            </a:lvl4pPr>
-            <a:lvl5pPr marL="1368000" indent="0">
-              <a:buNone/>
-              <a:defRPr sz="1200" b="0" i="0">
-                <a:latin typeface="PingFang SC Light" panose="020B0300000000000000" pitchFamily="34" charset="-122"/>
-                <a:ea typeface="PingFang SC Light" panose="020B0300000000000000" pitchFamily="34" charset="-122"/>
-              </a:defRPr>
-            </a:lvl5pPr>
-          </a:lstStyle>
-          <a:p>
-            <a:pPr lvl="0"/>
-            <a:r>
-              <a:rPr lang="en-US" altLang="zh-CN" dirty="0"/>
-              <a:t>verb</a:t>
-            </a:r>
-            <a:endParaRPr lang="en-JP" dirty="0"/>
-          </a:p>
-        </p:txBody>
-      </p:sp>
-      <p:sp>
-        <p:nvSpPr>
-          <p:cNvPr id="39" name="Text Placeholder 6">
-            <a:extLst>
-              <a:ext uri="{FF2B5EF4-FFF2-40B4-BE49-F238E27FC236}">
-                <a16:creationId xmlns:a16="http://schemas.microsoft.com/office/drawing/2014/main" id="{DB3A96E7-0AF8-A440-BE27-23B5D7B2DE3A}"/>
-              </a:ext>
-            </a:extLst>
-          </p:cNvPr>
-          <p:cNvSpPr>
-            <a:spLocks noGrp="1"/>
-          </p:cNvSpPr>
-          <p:nvPr>
-            <p:ph type="body" sz="quarter" idx="13" hasCustomPrompt="1"/>
-          </p:nvPr>
-        </p:nvSpPr>
-        <p:spPr>
-          <a:xfrm>
-            <a:off x="339716" y="3462134"/>
-            <a:ext cx="5756284" cy="2022179"/>
-          </a:xfrm>
-          <a:prstGeom prst="rect">
-            <a:avLst/>
-          </a:prstGeom>
-        </p:spPr>
-        <p:txBody>
-          <a:bodyPr anchor="t"/>
-          <a:lstStyle>
-            <a:lvl1pPr marL="0" indent="0" algn="r">
-              <a:buNone/>
-              <a:defRPr sz="2400" b="0" i="0">
-                <a:solidFill>
-                  <a:srgbClr val="4B0707"/>
-                </a:solidFill>
-                <a:latin typeface="PingFang SC Light" panose="020B0300000000000000" pitchFamily="34" charset="-122"/>
-                <a:ea typeface="PingFang SC Light" panose="020B0300000000000000" pitchFamily="34" charset="-122"/>
-              </a:defRPr>
-            </a:lvl1pPr>
-            <a:lvl2pPr marL="324000" indent="0">
-              <a:buNone/>
-              <a:defRPr sz="1200" b="0" i="0">
-                <a:latin typeface="PingFang SC Light" panose="020B0300000000000000" pitchFamily="34" charset="-122"/>
-                <a:ea typeface="PingFang SC Light" panose="020B0300000000000000" pitchFamily="34" charset="-122"/>
-              </a:defRPr>
-            </a:lvl2pPr>
-            <a:lvl3pPr marL="630000" indent="0">
-              <a:buNone/>
-              <a:defRPr sz="1200" b="0" i="0">
-                <a:latin typeface="PingFang SC Light" panose="020B0300000000000000" pitchFamily="34" charset="-122"/>
-                <a:ea typeface="PingFang SC Light" panose="020B0300000000000000" pitchFamily="34" charset="-122"/>
-              </a:defRPr>
-            </a:lvl3pPr>
-            <a:lvl4pPr marL="1008000" indent="0">
-              <a:buNone/>
-              <a:defRPr sz="1200" b="0" i="0">
-                <a:latin typeface="PingFang SC Light" panose="020B0300000000000000" pitchFamily="34" charset="-122"/>
-                <a:ea typeface="PingFang SC Light" panose="020B0300000000000000" pitchFamily="34" charset="-122"/>
-              </a:defRPr>
-            </a:lvl4pPr>
-            <a:lvl5pPr marL="1368000" indent="0">
-              <a:buNone/>
-              <a:defRPr sz="1200" b="0" i="0">
-                <a:latin typeface="PingFang SC Light" panose="020B0300000000000000" pitchFamily="34" charset="-122"/>
-                <a:ea typeface="PingFang SC Light" panose="020B0300000000000000" pitchFamily="34" charset="-122"/>
-              </a:defRPr>
-            </a:lvl5pPr>
-          </a:lstStyle>
-          <a:p>
-            <a:pPr lvl="0"/>
-            <a:r>
-              <a:rPr lang="zh-CN" altLang="en-JP" dirty="0"/>
-              <a:t>翻译</a:t>
-            </a:r>
-            <a:r>
-              <a:rPr lang="en-US" altLang="zh-CN" dirty="0"/>
-              <a:t>1</a:t>
-            </a:r>
-          </a:p>
-          <a:p>
-            <a:pPr lvl="0"/>
-            <a:r>
-              <a:rPr lang="zh-CN" altLang="en-US" dirty="0"/>
-              <a:t>翻译</a:t>
-            </a:r>
-            <a:r>
-              <a:rPr lang="en-US" altLang="zh-CN" dirty="0"/>
-              <a:t>2</a:t>
-            </a:r>
-          </a:p>
-          <a:p>
-            <a:pPr lvl="0"/>
-            <a:r>
-              <a:rPr lang="zh-CN" altLang="en-US" dirty="0"/>
-              <a:t>翻译</a:t>
-            </a:r>
-            <a:r>
-              <a:rPr lang="en-US" altLang="zh-CN" dirty="0"/>
-              <a:t>3</a:t>
-            </a:r>
-          </a:p>
-          <a:p>
-            <a:pPr lvl="0"/>
-            <a:r>
-              <a:rPr lang="zh-CN" altLang="en-US" dirty="0"/>
-              <a:t>翻译</a:t>
-            </a:r>
-            <a:r>
-              <a:rPr lang="en-US" altLang="zh-CN" dirty="0"/>
-              <a:t>4</a:t>
-            </a:r>
-          </a:p>
-        </p:txBody>
-      </p:sp>
-      <p:sp>
-        <p:nvSpPr>
-          <p:cNvPr id="23" name="Text Placeholder 6">
-            <a:extLst>
-              <a:ext uri="{FF2B5EF4-FFF2-40B4-BE49-F238E27FC236}">
-                <a16:creationId xmlns:a16="http://schemas.microsoft.com/office/drawing/2014/main" id="{E3161DD5-B711-3943-9B6B-17ADD13811CB}"/>
-              </a:ext>
-            </a:extLst>
-          </p:cNvPr>
-          <p:cNvSpPr>
-            <a:spLocks noGrp="1"/>
-          </p:cNvSpPr>
-          <p:nvPr>
-            <p:ph type="body" sz="quarter" idx="14" hasCustomPrompt="1"/>
-          </p:nvPr>
-        </p:nvSpPr>
-        <p:spPr>
-          <a:xfrm>
-            <a:off x="6519134" y="1769782"/>
-            <a:ext cx="2116866" cy="3058247"/>
-          </a:xfrm>
-          <a:prstGeom prst="rect">
-            <a:avLst/>
-          </a:prstGeom>
-        </p:spPr>
-        <p:txBody>
-          <a:bodyPr vert="horz" anchor="ctr"/>
-          <a:lstStyle>
-            <a:lvl1pPr marL="0" marR="0" indent="0" algn="r" defTabSz="457200" rtl="0" eaLnBrk="1" fontAlgn="auto" latinLnBrk="0" hangingPunct="1">
-              <a:lnSpc>
-                <a:spcPct val="150000"/>
-              </a:lnSpc>
-              <a:spcBef>
-                <a:spcPct val="20000"/>
-              </a:spcBef>
-              <a:spcAft>
-                <a:spcPts val="600"/>
-              </a:spcAft>
-              <a:buClr>
-                <a:schemeClr val="accent2"/>
-              </a:buClr>
-              <a:buSzPct val="92000"/>
-              <a:buFont typeface="Arial" panose="020B0604020202020204" pitchFamily="34" charset="0"/>
-              <a:buNone/>
-              <a:tabLst/>
-              <a:defRPr sz="1600" b="0" i="0">
-                <a:solidFill>
-                  <a:srgbClr val="C22D28"/>
-                </a:solidFill>
-                <a:latin typeface="PingFang SC Medium" panose="020B0400000000000000" pitchFamily="34" charset="-122"/>
-                <a:ea typeface="PingFang SC Medium" panose="020B0400000000000000" pitchFamily="34" charset="-122"/>
-                <a:cs typeface="Helvetica Neue" panose="02000503000000020004" pitchFamily="2" charset="0"/>
-              </a:defRPr>
-            </a:lvl1pPr>
-            <a:lvl2pPr>
-              <a:defRPr>
-                <a:solidFill>
-                  <a:schemeClr val="tx1">
-                    <a:lumMod val="95000"/>
-                    <a:lumOff val="5000"/>
-                  </a:schemeClr>
-                </a:solidFill>
-                <a:latin typeface="Helvetica Neue" panose="02000503000000020004" pitchFamily="2" charset="0"/>
-                <a:ea typeface="Helvetica Neue" panose="02000503000000020004" pitchFamily="2" charset="0"/>
-                <a:cs typeface="Helvetica Neue" panose="02000503000000020004" pitchFamily="2" charset="0"/>
-              </a:defRPr>
-            </a:lvl2pPr>
-            <a:lvl3pPr>
-              <a:defRPr>
-                <a:solidFill>
-                  <a:schemeClr val="tx1">
-                    <a:lumMod val="95000"/>
-                    <a:lumOff val="5000"/>
-                  </a:schemeClr>
-                </a:solidFill>
-                <a:latin typeface="Helvetica Neue" panose="02000503000000020004" pitchFamily="2" charset="0"/>
-                <a:ea typeface="Helvetica Neue" panose="02000503000000020004" pitchFamily="2" charset="0"/>
-                <a:cs typeface="Helvetica Neue" panose="02000503000000020004" pitchFamily="2" charset="0"/>
-              </a:defRPr>
-            </a:lvl3pPr>
-            <a:lvl4pPr>
-              <a:defRPr>
-                <a:solidFill>
-                  <a:schemeClr val="tx1">
-                    <a:lumMod val="95000"/>
-                    <a:lumOff val="5000"/>
-                  </a:schemeClr>
-                </a:solidFill>
-                <a:latin typeface="Helvetica Neue" panose="02000503000000020004" pitchFamily="2" charset="0"/>
-                <a:ea typeface="Helvetica Neue" panose="02000503000000020004" pitchFamily="2" charset="0"/>
-                <a:cs typeface="Helvetica Neue" panose="02000503000000020004" pitchFamily="2" charset="0"/>
-              </a:defRPr>
-            </a:lvl4pPr>
-            <a:lvl5pPr>
-              <a:defRPr>
-                <a:solidFill>
-                  <a:schemeClr val="tx1">
-                    <a:lumMod val="95000"/>
-                    <a:lumOff val="5000"/>
-                  </a:schemeClr>
-                </a:solidFill>
-                <a:latin typeface="Helvetica Neue" panose="02000503000000020004" pitchFamily="2" charset="0"/>
-                <a:ea typeface="Helvetica Neue" panose="02000503000000020004" pitchFamily="2" charset="0"/>
-                <a:cs typeface="Helvetica Neue" panose="02000503000000020004" pitchFamily="2" charset="0"/>
-              </a:defRPr>
-            </a:lvl5pPr>
-          </a:lstStyle>
-          <a:p>
-            <a:pPr lvl="0"/>
-            <a:r>
-              <a:rPr lang="zh-CN" altLang="en-CN" dirty="0"/>
-              <a:t>时态</a:t>
-            </a:r>
-            <a:endParaRPr lang="en-US" altLang="zh-CN" dirty="0"/>
-          </a:p>
-          <a:p>
-            <a:pPr lvl="0"/>
-            <a:r>
-              <a:rPr lang="zh-CN" altLang="en-US" dirty="0"/>
-              <a:t>时态</a:t>
-            </a:r>
-            <a:r>
-              <a:rPr lang="en-US" altLang="zh-CN" dirty="0"/>
-              <a:t>2</a:t>
-            </a:r>
-          </a:p>
-          <a:p>
-            <a:pPr lvl="0"/>
-            <a:r>
-              <a:rPr lang="zh-CN" altLang="en-US" dirty="0"/>
-              <a:t>时态</a:t>
-            </a:r>
-            <a:r>
-              <a:rPr lang="en-US" altLang="zh-CN" dirty="0"/>
-              <a:t>3</a:t>
-            </a:r>
-          </a:p>
-          <a:p>
-            <a:pPr lvl="0"/>
-            <a:r>
-              <a:rPr lang="zh-CN" altLang="en-US" dirty="0"/>
-              <a:t>时态</a:t>
-            </a:r>
-            <a:r>
-              <a:rPr lang="en-US" altLang="zh-CN" dirty="0"/>
-              <a:t>4</a:t>
-            </a:r>
-          </a:p>
-        </p:txBody>
-      </p:sp>
-      <p:sp>
-        <p:nvSpPr>
-          <p:cNvPr id="24" name="Text Placeholder 6">
-            <a:extLst>
-              <a:ext uri="{FF2B5EF4-FFF2-40B4-BE49-F238E27FC236}">
-                <a16:creationId xmlns:a16="http://schemas.microsoft.com/office/drawing/2014/main" id="{420CD529-CF25-D948-A3F5-05E037D44B1C}"/>
-              </a:ext>
-            </a:extLst>
-          </p:cNvPr>
-          <p:cNvSpPr>
-            <a:spLocks noGrp="1"/>
-          </p:cNvSpPr>
-          <p:nvPr>
-            <p:ph type="body" sz="quarter" idx="15" hasCustomPrompt="1"/>
-          </p:nvPr>
-        </p:nvSpPr>
-        <p:spPr>
-          <a:xfrm>
-            <a:off x="8636000" y="1769782"/>
-            <a:ext cx="3555552" cy="3058247"/>
-          </a:xfrm>
-          <a:prstGeom prst="rect">
-            <a:avLst/>
-          </a:prstGeom>
-        </p:spPr>
-        <p:txBody>
-          <a:bodyPr vert="horz" anchor="ctr"/>
-          <a:lstStyle>
-            <a:lvl1pPr marL="0" marR="0" indent="0" algn="l" defTabSz="457200" rtl="0" eaLnBrk="1" fontAlgn="auto" latinLnBrk="0" hangingPunct="1">
-              <a:lnSpc>
-                <a:spcPct val="150000"/>
-              </a:lnSpc>
-              <a:spcBef>
-                <a:spcPct val="20000"/>
-              </a:spcBef>
-              <a:spcAft>
-                <a:spcPts val="600"/>
-              </a:spcAft>
-              <a:buClr>
-                <a:schemeClr val="accent2"/>
-              </a:buClr>
-              <a:buSzPct val="92000"/>
-              <a:buFont typeface="Arial" panose="020B0604020202020204" pitchFamily="34" charset="0"/>
-              <a:buNone/>
-              <a:tabLst/>
-              <a:defRPr sz="1600" b="0" i="0">
-                <a:solidFill>
-                  <a:srgbClr val="4B0707"/>
-                </a:solidFill>
-                <a:latin typeface="PingFang SC" panose="020B0400000000000000" pitchFamily="34" charset="-122"/>
-                <a:ea typeface="PingFang SC" panose="020B0400000000000000" pitchFamily="34" charset="-122"/>
-                <a:cs typeface="Helvetica Neue" panose="02000503000000020004" pitchFamily="2" charset="0"/>
-              </a:defRPr>
-            </a:lvl1pPr>
-            <a:lvl2pPr>
-              <a:defRPr>
-                <a:solidFill>
-                  <a:schemeClr val="tx1">
-                    <a:lumMod val="95000"/>
-                    <a:lumOff val="5000"/>
-                  </a:schemeClr>
-                </a:solidFill>
-                <a:latin typeface="Helvetica Neue" panose="02000503000000020004" pitchFamily="2" charset="0"/>
-                <a:ea typeface="Helvetica Neue" panose="02000503000000020004" pitchFamily="2" charset="0"/>
-                <a:cs typeface="Helvetica Neue" panose="02000503000000020004" pitchFamily="2" charset="0"/>
-              </a:defRPr>
-            </a:lvl2pPr>
-            <a:lvl3pPr>
-              <a:defRPr>
-                <a:solidFill>
-                  <a:schemeClr val="tx1">
-                    <a:lumMod val="95000"/>
-                    <a:lumOff val="5000"/>
-                  </a:schemeClr>
-                </a:solidFill>
-                <a:latin typeface="Helvetica Neue" panose="02000503000000020004" pitchFamily="2" charset="0"/>
-                <a:ea typeface="Helvetica Neue" panose="02000503000000020004" pitchFamily="2" charset="0"/>
-                <a:cs typeface="Helvetica Neue" panose="02000503000000020004" pitchFamily="2" charset="0"/>
-              </a:defRPr>
-            </a:lvl3pPr>
-            <a:lvl4pPr>
-              <a:defRPr>
-                <a:solidFill>
-                  <a:schemeClr val="tx1">
-                    <a:lumMod val="95000"/>
-                    <a:lumOff val="5000"/>
-                  </a:schemeClr>
-                </a:solidFill>
-                <a:latin typeface="Helvetica Neue" panose="02000503000000020004" pitchFamily="2" charset="0"/>
-                <a:ea typeface="Helvetica Neue" panose="02000503000000020004" pitchFamily="2" charset="0"/>
-                <a:cs typeface="Helvetica Neue" panose="02000503000000020004" pitchFamily="2" charset="0"/>
-              </a:defRPr>
-            </a:lvl4pPr>
-            <a:lvl5pPr>
-              <a:defRPr>
-                <a:solidFill>
-                  <a:schemeClr val="tx1">
-                    <a:lumMod val="95000"/>
-                    <a:lumOff val="5000"/>
-                  </a:schemeClr>
-                </a:solidFill>
-                <a:latin typeface="Helvetica Neue" panose="02000503000000020004" pitchFamily="2" charset="0"/>
-                <a:ea typeface="Helvetica Neue" panose="02000503000000020004" pitchFamily="2" charset="0"/>
-                <a:cs typeface="Helvetica Neue" panose="02000503000000020004" pitchFamily="2" charset="0"/>
-              </a:defRPr>
-            </a:lvl5pPr>
-          </a:lstStyle>
-          <a:p>
-            <a:pPr lvl="0"/>
-            <a:r>
-              <a:rPr lang="zh-CN" altLang="en-US" dirty="0"/>
-              <a:t>变位</a:t>
-            </a:r>
-            <a:endParaRPr lang="en-US" altLang="zh-CN" dirty="0"/>
-          </a:p>
-          <a:p>
-            <a:pPr lvl="0"/>
-            <a:r>
-              <a:rPr lang="zh-CN" altLang="en-US" dirty="0"/>
-              <a:t>变位</a:t>
-            </a:r>
-            <a:r>
-              <a:rPr lang="en-US" altLang="zh-CN" dirty="0"/>
-              <a:t>2</a:t>
-            </a:r>
-          </a:p>
-          <a:p>
-            <a:pPr lvl="0"/>
-            <a:r>
-              <a:rPr lang="zh-CN" altLang="en-US" dirty="0"/>
-              <a:t>变位</a:t>
-            </a:r>
-            <a:r>
-              <a:rPr lang="en-US" altLang="zh-CN" dirty="0"/>
-              <a:t>3</a:t>
-            </a:r>
-          </a:p>
-          <a:p>
-            <a:pPr lvl="0"/>
-            <a:r>
-              <a:rPr lang="zh-CN" altLang="en-US" dirty="0"/>
-              <a:t>变位</a:t>
-            </a:r>
-            <a:r>
-              <a:rPr lang="en-US" altLang="zh-CN" dirty="0"/>
-              <a:t>4</a:t>
-            </a:r>
-          </a:p>
-        </p:txBody>
-      </p:sp>
-    </p:spTree>
-    <p:extLst>
-      <p:ext uri="{BB962C8B-B14F-4D97-AF65-F5344CB8AC3E}">
-        <p14:creationId xmlns:p14="http://schemas.microsoft.com/office/powerpoint/2010/main" val="1673386510"/>
-      </p:ext>
-    </p:extLst>
-  </p:cSld>
-  <p:clrMapOvr>
-    <a:masterClrMapping/>
-  </p:clrMapOvr>
-</p:sldLayout>
-</file>
-
-<file path=ppt/slideLayouts/slideLayout12.xml><?xml version="1.0" encoding="utf-8"?>
-<p:sldLayout xmlns:a="http://schemas.openxmlformats.org/drawingml/2006/main" xmlns:r="http://schemas.openxmlformats.org/officeDocument/2006/relationships" xmlns:p="http://schemas.openxmlformats.org/presentationml/2006/main" preserve="1" userDrawn="1">
-  <p:cSld name="Verb with extension C">
-    <p:spTree>
-      <p:nvGrpSpPr>
-        <p:cNvPr id="1" name=""/>
-        <p:cNvGrpSpPr/>
-        <p:nvPr/>
-      </p:nvGrpSpPr>
-      <p:grpSpPr>
-        <a:xfrm>
-          <a:off x="0" y="0"/>
-          <a:ext cx="0" cy="0"/>
-          <a:chOff x="0" y="0"/>
-          <a:chExt cx="0" cy="0"/>
-        </a:xfrm>
-      </p:grpSpPr>
-      <p:pic>
-        <p:nvPicPr>
-          <p:cNvPr id="22" name="Picture 21">
-            <a:extLst>
-              <a:ext uri="{FF2B5EF4-FFF2-40B4-BE49-F238E27FC236}">
-                <a16:creationId xmlns:a16="http://schemas.microsoft.com/office/drawing/2014/main" id="{F34D071D-C22F-9D42-8D15-EDBB11327A41}"/>
-              </a:ext>
-            </a:extLst>
-          </p:cNvPr>
-          <p:cNvPicPr>
-            <a:picLocks noChangeAspect="1"/>
-          </p:cNvPicPr>
-          <p:nvPr userDrawn="1"/>
-        </p:nvPicPr>
-        <p:blipFill>
-          <a:blip r:embed="rId2"/>
-          <a:stretch>
-            <a:fillRect/>
-          </a:stretch>
-        </p:blipFill>
-        <p:spPr>
-          <a:xfrm>
-            <a:off x="0" y="0"/>
-            <a:ext cx="12192000" cy="6858000"/>
-          </a:xfrm>
-          <a:prstGeom prst="rect">
-            <a:avLst/>
-          </a:prstGeom>
-        </p:spPr>
-      </p:pic>
-      <p:sp>
-        <p:nvSpPr>
-          <p:cNvPr id="27" name="Rounded Rectangle 26">
-            <a:extLst>
-              <a:ext uri="{FF2B5EF4-FFF2-40B4-BE49-F238E27FC236}">
-                <a16:creationId xmlns:a16="http://schemas.microsoft.com/office/drawing/2014/main" id="{356B0A39-DBB3-DB4A-9768-EC5BA32BEE37}"/>
-              </a:ext>
-            </a:extLst>
-          </p:cNvPr>
-          <p:cNvSpPr/>
-          <p:nvPr userDrawn="1"/>
-        </p:nvSpPr>
-        <p:spPr>
-          <a:xfrm>
-            <a:off x="5334317" y="1205573"/>
-            <a:ext cx="669600" cy="324000"/>
-          </a:xfrm>
-          <a:prstGeom prst="roundRect">
-            <a:avLst>
-              <a:gd name="adj" fmla="val 50000"/>
-            </a:avLst>
-          </a:prstGeom>
-          <a:solidFill>
-            <a:srgbClr val="FFF9F2"/>
-          </a:solidFill>
-          <a:ln w="12700">
-            <a:solidFill>
-              <a:srgbClr val="D8C5B8"/>
-            </a:solidFill>
-          </a:ln>
-        </p:spPr>
-        <p:style>
-          <a:lnRef idx="2">
-            <a:schemeClr val="accent1">
-              <a:shade val="50000"/>
-            </a:schemeClr>
-          </a:lnRef>
-          <a:fillRef idx="1">
-            <a:schemeClr val="accent1"/>
-          </a:fillRef>
-          <a:effectRef idx="0">
-            <a:schemeClr val="accent1"/>
-          </a:effectRef>
-          <a:fontRef idx="minor">
-            <a:schemeClr val="lt1"/>
-          </a:fontRef>
-        </p:style>
-        <p:txBody>
-          <a:bodyPr rtlCol="0" anchor="ctr"/>
-          <a:lstStyle/>
-          <a:p>
-            <a:pPr algn="ctr"/>
-            <a:endParaRPr lang="en-JP" sz="1200" dirty="0">
-              <a:solidFill>
-                <a:schemeClr val="tx1">
-                  <a:lumMod val="50000"/>
-                  <a:lumOff val="50000"/>
-                </a:schemeClr>
-              </a:solidFill>
-              <a:latin typeface="PingFang SC" panose="020B0400000000000000" pitchFamily="34" charset="-122"/>
-              <a:ea typeface="PingFang SC" panose="020B0400000000000000" pitchFamily="34" charset="-122"/>
-            </a:endParaRPr>
-          </a:p>
-        </p:txBody>
-      </p:sp>
-      <p:sp>
-        <p:nvSpPr>
-          <p:cNvPr id="28" name="Text Placeholder 6">
-            <a:extLst>
-              <a:ext uri="{FF2B5EF4-FFF2-40B4-BE49-F238E27FC236}">
-                <a16:creationId xmlns:a16="http://schemas.microsoft.com/office/drawing/2014/main" id="{EF136A3A-DFC8-0449-A14F-EDC5094A8186}"/>
-              </a:ext>
-            </a:extLst>
-          </p:cNvPr>
-          <p:cNvSpPr>
-            <a:spLocks noGrp="1"/>
-          </p:cNvSpPr>
-          <p:nvPr>
-            <p:ph type="body" sz="quarter" idx="10" hasCustomPrompt="1"/>
-          </p:nvPr>
-        </p:nvSpPr>
-        <p:spPr>
-          <a:xfrm>
-            <a:off x="5334318" y="1198329"/>
-            <a:ext cx="669599" cy="324000"/>
-          </a:xfrm>
-          <a:prstGeom prst="rect">
-            <a:avLst/>
-          </a:prstGeom>
-        </p:spPr>
-        <p:txBody>
-          <a:bodyPr anchor="ctr"/>
-          <a:lstStyle>
-            <a:lvl1pPr marL="0" indent="0" algn="ctr">
-              <a:buNone/>
-              <a:defRPr sz="1400" b="0" i="0">
-                <a:solidFill>
-                  <a:srgbClr val="4B0707"/>
-                </a:solidFill>
-                <a:latin typeface="Roboto" pitchFamily="2" charset="0"/>
-                <a:ea typeface="Roboto" pitchFamily="2" charset="0"/>
-              </a:defRPr>
-            </a:lvl1pPr>
-            <a:lvl2pPr marL="324000" indent="0">
-              <a:buNone/>
-              <a:defRPr sz="1200" b="0" i="0">
-                <a:latin typeface="PingFang SC Light" panose="020B0300000000000000" pitchFamily="34" charset="-122"/>
-                <a:ea typeface="PingFang SC Light" panose="020B0300000000000000" pitchFamily="34" charset="-122"/>
-              </a:defRPr>
-            </a:lvl2pPr>
-            <a:lvl3pPr marL="630000" indent="0">
-              <a:buNone/>
-              <a:defRPr sz="1200" b="0" i="0">
-                <a:latin typeface="PingFang SC Light" panose="020B0300000000000000" pitchFamily="34" charset="-122"/>
-                <a:ea typeface="PingFang SC Light" panose="020B0300000000000000" pitchFamily="34" charset="-122"/>
-              </a:defRPr>
-            </a:lvl3pPr>
-            <a:lvl4pPr marL="1008000" indent="0">
-              <a:buNone/>
-              <a:defRPr sz="1200" b="0" i="0">
-                <a:latin typeface="PingFang SC Light" panose="020B0300000000000000" pitchFamily="34" charset="-122"/>
-                <a:ea typeface="PingFang SC Light" panose="020B0300000000000000" pitchFamily="34" charset="-122"/>
-              </a:defRPr>
-            </a:lvl4pPr>
-            <a:lvl5pPr marL="1368000" indent="0">
-              <a:buNone/>
-              <a:defRPr sz="1200" b="0" i="0">
-                <a:latin typeface="PingFang SC Light" panose="020B0300000000000000" pitchFamily="34" charset="-122"/>
-                <a:ea typeface="PingFang SC Light" panose="020B0300000000000000" pitchFamily="34" charset="-122"/>
-              </a:defRPr>
-            </a:lvl5pPr>
-          </a:lstStyle>
-          <a:p>
-            <a:pPr lvl="0"/>
-            <a:r>
-              <a:rPr lang="en-US" altLang="zh-CN" dirty="0"/>
-              <a:t>pos</a:t>
-            </a:r>
-            <a:r>
-              <a:rPr lang="en-JP" dirty="0"/>
-              <a:t>.</a:t>
-            </a:r>
-          </a:p>
-        </p:txBody>
-      </p:sp>
-      <p:sp>
-        <p:nvSpPr>
-          <p:cNvPr id="29" name="Text Placeholder 6">
-            <a:extLst>
-              <a:ext uri="{FF2B5EF4-FFF2-40B4-BE49-F238E27FC236}">
-                <a16:creationId xmlns:a16="http://schemas.microsoft.com/office/drawing/2014/main" id="{030B175E-F833-7349-99E7-938B401DF2EF}"/>
-              </a:ext>
-            </a:extLst>
-          </p:cNvPr>
-          <p:cNvSpPr>
-            <a:spLocks noGrp="1"/>
-          </p:cNvSpPr>
-          <p:nvPr>
-            <p:ph type="body" sz="quarter" idx="11" hasCustomPrompt="1"/>
-          </p:nvPr>
-        </p:nvSpPr>
-        <p:spPr>
-          <a:xfrm>
-            <a:off x="339716" y="1656938"/>
-            <a:ext cx="5756284" cy="410271"/>
-          </a:xfrm>
-          <a:prstGeom prst="rect">
-            <a:avLst/>
-          </a:prstGeom>
-        </p:spPr>
-        <p:txBody>
-          <a:bodyPr anchor="ctr"/>
-          <a:lstStyle>
-            <a:lvl1pPr marL="0" indent="0" algn="r">
-              <a:buNone/>
-              <a:defRPr sz="2400" b="0" i="0">
-                <a:solidFill>
-                  <a:srgbClr val="4B0707"/>
-                </a:solidFill>
-                <a:latin typeface="Roboto Medium" pitchFamily="2" charset="0"/>
-                <a:ea typeface="Roboto Medium" pitchFamily="2" charset="0"/>
-              </a:defRPr>
-            </a:lvl1pPr>
-            <a:lvl2pPr marL="324000" indent="0">
-              <a:buNone/>
-              <a:defRPr sz="1200" b="0" i="0">
-                <a:latin typeface="PingFang SC Light" panose="020B0300000000000000" pitchFamily="34" charset="-122"/>
-                <a:ea typeface="PingFang SC Light" panose="020B0300000000000000" pitchFamily="34" charset="-122"/>
-              </a:defRPr>
-            </a:lvl2pPr>
-            <a:lvl3pPr marL="630000" indent="0">
-              <a:buNone/>
-              <a:defRPr sz="1200" b="0" i="0">
-                <a:latin typeface="PingFang SC Light" panose="020B0300000000000000" pitchFamily="34" charset="-122"/>
-                <a:ea typeface="PingFang SC Light" panose="020B0300000000000000" pitchFamily="34" charset="-122"/>
-              </a:defRPr>
-            </a:lvl3pPr>
-            <a:lvl4pPr marL="1008000" indent="0">
-              <a:buNone/>
-              <a:defRPr sz="1200" b="0" i="0">
-                <a:latin typeface="PingFang SC Light" panose="020B0300000000000000" pitchFamily="34" charset="-122"/>
-                <a:ea typeface="PingFang SC Light" panose="020B0300000000000000" pitchFamily="34" charset="-122"/>
-              </a:defRPr>
-            </a:lvl4pPr>
-            <a:lvl5pPr marL="1368000" indent="0">
-              <a:buNone/>
-              <a:defRPr sz="1200" b="0" i="0">
-                <a:latin typeface="PingFang SC Light" panose="020B0300000000000000" pitchFamily="34" charset="-122"/>
-                <a:ea typeface="PingFang SC Light" panose="020B0300000000000000" pitchFamily="34" charset="-122"/>
-              </a:defRPr>
-            </a:lvl5pPr>
-          </a:lstStyle>
-          <a:p>
-            <a:pPr lvl="0"/>
-            <a:r>
-              <a:rPr lang="en-US" altLang="zh-CN" dirty="0"/>
-              <a:t>verb</a:t>
-            </a:r>
-            <a:endParaRPr lang="en-JP" dirty="0"/>
-          </a:p>
-        </p:txBody>
-      </p:sp>
-      <p:sp>
-        <p:nvSpPr>
-          <p:cNvPr id="38" name="Text Placeholder 6">
-            <a:extLst>
-              <a:ext uri="{FF2B5EF4-FFF2-40B4-BE49-F238E27FC236}">
-                <a16:creationId xmlns:a16="http://schemas.microsoft.com/office/drawing/2014/main" id="{FC23AD70-C21F-2D47-8286-79E21C55807A}"/>
-              </a:ext>
-            </a:extLst>
-          </p:cNvPr>
-          <p:cNvSpPr>
-            <a:spLocks noGrp="1"/>
-          </p:cNvSpPr>
-          <p:nvPr>
-            <p:ph type="body" sz="quarter" idx="12" hasCustomPrompt="1"/>
-          </p:nvPr>
-        </p:nvSpPr>
-        <p:spPr>
-          <a:xfrm>
-            <a:off x="339716" y="2165121"/>
-            <a:ext cx="5756284" cy="1133785"/>
-          </a:xfrm>
-          <a:prstGeom prst="rect">
-            <a:avLst/>
-          </a:prstGeom>
-        </p:spPr>
-        <p:txBody>
-          <a:bodyPr anchor="ctr"/>
-          <a:lstStyle>
-            <a:lvl1pPr marL="0" indent="0" algn="r">
-              <a:buNone/>
-              <a:defRPr sz="5800" b="0" i="0">
-                <a:solidFill>
-                  <a:srgbClr val="4B0707"/>
-                </a:solidFill>
-                <a:latin typeface="Roboto Medium" pitchFamily="2" charset="0"/>
-                <a:ea typeface="Roboto Medium" pitchFamily="2" charset="0"/>
-              </a:defRPr>
-            </a:lvl1pPr>
-            <a:lvl2pPr marL="324000" indent="0">
-              <a:buNone/>
-              <a:defRPr sz="1200" b="0" i="0">
-                <a:latin typeface="PingFang SC Light" panose="020B0300000000000000" pitchFamily="34" charset="-122"/>
-                <a:ea typeface="PingFang SC Light" panose="020B0300000000000000" pitchFamily="34" charset="-122"/>
-              </a:defRPr>
-            </a:lvl2pPr>
-            <a:lvl3pPr marL="630000" indent="0">
-              <a:buNone/>
-              <a:defRPr sz="1200" b="0" i="0">
-                <a:latin typeface="PingFang SC Light" panose="020B0300000000000000" pitchFamily="34" charset="-122"/>
-                <a:ea typeface="PingFang SC Light" panose="020B0300000000000000" pitchFamily="34" charset="-122"/>
-              </a:defRPr>
-            </a:lvl3pPr>
-            <a:lvl4pPr marL="1008000" indent="0">
-              <a:buNone/>
-              <a:defRPr sz="1200" b="0" i="0">
-                <a:latin typeface="PingFang SC Light" panose="020B0300000000000000" pitchFamily="34" charset="-122"/>
-                <a:ea typeface="PingFang SC Light" panose="020B0300000000000000" pitchFamily="34" charset="-122"/>
-              </a:defRPr>
-            </a:lvl4pPr>
-            <a:lvl5pPr marL="1368000" indent="0">
-              <a:buNone/>
-              <a:defRPr sz="1200" b="0" i="0">
-                <a:latin typeface="PingFang SC Light" panose="020B0300000000000000" pitchFamily="34" charset="-122"/>
-                <a:ea typeface="PingFang SC Light" panose="020B0300000000000000" pitchFamily="34" charset="-122"/>
-              </a:defRPr>
-            </a:lvl5pPr>
-          </a:lstStyle>
-          <a:p>
-            <a:pPr lvl="0"/>
-            <a:r>
-              <a:rPr lang="en-US" altLang="zh-CN" dirty="0"/>
-              <a:t>verb</a:t>
-            </a:r>
-            <a:endParaRPr lang="en-JP" dirty="0"/>
-          </a:p>
-        </p:txBody>
-      </p:sp>
-      <p:sp>
-        <p:nvSpPr>
-          <p:cNvPr id="39" name="Text Placeholder 6">
-            <a:extLst>
-              <a:ext uri="{FF2B5EF4-FFF2-40B4-BE49-F238E27FC236}">
-                <a16:creationId xmlns:a16="http://schemas.microsoft.com/office/drawing/2014/main" id="{DB3A96E7-0AF8-A440-BE27-23B5D7B2DE3A}"/>
-              </a:ext>
-            </a:extLst>
-          </p:cNvPr>
-          <p:cNvSpPr>
-            <a:spLocks noGrp="1"/>
-          </p:cNvSpPr>
-          <p:nvPr>
-            <p:ph type="body" sz="quarter" idx="13" hasCustomPrompt="1"/>
-          </p:nvPr>
-        </p:nvSpPr>
-        <p:spPr>
-          <a:xfrm>
-            <a:off x="339716" y="3462134"/>
-            <a:ext cx="5756284" cy="2022179"/>
-          </a:xfrm>
-          <a:prstGeom prst="rect">
-            <a:avLst/>
-          </a:prstGeom>
-        </p:spPr>
-        <p:txBody>
-          <a:bodyPr anchor="t"/>
-          <a:lstStyle>
-            <a:lvl1pPr marL="0" indent="0" algn="r">
-              <a:buNone/>
-              <a:defRPr sz="2400" b="0" i="0">
-                <a:solidFill>
-                  <a:srgbClr val="4B0707"/>
-                </a:solidFill>
-                <a:latin typeface="PingFang SC Light" panose="020B0300000000000000" pitchFamily="34" charset="-122"/>
+                  <a:schemeClr val="accent1">
+                    <a:lumMod val="75000"/>
+                  </a:schemeClr>
+                </a:solidFill>
+                <a:latin typeface="+mj-lt"/>
                 <a:ea typeface="PingFang SC Light" panose="020B0300000000000000" pitchFamily="34" charset="-122"/>
               </a:defRPr>
             </a:lvl1pPr>
@@ -3961,8 +2047,8 @@
         </p:nvSpPr>
         <p:spPr>
           <a:xfrm>
-            <a:off x="6959600" y="2569092"/>
-            <a:ext cx="4623247" cy="522449"/>
+            <a:off x="6435718" y="2569092"/>
+            <a:ext cx="5354663" cy="522449"/>
           </a:xfrm>
           <a:prstGeom prst="rect">
             <a:avLst/>
@@ -3990,9 +2076,12 @@
               <a:tabLst/>
               <a:defRPr sz="1800" b="0" i="0">
                 <a:solidFill>
-                  <a:srgbClr val="C22D28"/>
-                </a:solidFill>
-                <a:latin typeface="PingFang SC Medium" panose="020B0400000000000000" pitchFamily="34" charset="-122"/>
+                  <a:schemeClr val="accent1">
+                    <a:lumMod val="60000"/>
+                    <a:lumOff val="40000"/>
+                  </a:schemeClr>
+                </a:solidFill>
+                <a:latin typeface="+mj-lt"/>
                 <a:ea typeface="PingFang SC Medium" panose="020B0400000000000000" pitchFamily="34" charset="-122"/>
                 <a:cs typeface="Helvetica Neue" panose="02000503000000020004" pitchFamily="2" charset="0"/>
               </a:defRPr>
@@ -4081,7 +2170,7 @@
 </p:sldLayout>
 </file>
 
-<file path=ppt/slideLayouts/slideLayout13.xml><?xml version="1.0" encoding="utf-8"?>
+<file path=ppt/slideLayouts/slideLayout12.xml><?xml version="1.0" encoding="utf-8"?>
 <p:sldLayout xmlns:a="http://schemas.openxmlformats.org/drawingml/2006/main" xmlns:r="http://schemas.openxmlformats.org/officeDocument/2006/relationships" xmlns:p="http://schemas.openxmlformats.org/presentationml/2006/main" preserve="1" userDrawn="1">
   <p:cSld name="Blank">
     <p:spTree>
@@ -4111,17 +2200,9 @@
 </p:sldLayout>
 </file>
 
-<file path=ppt/slideLayouts/slideLayout14.xml><?xml version="1.0" encoding="utf-8"?>
+<file path=ppt/slideLayouts/slideLayout13.xml><?xml version="1.0" encoding="utf-8"?>
 <p:sldLayout xmlns:a="http://schemas.openxmlformats.org/drawingml/2006/main" xmlns:r="http://schemas.openxmlformats.org/officeDocument/2006/relationships" xmlns:p="http://schemas.openxmlformats.org/presentationml/2006/main" preserve="1" userDrawn="1">
   <p:cSld name="Thanks">
-    <p:bg>
-      <p:bgPr>
-        <a:solidFill>
-          <a:srgbClr val="FFF9F2"/>
-        </a:solidFill>
-        <a:effectLst/>
-      </p:bgPr>
-    </p:bg>
     <p:spTree>
       <p:nvGrpSpPr>
         <p:cNvPr id="1" name=""/>
@@ -4136,370 +2217,401 @@
           <a:chExt cx="0" cy="0"/>
         </a:xfrm>
       </p:grpSpPr>
-      <p:sp>
-        <p:nvSpPr>
-          <p:cNvPr id="13" name="Diamond 12">
+      <p:grpSp>
+        <p:nvGrpSpPr>
+          <p:cNvPr id="14" name="Group 13">
             <a:extLst>
               <a:ext uri="{FF2B5EF4-FFF2-40B4-BE49-F238E27FC236}">
-                <a16:creationId xmlns:a16="http://schemas.microsoft.com/office/drawing/2014/main" id="{727DEFD6-FBCA-914C-B52F-C2B9BD91CD5D}"/>
+                <a16:creationId xmlns:a16="http://schemas.microsoft.com/office/drawing/2014/main" id="{48683307-6E02-4B4C-8098-E28320F04E6D}"/>
               </a:ext>
             </a:extLst>
           </p:cNvPr>
-          <p:cNvSpPr/>
+          <p:cNvGrpSpPr/>
           <p:nvPr userDrawn="1"/>
-        </p:nvSpPr>
-        <p:spPr>
-          <a:xfrm>
-            <a:off x="3068402" y="1580388"/>
-            <a:ext cx="5789572" cy="3961894"/>
-          </a:xfrm>
-          <a:prstGeom prst="diamond">
-            <a:avLst/>
-          </a:prstGeom>
-          <a:solidFill>
-            <a:srgbClr val="FFCB5E"/>
-          </a:solidFill>
-          <a:ln>
+        </p:nvGrpSpPr>
+        <p:grpSpPr>
+          <a:xfrm>
+            <a:off x="3539889" y="514350"/>
+            <a:ext cx="5567771" cy="4050196"/>
+            <a:chOff x="3068402" y="711433"/>
+            <a:chExt cx="6640928" cy="4830849"/>
+          </a:xfrm>
+        </p:grpSpPr>
+        <p:sp>
+          <p:nvSpPr>
+            <p:cNvPr id="18" name="Diamond 17">
+              <a:extLst>
+                <a:ext uri="{FF2B5EF4-FFF2-40B4-BE49-F238E27FC236}">
+                  <a16:creationId xmlns:a16="http://schemas.microsoft.com/office/drawing/2014/main" id="{7E057600-2A50-9D43-9502-38DDC34EA998}"/>
+                </a:ext>
+              </a:extLst>
+            </p:cNvPr>
+            <p:cNvSpPr/>
+            <p:nvPr userDrawn="1"/>
+          </p:nvSpPr>
+          <p:spPr>
+            <a:xfrm>
+              <a:off x="3068402" y="1580388"/>
+              <a:ext cx="5789572" cy="3961894"/>
+            </a:xfrm>
+            <a:prstGeom prst="diamond">
+              <a:avLst/>
+            </a:prstGeom>
+            <a:solidFill>
+              <a:schemeClr val="accent3">
+                <a:lumMod val="60000"/>
+                <a:lumOff val="40000"/>
+              </a:schemeClr>
+            </a:solidFill>
+            <a:ln>
+              <a:noFill/>
+            </a:ln>
+          </p:spPr>
+          <p:style>
+            <a:lnRef idx="2">
+              <a:schemeClr val="accent1">
+                <a:shade val="50000"/>
+              </a:schemeClr>
+            </a:lnRef>
+            <a:fillRef idx="1">
+              <a:schemeClr val="accent1"/>
+            </a:fillRef>
+            <a:effectRef idx="0">
+              <a:schemeClr val="accent1"/>
+            </a:effectRef>
+            <a:fontRef idx="minor">
+              <a:schemeClr val="lt1"/>
+            </a:fontRef>
+          </p:style>
+          <p:txBody>
+            <a:bodyPr rtlCol="0" anchor="ctr"/>
+            <a:lstStyle/>
+            <a:p>
+              <a:pPr algn="ctr"/>
+              <a:endParaRPr lang="en-CN"/>
+            </a:p>
+          </p:txBody>
+        </p:sp>
+        <p:sp>
+          <p:nvSpPr>
+            <p:cNvPr id="19" name="Diamond 18">
+              <a:extLst>
+                <a:ext uri="{FF2B5EF4-FFF2-40B4-BE49-F238E27FC236}">
+                  <a16:creationId xmlns:a16="http://schemas.microsoft.com/office/drawing/2014/main" id="{72FD5540-30F8-E14E-8905-4F376B9AE457}"/>
+                </a:ext>
+              </a:extLst>
+            </p:cNvPr>
+            <p:cNvSpPr/>
+            <p:nvPr userDrawn="1"/>
+          </p:nvSpPr>
+          <p:spPr>
+            <a:xfrm>
+              <a:off x="4160720" y="1548550"/>
+              <a:ext cx="5387790" cy="3807521"/>
+            </a:xfrm>
+            <a:prstGeom prst="diamond">
+              <a:avLst/>
+            </a:prstGeom>
+            <a:solidFill>
+              <a:schemeClr val="accent1">
+                <a:lumMod val="40000"/>
+                <a:lumOff val="60000"/>
+                <a:alpha val="76000"/>
+              </a:schemeClr>
+            </a:solidFill>
+            <a:ln>
+              <a:noFill/>
+            </a:ln>
+          </p:spPr>
+          <p:style>
+            <a:lnRef idx="2">
+              <a:schemeClr val="accent1">
+                <a:shade val="50000"/>
+              </a:schemeClr>
+            </a:lnRef>
+            <a:fillRef idx="1">
+              <a:schemeClr val="accent1"/>
+            </a:fillRef>
+            <a:effectRef idx="0">
+              <a:schemeClr val="accent1"/>
+            </a:effectRef>
+            <a:fontRef idx="minor">
+              <a:schemeClr val="lt1"/>
+            </a:fontRef>
+          </p:style>
+          <p:txBody>
+            <a:bodyPr rtlCol="0" anchor="ctr"/>
+            <a:lstStyle/>
+            <a:p>
+              <a:pPr algn="ctr"/>
+              <a:endParaRPr lang="en-CN"/>
+            </a:p>
+          </p:txBody>
+        </p:sp>
+        <p:sp>
+          <p:nvSpPr>
+            <p:cNvPr id="20" name="Diamond 19">
+              <a:extLst>
+                <a:ext uri="{FF2B5EF4-FFF2-40B4-BE49-F238E27FC236}">
+                  <a16:creationId xmlns:a16="http://schemas.microsoft.com/office/drawing/2014/main" id="{027883E4-0F48-E143-BF5A-17DC317E42C5}"/>
+                </a:ext>
+              </a:extLst>
+            </p:cNvPr>
+            <p:cNvSpPr/>
+            <p:nvPr userDrawn="1"/>
+          </p:nvSpPr>
+          <p:spPr>
+            <a:xfrm>
+              <a:off x="4160720" y="1022502"/>
+              <a:ext cx="5548610" cy="3325091"/>
+            </a:xfrm>
+            <a:prstGeom prst="diamond">
+              <a:avLst/>
+            </a:prstGeom>
+            <a:solidFill>
+              <a:schemeClr val="accent1">
+                <a:lumMod val="60000"/>
+                <a:lumOff val="40000"/>
+              </a:schemeClr>
+            </a:solidFill>
+            <a:ln>
+              <a:noFill/>
+            </a:ln>
+          </p:spPr>
+          <p:style>
+            <a:lnRef idx="2">
+              <a:schemeClr val="accent1">
+                <a:shade val="50000"/>
+              </a:schemeClr>
+            </a:lnRef>
+            <a:fillRef idx="1">
+              <a:schemeClr val="accent1"/>
+            </a:fillRef>
+            <a:effectRef idx="0">
+              <a:schemeClr val="accent1"/>
+            </a:effectRef>
+            <a:fontRef idx="minor">
+              <a:schemeClr val="lt1"/>
+            </a:fontRef>
+          </p:style>
+          <p:txBody>
+            <a:bodyPr rtlCol="0" anchor="ctr"/>
+            <a:lstStyle/>
+            <a:p>
+              <a:pPr algn="ctr"/>
+              <a:endParaRPr lang="en-CN"/>
+            </a:p>
+          </p:txBody>
+        </p:sp>
+        <p:sp>
+          <p:nvSpPr>
+            <p:cNvPr id="21" name="Diamond 20">
+              <a:extLst>
+                <a:ext uri="{FF2B5EF4-FFF2-40B4-BE49-F238E27FC236}">
+                  <a16:creationId xmlns:a16="http://schemas.microsoft.com/office/drawing/2014/main" id="{07882752-ED06-1A4A-A7D4-0F0082CC4BC4}"/>
+                </a:ext>
+              </a:extLst>
+            </p:cNvPr>
+            <p:cNvSpPr/>
+            <p:nvPr userDrawn="1"/>
+          </p:nvSpPr>
+          <p:spPr>
+            <a:xfrm>
+              <a:off x="3201214" y="711433"/>
+              <a:ext cx="5789572" cy="4237375"/>
+            </a:xfrm>
+            <a:prstGeom prst="diamond">
+              <a:avLst/>
+            </a:prstGeom>
+            <a:solidFill>
+              <a:schemeClr val="accent1">
+                <a:lumMod val="50000"/>
+              </a:schemeClr>
+            </a:solidFill>
+            <a:ln>
+              <a:noFill/>
+            </a:ln>
+          </p:spPr>
+          <p:style>
+            <a:lnRef idx="2">
+              <a:schemeClr val="accent1">
+                <a:shade val="50000"/>
+              </a:schemeClr>
+            </a:lnRef>
+            <a:fillRef idx="1">
+              <a:schemeClr val="accent1"/>
+            </a:fillRef>
+            <a:effectRef idx="0">
+              <a:schemeClr val="accent1"/>
+            </a:effectRef>
+            <a:fontRef idx="minor">
+              <a:schemeClr val="lt1"/>
+            </a:fontRef>
+          </p:style>
+          <p:txBody>
+            <a:bodyPr rtlCol="0" anchor="ctr"/>
+            <a:lstStyle/>
+            <a:p>
+              <a:pPr algn="ctr"/>
+              <a:endParaRPr lang="en-CN"/>
+            </a:p>
+          </p:txBody>
+        </p:sp>
+        <p:pic>
+          <p:nvPicPr>
+            <p:cNvPr id="22" name="Picture 21">
+              <a:extLst>
+                <a:ext uri="{FF2B5EF4-FFF2-40B4-BE49-F238E27FC236}">
+                  <a16:creationId xmlns:a16="http://schemas.microsoft.com/office/drawing/2014/main" id="{46D00C94-3720-B54E-8A82-E3E5B825D9F8}"/>
+                </a:ext>
+              </a:extLst>
+            </p:cNvPr>
+            <p:cNvPicPr>
+              <a:picLocks noChangeAspect="1"/>
+            </p:cNvPicPr>
+            <p:nvPr userDrawn="1"/>
+          </p:nvPicPr>
+          <p:blipFill>
+            <a:blip r:embed="rId2"/>
+            <a:stretch>
+              <a:fillRect/>
+            </a:stretch>
+          </p:blipFill>
+          <p:spPr>
+            <a:xfrm>
+              <a:off x="5602457" y="1686506"/>
+              <a:ext cx="998541" cy="998541"/>
+            </a:xfrm>
+            <a:prstGeom prst="rect">
+              <a:avLst/>
+            </a:prstGeom>
+          </p:spPr>
+        </p:pic>
+        <p:sp>
+          <p:nvSpPr>
+            <p:cNvPr id="23" name="TextBox 22">
+              <a:extLst>
+                <a:ext uri="{FF2B5EF4-FFF2-40B4-BE49-F238E27FC236}">
+                  <a16:creationId xmlns:a16="http://schemas.microsoft.com/office/drawing/2014/main" id="{6720884D-F760-E94B-B126-914E4B3476A6}"/>
+                </a:ext>
+              </a:extLst>
+            </p:cNvPr>
+            <p:cNvSpPr txBox="1"/>
+            <p:nvPr userDrawn="1"/>
+          </p:nvSpPr>
+          <p:spPr>
+            <a:xfrm>
+              <a:off x="3661954" y="2762054"/>
+              <a:ext cx="4868092" cy="461665"/>
+            </a:xfrm>
+            <a:prstGeom prst="rect">
+              <a:avLst/>
+            </a:prstGeom>
             <a:noFill/>
-          </a:ln>
-        </p:spPr>
-        <p:style>
-          <a:lnRef idx="2">
-            <a:schemeClr val="accent1">
-              <a:shade val="50000"/>
-            </a:schemeClr>
-          </a:lnRef>
-          <a:fillRef idx="1">
-            <a:schemeClr val="accent1"/>
-          </a:fillRef>
-          <a:effectRef idx="0">
-            <a:schemeClr val="accent1"/>
-          </a:effectRef>
-          <a:fontRef idx="minor">
-            <a:schemeClr val="lt1"/>
-          </a:fontRef>
-        </p:style>
-        <p:txBody>
-          <a:bodyPr rtlCol="0" anchor="ctr"/>
-          <a:lstStyle/>
-          <a:p>
-            <a:pPr algn="ctr"/>
-            <a:endParaRPr lang="en-CN"/>
-          </a:p>
-        </p:txBody>
-      </p:sp>
-      <p:sp>
-        <p:nvSpPr>
-          <p:cNvPr id="26" name="Diamond 25">
+          </p:spPr>
+          <p:txBody>
+            <a:bodyPr wrap="square" rtlCol="0">
+              <a:spAutoFit/>
+            </a:bodyPr>
+            <a:lstStyle/>
+            <a:p>
+              <a:pPr algn="ctr"/>
+              <a:r>
+                <a:rPr lang="zh-CN" altLang="en-US" sz="2400" b="0" i="0" spc="300" dirty="0">
+                  <a:solidFill>
+                    <a:schemeClr val="bg1"/>
+                  </a:solidFill>
+                  <a:latin typeface="PingFang SC" panose="020B0400000000000000" pitchFamily="34" charset="-122"/>
+                  <a:ea typeface="PingFang SC" panose="020B0400000000000000" pitchFamily="34" charset="-122"/>
+                </a:rPr>
+                <a:t>歧舌</a:t>
+              </a:r>
+              <a:r>
+                <a:rPr lang="en-US" altLang="zh-CN" sz="2400" b="0" i="0" spc="300" dirty="0">
+                  <a:solidFill>
+                    <a:schemeClr val="bg1"/>
+                  </a:solidFill>
+                  <a:latin typeface="PingFang SC" panose="020B0400000000000000" pitchFamily="34" charset="-122"/>
+                  <a:ea typeface="PingFang SC" panose="020B0400000000000000" pitchFamily="34" charset="-122"/>
+                </a:rPr>
+                <a:t>AI</a:t>
+              </a:r>
+              <a:r>
+                <a:rPr lang="zh-CN" altLang="en-US" sz="2400" b="0" i="0" spc="300" dirty="0">
+                  <a:solidFill>
+                    <a:schemeClr val="bg1"/>
+                  </a:solidFill>
+                  <a:latin typeface="PingFang SC" panose="020B0400000000000000" pitchFamily="34" charset="-122"/>
+                  <a:ea typeface="PingFang SC" panose="020B0400000000000000" pitchFamily="34" charset="-122"/>
+                </a:rPr>
+                <a:t>备课助教</a:t>
+              </a:r>
+              <a:endParaRPr lang="en-CN" sz="2400" b="0" i="0" spc="300" dirty="0">
+                <a:solidFill>
+                  <a:schemeClr val="bg1"/>
+                </a:solidFill>
+                <a:latin typeface="PingFang SC" panose="020B0400000000000000" pitchFamily="34" charset="-122"/>
+                <a:ea typeface="PingFang SC" panose="020B0400000000000000" pitchFamily="34" charset="-122"/>
+              </a:endParaRPr>
+            </a:p>
+          </p:txBody>
+        </p:sp>
+        <p:sp>
+          <p:nvSpPr>
+            <p:cNvPr id="24" name="TextBox 23">
+              <a:extLst>
+                <a:ext uri="{FF2B5EF4-FFF2-40B4-BE49-F238E27FC236}">
+                  <a16:creationId xmlns:a16="http://schemas.microsoft.com/office/drawing/2014/main" id="{6CE031AB-DFE0-EA43-A38A-509391D6E624}"/>
+                </a:ext>
+              </a:extLst>
+            </p:cNvPr>
+            <p:cNvSpPr txBox="1"/>
+            <p:nvPr userDrawn="1"/>
+          </p:nvSpPr>
+          <p:spPr>
+            <a:xfrm>
+              <a:off x="4695314" y="3300726"/>
+              <a:ext cx="2801372" cy="461665"/>
+            </a:xfrm>
+            <a:prstGeom prst="rect">
+              <a:avLst/>
+            </a:prstGeom>
+            <a:noFill/>
+          </p:spPr>
+          <p:txBody>
+            <a:bodyPr wrap="square" rtlCol="0">
+              <a:spAutoFit/>
+            </a:bodyPr>
+            <a:lstStyle/>
+            <a:p>
+              <a:pPr algn="ctr"/>
+              <a:r>
+                <a:rPr lang="zh-CN" altLang="en-US" sz="2400" b="0" i="0" spc="300" dirty="0">
+                  <a:solidFill>
+                    <a:schemeClr val="bg1"/>
+                  </a:solidFill>
+                  <a:latin typeface="PingFang SC Medium" panose="020B0400000000000000" pitchFamily="34" charset="-122"/>
+                  <a:ea typeface="PingFang SC Medium" panose="020B0400000000000000" pitchFamily="34" charset="-122"/>
+                </a:rPr>
+                <a:t>西班牙语</a:t>
+              </a:r>
+              <a:endParaRPr lang="en-CN" sz="2400" b="0" i="0" spc="300" dirty="0">
+                <a:solidFill>
+                  <a:schemeClr val="bg1"/>
+                </a:solidFill>
+                <a:latin typeface="PingFang SC Medium" panose="020B0400000000000000" pitchFamily="34" charset="-122"/>
+                <a:ea typeface="PingFang SC Medium" panose="020B0400000000000000" pitchFamily="34" charset="-122"/>
+              </a:endParaRPr>
+            </a:p>
+          </p:txBody>
+        </p:sp>
+      </p:grpSp>
+      <p:pic>
+        <p:nvPicPr>
+          <p:cNvPr id="25" name="Picture 24">
             <a:extLst>
               <a:ext uri="{FF2B5EF4-FFF2-40B4-BE49-F238E27FC236}">
-                <a16:creationId xmlns:a16="http://schemas.microsoft.com/office/drawing/2014/main" id="{3B3A977E-170D-5E4F-86BF-D7290129501E}"/>
-              </a:ext>
-            </a:extLst>
-          </p:cNvPr>
-          <p:cNvSpPr/>
-          <p:nvPr userDrawn="1"/>
-        </p:nvSpPr>
-        <p:spPr>
-          <a:xfrm>
-            <a:off x="4160720" y="1548550"/>
-            <a:ext cx="5387790" cy="3807521"/>
-          </a:xfrm>
-          <a:prstGeom prst="diamond">
-            <a:avLst/>
-          </a:prstGeom>
-          <a:solidFill>
-            <a:srgbClr val="F36F4F">
-              <a:alpha val="76000"/>
-            </a:srgbClr>
-          </a:solidFill>
-          <a:ln>
-            <a:noFill/>
-          </a:ln>
-        </p:spPr>
-        <p:style>
-          <a:lnRef idx="2">
-            <a:schemeClr val="accent1">
-              <a:shade val="50000"/>
-            </a:schemeClr>
-          </a:lnRef>
-          <a:fillRef idx="1">
-            <a:schemeClr val="accent1"/>
-          </a:fillRef>
-          <a:effectRef idx="0">
-            <a:schemeClr val="accent1"/>
-          </a:effectRef>
-          <a:fontRef idx="minor">
-            <a:schemeClr val="lt1"/>
-          </a:fontRef>
-        </p:style>
-        <p:txBody>
-          <a:bodyPr rtlCol="0" anchor="ctr"/>
-          <a:lstStyle/>
-          <a:p>
-            <a:pPr algn="ctr"/>
-            <a:endParaRPr lang="en-CN"/>
-          </a:p>
-        </p:txBody>
-      </p:sp>
-      <p:sp>
-        <p:nvSpPr>
-          <p:cNvPr id="11" name="Diamond 10">
-            <a:extLst>
-              <a:ext uri="{FF2B5EF4-FFF2-40B4-BE49-F238E27FC236}">
-                <a16:creationId xmlns:a16="http://schemas.microsoft.com/office/drawing/2014/main" id="{010A896D-50C9-5A48-BF1C-6DE58D797002}"/>
-              </a:ext>
-            </a:extLst>
-          </p:cNvPr>
-          <p:cNvSpPr/>
-          <p:nvPr userDrawn="1"/>
-        </p:nvSpPr>
-        <p:spPr>
-          <a:xfrm>
-            <a:off x="4160720" y="1022502"/>
-            <a:ext cx="5548610" cy="3325091"/>
-          </a:xfrm>
-          <a:prstGeom prst="diamond">
-            <a:avLst/>
-          </a:prstGeom>
-          <a:solidFill>
-            <a:srgbClr val="EA473E"/>
-          </a:solidFill>
-          <a:ln>
-            <a:noFill/>
-          </a:ln>
-        </p:spPr>
-        <p:style>
-          <a:lnRef idx="2">
-            <a:schemeClr val="accent1">
-              <a:shade val="50000"/>
-            </a:schemeClr>
-          </a:lnRef>
-          <a:fillRef idx="1">
-            <a:schemeClr val="accent1"/>
-          </a:fillRef>
-          <a:effectRef idx="0">
-            <a:schemeClr val="accent1"/>
-          </a:effectRef>
-          <a:fontRef idx="minor">
-            <a:schemeClr val="lt1"/>
-          </a:fontRef>
-        </p:style>
-        <p:txBody>
-          <a:bodyPr rtlCol="0" anchor="ctr"/>
-          <a:lstStyle/>
-          <a:p>
-            <a:pPr algn="ctr"/>
-            <a:endParaRPr lang="en-CN"/>
-          </a:p>
-        </p:txBody>
-      </p:sp>
-      <p:sp>
-        <p:nvSpPr>
-          <p:cNvPr id="12" name="Diamond 11">
-            <a:extLst>
-              <a:ext uri="{FF2B5EF4-FFF2-40B4-BE49-F238E27FC236}">
-                <a16:creationId xmlns:a16="http://schemas.microsoft.com/office/drawing/2014/main" id="{D10AF9A4-052C-F146-B401-EC1F08621F7F}"/>
-              </a:ext>
-            </a:extLst>
-          </p:cNvPr>
-          <p:cNvSpPr/>
-          <p:nvPr userDrawn="1"/>
-        </p:nvSpPr>
-        <p:spPr>
-          <a:xfrm>
-            <a:off x="3201214" y="711433"/>
-            <a:ext cx="5789572" cy="4237375"/>
-          </a:xfrm>
-          <a:prstGeom prst="diamond">
-            <a:avLst/>
-          </a:prstGeom>
-          <a:solidFill>
-            <a:srgbClr val="4B0707"/>
-          </a:solidFill>
-          <a:ln>
-            <a:noFill/>
-          </a:ln>
-        </p:spPr>
-        <p:style>
-          <a:lnRef idx="2">
-            <a:schemeClr val="accent1">
-              <a:shade val="50000"/>
-            </a:schemeClr>
-          </a:lnRef>
-          <a:fillRef idx="1">
-            <a:schemeClr val="accent1"/>
-          </a:fillRef>
-          <a:effectRef idx="0">
-            <a:schemeClr val="accent1"/>
-          </a:effectRef>
-          <a:fontRef idx="minor">
-            <a:schemeClr val="lt1"/>
-          </a:fontRef>
-        </p:style>
-        <p:txBody>
-          <a:bodyPr rtlCol="0" anchor="ctr"/>
-          <a:lstStyle/>
-          <a:p>
-            <a:pPr algn="ctr"/>
-            <a:endParaRPr lang="en-CN"/>
-          </a:p>
-        </p:txBody>
-      </p:sp>
-      <p:sp>
-        <p:nvSpPr>
-          <p:cNvPr id="43" name="TextBox 42">
-            <a:extLst>
-              <a:ext uri="{FF2B5EF4-FFF2-40B4-BE49-F238E27FC236}">
-                <a16:creationId xmlns:a16="http://schemas.microsoft.com/office/drawing/2014/main" id="{B09844E1-DDCC-2F4A-9F36-3DBE5642B30F}"/>
-              </a:ext>
-            </a:extLst>
-          </p:cNvPr>
-          <p:cNvSpPr txBox="1"/>
-          <p:nvPr userDrawn="1"/>
-        </p:nvSpPr>
-        <p:spPr>
-          <a:xfrm>
-            <a:off x="4695314" y="3022663"/>
-            <a:ext cx="2801372" cy="461665"/>
-          </a:xfrm>
-          <a:prstGeom prst="rect">
-            <a:avLst/>
-          </a:prstGeom>
-          <a:noFill/>
-        </p:spPr>
-        <p:txBody>
-          <a:bodyPr wrap="square" rtlCol="0">
-            <a:spAutoFit/>
-          </a:bodyPr>
-          <a:lstStyle/>
-          <a:p>
-            <a:pPr algn="ctr"/>
-            <a:r>
-              <a:rPr lang="zh-CN" altLang="en-US" sz="2400" b="0" i="0" spc="300" dirty="0">
-                <a:solidFill>
-                  <a:srgbClr val="FFF9F2"/>
-                </a:solidFill>
-                <a:latin typeface="PingFang SC Medium" panose="020B0400000000000000" pitchFamily="34" charset="-122"/>
-                <a:ea typeface="PingFang SC Medium" panose="020B0400000000000000" pitchFamily="34" charset="-122"/>
-              </a:rPr>
-              <a:t>歧舌</a:t>
-            </a:r>
-            <a:r>
-              <a:rPr lang="en-US" altLang="zh-CN" sz="2400" b="0" i="0" spc="300" dirty="0">
-                <a:solidFill>
-                  <a:srgbClr val="FFF9F2"/>
-                </a:solidFill>
-                <a:latin typeface="PingFang SC Medium" panose="020B0400000000000000" pitchFamily="34" charset="-122"/>
-                <a:ea typeface="PingFang SC Medium" panose="020B0400000000000000" pitchFamily="34" charset="-122"/>
-              </a:rPr>
-              <a:t>AI</a:t>
-            </a:r>
-            <a:r>
-              <a:rPr lang="zh-CN" altLang="en-US" sz="2400" b="0" i="0" spc="300" dirty="0">
-                <a:solidFill>
-                  <a:srgbClr val="FFF9F2"/>
-                </a:solidFill>
-                <a:latin typeface="PingFang SC Medium" panose="020B0400000000000000" pitchFamily="34" charset="-122"/>
-                <a:ea typeface="PingFang SC Medium" panose="020B0400000000000000" pitchFamily="34" charset="-122"/>
-              </a:rPr>
-              <a:t>备课助教</a:t>
-            </a:r>
-            <a:endParaRPr lang="en-CN" sz="2400" b="0" i="0" spc="300" dirty="0">
-              <a:solidFill>
-                <a:srgbClr val="FFF9F2"/>
-              </a:solidFill>
-              <a:latin typeface="PingFang SC Medium" panose="020B0400000000000000" pitchFamily="34" charset="-122"/>
-              <a:ea typeface="PingFang SC Medium" panose="020B0400000000000000" pitchFamily="34" charset="-122"/>
-            </a:endParaRPr>
-          </a:p>
-        </p:txBody>
-      </p:sp>
-      <p:sp>
-        <p:nvSpPr>
-          <p:cNvPr id="44" name="TextBox 43">
-            <a:extLst>
-              <a:ext uri="{FF2B5EF4-FFF2-40B4-BE49-F238E27FC236}">
-                <a16:creationId xmlns:a16="http://schemas.microsoft.com/office/drawing/2014/main" id="{35F62947-62CC-8544-8364-BB6A7925BE22}"/>
-              </a:ext>
-            </a:extLst>
-          </p:cNvPr>
-          <p:cNvSpPr txBox="1"/>
-          <p:nvPr userDrawn="1"/>
-        </p:nvSpPr>
-        <p:spPr>
-          <a:xfrm>
-            <a:off x="4695314" y="3561335"/>
-            <a:ext cx="2801372" cy="461665"/>
-          </a:xfrm>
-          <a:prstGeom prst="rect">
-            <a:avLst/>
-          </a:prstGeom>
-          <a:noFill/>
-        </p:spPr>
-        <p:txBody>
-          <a:bodyPr wrap="square" rtlCol="0">
-            <a:spAutoFit/>
-          </a:bodyPr>
-          <a:lstStyle/>
-          <a:p>
-            <a:pPr algn="ctr"/>
-            <a:r>
-              <a:rPr lang="zh-CN" altLang="en-US" sz="2400" b="0" i="0" spc="300" dirty="0">
-                <a:solidFill>
-                  <a:srgbClr val="FFF9F2"/>
-                </a:solidFill>
-                <a:latin typeface="PingFang SC Medium" panose="020B0400000000000000" pitchFamily="34" charset="-122"/>
-                <a:ea typeface="PingFang SC Medium" panose="020B0400000000000000" pitchFamily="34" charset="-122"/>
-              </a:rPr>
-              <a:t>西班牙语</a:t>
-            </a:r>
-            <a:endParaRPr lang="en-CN" sz="2400" b="0" i="0" spc="300" dirty="0">
-              <a:solidFill>
-                <a:srgbClr val="FFF9F2"/>
-              </a:solidFill>
-              <a:latin typeface="PingFang SC Medium" panose="020B0400000000000000" pitchFamily="34" charset="-122"/>
-              <a:ea typeface="PingFang SC Medium" panose="020B0400000000000000" pitchFamily="34" charset="-122"/>
-            </a:endParaRPr>
-          </a:p>
-        </p:txBody>
-      </p:sp>
-      <p:pic>
-        <p:nvPicPr>
-          <p:cNvPr id="14" name="Picture 13">
-            <a:extLst>
-              <a:ext uri="{FF2B5EF4-FFF2-40B4-BE49-F238E27FC236}">
-                <a16:creationId xmlns:a16="http://schemas.microsoft.com/office/drawing/2014/main" id="{051E296C-4323-194D-9B65-D5FB8815CBBC}"/>
-              </a:ext>
-            </a:extLst>
-          </p:cNvPr>
-          <p:cNvPicPr>
-            <a:picLocks noChangeAspect="1"/>
-          </p:cNvPicPr>
-          <p:nvPr userDrawn="1"/>
-        </p:nvPicPr>
-        <p:blipFill>
-          <a:blip r:embed="rId2"/>
-          <a:stretch>
-            <a:fillRect/>
-          </a:stretch>
-        </p:blipFill>
-        <p:spPr>
-          <a:xfrm>
-            <a:off x="5476988" y="1626532"/>
-            <a:ext cx="1238024" cy="1238024"/>
-          </a:xfrm>
-          <a:prstGeom prst="rect">
-            <a:avLst/>
-          </a:prstGeom>
-        </p:spPr>
-      </p:pic>
-      <p:pic>
-        <p:nvPicPr>
-          <p:cNvPr id="15" name="Picture 14">
-            <a:extLst>
-              <a:ext uri="{FF2B5EF4-FFF2-40B4-BE49-F238E27FC236}">
-                <a16:creationId xmlns:a16="http://schemas.microsoft.com/office/drawing/2014/main" id="{071E4422-6703-5F40-9A05-78188BE9E29C}"/>
+                <a16:creationId xmlns:a16="http://schemas.microsoft.com/office/drawing/2014/main" id="{6B57237F-5451-DD49-ABA8-3979D9BE6E8E}"/>
               </a:ext>
             </a:extLst>
           </p:cNvPr>
@@ -4516,14 +2628,57 @@
         </p:blipFill>
         <p:spPr>
           <a:xfrm>
-            <a:off x="5646000" y="5697816"/>
-            <a:ext cx="900000" cy="900000"/>
+            <a:off x="5515889" y="5297729"/>
+            <a:ext cx="1160221" cy="1160221"/>
           </a:xfrm>
           <a:prstGeom prst="rect">
             <a:avLst/>
           </a:prstGeom>
         </p:spPr>
       </p:pic>
+      <p:sp>
+        <p:nvSpPr>
+          <p:cNvPr id="27" name="TextBox 26">
+            <a:extLst>
+              <a:ext uri="{FF2B5EF4-FFF2-40B4-BE49-F238E27FC236}">
+                <a16:creationId xmlns:a16="http://schemas.microsoft.com/office/drawing/2014/main" id="{8A05EF54-6800-4548-A402-A4C703BA3187}"/>
+              </a:ext>
+            </a:extLst>
+          </p:cNvPr>
+          <p:cNvSpPr txBox="1"/>
+          <p:nvPr userDrawn="1"/>
+        </p:nvSpPr>
+        <p:spPr>
+          <a:xfrm>
+            <a:off x="5472112" y="5032279"/>
+            <a:ext cx="1338828" cy="276999"/>
+          </a:xfrm>
+          <a:prstGeom prst="rect">
+            <a:avLst/>
+          </a:prstGeom>
+          <a:noFill/>
+        </p:spPr>
+        <p:txBody>
+          <a:bodyPr wrap="none" rtlCol="0">
+            <a:spAutoFit/>
+          </a:bodyPr>
+          <a:lstStyle/>
+          <a:p>
+            <a:pPr algn="l"/>
+            <a:r>
+              <a:rPr lang="en-JP" sz="1200" spc="300" dirty="0">
+                <a:solidFill>
+                  <a:schemeClr val="accent1">
+                    <a:lumMod val="75000"/>
+                  </a:schemeClr>
+                </a:solidFill>
+                <a:latin typeface="+mj-lt"/>
+              </a:rPr>
+              <a:t>扫码了解更多</a:t>
+            </a:r>
+          </a:p>
+        </p:txBody>
+      </p:sp>
     </p:spTree>
     <p:extLst>
       <p:ext uri="{BB962C8B-B14F-4D97-AF65-F5344CB8AC3E}">
@@ -4539,417 +2694,7 @@
 
 <file path=ppt/slideLayouts/slideLayout2.xml><?xml version="1.0" encoding="utf-8"?>
 <p:sldLayout xmlns:a="http://schemas.openxmlformats.org/drawingml/2006/main" xmlns:r="http://schemas.openxmlformats.org/officeDocument/2006/relationships" xmlns:p="http://schemas.openxmlformats.org/presentationml/2006/main" preserve="1" userDrawn="1">
-  <p:cSld name="Opening for spanish">
-    <p:bg>
-      <p:bgPr>
-        <a:solidFill>
-          <a:srgbClr val="E3A501">
-            <a:alpha val="10000"/>
-          </a:srgbClr>
-        </a:solidFill>
-        <a:effectLst/>
-      </p:bgPr>
-    </p:bg>
-    <p:spTree>
-      <p:nvGrpSpPr>
-        <p:cNvPr id="1" name=""/>
-        <p:cNvGrpSpPr/>
-        <p:nvPr/>
-      </p:nvGrpSpPr>
-      <p:grpSpPr>
-        <a:xfrm>
-          <a:off x="0" y="0"/>
-          <a:ext cx="0" cy="0"/>
-          <a:chOff x="0" y="0"/>
-          <a:chExt cx="0" cy="0"/>
-        </a:xfrm>
-      </p:grpSpPr>
-      <p:pic>
-        <p:nvPicPr>
-          <p:cNvPr id="5" name="Picture 4">
-            <a:extLst>
-              <a:ext uri="{FF2B5EF4-FFF2-40B4-BE49-F238E27FC236}">
-                <a16:creationId xmlns:a16="http://schemas.microsoft.com/office/drawing/2014/main" id="{B71516F5-0FF8-4447-8AC2-D1781656E7BB}"/>
-              </a:ext>
-            </a:extLst>
-          </p:cNvPr>
-          <p:cNvPicPr>
-            <a:picLocks noChangeAspect="1"/>
-          </p:cNvPicPr>
-          <p:nvPr userDrawn="1"/>
-        </p:nvPicPr>
-        <p:blipFill>
-          <a:blip r:embed="rId2"/>
-          <a:stretch>
-            <a:fillRect/>
-          </a:stretch>
-        </p:blipFill>
-        <p:spPr>
-          <a:xfrm>
-            <a:off x="0" y="0"/>
-            <a:ext cx="12192000" cy="6858000"/>
-          </a:xfrm>
-          <a:prstGeom prst="rect">
-            <a:avLst/>
-          </a:prstGeom>
-        </p:spPr>
-      </p:pic>
-      <p:sp>
-        <p:nvSpPr>
-          <p:cNvPr id="91" name="Text Placeholder 6">
-            <a:extLst>
-              <a:ext uri="{FF2B5EF4-FFF2-40B4-BE49-F238E27FC236}">
-                <a16:creationId xmlns:a16="http://schemas.microsoft.com/office/drawing/2014/main" id="{24C3FF9E-7065-F74E-BBE4-40BDC1CA7B1F}"/>
-              </a:ext>
-            </a:extLst>
-          </p:cNvPr>
-          <p:cNvSpPr>
-            <a:spLocks noGrp="1"/>
-          </p:cNvSpPr>
-          <p:nvPr userDrawn="1">
-            <p:ph type="body" sz="quarter" idx="10" hasCustomPrompt="1"/>
-          </p:nvPr>
-        </p:nvSpPr>
-        <p:spPr>
-          <a:xfrm>
-            <a:off x="774551" y="685760"/>
-            <a:ext cx="6997849" cy="2143125"/>
-          </a:xfrm>
-          <a:prstGeom prst="rect">
-            <a:avLst/>
-          </a:prstGeom>
-        </p:spPr>
-        <p:txBody>
-          <a:bodyPr vert="horz" anchor="b"/>
-          <a:lstStyle>
-            <a:lvl1pPr marL="0" indent="0" algn="l">
-              <a:buNone/>
-              <a:defRPr sz="4000" b="0" i="0">
-                <a:solidFill>
-                  <a:srgbClr val="4B0706"/>
-                </a:solidFill>
-                <a:latin typeface="Roboto Black" pitchFamily="2" charset="0"/>
-                <a:ea typeface="Roboto Black" pitchFamily="2" charset="0"/>
-                <a:cs typeface="Helvetica Neue Medium" panose="02000503000000020004" pitchFamily="2" charset="0"/>
-              </a:defRPr>
-            </a:lvl1pPr>
-            <a:lvl2pPr>
-              <a:defRPr>
-                <a:solidFill>
-                  <a:schemeClr val="tx1">
-                    <a:lumMod val="95000"/>
-                    <a:lumOff val="5000"/>
-                  </a:schemeClr>
-                </a:solidFill>
-                <a:latin typeface="Helvetica Neue" panose="02000503000000020004" pitchFamily="2" charset="0"/>
-                <a:ea typeface="Helvetica Neue" panose="02000503000000020004" pitchFamily="2" charset="0"/>
-                <a:cs typeface="Helvetica Neue" panose="02000503000000020004" pitchFamily="2" charset="0"/>
-              </a:defRPr>
-            </a:lvl2pPr>
-            <a:lvl3pPr>
-              <a:defRPr>
-                <a:solidFill>
-                  <a:schemeClr val="tx1">
-                    <a:lumMod val="95000"/>
-                    <a:lumOff val="5000"/>
-                  </a:schemeClr>
-                </a:solidFill>
-                <a:latin typeface="Helvetica Neue" panose="02000503000000020004" pitchFamily="2" charset="0"/>
-                <a:ea typeface="Helvetica Neue" panose="02000503000000020004" pitchFamily="2" charset="0"/>
-                <a:cs typeface="Helvetica Neue" panose="02000503000000020004" pitchFamily="2" charset="0"/>
-              </a:defRPr>
-            </a:lvl3pPr>
-            <a:lvl4pPr>
-              <a:defRPr>
-                <a:solidFill>
-                  <a:schemeClr val="tx1">
-                    <a:lumMod val="95000"/>
-                    <a:lumOff val="5000"/>
-                  </a:schemeClr>
-                </a:solidFill>
-                <a:latin typeface="Helvetica Neue" panose="02000503000000020004" pitchFamily="2" charset="0"/>
-                <a:ea typeface="Helvetica Neue" panose="02000503000000020004" pitchFamily="2" charset="0"/>
-                <a:cs typeface="Helvetica Neue" panose="02000503000000020004" pitchFamily="2" charset="0"/>
-              </a:defRPr>
-            </a:lvl4pPr>
-            <a:lvl5pPr>
-              <a:defRPr>
-                <a:solidFill>
-                  <a:schemeClr val="tx1">
-                    <a:lumMod val="95000"/>
-                    <a:lumOff val="5000"/>
-                  </a:schemeClr>
-                </a:solidFill>
-                <a:latin typeface="Helvetica Neue" panose="02000503000000020004" pitchFamily="2" charset="0"/>
-                <a:ea typeface="Helvetica Neue" panose="02000503000000020004" pitchFamily="2" charset="0"/>
-                <a:cs typeface="Helvetica Neue" panose="02000503000000020004" pitchFamily="2" charset="0"/>
-              </a:defRPr>
-            </a:lvl5pPr>
-          </a:lstStyle>
-          <a:p>
-            <a:pPr lvl="0"/>
-            <a:r>
-              <a:rPr lang="en-US" dirty="0"/>
-              <a:t>Presentation</a:t>
-            </a:r>
-            <a:r>
-              <a:rPr lang="zh-CN" altLang="en-US" dirty="0"/>
-              <a:t> </a:t>
-            </a:r>
-            <a:r>
-              <a:rPr lang="en-US" altLang="zh-CN" dirty="0"/>
-              <a:t>Title</a:t>
-            </a:r>
-            <a:endParaRPr lang="en-US" dirty="0"/>
-          </a:p>
-        </p:txBody>
-      </p:sp>
-      <p:sp>
-        <p:nvSpPr>
-          <p:cNvPr id="92" name="Text Placeholder 6">
-            <a:extLst>
-              <a:ext uri="{FF2B5EF4-FFF2-40B4-BE49-F238E27FC236}">
-                <a16:creationId xmlns:a16="http://schemas.microsoft.com/office/drawing/2014/main" id="{F5CDB6B1-91C8-6B40-BBBD-7C6446BC9D7C}"/>
-              </a:ext>
-            </a:extLst>
-          </p:cNvPr>
-          <p:cNvSpPr>
-            <a:spLocks noGrp="1"/>
-          </p:cNvSpPr>
-          <p:nvPr userDrawn="1">
-            <p:ph type="body" sz="quarter" idx="11" hasCustomPrompt="1"/>
-          </p:nvPr>
-        </p:nvSpPr>
-        <p:spPr>
-          <a:xfrm>
-            <a:off x="774551" y="3335551"/>
-            <a:ext cx="6997849" cy="1131008"/>
-          </a:xfrm>
-          <a:prstGeom prst="rect">
-            <a:avLst/>
-          </a:prstGeom>
-        </p:spPr>
-        <p:txBody>
-          <a:bodyPr vert="horz" anchor="t"/>
-          <a:lstStyle>
-            <a:lvl1pPr marL="0" indent="0" algn="l">
-              <a:buNone/>
-              <a:defRPr sz="2400" b="1" i="0" spc="0">
-                <a:solidFill>
-                  <a:srgbClr val="4B0706"/>
-                </a:solidFill>
-                <a:latin typeface="Roboto" pitchFamily="2" charset="0"/>
-                <a:ea typeface="Roboto" pitchFamily="2" charset="0"/>
-                <a:cs typeface="Helvetica Neue" panose="02000503000000020004" pitchFamily="2" charset="0"/>
-              </a:defRPr>
-            </a:lvl1pPr>
-            <a:lvl2pPr>
-              <a:defRPr>
-                <a:solidFill>
-                  <a:schemeClr val="tx1">
-                    <a:lumMod val="95000"/>
-                    <a:lumOff val="5000"/>
-                  </a:schemeClr>
-                </a:solidFill>
-                <a:latin typeface="Helvetica Neue" panose="02000503000000020004" pitchFamily="2" charset="0"/>
-                <a:ea typeface="Helvetica Neue" panose="02000503000000020004" pitchFamily="2" charset="0"/>
-                <a:cs typeface="Helvetica Neue" panose="02000503000000020004" pitchFamily="2" charset="0"/>
-              </a:defRPr>
-            </a:lvl2pPr>
-            <a:lvl3pPr>
-              <a:defRPr>
-                <a:solidFill>
-                  <a:schemeClr val="tx1">
-                    <a:lumMod val="95000"/>
-                    <a:lumOff val="5000"/>
-                  </a:schemeClr>
-                </a:solidFill>
-                <a:latin typeface="Helvetica Neue" panose="02000503000000020004" pitchFamily="2" charset="0"/>
-                <a:ea typeface="Helvetica Neue" panose="02000503000000020004" pitchFamily="2" charset="0"/>
-                <a:cs typeface="Helvetica Neue" panose="02000503000000020004" pitchFamily="2" charset="0"/>
-              </a:defRPr>
-            </a:lvl3pPr>
-            <a:lvl4pPr>
-              <a:defRPr>
-                <a:solidFill>
-                  <a:schemeClr val="tx1">
-                    <a:lumMod val="95000"/>
-                    <a:lumOff val="5000"/>
-                  </a:schemeClr>
-                </a:solidFill>
-                <a:latin typeface="Helvetica Neue" panose="02000503000000020004" pitchFamily="2" charset="0"/>
-                <a:ea typeface="Helvetica Neue" panose="02000503000000020004" pitchFamily="2" charset="0"/>
-                <a:cs typeface="Helvetica Neue" panose="02000503000000020004" pitchFamily="2" charset="0"/>
-              </a:defRPr>
-            </a:lvl4pPr>
-            <a:lvl5pPr>
-              <a:defRPr>
-                <a:solidFill>
-                  <a:schemeClr val="tx1">
-                    <a:lumMod val="95000"/>
-                    <a:lumOff val="5000"/>
-                  </a:schemeClr>
-                </a:solidFill>
-                <a:latin typeface="Helvetica Neue" panose="02000503000000020004" pitchFamily="2" charset="0"/>
-                <a:ea typeface="Helvetica Neue" panose="02000503000000020004" pitchFamily="2" charset="0"/>
-                <a:cs typeface="Helvetica Neue" panose="02000503000000020004" pitchFamily="2" charset="0"/>
-              </a:defRPr>
-            </a:lvl5pPr>
-          </a:lstStyle>
-          <a:p>
-            <a:pPr lvl="0"/>
-            <a:r>
-              <a:rPr lang="en-US" dirty="0"/>
-              <a:t>Presentation</a:t>
-            </a:r>
-            <a:r>
-              <a:rPr lang="zh-CN" altLang="en-US" dirty="0"/>
-              <a:t> </a:t>
-            </a:r>
-            <a:r>
-              <a:rPr lang="en-US" altLang="zh-CN" dirty="0"/>
-              <a:t>Subtitle</a:t>
-            </a:r>
-            <a:endParaRPr lang="en-US" dirty="0"/>
-          </a:p>
-        </p:txBody>
-      </p:sp>
-      <p:sp>
-        <p:nvSpPr>
-          <p:cNvPr id="93" name="Rectangle 92">
-            <a:extLst>
-              <a:ext uri="{FF2B5EF4-FFF2-40B4-BE49-F238E27FC236}">
-                <a16:creationId xmlns:a16="http://schemas.microsoft.com/office/drawing/2014/main" id="{1AD5B537-5D39-554B-A1F8-4FCE13B53844}"/>
-              </a:ext>
-            </a:extLst>
-          </p:cNvPr>
-          <p:cNvSpPr/>
-          <p:nvPr userDrawn="1"/>
-        </p:nvSpPr>
-        <p:spPr>
-          <a:xfrm>
-            <a:off x="882157" y="3055652"/>
-            <a:ext cx="1080000" cy="72000"/>
-          </a:xfrm>
-          <a:prstGeom prst="rect">
-            <a:avLst/>
-          </a:prstGeom>
-          <a:solidFill>
-            <a:srgbClr val="E9473F"/>
-          </a:solidFill>
-          <a:ln>
-            <a:noFill/>
-          </a:ln>
-        </p:spPr>
-        <p:style>
-          <a:lnRef idx="2">
-            <a:schemeClr val="accent1">
-              <a:shade val="50000"/>
-            </a:schemeClr>
-          </a:lnRef>
-          <a:fillRef idx="1">
-            <a:schemeClr val="accent1"/>
-          </a:fillRef>
-          <a:effectRef idx="0">
-            <a:schemeClr val="accent1"/>
-          </a:effectRef>
-          <a:fontRef idx="minor">
-            <a:schemeClr val="lt1"/>
-          </a:fontRef>
-        </p:style>
-        <p:txBody>
-          <a:bodyPr rtlCol="0" anchor="ctr"/>
-          <a:lstStyle/>
-          <a:p>
-            <a:pPr algn="ctr"/>
-            <a:endParaRPr lang="en-CN"/>
-          </a:p>
-        </p:txBody>
-      </p:sp>
-      <p:pic>
-        <p:nvPicPr>
-          <p:cNvPr id="4" name="Picture 3">
-            <a:extLst>
-              <a:ext uri="{FF2B5EF4-FFF2-40B4-BE49-F238E27FC236}">
-                <a16:creationId xmlns:a16="http://schemas.microsoft.com/office/drawing/2014/main" id="{A080AA85-60DF-D54E-B3FB-C69C7412560E}"/>
-              </a:ext>
-            </a:extLst>
-          </p:cNvPr>
-          <p:cNvPicPr>
-            <a:picLocks noChangeAspect="1"/>
-          </p:cNvPicPr>
-          <p:nvPr userDrawn="1"/>
-        </p:nvPicPr>
-        <p:blipFill>
-          <a:blip r:embed="rId3"/>
-          <a:stretch>
-            <a:fillRect/>
-          </a:stretch>
-        </p:blipFill>
-        <p:spPr>
-          <a:xfrm>
-            <a:off x="9103116" y="2612922"/>
-            <a:ext cx="2206727" cy="2206727"/>
-          </a:xfrm>
-          <a:prstGeom prst="rect">
-            <a:avLst/>
-          </a:prstGeom>
-        </p:spPr>
-      </p:pic>
-      <p:pic>
-        <p:nvPicPr>
-          <p:cNvPr id="7" name="Picture 6">
-            <a:extLst>
-              <a:ext uri="{FF2B5EF4-FFF2-40B4-BE49-F238E27FC236}">
-                <a16:creationId xmlns:a16="http://schemas.microsoft.com/office/drawing/2014/main" id="{02320B6E-0A86-7D46-9DC1-C104E9730708}"/>
-              </a:ext>
-            </a:extLst>
-          </p:cNvPr>
-          <p:cNvPicPr>
-            <a:picLocks noChangeAspect="1"/>
-          </p:cNvPicPr>
-          <p:nvPr userDrawn="1"/>
-        </p:nvPicPr>
-        <p:blipFill>
-          <a:blip r:embed="rId4"/>
-          <a:stretch>
-            <a:fillRect/>
-          </a:stretch>
-        </p:blipFill>
-        <p:spPr>
-          <a:xfrm>
-            <a:off x="774551" y="5611950"/>
-            <a:ext cx="900000" cy="900000"/>
-          </a:xfrm>
-          <a:prstGeom prst="rect">
-            <a:avLst/>
-          </a:prstGeom>
-        </p:spPr>
-      </p:pic>
-    </p:spTree>
-    <p:extLst>
-      <p:ext uri="{BB962C8B-B14F-4D97-AF65-F5344CB8AC3E}">
-        <p14:creationId xmlns:p14="http://schemas.microsoft.com/office/powerpoint/2010/main" val="3853228183"/>
-      </p:ext>
-    </p:extLst>
-  </p:cSld>
-  <p:clrMapOvr>
-    <a:masterClrMapping/>
-  </p:clrMapOvr>
-</p:sldLayout>
-</file>
-
-<file path=ppt/slideLayouts/slideLayout3.xml><?xml version="1.0" encoding="utf-8"?>
-<p:sldLayout xmlns:a="http://schemas.openxmlformats.org/drawingml/2006/main" xmlns:r="http://schemas.openxmlformats.org/officeDocument/2006/relationships" xmlns:p="http://schemas.openxmlformats.org/presentationml/2006/main" preserve="1" userDrawn="1">
   <p:cSld name="Statistics">
-    <p:bg>
-      <p:bgPr>
-        <a:solidFill>
-          <a:srgbClr val="FFF9F2"/>
-        </a:solidFill>
-        <a:effectLst/>
-      </p:bgPr>
-    </p:bg>
     <p:spTree>
       <p:nvGrpSpPr>
         <p:cNvPr id="1" name=""/>
@@ -4985,7 +2730,7 @@
             <a:avLst/>
           </a:prstGeom>
           <a:solidFill>
-            <a:srgbClr val="C22D28"/>
+            <a:schemeClr val="accent1"/>
           </a:solidFill>
           <a:ln>
             <a:solidFill>
@@ -5039,7 +2784,7 @@
             <a:avLst/>
           </a:prstGeom>
           <a:solidFill>
-            <a:srgbClr val="C22D28"/>
+            <a:schemeClr val="accent1"/>
           </a:solidFill>
           <a:ln>
             <a:solidFill>
@@ -5093,7 +2838,7 @@
             <a:avLst/>
           </a:prstGeom>
           <a:solidFill>
-            <a:srgbClr val="C22D28"/>
+            <a:schemeClr val="accent1"/>
           </a:solidFill>
           <a:ln>
             <a:solidFill>
@@ -5160,7 +2905,7 @@
                 <a:solidFill>
                   <a:schemeClr val="bg1"/>
                 </a:solidFill>
-                <a:latin typeface="Roboto" pitchFamily="2" charset="0"/>
+                <a:latin typeface="+mj-lt"/>
                 <a:ea typeface="Roboto" pitchFamily="2" charset="0"/>
                 <a:cs typeface="Helvetica Neue" panose="02000503000000020004" pitchFamily="2" charset="0"/>
               </a:defRPr>
@@ -5264,8 +3009,8 @@
                     <a:alpha val="75000"/>
                   </a:srgbClr>
                 </a:solidFill>
-                <a:latin typeface="Roboto Medium" pitchFamily="2" charset="0"/>
-                <a:ea typeface="Roboto Medium" pitchFamily="2" charset="0"/>
+                <a:latin typeface="+mj-lt"/>
+                <a:ea typeface="PingFang SC" panose="020B0400000000000000" pitchFamily="34" charset="-122"/>
                 <a:cs typeface="Helvetica Neue" panose="02000503000000020004" pitchFamily="2" charset="0"/>
               </a:defRPr>
             </a:lvl1pPr>
@@ -5366,7 +3111,7 @@
                 <a:solidFill>
                   <a:schemeClr val="bg1"/>
                 </a:solidFill>
-                <a:latin typeface="Roboto" pitchFamily="2" charset="0"/>
+                <a:latin typeface="+mj-lt"/>
                 <a:ea typeface="Roboto" pitchFamily="2" charset="0"/>
                 <a:cs typeface="Helvetica Neue" panose="02000503000000020004" pitchFamily="2" charset="0"/>
               </a:defRPr>
@@ -5470,8 +3215,8 @@
                     <a:alpha val="75000"/>
                   </a:srgbClr>
                 </a:solidFill>
-                <a:latin typeface="Roboto Medium" pitchFamily="2" charset="0"/>
-                <a:ea typeface="Roboto Medium" pitchFamily="2" charset="0"/>
+                <a:latin typeface="+mj-lt"/>
+                <a:ea typeface="PingFang SC" panose="020B0400000000000000" pitchFamily="34" charset="-122"/>
                 <a:cs typeface="Helvetica Neue" panose="02000503000000020004" pitchFamily="2" charset="0"/>
               </a:defRPr>
             </a:lvl1pPr>
@@ -5572,7 +3317,7 @@
                 <a:solidFill>
                   <a:schemeClr val="bg1"/>
                 </a:solidFill>
-                <a:latin typeface="Roboto" pitchFamily="2" charset="0"/>
+                <a:latin typeface="+mj-lt"/>
                 <a:ea typeface="Roboto" pitchFamily="2" charset="0"/>
                 <a:cs typeface="Helvetica Neue" panose="02000503000000020004" pitchFamily="2" charset="0"/>
               </a:defRPr>
@@ -5676,8 +3421,8 @@
                     <a:alpha val="75000"/>
                   </a:srgbClr>
                 </a:solidFill>
-                <a:latin typeface="Roboto Medium" pitchFamily="2" charset="0"/>
-                <a:ea typeface="Roboto Medium" pitchFamily="2" charset="0"/>
+                <a:latin typeface="+mj-lt"/>
+                <a:ea typeface="PingFang SC" panose="020B0400000000000000" pitchFamily="34" charset="-122"/>
                 <a:cs typeface="Helvetica Neue" panose="02000503000000020004" pitchFamily="2" charset="0"/>
               </a:defRPr>
             </a:lvl1pPr>
@@ -5757,17 +3502,9 @@
 </p:sldLayout>
 </file>
 
-<file path=ppt/slideLayouts/slideLayout4.xml><?xml version="1.0" encoding="utf-8"?>
+<file path=ppt/slideLayouts/slideLayout3.xml><?xml version="1.0" encoding="utf-8"?>
 <p:sldLayout xmlns:a="http://schemas.openxmlformats.org/drawingml/2006/main" xmlns:r="http://schemas.openxmlformats.org/officeDocument/2006/relationships" xmlns:p="http://schemas.openxmlformats.org/presentationml/2006/main" preserve="1" userDrawn="1">
   <p:cSld name="Title for pos">
-    <p:bg>
-      <p:bgPr>
-        <a:solidFill>
-          <a:srgbClr val="FFF9F2"/>
-        </a:solidFill>
-        <a:effectLst/>
-      </p:bgPr>
-    </p:bg>
     <p:spTree>
       <p:nvGrpSpPr>
         <p:cNvPr id="1" name=""/>
@@ -5803,7 +3540,7 @@
             <a:avLst/>
           </a:prstGeom>
           <a:solidFill>
-            <a:srgbClr val="C22D28"/>
+            <a:schemeClr val="accent1"/>
           </a:solidFill>
           <a:ln>
             <a:noFill/>
@@ -5922,7 +3659,7 @@
                 <a:solidFill>
                   <a:schemeClr val="bg1"/>
                 </a:solidFill>
-                <a:latin typeface="Roboto" pitchFamily="2" charset="0"/>
+                <a:latin typeface="+mj-lt"/>
                 <a:ea typeface="Roboto" pitchFamily="2" charset="0"/>
                 <a:cs typeface="Helvetica Neue" panose="02000503000000020004" pitchFamily="2" charset="0"/>
               </a:defRPr>
@@ -6024,7 +3761,7 @@
                 <a:solidFill>
                   <a:schemeClr val="bg1"/>
                 </a:solidFill>
-                <a:latin typeface="PingFang SC" panose="020B0400000000000000" pitchFamily="34" charset="-122"/>
+                <a:latin typeface="+mj-lt"/>
                 <a:ea typeface="PingFang SC" panose="020B0400000000000000" pitchFamily="34" charset="-122"/>
                 <a:cs typeface="Helvetica Neue" panose="02000503000000020004" pitchFamily="2" charset="0"/>
               </a:defRPr>
@@ -6105,17 +3842,9 @@
 </p:sldLayout>
 </file>
 
-<file path=ppt/slideLayouts/slideLayout5.xml><?xml version="1.0" encoding="utf-8"?>
+<file path=ppt/slideLayouts/slideLayout4.xml><?xml version="1.0" encoding="utf-8"?>
 <p:sldLayout xmlns:a="http://schemas.openxmlformats.org/drawingml/2006/main" xmlns:r="http://schemas.openxmlformats.org/officeDocument/2006/relationships" xmlns:p="http://schemas.openxmlformats.org/presentationml/2006/main" preserve="1" userDrawn="1">
   <p:cSld name="Default">
-    <p:bg>
-      <p:bgPr>
-        <a:solidFill>
-          <a:srgbClr val="FFF9F2"/>
-        </a:solidFill>
-        <a:effectLst/>
-      </p:bgPr>
-    </p:bg>
     <p:spTree>
       <p:nvGrpSpPr>
         <p:cNvPr id="1" name=""/>
@@ -6227,11 +3956,13 @@
           <a:lstStyle>
             <a:lvl1pPr marL="0" indent="0" algn="ctr">
               <a:buNone/>
-              <a:defRPr sz="1400" b="0" i="0">
-                <a:solidFill>
-                  <a:srgbClr val="4B0707"/>
-                </a:solidFill>
-                <a:latin typeface="Roboto" pitchFamily="2" charset="0"/>
+              <a:defRPr sz="1400" b="1" i="0">
+                <a:solidFill>
+                  <a:schemeClr val="accent1">
+                    <a:lumMod val="75000"/>
+                  </a:schemeClr>
+                </a:solidFill>
+                <a:latin typeface="+mj-lt"/>
                 <a:ea typeface="Roboto" pitchFamily="2" charset="0"/>
               </a:defRPr>
             </a:lvl1pPr>
@@ -6307,11 +4038,13 @@
           <a:lstStyle>
             <a:lvl1pPr marL="0" indent="0" algn="ctr">
               <a:buNone/>
-              <a:defRPr sz="5800" b="0" i="0">
-                <a:solidFill>
-                  <a:srgbClr val="4B0707"/>
-                </a:solidFill>
-                <a:latin typeface="Roboto Medium" pitchFamily="2" charset="0"/>
+              <a:defRPr sz="5800" b="1" i="0">
+                <a:solidFill>
+                  <a:schemeClr val="accent1">
+                    <a:lumMod val="75000"/>
+                  </a:schemeClr>
+                </a:solidFill>
+                <a:latin typeface="+mj-lt"/>
                 <a:ea typeface="Roboto Medium" pitchFamily="2" charset="0"/>
               </a:defRPr>
             </a:lvl1pPr>
@@ -6386,9 +4119,11 @@
               <a:buNone/>
               <a:defRPr sz="2400" b="0" i="0">
                 <a:solidFill>
-                  <a:srgbClr val="4B0707"/>
-                </a:solidFill>
-                <a:latin typeface="PingFang SC Light" panose="020B0300000000000000" pitchFamily="34" charset="-122"/>
+                  <a:schemeClr val="accent1">
+                    <a:lumMod val="75000"/>
+                  </a:schemeClr>
+                </a:solidFill>
+                <a:latin typeface="+mj-lt"/>
                 <a:ea typeface="PingFang SC Light" panose="020B0300000000000000" pitchFamily="34" charset="-122"/>
               </a:defRPr>
             </a:lvl1pPr>
@@ -6503,17 +4238,9 @@
 </p:sldLayout>
 </file>
 
-<file path=ppt/slideLayouts/slideLayout6.xml><?xml version="1.0" encoding="utf-8"?>
+<file path=ppt/slideLayouts/slideLayout5.xml><?xml version="1.0" encoding="utf-8"?>
 <p:sldLayout xmlns:a="http://schemas.openxmlformats.org/drawingml/2006/main" xmlns:r="http://schemas.openxmlformats.org/officeDocument/2006/relationships" xmlns:p="http://schemas.openxmlformats.org/presentationml/2006/main" preserve="1" userDrawn="1">
   <p:cSld name="Default with examples">
-    <p:bg>
-      <p:bgPr>
-        <a:solidFill>
-          <a:srgbClr val="FFF9F2"/>
-        </a:solidFill>
-        <a:effectLst/>
-      </p:bgPr>
-    </p:bg>
     <p:spTree>
       <p:nvGrpSpPr>
         <p:cNvPr id="1" name=""/>
@@ -6528,6 +4255,36 @@
           <a:chExt cx="0" cy="0"/>
         </a:xfrm>
       </p:grpSpPr>
+      <p:pic>
+        <p:nvPicPr>
+          <p:cNvPr id="4" name="Picture 3">
+            <a:extLst>
+              <a:ext uri="{FF2B5EF4-FFF2-40B4-BE49-F238E27FC236}">
+                <a16:creationId xmlns:a16="http://schemas.microsoft.com/office/drawing/2014/main" id="{522624FC-632E-114D-B2D8-8CAD7A174053}"/>
+              </a:ext>
+            </a:extLst>
+          </p:cNvPr>
+          <p:cNvPicPr>
+            <a:picLocks noChangeAspect="1"/>
+          </p:cNvPicPr>
+          <p:nvPr userDrawn="1"/>
+        </p:nvPicPr>
+        <p:blipFill>
+          <a:blip r:embed="rId2"/>
+          <a:stretch>
+            <a:fillRect/>
+          </a:stretch>
+        </p:blipFill>
+        <p:spPr>
+          <a:xfrm>
+            <a:off x="-2" y="3868"/>
+            <a:ext cx="12192001" cy="6858001"/>
+          </a:xfrm>
+          <a:prstGeom prst="rect">
+            <a:avLst/>
+          </a:prstGeom>
+        </p:spPr>
+      </p:pic>
       <p:sp>
         <p:nvSpPr>
           <p:cNvPr id="6" name="Rounded Rectangle 5">
@@ -6542,7 +4299,7 @@
         </p:nvSpPr>
         <p:spPr>
           <a:xfrm>
-            <a:off x="4994600" y="947559"/>
+            <a:off x="5086682" y="947559"/>
             <a:ext cx="669600" cy="324000"/>
           </a:xfrm>
           <a:prstGeom prst="roundRect">
@@ -6555,7 +4312,10 @@
           </a:solidFill>
           <a:ln w="12700">
             <a:solidFill>
-              <a:srgbClr val="D8C5B8"/>
+              <a:schemeClr val="accent6">
+                <a:lumMod val="40000"/>
+                <a:lumOff val="60000"/>
+              </a:schemeClr>
             </a:solidFill>
           </a:ln>
         </p:spPr>
@@ -6611,7 +4371,7 @@
         </p:nvSpPr>
         <p:spPr>
           <a:xfrm>
-            <a:off x="4994601" y="940315"/>
+            <a:off x="5086683" y="940315"/>
             <a:ext cx="669599" cy="324000"/>
           </a:xfrm>
           <a:prstGeom prst="rect">
@@ -6623,11 +4383,13 @@
           <a:lstStyle>
             <a:lvl1pPr marL="0" indent="0" algn="ctr">
               <a:buNone/>
-              <a:defRPr sz="1400" b="0" i="0">
-                <a:solidFill>
-                  <a:srgbClr val="4B0707"/>
-                </a:solidFill>
-                <a:latin typeface="Roboto" pitchFamily="2" charset="0"/>
+              <a:defRPr sz="1400" b="1" i="0">
+                <a:solidFill>
+                  <a:schemeClr val="accent1">
+                    <a:lumMod val="75000"/>
+                  </a:schemeClr>
+                </a:solidFill>
+                <a:latin typeface="+mj-lt"/>
                 <a:ea typeface="Roboto" pitchFamily="2" charset="0"/>
               </a:defRPr>
             </a:lvl1pPr>
@@ -6703,11 +4465,13 @@
           <a:lstStyle>
             <a:lvl1pPr marL="0" indent="0" algn="r">
               <a:buNone/>
-              <a:defRPr sz="5800" b="0" i="0">
-                <a:solidFill>
-                  <a:srgbClr val="4B0707"/>
-                </a:solidFill>
-                <a:latin typeface="Roboto Medium" pitchFamily="2" charset="0"/>
+              <a:defRPr sz="5800" b="1" i="0">
+                <a:solidFill>
+                  <a:schemeClr val="accent1">
+                    <a:lumMod val="75000"/>
+                  </a:schemeClr>
+                </a:solidFill>
+                <a:latin typeface="+mj-lt"/>
                 <a:ea typeface="Roboto Medium" pitchFamily="2" charset="0"/>
               </a:defRPr>
             </a:lvl1pPr>
@@ -6782,9 +4546,11 @@
               <a:buNone/>
               <a:defRPr sz="2400" b="0" i="0">
                 <a:solidFill>
-                  <a:srgbClr val="4B0707"/>
-                </a:solidFill>
-                <a:latin typeface="PingFang SC Light" panose="020B0300000000000000" pitchFamily="34" charset="-122"/>
+                  <a:schemeClr val="accent1">
+                    <a:lumMod val="75000"/>
+                  </a:schemeClr>
+                </a:solidFill>
+                <a:latin typeface="+mj-lt"/>
                 <a:ea typeface="PingFang SC Light" panose="020B0300000000000000" pitchFamily="34" charset="-122"/>
               </a:defRPr>
             </a:lvl1pPr>
@@ -6900,7 +4666,7 @@
         </p:nvSpPr>
         <p:spPr>
           <a:xfrm>
-            <a:off x="6358268" y="980728"/>
+            <a:off x="6435719" y="980728"/>
             <a:ext cx="761032" cy="324000"/>
           </a:xfrm>
           <a:prstGeom prst="roundRect">
@@ -6909,9 +4675,11 @@
             </a:avLst>
           </a:prstGeom>
           <a:solidFill>
-            <a:srgbClr val="D8C5B8">
+            <a:schemeClr val="accent6">
+              <a:lumMod val="40000"/>
+              <a:lumOff val="60000"/>
               <a:alpha val="30000"/>
-            </a:srgbClr>
+            </a:schemeClr>
           </a:solidFill>
           <a:ln>
             <a:noFill/>
@@ -6941,7 +4709,9 @@
             <a:r>
               <a:rPr lang="zh-CN" altLang="en-US" sz="1200" b="0" i="0" dirty="0">
                 <a:solidFill>
-                  <a:srgbClr val="4B0707"/>
+                  <a:schemeClr val="accent1">
+                    <a:lumMod val="75000"/>
+                  </a:schemeClr>
                 </a:solidFill>
                 <a:latin typeface="PingFang SC Light" panose="020B0300000000000000" pitchFamily="34" charset="-122"/>
                 <a:ea typeface="PingFang SC Light" panose="020B0300000000000000" pitchFamily="34" charset="-122"/>
@@ -6950,7 +4720,9 @@
             </a:r>
             <a:endParaRPr lang="en-JP" sz="1200" b="0" i="0" dirty="0">
               <a:solidFill>
-                <a:srgbClr val="4B0707"/>
+                <a:schemeClr val="accent1">
+                  <a:lumMod val="75000"/>
+                </a:schemeClr>
               </a:solidFill>
               <a:latin typeface="PingFang SC Light" panose="020B0300000000000000" pitchFamily="34" charset="-122"/>
               <a:ea typeface="PingFang SC Light" panose="020B0300000000000000" pitchFamily="34" charset="-122"/>
@@ -6976,7 +4748,7 @@
         </p:nvSpPr>
         <p:spPr>
           <a:xfrm>
-            <a:off x="6358268" y="1423672"/>
+            <a:off x="6435719" y="1423672"/>
             <a:ext cx="5400000" cy="648000"/>
           </a:xfrm>
           <a:prstGeom prst="rect">
@@ -6988,11 +4760,13 @@
           <a:lstStyle>
             <a:lvl1pPr marL="0" indent="0" algn="l">
               <a:buNone/>
-              <a:defRPr sz="1800" b="0" i="0">
-                <a:solidFill>
-                  <a:srgbClr val="4B0707"/>
-                </a:solidFill>
-                <a:latin typeface="Roboto Medium" pitchFamily="2" charset="0"/>
+              <a:defRPr sz="1800" b="1" i="0">
+                <a:solidFill>
+                  <a:schemeClr val="accent1">
+                    <a:lumMod val="75000"/>
+                  </a:schemeClr>
+                </a:solidFill>
+                <a:latin typeface="+mj-lt"/>
                 <a:ea typeface="Roboto Medium" pitchFamily="2" charset="0"/>
               </a:defRPr>
             </a:lvl1pPr>
@@ -7061,7 +4835,7 @@
         </p:nvSpPr>
         <p:spPr>
           <a:xfrm>
-            <a:off x="6358268" y="2118419"/>
+            <a:off x="6435719" y="2118419"/>
             <a:ext cx="5400000" cy="324000"/>
           </a:xfrm>
           <a:prstGeom prst="rect">
@@ -7075,9 +4849,11 @@
               <a:buNone/>
               <a:defRPr sz="1400" b="0" i="0">
                 <a:solidFill>
-                  <a:srgbClr val="A78078"/>
-                </a:solidFill>
-                <a:latin typeface="PingFang SC Light" panose="020B0300000000000000" pitchFamily="34" charset="-122"/>
+                  <a:schemeClr val="accent1">
+                    <a:lumMod val="75000"/>
+                  </a:schemeClr>
+                </a:solidFill>
+                <a:latin typeface="+mj-lt"/>
                 <a:ea typeface="PingFang SC Light" panose="020B0300000000000000" pitchFamily="34" charset="-122"/>
               </a:defRPr>
             </a:lvl1pPr>
@@ -7142,7 +4918,7 @@
         </p:nvSpPr>
         <p:spPr>
           <a:xfrm>
-            <a:off x="6358268" y="2581081"/>
+            <a:off x="6435719" y="2581081"/>
             <a:ext cx="5400000" cy="648000"/>
           </a:xfrm>
           <a:prstGeom prst="rect">
@@ -7154,11 +4930,13 @@
           <a:lstStyle>
             <a:lvl1pPr marL="0" indent="0" algn="l">
               <a:buNone/>
-              <a:defRPr sz="1800" b="0" i="0">
-                <a:solidFill>
-                  <a:srgbClr val="4B0707"/>
-                </a:solidFill>
-                <a:latin typeface="Roboto Medium" pitchFamily="2" charset="0"/>
+              <a:defRPr sz="1800" b="1" i="0">
+                <a:solidFill>
+                  <a:schemeClr val="accent1">
+                    <a:lumMod val="75000"/>
+                  </a:schemeClr>
+                </a:solidFill>
+                <a:latin typeface="+mj-lt"/>
                 <a:ea typeface="Roboto Medium" pitchFamily="2" charset="0"/>
               </a:defRPr>
             </a:lvl1pPr>
@@ -7227,7 +5005,7 @@
         </p:nvSpPr>
         <p:spPr>
           <a:xfrm>
-            <a:off x="6358268" y="3263825"/>
+            <a:off x="6435719" y="3263825"/>
             <a:ext cx="5400000" cy="324000"/>
           </a:xfrm>
           <a:prstGeom prst="rect">
@@ -7241,9 +5019,11 @@
               <a:buNone/>
               <a:defRPr sz="1400" b="0" i="0">
                 <a:solidFill>
-                  <a:srgbClr val="A78078"/>
-                </a:solidFill>
-                <a:latin typeface="PingFang SC Light" panose="020B0300000000000000" pitchFamily="34" charset="-122"/>
+                  <a:schemeClr val="accent1">
+                    <a:lumMod val="75000"/>
+                  </a:schemeClr>
+                </a:solidFill>
+                <a:latin typeface="+mj-lt"/>
                 <a:ea typeface="PingFang SC Light" panose="020B0300000000000000" pitchFamily="34" charset="-122"/>
               </a:defRPr>
             </a:lvl1pPr>
@@ -7308,7 +5088,7 @@
         </p:nvSpPr>
         <p:spPr>
           <a:xfrm>
-            <a:off x="6358268" y="3727216"/>
+            <a:off x="6435719" y="3727216"/>
             <a:ext cx="5400000" cy="648000"/>
           </a:xfrm>
           <a:prstGeom prst="rect">
@@ -7320,11 +5100,13 @@
           <a:lstStyle>
             <a:lvl1pPr marL="0" indent="0" algn="l">
               <a:buNone/>
-              <a:defRPr sz="1800" b="0" i="0">
-                <a:solidFill>
-                  <a:srgbClr val="4B0707"/>
-                </a:solidFill>
-                <a:latin typeface="Roboto Medium" pitchFamily="2" charset="0"/>
+              <a:defRPr sz="1800" b="1" i="0">
+                <a:solidFill>
+                  <a:schemeClr val="accent1">
+                    <a:lumMod val="75000"/>
+                  </a:schemeClr>
+                </a:solidFill>
+                <a:latin typeface="+mj-lt"/>
                 <a:ea typeface="Roboto Medium" pitchFamily="2" charset="0"/>
               </a:defRPr>
             </a:lvl1pPr>
@@ -7393,7 +5175,7 @@
         </p:nvSpPr>
         <p:spPr>
           <a:xfrm>
-            <a:off x="6358268" y="4416019"/>
+            <a:off x="6435719" y="4416019"/>
             <a:ext cx="5400000" cy="324000"/>
           </a:xfrm>
           <a:prstGeom prst="rect">
@@ -7407,9 +5189,11 @@
               <a:buNone/>
               <a:defRPr sz="1400" b="0" i="0">
                 <a:solidFill>
-                  <a:srgbClr val="A78078"/>
-                </a:solidFill>
-                <a:latin typeface="PingFang SC Light" panose="020B0300000000000000" pitchFamily="34" charset="-122"/>
+                  <a:schemeClr val="accent1">
+                    <a:lumMod val="75000"/>
+                  </a:schemeClr>
+                </a:solidFill>
+                <a:latin typeface="+mj-lt"/>
                 <a:ea typeface="PingFang SC Light" panose="020B0300000000000000" pitchFamily="34" charset="-122"/>
               </a:defRPr>
             </a:lvl1pPr>
@@ -7474,7 +5258,7 @@
         </p:nvSpPr>
         <p:spPr>
           <a:xfrm>
-            <a:off x="6358268" y="4878632"/>
+            <a:off x="6435719" y="4878632"/>
             <a:ext cx="5400000" cy="648000"/>
           </a:xfrm>
           <a:prstGeom prst="rect">
@@ -7486,11 +5270,13 @@
           <a:lstStyle>
             <a:lvl1pPr marL="0" indent="0" algn="l">
               <a:buNone/>
-              <a:defRPr sz="1800" b="0" i="0">
-                <a:solidFill>
-                  <a:srgbClr val="4B0707"/>
-                </a:solidFill>
-                <a:latin typeface="Roboto Medium" pitchFamily="2" charset="0"/>
+              <a:defRPr sz="1800" b="1" i="0">
+                <a:solidFill>
+                  <a:schemeClr val="accent1">
+                    <a:lumMod val="75000"/>
+                  </a:schemeClr>
+                </a:solidFill>
+                <a:latin typeface="+mj-lt"/>
                 <a:ea typeface="Roboto Medium" pitchFamily="2" charset="0"/>
               </a:defRPr>
             </a:lvl1pPr>
@@ -7559,7 +5345,7 @@
         </p:nvSpPr>
         <p:spPr>
           <a:xfrm>
-            <a:off x="6358268" y="5567435"/>
+            <a:off x="6435719" y="5567435"/>
             <a:ext cx="5400000" cy="324000"/>
           </a:xfrm>
           <a:prstGeom prst="rect">
@@ -7573,9 +5359,11 @@
               <a:buNone/>
               <a:defRPr sz="1400" b="0" i="0">
                 <a:solidFill>
-                  <a:srgbClr val="A78078"/>
-                </a:solidFill>
-                <a:latin typeface="PingFang SC Light" panose="020B0300000000000000" pitchFamily="34" charset="-122"/>
+                  <a:schemeClr val="accent1">
+                    <a:lumMod val="75000"/>
+                  </a:schemeClr>
+                </a:solidFill>
+                <a:latin typeface="+mj-lt"/>
                 <a:ea typeface="PingFang SC Light" panose="020B0300000000000000" pitchFamily="34" charset="-122"/>
               </a:defRPr>
             </a:lvl1pPr>
@@ -7635,7 +5423,7 @@
 </p:sldLayout>
 </file>
 
-<file path=ppt/slideLayouts/slideLayout7.xml><?xml version="1.0" encoding="utf-8"?>
+<file path=ppt/slideLayouts/slideLayout6.xml><?xml version="1.0" encoding="utf-8"?>
 <p:sldLayout xmlns:a="http://schemas.openxmlformats.org/drawingml/2006/main" xmlns:r="http://schemas.openxmlformats.org/officeDocument/2006/relationships" xmlns:p="http://schemas.openxmlformats.org/presentationml/2006/main" preserve="1" userDrawn="1">
   <p:cSld name="Noun with extension A">
     <p:spTree>
@@ -7654,10 +5442,10 @@
       </p:grpSpPr>
       <p:pic>
         <p:nvPicPr>
-          <p:cNvPr id="22" name="Picture 21">
+          <p:cNvPr id="23" name="Picture 22">
             <a:extLst>
               <a:ext uri="{FF2B5EF4-FFF2-40B4-BE49-F238E27FC236}">
-                <a16:creationId xmlns:a16="http://schemas.microsoft.com/office/drawing/2014/main" id="{F34D071D-C22F-9D42-8D15-EDBB11327A41}"/>
+                <a16:creationId xmlns:a16="http://schemas.microsoft.com/office/drawing/2014/main" id="{4D42B5C4-D57B-AF40-928E-AF46D26763F2}"/>
               </a:ext>
             </a:extLst>
           </p:cNvPr>
@@ -7674,8 +5462,8 @@
         </p:blipFill>
         <p:spPr>
           <a:xfrm>
-            <a:off x="0" y="0"/>
-            <a:ext cx="12192000" cy="6858000"/>
+            <a:off x="-2" y="3868"/>
+            <a:ext cx="12192001" cy="6858001"/>
           </a:xfrm>
           <a:prstGeom prst="rect">
             <a:avLst/>
@@ -7696,7 +5484,7 @@
         </p:nvSpPr>
         <p:spPr>
           <a:xfrm>
-            <a:off x="5334317" y="947559"/>
+            <a:off x="5065376" y="947559"/>
             <a:ext cx="669600" cy="324000"/>
           </a:xfrm>
           <a:prstGeom prst="roundRect">
@@ -7709,7 +5497,10 @@
           </a:solidFill>
           <a:ln w="12700">
             <a:solidFill>
-              <a:srgbClr val="D8C5B8"/>
+              <a:schemeClr val="accent6">
+                <a:lumMod val="40000"/>
+                <a:lumOff val="60000"/>
+              </a:schemeClr>
             </a:solidFill>
           </a:ln>
         </p:spPr>
@@ -7765,7 +5556,7 @@
         </p:nvSpPr>
         <p:spPr>
           <a:xfrm>
-            <a:off x="5334318" y="940315"/>
+            <a:off x="5065377" y="940315"/>
             <a:ext cx="669599" cy="324000"/>
           </a:xfrm>
           <a:prstGeom prst="rect">
@@ -7777,11 +5568,13 @@
           <a:lstStyle>
             <a:lvl1pPr marL="0" indent="0" algn="ctr">
               <a:buNone/>
-              <a:defRPr sz="1400" b="0" i="0">
-                <a:solidFill>
-                  <a:srgbClr val="4B0707"/>
-                </a:solidFill>
-                <a:latin typeface="Roboto" pitchFamily="2" charset="0"/>
+              <a:defRPr sz="1400" b="1" i="0">
+                <a:solidFill>
+                  <a:schemeClr val="accent1">
+                    <a:lumMod val="75000"/>
+                  </a:schemeClr>
+                </a:solidFill>
+                <a:latin typeface="+mj-lt"/>
                 <a:ea typeface="Roboto" pitchFamily="2" charset="0"/>
               </a:defRPr>
             </a:lvl1pPr>
@@ -7845,8 +5638,8 @@
         </p:nvSpPr>
         <p:spPr>
           <a:xfrm>
-            <a:off x="339716" y="1402609"/>
-            <a:ext cx="5756284" cy="1300613"/>
+            <a:off x="0" y="1402609"/>
+            <a:ext cx="5734976" cy="1300613"/>
           </a:xfrm>
           <a:prstGeom prst="rect">
             <a:avLst/>
@@ -7857,11 +5650,13 @@
           <a:lstStyle>
             <a:lvl1pPr marL="0" indent="0" algn="r">
               <a:buNone/>
-              <a:defRPr sz="5800" b="0" i="0">
-                <a:solidFill>
-                  <a:srgbClr val="4B0707"/>
-                </a:solidFill>
-                <a:latin typeface="Roboto Medium" pitchFamily="2" charset="0"/>
+              <a:defRPr sz="5800" b="1" i="0">
+                <a:solidFill>
+                  <a:schemeClr val="accent1">
+                    <a:lumMod val="75000"/>
+                  </a:schemeClr>
+                </a:solidFill>
+                <a:latin typeface="+mj-lt"/>
                 <a:ea typeface="Roboto Medium" pitchFamily="2" charset="0"/>
               </a:defRPr>
             </a:lvl1pPr>
@@ -7922,8 +5717,8 @@
         </p:nvSpPr>
         <p:spPr>
           <a:xfrm>
-            <a:off x="339716" y="2801103"/>
-            <a:ext cx="5756284" cy="3058247"/>
+            <a:off x="0" y="2801103"/>
+            <a:ext cx="5734976" cy="3058247"/>
           </a:xfrm>
           <a:prstGeom prst="rect">
             <a:avLst/>
@@ -7936,9 +5731,11 @@
               <a:buNone/>
               <a:defRPr sz="2400" b="0" i="0">
                 <a:solidFill>
-                  <a:srgbClr val="4B0707"/>
-                </a:solidFill>
-                <a:latin typeface="PingFang SC Light" panose="020B0300000000000000" pitchFamily="34" charset="-122"/>
+                  <a:schemeClr val="accent1">
+                    <a:lumMod val="75000"/>
+                  </a:schemeClr>
+                </a:solidFill>
+                <a:latin typeface="+mj-lt"/>
                 <a:ea typeface="PingFang SC Light" panose="020B0300000000000000" pitchFamily="34" charset="-122"/>
               </a:defRPr>
             </a:lvl1pPr>
@@ -8056,7 +5853,7 @@
         </p:nvCxnSpPr>
         <p:spPr>
           <a:xfrm>
-            <a:off x="6657069" y="3327402"/>
+            <a:off x="6457026" y="3327402"/>
             <a:ext cx="5077731" cy="0"/>
           </a:xfrm>
           <a:prstGeom prst="line">
@@ -8112,7 +5909,7 @@
         </p:nvSpPr>
         <p:spPr>
           <a:xfrm>
-            <a:off x="6657069" y="2432112"/>
+            <a:off x="6457026" y="2432112"/>
             <a:ext cx="442750" cy="400110"/>
           </a:xfrm>
           <a:prstGeom prst="rect">
@@ -8129,7 +5926,10 @@
             <a:r>
               <a:rPr lang="zh-CN" altLang="en-CN" sz="2000" b="0" i="0" dirty="0">
                 <a:solidFill>
-                  <a:srgbClr val="D8C5B8"/>
+                  <a:schemeClr val="accent6">
+                    <a:lumMod val="40000"/>
+                    <a:lumOff val="60000"/>
+                  </a:schemeClr>
                 </a:solidFill>
                 <a:latin typeface="PingFang SC" panose="020B0400000000000000" pitchFamily="34" charset="-122"/>
                 <a:ea typeface="PingFang SC" panose="020B0400000000000000" pitchFamily="34" charset="-122"/>
@@ -8138,7 +5938,10 @@
             </a:r>
             <a:endParaRPr lang="en-CN" sz="2000" b="0" i="0" dirty="0">
               <a:solidFill>
-                <a:srgbClr val="D8C5B8"/>
+                <a:schemeClr val="accent6">
+                  <a:lumMod val="40000"/>
+                  <a:lumOff val="60000"/>
+                </a:schemeClr>
               </a:solidFill>
               <a:latin typeface="PingFang SC" panose="020B0400000000000000" pitchFamily="34" charset="-122"/>
               <a:ea typeface="PingFang SC" panose="020B0400000000000000" pitchFamily="34" charset="-122"/>
@@ -8164,7 +5967,7 @@
         </p:nvSpPr>
         <p:spPr>
           <a:xfrm>
-            <a:off x="7262812" y="1475332"/>
+            <a:off x="7062769" y="1475332"/>
             <a:ext cx="1080000" cy="720000"/>
           </a:xfrm>
           <a:prstGeom prst="rect">
@@ -8176,11 +5979,13 @@
           <a:lstStyle>
             <a:lvl1pPr marL="0" indent="0" algn="l">
               <a:buNone/>
-              <a:defRPr sz="3000" b="0" i="0">
-                <a:solidFill>
-                  <a:srgbClr val="4B0707"/>
-                </a:solidFill>
-                <a:latin typeface="Roboto" pitchFamily="2" charset="0"/>
+              <a:defRPr sz="3000" b="1" i="0">
+                <a:solidFill>
+                  <a:schemeClr val="accent1">
+                    <a:lumMod val="75000"/>
+                  </a:schemeClr>
+                </a:solidFill>
+                <a:latin typeface="+mj-lt"/>
                 <a:ea typeface="Roboto" pitchFamily="2" charset="0"/>
               </a:defRPr>
             </a:lvl1pPr>
@@ -8245,7 +6050,7 @@
         </p:nvSpPr>
         <p:spPr>
           <a:xfrm>
-            <a:off x="8342811" y="1475332"/>
+            <a:off x="8142768" y="1475332"/>
             <a:ext cx="3679371" cy="720000"/>
           </a:xfrm>
           <a:prstGeom prst="rect">
@@ -8259,9 +6064,11 @@
               <a:buNone/>
               <a:defRPr sz="3000" b="0" i="0">
                 <a:solidFill>
-                  <a:srgbClr val="4B0707"/>
-                </a:solidFill>
-                <a:latin typeface="Roboto Medium" pitchFamily="2" charset="0"/>
+                  <a:schemeClr val="accent1">
+                    <a:lumMod val="75000"/>
+                  </a:schemeClr>
+                </a:solidFill>
+                <a:latin typeface="+mj-lt"/>
                 <a:ea typeface="Roboto Medium" pitchFamily="2" charset="0"/>
               </a:defRPr>
             </a:lvl1pPr>
@@ -8330,7 +6137,7 @@
         </p:nvSpPr>
         <p:spPr>
           <a:xfrm>
-            <a:off x="7262812" y="2219915"/>
+            <a:off x="7062769" y="2219915"/>
             <a:ext cx="1080000" cy="720000"/>
           </a:xfrm>
           <a:prstGeom prst="rect">
@@ -8357,11 +6164,13 @@
               <a:buFont typeface="Wingdings 2" panose="05020102010507070707" pitchFamily="18" charset="2"/>
               <a:buNone/>
               <a:tabLst/>
-              <a:defRPr sz="3000" b="0" i="0">
-                <a:solidFill>
-                  <a:srgbClr val="4B0707"/>
-                </a:solidFill>
-                <a:latin typeface="Roboto" pitchFamily="2" charset="0"/>
+              <a:defRPr sz="3000" b="1" i="0">
+                <a:solidFill>
+                  <a:schemeClr val="accent1">
+                    <a:lumMod val="75000"/>
+                  </a:schemeClr>
+                </a:solidFill>
+                <a:latin typeface="+mj-lt"/>
                 <a:ea typeface="Roboto" pitchFamily="2" charset="0"/>
               </a:defRPr>
             </a:lvl1pPr>
@@ -8444,7 +6253,7 @@
         </p:nvSpPr>
         <p:spPr>
           <a:xfrm>
-            <a:off x="8342811" y="2219915"/>
+            <a:off x="8142768" y="2219915"/>
             <a:ext cx="3679371" cy="720000"/>
           </a:xfrm>
           <a:prstGeom prst="rect">
@@ -8458,9 +6267,11 @@
               <a:buNone/>
               <a:defRPr sz="3000" b="0" i="0">
                 <a:solidFill>
-                  <a:srgbClr val="4B0707"/>
-                </a:solidFill>
-                <a:latin typeface="Roboto Medium" pitchFamily="2" charset="0"/>
+                  <a:schemeClr val="accent1">
+                    <a:lumMod val="75000"/>
+                  </a:schemeClr>
+                </a:solidFill>
+                <a:latin typeface="+mj-lt"/>
                 <a:ea typeface="Roboto Medium" pitchFamily="2" charset="0"/>
               </a:defRPr>
             </a:lvl1pPr>
@@ -8525,7 +6336,7 @@
         </p:nvSpPr>
         <p:spPr>
           <a:xfrm>
-            <a:off x="6657069" y="3822583"/>
+            <a:off x="6457026" y="3822583"/>
             <a:ext cx="442750" cy="400110"/>
           </a:xfrm>
           <a:prstGeom prst="rect">
@@ -8542,7 +6353,10 @@
             <a:r>
               <a:rPr lang="zh-CN" altLang="en-US" sz="2000" b="0" i="0" dirty="0">
                 <a:solidFill>
-                  <a:srgbClr val="D8C5B8"/>
+                  <a:schemeClr val="accent6">
+                    <a:lumMod val="40000"/>
+                    <a:lumOff val="60000"/>
+                  </a:schemeClr>
                 </a:solidFill>
                 <a:latin typeface="PingFang SC" panose="020B0400000000000000" pitchFamily="34" charset="-122"/>
                 <a:ea typeface="PingFang SC" panose="020B0400000000000000" pitchFamily="34" charset="-122"/>
@@ -8551,7 +6365,10 @@
             </a:r>
             <a:endParaRPr lang="en-CN" sz="2000" b="0" i="0" dirty="0">
               <a:solidFill>
-                <a:srgbClr val="D8C5B8"/>
+                <a:schemeClr val="accent6">
+                  <a:lumMod val="40000"/>
+                  <a:lumOff val="60000"/>
+                </a:schemeClr>
               </a:solidFill>
               <a:latin typeface="PingFang SC" panose="020B0400000000000000" pitchFamily="34" charset="-122"/>
               <a:ea typeface="PingFang SC" panose="020B0400000000000000" pitchFamily="34" charset="-122"/>
@@ -8577,7 +6394,7 @@
         </p:nvSpPr>
         <p:spPr>
           <a:xfrm>
-            <a:off x="7262812" y="3656829"/>
+            <a:off x="7062769" y="3656829"/>
             <a:ext cx="1080000" cy="720000"/>
           </a:xfrm>
           <a:prstGeom prst="rect">
@@ -8589,11 +6406,13 @@
           <a:lstStyle>
             <a:lvl1pPr marL="0" indent="0" algn="l">
               <a:buNone/>
-              <a:defRPr sz="3000" b="0" i="0">
-                <a:solidFill>
-                  <a:srgbClr val="4B0707"/>
-                </a:solidFill>
-                <a:latin typeface="Roboto" pitchFamily="2" charset="0"/>
+              <a:defRPr sz="3000" b="1" i="0">
+                <a:solidFill>
+                  <a:schemeClr val="accent1">
+                    <a:lumMod val="75000"/>
+                  </a:schemeClr>
+                </a:solidFill>
+                <a:latin typeface="+mj-lt"/>
                 <a:ea typeface="Roboto" pitchFamily="2" charset="0"/>
               </a:defRPr>
             </a:lvl1pPr>
@@ -8658,7 +6477,7 @@
         </p:nvSpPr>
         <p:spPr>
           <a:xfrm>
-            <a:off x="8342811" y="3656829"/>
+            <a:off x="8142768" y="3656829"/>
             <a:ext cx="3679371" cy="720000"/>
           </a:xfrm>
           <a:prstGeom prst="rect">
@@ -8672,9 +6491,11 @@
               <a:buNone/>
               <a:defRPr sz="3000" b="0" i="0">
                 <a:solidFill>
-                  <a:srgbClr val="4B0707"/>
-                </a:solidFill>
-                <a:latin typeface="Roboto Medium" pitchFamily="2" charset="0"/>
+                  <a:schemeClr val="accent1">
+                    <a:lumMod val="75000"/>
+                  </a:schemeClr>
+                </a:solidFill>
+                <a:latin typeface="+mj-lt"/>
                 <a:ea typeface="Roboto Medium" pitchFamily="2" charset="0"/>
               </a:defRPr>
             </a:lvl1pPr>
@@ -8743,7 +6564,7 @@
         </p:nvSpPr>
         <p:spPr>
           <a:xfrm>
-            <a:off x="7262812" y="4388349"/>
+            <a:off x="7062769" y="4388349"/>
             <a:ext cx="1080000" cy="720000"/>
           </a:xfrm>
           <a:prstGeom prst="rect">
@@ -8755,11 +6576,13 @@
           <a:lstStyle>
             <a:lvl1pPr marL="0" indent="0" algn="l">
               <a:buNone/>
-              <a:defRPr sz="3000" b="0" i="0">
-                <a:solidFill>
-                  <a:srgbClr val="4B0707"/>
-                </a:solidFill>
-                <a:latin typeface="Roboto" pitchFamily="2" charset="0"/>
+              <a:defRPr sz="3000" b="1" i="0">
+                <a:solidFill>
+                  <a:schemeClr val="accent1">
+                    <a:lumMod val="75000"/>
+                  </a:schemeClr>
+                </a:solidFill>
+                <a:latin typeface="+mj-lt"/>
                 <a:ea typeface="Roboto" pitchFamily="2" charset="0"/>
               </a:defRPr>
             </a:lvl1pPr>
@@ -8824,7 +6647,7 @@
         </p:nvSpPr>
         <p:spPr>
           <a:xfrm>
-            <a:off x="8342811" y="4388349"/>
+            <a:off x="8142768" y="4388349"/>
             <a:ext cx="3679371" cy="720000"/>
           </a:xfrm>
           <a:prstGeom prst="rect">
@@ -8838,9 +6661,11 @@
               <a:buNone/>
               <a:defRPr sz="3000" b="0" i="0">
                 <a:solidFill>
-                  <a:srgbClr val="4B0707"/>
-                </a:solidFill>
-                <a:latin typeface="Roboto Medium" pitchFamily="2" charset="0"/>
+                  <a:schemeClr val="accent1">
+                    <a:lumMod val="75000"/>
+                  </a:schemeClr>
+                </a:solidFill>
+                <a:latin typeface="+mj-lt"/>
                 <a:ea typeface="Roboto Medium" pitchFamily="2" charset="0"/>
               </a:defRPr>
             </a:lvl1pPr>
@@ -8904,7 +6729,7 @@
 </p:sldLayout>
 </file>
 
-<file path=ppt/slideLayouts/slideLayout8.xml><?xml version="1.0" encoding="utf-8"?>
+<file path=ppt/slideLayouts/slideLayout7.xml><?xml version="1.0" encoding="utf-8"?>
 <p:sldLayout xmlns:a="http://schemas.openxmlformats.org/drawingml/2006/main" xmlns:r="http://schemas.openxmlformats.org/officeDocument/2006/relationships" xmlns:p="http://schemas.openxmlformats.org/presentationml/2006/main" preserve="1" userDrawn="1">
   <p:cSld name="Adj with extension A">
     <p:spTree>
@@ -8923,10 +6748,10 @@
       </p:grpSpPr>
       <p:pic>
         <p:nvPicPr>
-          <p:cNvPr id="22" name="Picture 21">
+          <p:cNvPr id="21" name="Picture 20">
             <a:extLst>
               <a:ext uri="{FF2B5EF4-FFF2-40B4-BE49-F238E27FC236}">
-                <a16:creationId xmlns:a16="http://schemas.microsoft.com/office/drawing/2014/main" id="{F34D071D-C22F-9D42-8D15-EDBB11327A41}"/>
+                <a16:creationId xmlns:a16="http://schemas.microsoft.com/office/drawing/2014/main" id="{5045C2E1-4007-2247-B990-1DC519125DC4}"/>
               </a:ext>
             </a:extLst>
           </p:cNvPr>
@@ -8943,8 +6768,8 @@
         </p:blipFill>
         <p:spPr>
           <a:xfrm>
-            <a:off x="0" y="0"/>
-            <a:ext cx="12192000" cy="6858000"/>
+            <a:off x="-2" y="3868"/>
+            <a:ext cx="12192001" cy="6858001"/>
           </a:xfrm>
           <a:prstGeom prst="rect">
             <a:avLst/>
@@ -8965,7 +6790,7 @@
         </p:nvSpPr>
         <p:spPr>
           <a:xfrm>
-            <a:off x="5334317" y="769979"/>
+            <a:off x="5107256" y="769979"/>
             <a:ext cx="669600" cy="324000"/>
           </a:xfrm>
           <a:prstGeom prst="roundRect">
@@ -9034,7 +6859,7 @@
         </p:nvSpPr>
         <p:spPr>
           <a:xfrm>
-            <a:off x="5334318" y="762735"/>
+            <a:off x="5107257" y="762735"/>
             <a:ext cx="669599" cy="324000"/>
           </a:xfrm>
           <a:prstGeom prst="rect">
@@ -9046,11 +6871,13 @@
           <a:lstStyle>
             <a:lvl1pPr marL="0" indent="0" algn="ctr">
               <a:buNone/>
-              <a:defRPr sz="1400" b="0" i="0">
-                <a:solidFill>
-                  <a:srgbClr val="4B0707"/>
-                </a:solidFill>
-                <a:latin typeface="Roboto" pitchFamily="2" charset="0"/>
+              <a:defRPr sz="1400" b="1" i="0">
+                <a:solidFill>
+                  <a:schemeClr val="accent1">
+                    <a:lumMod val="75000"/>
+                  </a:schemeClr>
+                </a:solidFill>
+                <a:latin typeface="+mj-lt"/>
                 <a:ea typeface="Roboto" pitchFamily="2" charset="0"/>
               </a:defRPr>
             </a:lvl1pPr>
@@ -9114,8 +6941,8 @@
         </p:nvSpPr>
         <p:spPr>
           <a:xfrm>
-            <a:off x="339716" y="1225029"/>
-            <a:ext cx="5756284" cy="1300613"/>
+            <a:off x="0" y="1225029"/>
+            <a:ext cx="5776856" cy="1300613"/>
           </a:xfrm>
           <a:prstGeom prst="rect">
             <a:avLst/>
@@ -9126,11 +6953,13 @@
           <a:lstStyle>
             <a:lvl1pPr marL="0" indent="0" algn="r">
               <a:buNone/>
-              <a:defRPr sz="5800" b="0" i="0">
-                <a:solidFill>
-                  <a:srgbClr val="4B0707"/>
-                </a:solidFill>
-                <a:latin typeface="Roboto Medium" pitchFamily="2" charset="0"/>
+              <a:defRPr sz="5800" b="1" i="0">
+                <a:solidFill>
+                  <a:schemeClr val="accent1">
+                    <a:lumMod val="75000"/>
+                  </a:schemeClr>
+                </a:solidFill>
+                <a:latin typeface="+mj-lt"/>
                 <a:ea typeface="Roboto Medium" pitchFamily="2" charset="0"/>
               </a:defRPr>
             </a:lvl1pPr>
@@ -9191,8 +7020,8 @@
         </p:nvSpPr>
         <p:spPr>
           <a:xfrm>
-            <a:off x="339716" y="2623523"/>
-            <a:ext cx="5756284" cy="3058247"/>
+            <a:off x="0" y="2623523"/>
+            <a:ext cx="5776856" cy="3058247"/>
           </a:xfrm>
           <a:prstGeom prst="rect">
             <a:avLst/>
@@ -9205,9 +7034,11 @@
               <a:buNone/>
               <a:defRPr sz="2400" b="0" i="0">
                 <a:solidFill>
-                  <a:srgbClr val="4B0707"/>
-                </a:solidFill>
-                <a:latin typeface="PingFang SC Light" panose="020B0300000000000000" pitchFamily="34" charset="-122"/>
+                  <a:schemeClr val="accent1">
+                    <a:lumMod val="75000"/>
+                  </a:schemeClr>
+                </a:solidFill>
+                <a:latin typeface="+mj-lt"/>
                 <a:ea typeface="PingFang SC Light" panose="020B0300000000000000" pitchFamily="34" charset="-122"/>
               </a:defRPr>
             </a:lvl1pPr>
@@ -9325,7 +7156,7 @@
         </p:nvCxnSpPr>
         <p:spPr>
           <a:xfrm>
-            <a:off x="6688183" y="3429000"/>
+            <a:off x="6416531" y="3429000"/>
             <a:ext cx="5618441" cy="0"/>
           </a:xfrm>
           <a:prstGeom prst="line">
@@ -9381,7 +7212,7 @@
         </p:nvSpPr>
         <p:spPr>
           <a:xfrm>
-            <a:off x="7387558" y="1246613"/>
+            <a:off x="6956334" y="1246613"/>
             <a:ext cx="2671314" cy="369332"/>
           </a:xfrm>
           <a:prstGeom prst="rect">
@@ -9399,7 +7230,10 @@
             <a:r>
               <a:rPr lang="zh-CN" altLang="en-CN" sz="1800" b="0" i="0" dirty="0">
                 <a:solidFill>
-                  <a:srgbClr val="D8C5B8"/>
+                  <a:schemeClr val="accent6">
+                    <a:lumMod val="40000"/>
+                    <a:lumOff val="60000"/>
+                  </a:schemeClr>
                 </a:solidFill>
                 <a:latin typeface="PingFang SC" panose="020B0400000000000000" pitchFamily="34" charset="-122"/>
                 <a:ea typeface="PingFang SC" panose="020B0400000000000000" pitchFamily="34" charset="-122"/>
@@ -9408,7 +7242,10 @@
             </a:r>
             <a:endParaRPr lang="en-CN" sz="1800" b="0" i="0" dirty="0">
               <a:solidFill>
-                <a:srgbClr val="D8C5B8"/>
+                <a:schemeClr val="accent6">
+                  <a:lumMod val="40000"/>
+                  <a:lumOff val="60000"/>
+                </a:schemeClr>
               </a:solidFill>
               <a:latin typeface="PingFang SC" panose="020B0400000000000000" pitchFamily="34" charset="-122"/>
               <a:ea typeface="PingFang SC" panose="020B0400000000000000" pitchFamily="34" charset="-122"/>
@@ -9430,7 +7267,7 @@
         </p:nvSpPr>
         <p:spPr>
           <a:xfrm>
-            <a:off x="6887496" y="1903837"/>
+            <a:off x="6456272" y="1903837"/>
             <a:ext cx="392681" cy="369332"/>
           </a:xfrm>
           <a:prstGeom prst="rect">
@@ -9448,7 +7285,10 @@
             <a:r>
               <a:rPr lang="en-US" altLang="zh-CN" sz="1800" b="0" i="0" dirty="0">
                 <a:solidFill>
-                  <a:srgbClr val="D8C5B8"/>
+                  <a:schemeClr val="accent6">
+                    <a:lumMod val="40000"/>
+                    <a:lumOff val="60000"/>
+                  </a:schemeClr>
                 </a:solidFill>
                 <a:latin typeface="PingFang SC" panose="020B0400000000000000" pitchFamily="34" charset="-122"/>
                 <a:ea typeface="PingFang SC" panose="020B0400000000000000" pitchFamily="34" charset="-122"/>
@@ -9457,7 +7297,10 @@
             </a:r>
             <a:endParaRPr lang="en-CN" sz="1800" b="0" i="0" dirty="0">
               <a:solidFill>
-                <a:srgbClr val="D8C5B8"/>
+                <a:schemeClr val="accent6">
+                  <a:lumMod val="40000"/>
+                  <a:lumOff val="60000"/>
+                </a:schemeClr>
               </a:solidFill>
               <a:latin typeface="PingFang SC" panose="020B0400000000000000" pitchFamily="34" charset="-122"/>
               <a:ea typeface="PingFang SC" panose="020B0400000000000000" pitchFamily="34" charset="-122"/>
@@ -9483,7 +7326,7 @@
         </p:nvSpPr>
         <p:spPr>
           <a:xfrm>
-            <a:off x="7400080" y="1757199"/>
+            <a:off x="6968856" y="1757199"/>
             <a:ext cx="4543726" cy="662609"/>
           </a:xfrm>
           <a:prstGeom prst="rect">
@@ -9495,11 +7338,13 @@
           <a:lstStyle>
             <a:lvl1pPr marL="0" indent="0" algn="l">
               <a:buNone/>
-              <a:defRPr sz="2800" b="0" i="0">
-                <a:solidFill>
-                  <a:srgbClr val="4B0707"/>
-                </a:solidFill>
-                <a:latin typeface="Roboto Medium" pitchFamily="2" charset="0"/>
+              <a:defRPr sz="2800" b="1" i="0">
+                <a:solidFill>
+                  <a:schemeClr val="accent1">
+                    <a:lumMod val="75000"/>
+                  </a:schemeClr>
+                </a:solidFill>
+                <a:latin typeface="+mj-lt"/>
                 <a:ea typeface="Roboto Medium" pitchFamily="2" charset="0"/>
                 <a:cs typeface="Helvetica Neue" panose="02000503000000020004" pitchFamily="2" charset="0"/>
               </a:defRPr>
@@ -9581,7 +7426,7 @@
         </p:nvSpPr>
         <p:spPr>
           <a:xfrm>
-            <a:off x="6887496" y="2618213"/>
+            <a:off x="6456272" y="2618213"/>
             <a:ext cx="392681" cy="369332"/>
           </a:xfrm>
           <a:prstGeom prst="rect">
@@ -9599,7 +7444,10 @@
             <a:r>
               <a:rPr lang="en-US" altLang="zh-CN" sz="1800" b="0" i="0" dirty="0">
                 <a:solidFill>
-                  <a:srgbClr val="D8C5B8"/>
+                  <a:schemeClr val="accent6">
+                    <a:lumMod val="40000"/>
+                    <a:lumOff val="60000"/>
+                  </a:schemeClr>
                 </a:solidFill>
                 <a:latin typeface="PingFang SC" panose="020B0400000000000000" pitchFamily="34" charset="-122"/>
                 <a:ea typeface="PingFang SC" panose="020B0400000000000000" pitchFamily="34" charset="-122"/>
@@ -9608,7 +7456,10 @@
             </a:r>
             <a:endParaRPr lang="en-CN" sz="1800" b="0" i="0" dirty="0">
               <a:solidFill>
-                <a:srgbClr val="D8C5B8"/>
+                <a:schemeClr val="accent6">
+                  <a:lumMod val="40000"/>
+                  <a:lumOff val="60000"/>
+                </a:schemeClr>
               </a:solidFill>
               <a:latin typeface="PingFang SC" panose="020B0400000000000000" pitchFamily="34" charset="-122"/>
               <a:ea typeface="PingFang SC" panose="020B0400000000000000" pitchFamily="34" charset="-122"/>
@@ -9634,7 +7485,7 @@
         </p:nvSpPr>
         <p:spPr>
           <a:xfrm>
-            <a:off x="7400080" y="2471575"/>
+            <a:off x="6968856" y="2471575"/>
             <a:ext cx="4543726" cy="662609"/>
           </a:xfrm>
           <a:prstGeom prst="rect">
@@ -9646,11 +7497,13 @@
           <a:lstStyle>
             <a:lvl1pPr marL="0" indent="0" algn="l">
               <a:buNone/>
-              <a:defRPr sz="2800" b="0" i="0">
-                <a:solidFill>
-                  <a:srgbClr val="4B0707"/>
-                </a:solidFill>
-                <a:latin typeface="Roboto Medium" pitchFamily="2" charset="0"/>
+              <a:defRPr sz="2800" b="1" i="0">
+                <a:solidFill>
+                  <a:schemeClr val="accent1">
+                    <a:lumMod val="75000"/>
+                  </a:schemeClr>
+                </a:solidFill>
+                <a:latin typeface="+mj-lt"/>
                 <a:ea typeface="Roboto Medium" pitchFamily="2" charset="0"/>
                 <a:cs typeface="Helvetica Neue" panose="02000503000000020004" pitchFamily="2" charset="0"/>
               </a:defRPr>
@@ -9732,7 +7585,7 @@
         </p:nvSpPr>
         <p:spPr>
           <a:xfrm>
-            <a:off x="6887496" y="3832650"/>
+            <a:off x="6456272" y="3832650"/>
             <a:ext cx="392681" cy="369332"/>
           </a:xfrm>
           <a:prstGeom prst="rect">
@@ -9750,7 +7603,10 @@
             <a:r>
               <a:rPr lang="en-US" altLang="zh-CN" sz="1800" b="0" i="0" dirty="0">
                 <a:solidFill>
-                  <a:srgbClr val="D8C5B8"/>
+                  <a:schemeClr val="accent6">
+                    <a:lumMod val="40000"/>
+                    <a:lumOff val="60000"/>
+                  </a:schemeClr>
                 </a:solidFill>
                 <a:latin typeface="PingFang SC" panose="020B0400000000000000" pitchFamily="34" charset="-122"/>
                 <a:ea typeface="PingFang SC" panose="020B0400000000000000" pitchFamily="34" charset="-122"/>
@@ -9759,7 +7615,10 @@
             </a:r>
             <a:endParaRPr lang="en-CN" sz="1800" b="0" i="0" dirty="0">
               <a:solidFill>
-                <a:srgbClr val="D8C5B8"/>
+                <a:schemeClr val="accent6">
+                  <a:lumMod val="40000"/>
+                  <a:lumOff val="60000"/>
+                </a:schemeClr>
               </a:solidFill>
               <a:latin typeface="PingFang SC" panose="020B0400000000000000" pitchFamily="34" charset="-122"/>
               <a:ea typeface="PingFang SC" panose="020B0400000000000000" pitchFamily="34" charset="-122"/>
@@ -9785,7 +7644,7 @@
         </p:nvSpPr>
         <p:spPr>
           <a:xfrm>
-            <a:off x="7400080" y="3686012"/>
+            <a:off x="6968856" y="3686012"/>
             <a:ext cx="4543726" cy="662609"/>
           </a:xfrm>
           <a:prstGeom prst="rect">
@@ -9797,11 +7656,13 @@
           <a:lstStyle>
             <a:lvl1pPr marL="0" indent="0" algn="l">
               <a:buNone/>
-              <a:defRPr sz="2800" b="0" i="0">
-                <a:solidFill>
-                  <a:srgbClr val="4B0707"/>
-                </a:solidFill>
-                <a:latin typeface="Roboto Medium" pitchFamily="2" charset="0"/>
+              <a:defRPr sz="2800" b="1" i="0">
+                <a:solidFill>
+                  <a:schemeClr val="accent1">
+                    <a:lumMod val="75000"/>
+                  </a:schemeClr>
+                </a:solidFill>
+                <a:latin typeface="+mj-lt"/>
                 <a:ea typeface="Roboto Medium" pitchFamily="2" charset="0"/>
                 <a:cs typeface="Helvetica Neue" panose="02000503000000020004" pitchFamily="2" charset="0"/>
               </a:defRPr>
@@ -9883,7 +7744,7 @@
         </p:nvSpPr>
         <p:spPr>
           <a:xfrm>
-            <a:off x="6887496" y="4547026"/>
+            <a:off x="6456272" y="4547026"/>
             <a:ext cx="392681" cy="369332"/>
           </a:xfrm>
           <a:prstGeom prst="rect">
@@ -9901,7 +7762,10 @@
             <a:r>
               <a:rPr lang="en-US" altLang="zh-CN" sz="1800" b="0" i="0" dirty="0">
                 <a:solidFill>
-                  <a:srgbClr val="D8C5B8"/>
+                  <a:schemeClr val="accent6">
+                    <a:lumMod val="40000"/>
+                    <a:lumOff val="60000"/>
+                  </a:schemeClr>
                 </a:solidFill>
                 <a:latin typeface="PingFang SC" panose="020B0400000000000000" pitchFamily="34" charset="-122"/>
                 <a:ea typeface="PingFang SC" panose="020B0400000000000000" pitchFamily="34" charset="-122"/>
@@ -9910,7 +7774,10 @@
             </a:r>
             <a:endParaRPr lang="en-CN" sz="1800" b="0" i="0" dirty="0">
               <a:solidFill>
-                <a:srgbClr val="D8C5B8"/>
+                <a:schemeClr val="accent6">
+                  <a:lumMod val="40000"/>
+                  <a:lumOff val="60000"/>
+                </a:schemeClr>
               </a:solidFill>
               <a:latin typeface="PingFang SC" panose="020B0400000000000000" pitchFamily="34" charset="-122"/>
               <a:ea typeface="PingFang SC" panose="020B0400000000000000" pitchFamily="34" charset="-122"/>
@@ -9936,7 +7803,7 @@
         </p:nvSpPr>
         <p:spPr>
           <a:xfrm>
-            <a:off x="7400080" y="4400388"/>
+            <a:off x="6968856" y="4400388"/>
             <a:ext cx="4543726" cy="662609"/>
           </a:xfrm>
           <a:prstGeom prst="rect">
@@ -9948,11 +7815,13 @@
           <a:lstStyle>
             <a:lvl1pPr marL="0" indent="0" algn="l">
               <a:buNone/>
-              <a:defRPr sz="2800" b="0" i="0">
-                <a:solidFill>
-                  <a:srgbClr val="4B0707"/>
-                </a:solidFill>
-                <a:latin typeface="Roboto Medium" pitchFamily="2" charset="0"/>
+              <a:defRPr sz="2800" b="1" i="0">
+                <a:solidFill>
+                  <a:schemeClr val="accent1">
+                    <a:lumMod val="75000"/>
+                  </a:schemeClr>
+                </a:solidFill>
+                <a:latin typeface="+mj-lt"/>
                 <a:ea typeface="Roboto Medium" pitchFamily="2" charset="0"/>
                 <a:cs typeface="Helvetica Neue" panose="02000503000000020004" pitchFamily="2" charset="0"/>
               </a:defRPr>
@@ -10034,7 +7903,7 @@
         </p:nvSpPr>
         <p:spPr>
           <a:xfrm>
-            <a:off x="7387558" y="5204251"/>
+            <a:off x="6956334" y="5204251"/>
             <a:ext cx="2671314" cy="369332"/>
           </a:xfrm>
           <a:prstGeom prst="rect">
@@ -10052,7 +7921,10 @@
             <a:r>
               <a:rPr lang="zh-CN" altLang="en-US" sz="1800" b="0" i="0" dirty="0">
                 <a:solidFill>
-                  <a:srgbClr val="D8C5B8"/>
+                  <a:schemeClr val="accent6">
+                    <a:lumMod val="40000"/>
+                    <a:lumOff val="60000"/>
+                  </a:schemeClr>
                 </a:solidFill>
                 <a:latin typeface="PingFang SC" panose="020B0400000000000000" pitchFamily="34" charset="-122"/>
                 <a:ea typeface="PingFang SC" panose="020B0400000000000000" pitchFamily="34" charset="-122"/>
@@ -10061,7 +7933,10 @@
             </a:r>
             <a:endParaRPr lang="en-CN" sz="1800" b="0" i="0" dirty="0">
               <a:solidFill>
-                <a:srgbClr val="D8C5B8"/>
+                <a:schemeClr val="accent6">
+                  <a:lumMod val="40000"/>
+                  <a:lumOff val="60000"/>
+                </a:schemeClr>
               </a:solidFill>
               <a:latin typeface="PingFang SC" panose="020B0400000000000000" pitchFamily="34" charset="-122"/>
               <a:ea typeface="PingFang SC" panose="020B0400000000000000" pitchFamily="34" charset="-122"/>
@@ -10082,7 +7957,7 @@
 </p:sldLayout>
 </file>
 
-<file path=ppt/slideLayouts/slideLayout9.xml><?xml version="1.0" encoding="utf-8"?>
+<file path=ppt/slideLayouts/slideLayout8.xml><?xml version="1.0" encoding="utf-8"?>
 <p:sldLayout xmlns:a="http://schemas.openxmlformats.org/drawingml/2006/main" xmlns:r="http://schemas.openxmlformats.org/officeDocument/2006/relationships" xmlns:p="http://schemas.openxmlformats.org/presentationml/2006/main" preserve="1" userDrawn="1">
   <p:cSld name="Adj with extension B">
     <p:spTree>
@@ -10101,10 +7976,10 @@
       </p:grpSpPr>
       <p:pic>
         <p:nvPicPr>
-          <p:cNvPr id="22" name="Picture 21">
+          <p:cNvPr id="12" name="Picture 11">
             <a:extLst>
               <a:ext uri="{FF2B5EF4-FFF2-40B4-BE49-F238E27FC236}">
-                <a16:creationId xmlns:a16="http://schemas.microsoft.com/office/drawing/2014/main" id="{F34D071D-C22F-9D42-8D15-EDBB11327A41}"/>
+                <a16:creationId xmlns:a16="http://schemas.microsoft.com/office/drawing/2014/main" id="{CC306BB2-FD00-C24D-8440-A70DA80FC33E}"/>
               </a:ext>
             </a:extLst>
           </p:cNvPr>
@@ -10121,8 +7996,8 @@
         </p:blipFill>
         <p:spPr>
           <a:xfrm>
-            <a:off x="0" y="0"/>
-            <a:ext cx="12192000" cy="6858000"/>
+            <a:off x="-2" y="3868"/>
+            <a:ext cx="12192001" cy="6858001"/>
           </a:xfrm>
           <a:prstGeom prst="rect">
             <a:avLst/>
@@ -10143,7 +8018,7 @@
         </p:nvSpPr>
         <p:spPr>
           <a:xfrm>
-            <a:off x="5334317" y="769979"/>
+            <a:off x="5086684" y="769979"/>
             <a:ext cx="669600" cy="324000"/>
           </a:xfrm>
           <a:prstGeom prst="roundRect">
@@ -10212,7 +8087,7 @@
         </p:nvSpPr>
         <p:spPr>
           <a:xfrm>
-            <a:off x="5334318" y="762735"/>
+            <a:off x="5086685" y="762735"/>
             <a:ext cx="669599" cy="324000"/>
           </a:xfrm>
           <a:prstGeom prst="rect">
@@ -10224,11 +8099,13 @@
           <a:lstStyle>
             <a:lvl1pPr marL="0" indent="0" algn="ctr">
               <a:buNone/>
-              <a:defRPr sz="1400" b="0" i="0">
-                <a:solidFill>
-                  <a:srgbClr val="4B0707"/>
-                </a:solidFill>
-                <a:latin typeface="Roboto" pitchFamily="2" charset="0"/>
+              <a:defRPr sz="1400" b="1" i="0">
+                <a:solidFill>
+                  <a:schemeClr val="accent1">
+                    <a:lumMod val="75000"/>
+                  </a:schemeClr>
+                </a:solidFill>
+                <a:latin typeface="+mj-lt"/>
                 <a:ea typeface="Roboto" pitchFamily="2" charset="0"/>
               </a:defRPr>
             </a:lvl1pPr>
@@ -10292,7 +8169,7 @@
         </p:nvSpPr>
         <p:spPr>
           <a:xfrm>
-            <a:off x="339716" y="1225029"/>
+            <a:off x="0" y="1225029"/>
             <a:ext cx="5756284" cy="1300613"/>
           </a:xfrm>
           <a:prstGeom prst="rect">
@@ -10304,11 +8181,13 @@
           <a:lstStyle>
             <a:lvl1pPr marL="0" indent="0" algn="r">
               <a:buNone/>
-              <a:defRPr sz="5800" b="0" i="0">
-                <a:solidFill>
-                  <a:srgbClr val="4B0707"/>
-                </a:solidFill>
-                <a:latin typeface="Roboto Medium" pitchFamily="2" charset="0"/>
+              <a:defRPr sz="5800" b="1" i="0">
+                <a:solidFill>
+                  <a:schemeClr val="accent1">
+                    <a:lumMod val="75000"/>
+                  </a:schemeClr>
+                </a:solidFill>
+                <a:latin typeface="+mj-lt"/>
                 <a:ea typeface="Roboto Medium" pitchFamily="2" charset="0"/>
               </a:defRPr>
             </a:lvl1pPr>
@@ -10369,7 +8248,7 @@
         </p:nvSpPr>
         <p:spPr>
           <a:xfrm>
-            <a:off x="339716" y="2623523"/>
+            <a:off x="0" y="2623523"/>
             <a:ext cx="5756284" cy="3058247"/>
           </a:xfrm>
           <a:prstGeom prst="rect">
@@ -10383,9 +8262,11 @@
               <a:buNone/>
               <a:defRPr sz="2400" b="0" i="0">
                 <a:solidFill>
-                  <a:srgbClr val="4B0707"/>
-                </a:solidFill>
-                <a:latin typeface="PingFang SC Light" panose="020B0300000000000000" pitchFamily="34" charset="-122"/>
+                  <a:schemeClr val="accent1">
+                    <a:lumMod val="75000"/>
+                  </a:schemeClr>
+                </a:solidFill>
+                <a:latin typeface="+mj-lt"/>
                 <a:ea typeface="PingFang SC Light" panose="020B0300000000000000" pitchFamily="34" charset="-122"/>
               </a:defRPr>
             </a:lvl1pPr>
@@ -10501,7 +8382,7 @@
         </p:nvSpPr>
         <p:spPr>
           <a:xfrm>
-            <a:off x="6887496" y="2609760"/>
+            <a:off x="6435718" y="2609760"/>
             <a:ext cx="392681" cy="369332"/>
           </a:xfrm>
           <a:prstGeom prst="rect">
@@ -10519,7 +8400,10 @@
             <a:r>
               <a:rPr lang="en-US" altLang="zh-CN" sz="1800" b="0" i="0" dirty="0">
                 <a:solidFill>
-                  <a:srgbClr val="D8C5B8"/>
+                  <a:schemeClr val="accent6">
+                    <a:lumMod val="40000"/>
+                    <a:lumOff val="60000"/>
+                  </a:schemeClr>
                 </a:solidFill>
                 <a:latin typeface="Roboto Medium" pitchFamily="2" charset="0"/>
                 <a:ea typeface="Roboto Medium" pitchFamily="2" charset="0"/>
@@ -10528,7 +8412,10 @@
             </a:r>
             <a:endParaRPr lang="en-CN" sz="1800" b="0" i="0" dirty="0">
               <a:solidFill>
-                <a:srgbClr val="D8C5B8"/>
+                <a:schemeClr val="accent6">
+                  <a:lumMod val="40000"/>
+                  <a:lumOff val="60000"/>
+                </a:schemeClr>
               </a:solidFill>
               <a:latin typeface="Roboto Medium" pitchFamily="2" charset="0"/>
               <a:ea typeface="Roboto Medium" pitchFamily="2" charset="0"/>
@@ -10554,7 +8441,7 @@
         </p:nvSpPr>
         <p:spPr>
           <a:xfrm>
-            <a:off x="7400079" y="2463122"/>
+            <a:off x="6948301" y="2463122"/>
             <a:ext cx="4595977" cy="662609"/>
           </a:xfrm>
           <a:prstGeom prst="rect">
@@ -10568,9 +8455,11 @@
               <a:buNone/>
               <a:defRPr sz="2800" b="1" i="0">
                 <a:solidFill>
-                  <a:srgbClr val="4B0707"/>
-                </a:solidFill>
-                <a:latin typeface="Roboto" pitchFamily="2" charset="0"/>
+                  <a:schemeClr val="accent1">
+                    <a:lumMod val="75000"/>
+                  </a:schemeClr>
+                </a:solidFill>
+                <a:latin typeface="+mj-lt"/>
                 <a:ea typeface="Roboto" pitchFamily="2" charset="0"/>
                 <a:cs typeface="Helvetica Neue" panose="02000503000000020004" pitchFamily="2" charset="0"/>
               </a:defRPr>
@@ -10652,7 +8541,7 @@
         </p:nvSpPr>
         <p:spPr>
           <a:xfrm>
-            <a:off x="6887496" y="3324136"/>
+            <a:off x="6435718" y="3324136"/>
             <a:ext cx="392681" cy="369332"/>
           </a:xfrm>
           <a:prstGeom prst="rect">
@@ -10670,7 +8559,10 @@
             <a:r>
               <a:rPr lang="en-US" altLang="zh-CN" sz="1800" b="0" i="0" dirty="0">
                 <a:solidFill>
-                  <a:srgbClr val="D8C5B8"/>
+                  <a:schemeClr val="accent6">
+                    <a:lumMod val="40000"/>
+                    <a:lumOff val="60000"/>
+                  </a:schemeClr>
                 </a:solidFill>
                 <a:latin typeface="Roboto Medium" pitchFamily="2" charset="0"/>
                 <a:ea typeface="Roboto Medium" pitchFamily="2" charset="0"/>
@@ -10679,7 +8571,10 @@
             </a:r>
             <a:endParaRPr lang="en-CN" sz="1800" b="0" i="0" dirty="0">
               <a:solidFill>
-                <a:srgbClr val="D8C5B8"/>
+                <a:schemeClr val="accent6">
+                  <a:lumMod val="40000"/>
+                  <a:lumOff val="60000"/>
+                </a:schemeClr>
               </a:solidFill>
               <a:latin typeface="Roboto Medium" pitchFamily="2" charset="0"/>
               <a:ea typeface="Roboto Medium" pitchFamily="2" charset="0"/>
@@ -10705,7 +8600,7 @@
         </p:nvSpPr>
         <p:spPr>
           <a:xfrm>
-            <a:off x="7400079" y="3177498"/>
+            <a:off x="6948301" y="3177498"/>
             <a:ext cx="4595977" cy="662609"/>
           </a:xfrm>
           <a:prstGeom prst="rect">
@@ -10719,9 +8614,11 @@
               <a:buNone/>
               <a:defRPr sz="2800" b="1" i="0">
                 <a:solidFill>
-                  <a:srgbClr val="4B0707"/>
-                </a:solidFill>
-                <a:latin typeface="Roboto" pitchFamily="2" charset="0"/>
+                  <a:schemeClr val="accent1">
+                    <a:lumMod val="75000"/>
+                  </a:schemeClr>
+                </a:solidFill>
+                <a:latin typeface="+mj-lt"/>
                 <a:ea typeface="Roboto" pitchFamily="2" charset="0"/>
                 <a:cs typeface="Helvetica Neue" panose="02000503000000020004" pitchFamily="2" charset="0"/>
               </a:defRPr>
@@ -10793,6 +8690,1956 @@
     <p:extLst>
       <p:ext uri="{BB962C8B-B14F-4D97-AF65-F5344CB8AC3E}">
         <p14:creationId xmlns:p14="http://schemas.microsoft.com/office/powerpoint/2010/main" val="779848910"/>
+      </p:ext>
+    </p:extLst>
+  </p:cSld>
+  <p:clrMapOvr>
+    <a:masterClrMapping/>
+  </p:clrMapOvr>
+</p:sldLayout>
+</file>
+
+<file path=ppt/slideLayouts/slideLayout9.xml><?xml version="1.0" encoding="utf-8"?>
+<p:sldLayout xmlns:a="http://schemas.openxmlformats.org/drawingml/2006/main" xmlns:r="http://schemas.openxmlformats.org/officeDocument/2006/relationships" xmlns:p="http://schemas.openxmlformats.org/presentationml/2006/main" preserve="1" userDrawn="1">
+  <p:cSld name="Verb with extension A">
+    <p:spTree>
+      <p:nvGrpSpPr>
+        <p:cNvPr id="1" name=""/>
+        <p:cNvGrpSpPr/>
+        <p:nvPr/>
+      </p:nvGrpSpPr>
+      <p:grpSpPr>
+        <a:xfrm>
+          <a:off x="0" y="0"/>
+          <a:ext cx="0" cy="0"/>
+          <a:chOff x="0" y="0"/>
+          <a:chExt cx="0" cy="0"/>
+        </a:xfrm>
+      </p:grpSpPr>
+      <p:pic>
+        <p:nvPicPr>
+          <p:cNvPr id="24" name="Picture 23">
+            <a:extLst>
+              <a:ext uri="{FF2B5EF4-FFF2-40B4-BE49-F238E27FC236}">
+                <a16:creationId xmlns:a16="http://schemas.microsoft.com/office/drawing/2014/main" id="{68E2828F-4CAF-D04E-A482-FF7541523F3F}"/>
+              </a:ext>
+            </a:extLst>
+          </p:cNvPr>
+          <p:cNvPicPr>
+            <a:picLocks noChangeAspect="1"/>
+          </p:cNvPicPr>
+          <p:nvPr userDrawn="1"/>
+        </p:nvPicPr>
+        <p:blipFill>
+          <a:blip r:embed="rId2"/>
+          <a:stretch>
+            <a:fillRect/>
+          </a:stretch>
+        </p:blipFill>
+        <p:spPr>
+          <a:xfrm>
+            <a:off x="-2" y="3868"/>
+            <a:ext cx="12192001" cy="6858001"/>
+          </a:xfrm>
+          <a:prstGeom prst="rect">
+            <a:avLst/>
+          </a:prstGeom>
+        </p:spPr>
+      </p:pic>
+      <p:sp>
+        <p:nvSpPr>
+          <p:cNvPr id="27" name="Rounded Rectangle 26">
+            <a:extLst>
+              <a:ext uri="{FF2B5EF4-FFF2-40B4-BE49-F238E27FC236}">
+                <a16:creationId xmlns:a16="http://schemas.microsoft.com/office/drawing/2014/main" id="{356B0A39-DBB3-DB4A-9768-EC5BA32BEE37}"/>
+              </a:ext>
+            </a:extLst>
+          </p:cNvPr>
+          <p:cNvSpPr/>
+          <p:nvPr userDrawn="1"/>
+        </p:nvSpPr>
+        <p:spPr>
+          <a:xfrm>
+            <a:off x="5110905" y="1205573"/>
+            <a:ext cx="669600" cy="324000"/>
+          </a:xfrm>
+          <a:prstGeom prst="roundRect">
+            <a:avLst>
+              <a:gd name="adj" fmla="val 50000"/>
+            </a:avLst>
+          </a:prstGeom>
+          <a:solidFill>
+            <a:srgbClr val="FFF9F2"/>
+          </a:solidFill>
+          <a:ln w="12700">
+            <a:solidFill>
+              <a:srgbClr val="D8C5B8"/>
+            </a:solidFill>
+          </a:ln>
+        </p:spPr>
+        <p:style>
+          <a:lnRef idx="2">
+            <a:schemeClr val="accent1">
+              <a:shade val="50000"/>
+            </a:schemeClr>
+          </a:lnRef>
+          <a:fillRef idx="1">
+            <a:schemeClr val="accent1"/>
+          </a:fillRef>
+          <a:effectRef idx="0">
+            <a:schemeClr val="accent1"/>
+          </a:effectRef>
+          <a:fontRef idx="minor">
+            <a:schemeClr val="lt1"/>
+          </a:fontRef>
+        </p:style>
+        <p:txBody>
+          <a:bodyPr rtlCol="0" anchor="ctr"/>
+          <a:lstStyle/>
+          <a:p>
+            <a:pPr algn="ctr"/>
+            <a:endParaRPr lang="en-JP" sz="1200" dirty="0">
+              <a:solidFill>
+                <a:schemeClr val="tx1">
+                  <a:lumMod val="50000"/>
+                  <a:lumOff val="50000"/>
+                </a:schemeClr>
+              </a:solidFill>
+              <a:latin typeface="PingFang SC" panose="020B0400000000000000" pitchFamily="34" charset="-122"/>
+              <a:ea typeface="PingFang SC" panose="020B0400000000000000" pitchFamily="34" charset="-122"/>
+            </a:endParaRPr>
+          </a:p>
+        </p:txBody>
+      </p:sp>
+      <p:sp>
+        <p:nvSpPr>
+          <p:cNvPr id="28" name="Text Placeholder 6">
+            <a:extLst>
+              <a:ext uri="{FF2B5EF4-FFF2-40B4-BE49-F238E27FC236}">
+                <a16:creationId xmlns:a16="http://schemas.microsoft.com/office/drawing/2014/main" id="{EF136A3A-DFC8-0449-A14F-EDC5094A8186}"/>
+              </a:ext>
+            </a:extLst>
+          </p:cNvPr>
+          <p:cNvSpPr>
+            <a:spLocks noGrp="1"/>
+          </p:cNvSpPr>
+          <p:nvPr>
+            <p:ph type="body" sz="quarter" idx="10" hasCustomPrompt="1"/>
+          </p:nvPr>
+        </p:nvSpPr>
+        <p:spPr>
+          <a:xfrm>
+            <a:off x="5110906" y="1198329"/>
+            <a:ext cx="669599" cy="324000"/>
+          </a:xfrm>
+          <a:prstGeom prst="rect">
+            <a:avLst/>
+          </a:prstGeom>
+        </p:spPr>
+        <p:txBody>
+          <a:bodyPr anchor="ctr"/>
+          <a:lstStyle>
+            <a:lvl1pPr marL="0" indent="0" algn="ctr">
+              <a:buNone/>
+              <a:defRPr sz="1400" b="1" i="0">
+                <a:solidFill>
+                  <a:schemeClr val="accent1">
+                    <a:lumMod val="75000"/>
+                  </a:schemeClr>
+                </a:solidFill>
+                <a:latin typeface="+mj-lt"/>
+                <a:ea typeface="Roboto" pitchFamily="2" charset="0"/>
+              </a:defRPr>
+            </a:lvl1pPr>
+            <a:lvl2pPr marL="324000" indent="0">
+              <a:buNone/>
+              <a:defRPr sz="1200" b="0" i="0">
+                <a:latin typeface="PingFang SC Light" panose="020B0300000000000000" pitchFamily="34" charset="-122"/>
+                <a:ea typeface="PingFang SC Light" panose="020B0300000000000000" pitchFamily="34" charset="-122"/>
+              </a:defRPr>
+            </a:lvl2pPr>
+            <a:lvl3pPr marL="630000" indent="0">
+              <a:buNone/>
+              <a:defRPr sz="1200" b="0" i="0">
+                <a:latin typeface="PingFang SC Light" panose="020B0300000000000000" pitchFamily="34" charset="-122"/>
+                <a:ea typeface="PingFang SC Light" panose="020B0300000000000000" pitchFamily="34" charset="-122"/>
+              </a:defRPr>
+            </a:lvl3pPr>
+            <a:lvl4pPr marL="1008000" indent="0">
+              <a:buNone/>
+              <a:defRPr sz="1200" b="0" i="0">
+                <a:latin typeface="PingFang SC Light" panose="020B0300000000000000" pitchFamily="34" charset="-122"/>
+                <a:ea typeface="PingFang SC Light" panose="020B0300000000000000" pitchFamily="34" charset="-122"/>
+              </a:defRPr>
+            </a:lvl4pPr>
+            <a:lvl5pPr marL="1368000" indent="0">
+              <a:buNone/>
+              <a:defRPr sz="1200" b="0" i="0">
+                <a:latin typeface="PingFang SC Light" panose="020B0300000000000000" pitchFamily="34" charset="-122"/>
+                <a:ea typeface="PingFang SC Light" panose="020B0300000000000000" pitchFamily="34" charset="-122"/>
+              </a:defRPr>
+            </a:lvl5pPr>
+          </a:lstStyle>
+          <a:p>
+            <a:pPr lvl="0"/>
+            <a:r>
+              <a:rPr lang="en-US" altLang="zh-CN" dirty="0"/>
+              <a:t>pos</a:t>
+            </a:r>
+            <a:r>
+              <a:rPr lang="en-JP" dirty="0"/>
+              <a:t>.</a:t>
+            </a:r>
+          </a:p>
+        </p:txBody>
+      </p:sp>
+      <p:sp>
+        <p:nvSpPr>
+          <p:cNvPr id="29" name="Text Placeholder 6">
+            <a:extLst>
+              <a:ext uri="{FF2B5EF4-FFF2-40B4-BE49-F238E27FC236}">
+                <a16:creationId xmlns:a16="http://schemas.microsoft.com/office/drawing/2014/main" id="{030B175E-F833-7349-99E7-938B401DF2EF}"/>
+              </a:ext>
+            </a:extLst>
+          </p:cNvPr>
+          <p:cNvSpPr>
+            <a:spLocks noGrp="1"/>
+          </p:cNvSpPr>
+          <p:nvPr>
+            <p:ph type="body" sz="quarter" idx="11" hasCustomPrompt="1"/>
+          </p:nvPr>
+        </p:nvSpPr>
+        <p:spPr>
+          <a:xfrm>
+            <a:off x="24221" y="1656938"/>
+            <a:ext cx="5756284" cy="410271"/>
+          </a:xfrm>
+          <a:prstGeom prst="rect">
+            <a:avLst/>
+          </a:prstGeom>
+        </p:spPr>
+        <p:txBody>
+          <a:bodyPr anchor="ctr"/>
+          <a:lstStyle>
+            <a:lvl1pPr marL="0" indent="0" algn="r">
+              <a:buNone/>
+              <a:defRPr sz="2400" b="1" i="0">
+                <a:solidFill>
+                  <a:schemeClr val="accent1">
+                    <a:lumMod val="75000"/>
+                  </a:schemeClr>
+                </a:solidFill>
+                <a:latin typeface="+mj-lt"/>
+                <a:ea typeface="Roboto Medium" pitchFamily="2" charset="0"/>
+              </a:defRPr>
+            </a:lvl1pPr>
+            <a:lvl2pPr marL="324000" indent="0">
+              <a:buNone/>
+              <a:defRPr sz="1200" b="0" i="0">
+                <a:latin typeface="PingFang SC Light" panose="020B0300000000000000" pitchFamily="34" charset="-122"/>
+                <a:ea typeface="PingFang SC Light" panose="020B0300000000000000" pitchFamily="34" charset="-122"/>
+              </a:defRPr>
+            </a:lvl2pPr>
+            <a:lvl3pPr marL="630000" indent="0">
+              <a:buNone/>
+              <a:defRPr sz="1200" b="0" i="0">
+                <a:latin typeface="PingFang SC Light" panose="020B0300000000000000" pitchFamily="34" charset="-122"/>
+                <a:ea typeface="PingFang SC Light" panose="020B0300000000000000" pitchFamily="34" charset="-122"/>
+              </a:defRPr>
+            </a:lvl3pPr>
+            <a:lvl4pPr marL="1008000" indent="0">
+              <a:buNone/>
+              <a:defRPr sz="1200" b="0" i="0">
+                <a:latin typeface="PingFang SC Light" panose="020B0300000000000000" pitchFamily="34" charset="-122"/>
+                <a:ea typeface="PingFang SC Light" panose="020B0300000000000000" pitchFamily="34" charset="-122"/>
+              </a:defRPr>
+            </a:lvl4pPr>
+            <a:lvl5pPr marL="1368000" indent="0">
+              <a:buNone/>
+              <a:defRPr sz="1200" b="0" i="0">
+                <a:latin typeface="PingFang SC Light" panose="020B0300000000000000" pitchFamily="34" charset="-122"/>
+                <a:ea typeface="PingFang SC Light" panose="020B0300000000000000" pitchFamily="34" charset="-122"/>
+              </a:defRPr>
+            </a:lvl5pPr>
+          </a:lstStyle>
+          <a:p>
+            <a:pPr lvl="0"/>
+            <a:r>
+              <a:rPr lang="en-US" altLang="zh-CN" dirty="0"/>
+              <a:t>verb</a:t>
+            </a:r>
+            <a:endParaRPr lang="en-JP" dirty="0"/>
+          </a:p>
+        </p:txBody>
+      </p:sp>
+      <p:sp>
+        <p:nvSpPr>
+          <p:cNvPr id="38" name="Text Placeholder 6">
+            <a:extLst>
+              <a:ext uri="{FF2B5EF4-FFF2-40B4-BE49-F238E27FC236}">
+                <a16:creationId xmlns:a16="http://schemas.microsoft.com/office/drawing/2014/main" id="{FC23AD70-C21F-2D47-8286-79E21C55807A}"/>
+              </a:ext>
+            </a:extLst>
+          </p:cNvPr>
+          <p:cNvSpPr>
+            <a:spLocks noGrp="1"/>
+          </p:cNvSpPr>
+          <p:nvPr>
+            <p:ph type="body" sz="quarter" idx="12" hasCustomPrompt="1"/>
+          </p:nvPr>
+        </p:nvSpPr>
+        <p:spPr>
+          <a:xfrm>
+            <a:off x="24221" y="2165121"/>
+            <a:ext cx="5756284" cy="1133785"/>
+          </a:xfrm>
+          <a:prstGeom prst="rect">
+            <a:avLst/>
+          </a:prstGeom>
+        </p:spPr>
+        <p:txBody>
+          <a:bodyPr anchor="ctr"/>
+          <a:lstStyle>
+            <a:lvl1pPr marL="0" indent="0" algn="r">
+              <a:buNone/>
+              <a:defRPr sz="5800" b="1" i="0">
+                <a:solidFill>
+                  <a:schemeClr val="accent1">
+                    <a:lumMod val="75000"/>
+                  </a:schemeClr>
+                </a:solidFill>
+                <a:latin typeface="+mj-lt"/>
+                <a:ea typeface="Roboto Medium" pitchFamily="2" charset="0"/>
+              </a:defRPr>
+            </a:lvl1pPr>
+            <a:lvl2pPr marL="324000" indent="0">
+              <a:buNone/>
+              <a:defRPr sz="1200" b="0" i="0">
+                <a:latin typeface="PingFang SC Light" panose="020B0300000000000000" pitchFamily="34" charset="-122"/>
+                <a:ea typeface="PingFang SC Light" panose="020B0300000000000000" pitchFamily="34" charset="-122"/>
+              </a:defRPr>
+            </a:lvl2pPr>
+            <a:lvl3pPr marL="630000" indent="0">
+              <a:buNone/>
+              <a:defRPr sz="1200" b="0" i="0">
+                <a:latin typeface="PingFang SC Light" panose="020B0300000000000000" pitchFamily="34" charset="-122"/>
+                <a:ea typeface="PingFang SC Light" panose="020B0300000000000000" pitchFamily="34" charset="-122"/>
+              </a:defRPr>
+            </a:lvl3pPr>
+            <a:lvl4pPr marL="1008000" indent="0">
+              <a:buNone/>
+              <a:defRPr sz="1200" b="0" i="0">
+                <a:latin typeface="PingFang SC Light" panose="020B0300000000000000" pitchFamily="34" charset="-122"/>
+                <a:ea typeface="PingFang SC Light" panose="020B0300000000000000" pitchFamily="34" charset="-122"/>
+              </a:defRPr>
+            </a:lvl4pPr>
+            <a:lvl5pPr marL="1368000" indent="0">
+              <a:buNone/>
+              <a:defRPr sz="1200" b="0" i="0">
+                <a:latin typeface="PingFang SC Light" panose="020B0300000000000000" pitchFamily="34" charset="-122"/>
+                <a:ea typeface="PingFang SC Light" panose="020B0300000000000000" pitchFamily="34" charset="-122"/>
+              </a:defRPr>
+            </a:lvl5pPr>
+          </a:lstStyle>
+          <a:p>
+            <a:pPr lvl="0"/>
+            <a:r>
+              <a:rPr lang="en-US" altLang="zh-CN" dirty="0"/>
+              <a:t>verb</a:t>
+            </a:r>
+            <a:endParaRPr lang="en-JP" dirty="0"/>
+          </a:p>
+        </p:txBody>
+      </p:sp>
+      <p:sp>
+        <p:nvSpPr>
+          <p:cNvPr id="39" name="Text Placeholder 6">
+            <a:extLst>
+              <a:ext uri="{FF2B5EF4-FFF2-40B4-BE49-F238E27FC236}">
+                <a16:creationId xmlns:a16="http://schemas.microsoft.com/office/drawing/2014/main" id="{DB3A96E7-0AF8-A440-BE27-23B5D7B2DE3A}"/>
+              </a:ext>
+            </a:extLst>
+          </p:cNvPr>
+          <p:cNvSpPr>
+            <a:spLocks noGrp="1"/>
+          </p:cNvSpPr>
+          <p:nvPr>
+            <p:ph type="body" sz="quarter" idx="13" hasCustomPrompt="1"/>
+          </p:nvPr>
+        </p:nvSpPr>
+        <p:spPr>
+          <a:xfrm>
+            <a:off x="24221" y="3462134"/>
+            <a:ext cx="5756284" cy="2022179"/>
+          </a:xfrm>
+          <a:prstGeom prst="rect">
+            <a:avLst/>
+          </a:prstGeom>
+        </p:spPr>
+        <p:txBody>
+          <a:bodyPr anchor="t"/>
+          <a:lstStyle>
+            <a:lvl1pPr marL="0" indent="0" algn="r">
+              <a:buNone/>
+              <a:defRPr sz="2400" b="0" i="0">
+                <a:solidFill>
+                  <a:schemeClr val="accent1">
+                    <a:lumMod val="75000"/>
+                  </a:schemeClr>
+                </a:solidFill>
+                <a:latin typeface="+mj-lt"/>
+                <a:ea typeface="PingFang SC Light" panose="020B0300000000000000" pitchFamily="34" charset="-122"/>
+              </a:defRPr>
+            </a:lvl1pPr>
+            <a:lvl2pPr marL="324000" indent="0">
+              <a:buNone/>
+              <a:defRPr sz="1200" b="0" i="0">
+                <a:latin typeface="PingFang SC Light" panose="020B0300000000000000" pitchFamily="34" charset="-122"/>
+                <a:ea typeface="PingFang SC Light" panose="020B0300000000000000" pitchFamily="34" charset="-122"/>
+              </a:defRPr>
+            </a:lvl2pPr>
+            <a:lvl3pPr marL="630000" indent="0">
+              <a:buNone/>
+              <a:defRPr sz="1200" b="0" i="0">
+                <a:latin typeface="PingFang SC Light" panose="020B0300000000000000" pitchFamily="34" charset="-122"/>
+                <a:ea typeface="PingFang SC Light" panose="020B0300000000000000" pitchFamily="34" charset="-122"/>
+              </a:defRPr>
+            </a:lvl3pPr>
+            <a:lvl4pPr marL="1008000" indent="0">
+              <a:buNone/>
+              <a:defRPr sz="1200" b="0" i="0">
+                <a:latin typeface="PingFang SC Light" panose="020B0300000000000000" pitchFamily="34" charset="-122"/>
+                <a:ea typeface="PingFang SC Light" panose="020B0300000000000000" pitchFamily="34" charset="-122"/>
+              </a:defRPr>
+            </a:lvl4pPr>
+            <a:lvl5pPr marL="1368000" indent="0">
+              <a:buNone/>
+              <a:defRPr sz="1200" b="0" i="0">
+                <a:latin typeface="PingFang SC Light" panose="020B0300000000000000" pitchFamily="34" charset="-122"/>
+                <a:ea typeface="PingFang SC Light" panose="020B0300000000000000" pitchFamily="34" charset="-122"/>
+              </a:defRPr>
+            </a:lvl5pPr>
+          </a:lstStyle>
+          <a:p>
+            <a:pPr lvl="0"/>
+            <a:r>
+              <a:rPr lang="zh-CN" altLang="en-JP" dirty="0"/>
+              <a:t>翻译</a:t>
+            </a:r>
+            <a:r>
+              <a:rPr lang="en-US" altLang="zh-CN" dirty="0"/>
+              <a:t>1</a:t>
+            </a:r>
+          </a:p>
+          <a:p>
+            <a:pPr lvl="0"/>
+            <a:r>
+              <a:rPr lang="zh-CN" altLang="en-US" dirty="0"/>
+              <a:t>翻译</a:t>
+            </a:r>
+            <a:r>
+              <a:rPr lang="en-US" altLang="zh-CN" dirty="0"/>
+              <a:t>2</a:t>
+            </a:r>
+          </a:p>
+          <a:p>
+            <a:pPr lvl="0"/>
+            <a:r>
+              <a:rPr lang="zh-CN" altLang="en-US" dirty="0"/>
+              <a:t>翻译</a:t>
+            </a:r>
+            <a:r>
+              <a:rPr lang="en-US" altLang="zh-CN" dirty="0"/>
+              <a:t>3</a:t>
+            </a:r>
+          </a:p>
+          <a:p>
+            <a:pPr lvl="0"/>
+            <a:r>
+              <a:rPr lang="zh-CN" altLang="en-US" dirty="0"/>
+              <a:t>翻译</a:t>
+            </a:r>
+            <a:r>
+              <a:rPr lang="en-US" altLang="zh-CN" dirty="0"/>
+              <a:t>4</a:t>
+            </a:r>
+          </a:p>
+        </p:txBody>
+      </p:sp>
+      <p:sp>
+        <p:nvSpPr>
+          <p:cNvPr id="40" name="TextBox 39">
+            <a:extLst>
+              <a:ext uri="{FF2B5EF4-FFF2-40B4-BE49-F238E27FC236}">
+                <a16:creationId xmlns:a16="http://schemas.microsoft.com/office/drawing/2014/main" id="{9798949B-6646-C944-88DD-4397EA726AEF}"/>
+              </a:ext>
+            </a:extLst>
+          </p:cNvPr>
+          <p:cNvSpPr txBox="1"/>
+          <p:nvPr userDrawn="1"/>
+        </p:nvSpPr>
+        <p:spPr>
+          <a:xfrm>
+            <a:off x="6818466" y="1027480"/>
+            <a:ext cx="338491" cy="276999"/>
+          </a:xfrm>
+          <a:prstGeom prst="rect">
+            <a:avLst/>
+          </a:prstGeom>
+          <a:noFill/>
+        </p:spPr>
+        <p:txBody>
+          <a:bodyPr wrap="none" rtlCol="0">
+            <a:spAutoFit/>
+          </a:bodyPr>
+          <a:lstStyle/>
+          <a:p>
+            <a:pPr algn="r"/>
+            <a:r>
+              <a:rPr lang="en-CN" sz="1200" b="1" i="0" dirty="0">
+                <a:solidFill>
+                  <a:schemeClr val="accent5">
+                    <a:lumMod val="60000"/>
+                    <a:lumOff val="40000"/>
+                  </a:schemeClr>
+                </a:solidFill>
+                <a:latin typeface="+mj-lt"/>
+                <a:ea typeface="Roboto" pitchFamily="2" charset="0"/>
+              </a:rPr>
+              <a:t>yo</a:t>
+            </a:r>
+          </a:p>
+        </p:txBody>
+      </p:sp>
+      <p:sp>
+        <p:nvSpPr>
+          <p:cNvPr id="41" name="Text Placeholder 6">
+            <a:extLst>
+              <a:ext uri="{FF2B5EF4-FFF2-40B4-BE49-F238E27FC236}">
+                <a16:creationId xmlns:a16="http://schemas.microsoft.com/office/drawing/2014/main" id="{6BF1ED9F-A6FE-124C-9E0A-DDBCF2D42D24}"/>
+              </a:ext>
+            </a:extLst>
+          </p:cNvPr>
+          <p:cNvSpPr>
+            <a:spLocks noGrp="1"/>
+          </p:cNvSpPr>
+          <p:nvPr>
+            <p:ph type="body" sz="quarter" idx="14" hasCustomPrompt="1"/>
+          </p:nvPr>
+        </p:nvSpPr>
+        <p:spPr>
+          <a:xfrm>
+            <a:off x="7279045" y="769979"/>
+            <a:ext cx="4323805" cy="792000"/>
+          </a:xfrm>
+          <a:prstGeom prst="rect">
+            <a:avLst/>
+          </a:prstGeom>
+        </p:spPr>
+        <p:txBody>
+          <a:bodyPr vert="horz" anchor="ctr"/>
+          <a:lstStyle>
+            <a:lvl1pPr marL="0" indent="0" algn="l">
+              <a:buNone/>
+              <a:defRPr sz="2400" b="1" i="0">
+                <a:solidFill>
+                  <a:schemeClr val="accent1">
+                    <a:lumMod val="75000"/>
+                  </a:schemeClr>
+                </a:solidFill>
+                <a:latin typeface="+mj-lt"/>
+                <a:ea typeface="Roboto Medium" pitchFamily="2" charset="0"/>
+                <a:cs typeface="Helvetica Neue" panose="02000503000000020004" pitchFamily="2" charset="0"/>
+              </a:defRPr>
+            </a:lvl1pPr>
+            <a:lvl2pPr>
+              <a:defRPr>
+                <a:solidFill>
+                  <a:schemeClr val="tx1">
+                    <a:lumMod val="95000"/>
+                    <a:lumOff val="5000"/>
+                  </a:schemeClr>
+                </a:solidFill>
+                <a:latin typeface="Helvetica Neue" panose="02000503000000020004" pitchFamily="2" charset="0"/>
+                <a:ea typeface="Helvetica Neue" panose="02000503000000020004" pitchFamily="2" charset="0"/>
+                <a:cs typeface="Helvetica Neue" panose="02000503000000020004" pitchFamily="2" charset="0"/>
+              </a:defRPr>
+            </a:lvl2pPr>
+            <a:lvl3pPr>
+              <a:defRPr>
+                <a:solidFill>
+                  <a:schemeClr val="tx1">
+                    <a:lumMod val="95000"/>
+                    <a:lumOff val="5000"/>
+                  </a:schemeClr>
+                </a:solidFill>
+                <a:latin typeface="Helvetica Neue" panose="02000503000000020004" pitchFamily="2" charset="0"/>
+                <a:ea typeface="Helvetica Neue" panose="02000503000000020004" pitchFamily="2" charset="0"/>
+                <a:cs typeface="Helvetica Neue" panose="02000503000000020004" pitchFamily="2" charset="0"/>
+              </a:defRPr>
+            </a:lvl3pPr>
+            <a:lvl4pPr>
+              <a:defRPr>
+                <a:solidFill>
+                  <a:schemeClr val="tx1">
+                    <a:lumMod val="95000"/>
+                    <a:lumOff val="5000"/>
+                  </a:schemeClr>
+                </a:solidFill>
+                <a:latin typeface="Helvetica Neue" panose="02000503000000020004" pitchFamily="2" charset="0"/>
+                <a:ea typeface="Helvetica Neue" panose="02000503000000020004" pitchFamily="2" charset="0"/>
+                <a:cs typeface="Helvetica Neue" panose="02000503000000020004" pitchFamily="2" charset="0"/>
+              </a:defRPr>
+            </a:lvl4pPr>
+            <a:lvl5pPr>
+              <a:defRPr>
+                <a:solidFill>
+                  <a:schemeClr val="tx1">
+                    <a:lumMod val="95000"/>
+                    <a:lumOff val="5000"/>
+                  </a:schemeClr>
+                </a:solidFill>
+                <a:latin typeface="Helvetica Neue" panose="02000503000000020004" pitchFamily="2" charset="0"/>
+                <a:ea typeface="Helvetica Neue" panose="02000503000000020004" pitchFamily="2" charset="0"/>
+                <a:cs typeface="Helvetica Neue" panose="02000503000000020004" pitchFamily="2" charset="0"/>
+              </a:defRPr>
+            </a:lvl5pPr>
+          </a:lstStyle>
+          <a:p>
+            <a:pPr lvl="0"/>
+            <a:r>
+              <a:rPr lang="en-US" altLang="zh-CN" dirty="0"/>
+              <a:t>v</a:t>
+            </a:r>
+            <a:r>
+              <a:rPr lang="en-CN" altLang="zh-CN"/>
+              <a:t>erb</a:t>
+            </a:r>
+            <a:endParaRPr lang="en-US" dirty="0"/>
+          </a:p>
+        </p:txBody>
+      </p:sp>
+      <p:sp>
+        <p:nvSpPr>
+          <p:cNvPr id="42" name="TextBox 41">
+            <a:extLst>
+              <a:ext uri="{FF2B5EF4-FFF2-40B4-BE49-F238E27FC236}">
+                <a16:creationId xmlns:a16="http://schemas.microsoft.com/office/drawing/2014/main" id="{8F050222-FE2D-4349-8883-E77284C17761}"/>
+              </a:ext>
+            </a:extLst>
+          </p:cNvPr>
+          <p:cNvSpPr txBox="1"/>
+          <p:nvPr userDrawn="1"/>
+        </p:nvSpPr>
+        <p:spPr>
+          <a:xfrm>
+            <a:off x="6832829" y="1824315"/>
+            <a:ext cx="324128" cy="276999"/>
+          </a:xfrm>
+          <a:prstGeom prst="rect">
+            <a:avLst/>
+          </a:prstGeom>
+          <a:noFill/>
+        </p:spPr>
+        <p:txBody>
+          <a:bodyPr wrap="none" rtlCol="0">
+            <a:spAutoFit/>
+          </a:bodyPr>
+          <a:lstStyle/>
+          <a:p>
+            <a:pPr algn="r"/>
+            <a:r>
+              <a:rPr lang="en-US" sz="1200" b="1" i="0" kern="1200" dirty="0" err="1">
+                <a:solidFill>
+                  <a:schemeClr val="accent5">
+                    <a:lumMod val="60000"/>
+                    <a:lumOff val="40000"/>
+                  </a:schemeClr>
+                </a:solidFill>
+                <a:effectLst/>
+                <a:latin typeface="+mj-lt"/>
+                <a:ea typeface="Roboto" pitchFamily="2" charset="0"/>
+                <a:cs typeface="Helvetica Neue" panose="02000503000000020004" pitchFamily="2" charset="0"/>
+              </a:rPr>
+              <a:t>tú</a:t>
+            </a:r>
+            <a:endParaRPr lang="en-CN" sz="1200" b="1" i="0" dirty="0">
+              <a:solidFill>
+                <a:schemeClr val="accent5">
+                  <a:lumMod val="60000"/>
+                  <a:lumOff val="40000"/>
+                </a:schemeClr>
+              </a:solidFill>
+              <a:latin typeface="+mj-lt"/>
+              <a:ea typeface="Roboto" pitchFamily="2" charset="0"/>
+              <a:cs typeface="Helvetica Neue" panose="02000503000000020004" pitchFamily="2" charset="0"/>
+            </a:endParaRPr>
+          </a:p>
+        </p:txBody>
+      </p:sp>
+      <p:sp>
+        <p:nvSpPr>
+          <p:cNvPr id="43" name="Text Placeholder 6">
+            <a:extLst>
+              <a:ext uri="{FF2B5EF4-FFF2-40B4-BE49-F238E27FC236}">
+                <a16:creationId xmlns:a16="http://schemas.microsoft.com/office/drawing/2014/main" id="{3EDA47DF-8576-E045-AD46-39DD9A715A5C}"/>
+              </a:ext>
+            </a:extLst>
+          </p:cNvPr>
+          <p:cNvSpPr>
+            <a:spLocks noGrp="1"/>
+          </p:cNvSpPr>
+          <p:nvPr>
+            <p:ph type="body" sz="quarter" idx="15" hasCustomPrompt="1"/>
+          </p:nvPr>
+        </p:nvSpPr>
+        <p:spPr>
+          <a:xfrm>
+            <a:off x="7279045" y="1566814"/>
+            <a:ext cx="4323805" cy="792000"/>
+          </a:xfrm>
+          <a:prstGeom prst="rect">
+            <a:avLst/>
+          </a:prstGeom>
+        </p:spPr>
+        <p:txBody>
+          <a:bodyPr vert="horz" anchor="ctr"/>
+          <a:lstStyle>
+            <a:lvl1pPr marL="0" indent="0" algn="l">
+              <a:buNone/>
+              <a:defRPr sz="2400" b="1" i="0">
+                <a:solidFill>
+                  <a:schemeClr val="accent1">
+                    <a:lumMod val="75000"/>
+                  </a:schemeClr>
+                </a:solidFill>
+                <a:latin typeface="+mj-lt"/>
+                <a:ea typeface="Roboto Medium" pitchFamily="2" charset="0"/>
+                <a:cs typeface="Helvetica Neue" panose="02000503000000020004" pitchFamily="2" charset="0"/>
+              </a:defRPr>
+            </a:lvl1pPr>
+            <a:lvl2pPr>
+              <a:defRPr>
+                <a:solidFill>
+                  <a:schemeClr val="tx1">
+                    <a:lumMod val="95000"/>
+                    <a:lumOff val="5000"/>
+                  </a:schemeClr>
+                </a:solidFill>
+                <a:latin typeface="Helvetica Neue" panose="02000503000000020004" pitchFamily="2" charset="0"/>
+                <a:ea typeface="Helvetica Neue" panose="02000503000000020004" pitchFamily="2" charset="0"/>
+                <a:cs typeface="Helvetica Neue" panose="02000503000000020004" pitchFamily="2" charset="0"/>
+              </a:defRPr>
+            </a:lvl2pPr>
+            <a:lvl3pPr>
+              <a:defRPr>
+                <a:solidFill>
+                  <a:schemeClr val="tx1">
+                    <a:lumMod val="95000"/>
+                    <a:lumOff val="5000"/>
+                  </a:schemeClr>
+                </a:solidFill>
+                <a:latin typeface="Helvetica Neue" panose="02000503000000020004" pitchFamily="2" charset="0"/>
+                <a:ea typeface="Helvetica Neue" panose="02000503000000020004" pitchFamily="2" charset="0"/>
+                <a:cs typeface="Helvetica Neue" panose="02000503000000020004" pitchFamily="2" charset="0"/>
+              </a:defRPr>
+            </a:lvl3pPr>
+            <a:lvl4pPr>
+              <a:defRPr>
+                <a:solidFill>
+                  <a:schemeClr val="tx1">
+                    <a:lumMod val="95000"/>
+                    <a:lumOff val="5000"/>
+                  </a:schemeClr>
+                </a:solidFill>
+                <a:latin typeface="Helvetica Neue" panose="02000503000000020004" pitchFamily="2" charset="0"/>
+                <a:ea typeface="Helvetica Neue" panose="02000503000000020004" pitchFamily="2" charset="0"/>
+                <a:cs typeface="Helvetica Neue" panose="02000503000000020004" pitchFamily="2" charset="0"/>
+              </a:defRPr>
+            </a:lvl4pPr>
+            <a:lvl5pPr>
+              <a:defRPr>
+                <a:solidFill>
+                  <a:schemeClr val="tx1">
+                    <a:lumMod val="95000"/>
+                    <a:lumOff val="5000"/>
+                  </a:schemeClr>
+                </a:solidFill>
+                <a:latin typeface="Helvetica Neue" panose="02000503000000020004" pitchFamily="2" charset="0"/>
+                <a:ea typeface="Helvetica Neue" panose="02000503000000020004" pitchFamily="2" charset="0"/>
+                <a:cs typeface="Helvetica Neue" panose="02000503000000020004" pitchFamily="2" charset="0"/>
+              </a:defRPr>
+            </a:lvl5pPr>
+          </a:lstStyle>
+          <a:p>
+            <a:pPr lvl="0"/>
+            <a:r>
+              <a:rPr lang="en-US" altLang="zh-CN" dirty="0"/>
+              <a:t>v</a:t>
+            </a:r>
+            <a:r>
+              <a:rPr lang="en-CN" altLang="zh-CN"/>
+              <a:t>erb</a:t>
+            </a:r>
+            <a:endParaRPr lang="en-US" dirty="0"/>
+          </a:p>
+        </p:txBody>
+      </p:sp>
+      <p:sp>
+        <p:nvSpPr>
+          <p:cNvPr id="44" name="TextBox 43">
+            <a:extLst>
+              <a:ext uri="{FF2B5EF4-FFF2-40B4-BE49-F238E27FC236}">
+                <a16:creationId xmlns:a16="http://schemas.microsoft.com/office/drawing/2014/main" id="{5B2AAED3-7285-A74A-82DD-1944933A2CAB}"/>
+              </a:ext>
+            </a:extLst>
+          </p:cNvPr>
+          <p:cNvSpPr txBox="1"/>
+          <p:nvPr userDrawn="1"/>
+        </p:nvSpPr>
+        <p:spPr>
+          <a:xfrm>
+            <a:off x="6618412" y="2487822"/>
+            <a:ext cx="538545" cy="646331"/>
+          </a:xfrm>
+          <a:prstGeom prst="rect">
+            <a:avLst/>
+          </a:prstGeom>
+          <a:noFill/>
+        </p:spPr>
+        <p:txBody>
+          <a:bodyPr wrap="none" rtlCol="0">
+            <a:spAutoFit/>
+          </a:bodyPr>
+          <a:lstStyle/>
+          <a:p>
+            <a:pPr algn="r">
+              <a:lnSpc>
+                <a:spcPct val="100000"/>
+              </a:lnSpc>
+            </a:pPr>
+            <a:r>
+              <a:rPr lang="en-US" sz="1200" b="1" i="0" kern="1200" dirty="0" err="1">
+                <a:solidFill>
+                  <a:schemeClr val="accent5">
+                    <a:lumMod val="60000"/>
+                    <a:lumOff val="40000"/>
+                  </a:schemeClr>
+                </a:solidFill>
+                <a:effectLst/>
+                <a:latin typeface="+mj-lt"/>
+                <a:ea typeface="Roboto" pitchFamily="2" charset="0"/>
+                <a:cs typeface="Helvetica Neue" panose="02000503000000020004" pitchFamily="2" charset="0"/>
+              </a:rPr>
+              <a:t>él</a:t>
+            </a:r>
+            <a:endParaRPr lang="en-US" sz="1200" b="1" i="0" kern="1200" dirty="0">
+              <a:solidFill>
+                <a:schemeClr val="accent5">
+                  <a:lumMod val="60000"/>
+                  <a:lumOff val="40000"/>
+                </a:schemeClr>
+              </a:solidFill>
+              <a:effectLst/>
+              <a:latin typeface="+mj-lt"/>
+              <a:ea typeface="Roboto" pitchFamily="2" charset="0"/>
+              <a:cs typeface="Helvetica Neue" panose="02000503000000020004" pitchFamily="2" charset="0"/>
+            </a:endParaRPr>
+          </a:p>
+          <a:p>
+            <a:pPr algn="r">
+              <a:lnSpc>
+                <a:spcPct val="100000"/>
+              </a:lnSpc>
+            </a:pPr>
+            <a:r>
+              <a:rPr lang="en-US" sz="1200" b="1" i="0" kern="1200" dirty="0" err="1">
+                <a:solidFill>
+                  <a:schemeClr val="accent5">
+                    <a:lumMod val="60000"/>
+                    <a:lumOff val="40000"/>
+                  </a:schemeClr>
+                </a:solidFill>
+                <a:effectLst/>
+                <a:latin typeface="+mj-lt"/>
+                <a:ea typeface="Roboto" pitchFamily="2" charset="0"/>
+                <a:cs typeface="Helvetica Neue" panose="02000503000000020004" pitchFamily="2" charset="0"/>
+              </a:rPr>
+              <a:t>ella</a:t>
+            </a:r>
+            <a:endParaRPr lang="en-US" sz="1200" b="1" i="0" kern="1200" dirty="0">
+              <a:solidFill>
+                <a:schemeClr val="accent5">
+                  <a:lumMod val="60000"/>
+                  <a:lumOff val="40000"/>
+                </a:schemeClr>
+              </a:solidFill>
+              <a:effectLst/>
+              <a:latin typeface="+mj-lt"/>
+              <a:ea typeface="Roboto" pitchFamily="2" charset="0"/>
+              <a:cs typeface="Helvetica Neue" panose="02000503000000020004" pitchFamily="2" charset="0"/>
+            </a:endParaRPr>
+          </a:p>
+          <a:p>
+            <a:pPr algn="r">
+              <a:lnSpc>
+                <a:spcPct val="100000"/>
+              </a:lnSpc>
+            </a:pPr>
+            <a:r>
+              <a:rPr lang="en-US" altLang="zh-CN" sz="1200" b="1" i="0" kern="1200" dirty="0" err="1">
+                <a:solidFill>
+                  <a:schemeClr val="accent5">
+                    <a:lumMod val="60000"/>
+                    <a:lumOff val="40000"/>
+                  </a:schemeClr>
+                </a:solidFill>
+                <a:effectLst/>
+                <a:latin typeface="+mj-lt"/>
+                <a:ea typeface="Roboto" pitchFamily="2" charset="0"/>
+                <a:cs typeface="Helvetica Neue" panose="02000503000000020004" pitchFamily="2" charset="0"/>
+              </a:rPr>
+              <a:t>usted</a:t>
+            </a:r>
+            <a:endParaRPr lang="en-CN" sz="1200" b="1" i="0" dirty="0">
+              <a:solidFill>
+                <a:schemeClr val="accent5">
+                  <a:lumMod val="60000"/>
+                  <a:lumOff val="40000"/>
+                </a:schemeClr>
+              </a:solidFill>
+              <a:latin typeface="+mj-lt"/>
+              <a:ea typeface="Roboto" pitchFamily="2" charset="0"/>
+              <a:cs typeface="Helvetica Neue" panose="02000503000000020004" pitchFamily="2" charset="0"/>
+            </a:endParaRPr>
+          </a:p>
+        </p:txBody>
+      </p:sp>
+      <p:sp>
+        <p:nvSpPr>
+          <p:cNvPr id="45" name="Text Placeholder 6">
+            <a:extLst>
+              <a:ext uri="{FF2B5EF4-FFF2-40B4-BE49-F238E27FC236}">
+                <a16:creationId xmlns:a16="http://schemas.microsoft.com/office/drawing/2014/main" id="{BB7C725E-EE63-264E-A38B-F237622B8E4A}"/>
+              </a:ext>
+            </a:extLst>
+          </p:cNvPr>
+          <p:cNvSpPr>
+            <a:spLocks noGrp="1"/>
+          </p:cNvSpPr>
+          <p:nvPr>
+            <p:ph type="body" sz="quarter" idx="16" hasCustomPrompt="1"/>
+          </p:nvPr>
+        </p:nvSpPr>
+        <p:spPr>
+          <a:xfrm>
+            <a:off x="7279045" y="2363648"/>
+            <a:ext cx="4323805" cy="792000"/>
+          </a:xfrm>
+          <a:prstGeom prst="rect">
+            <a:avLst/>
+          </a:prstGeom>
+        </p:spPr>
+        <p:txBody>
+          <a:bodyPr vert="horz" anchor="ctr"/>
+          <a:lstStyle>
+            <a:lvl1pPr marL="0" indent="0" algn="l">
+              <a:buNone/>
+              <a:defRPr sz="2400" b="1" i="0">
+                <a:solidFill>
+                  <a:schemeClr val="accent1">
+                    <a:lumMod val="75000"/>
+                  </a:schemeClr>
+                </a:solidFill>
+                <a:latin typeface="+mj-lt"/>
+                <a:ea typeface="Roboto Medium" pitchFamily="2" charset="0"/>
+                <a:cs typeface="Helvetica Neue" panose="02000503000000020004" pitchFamily="2" charset="0"/>
+              </a:defRPr>
+            </a:lvl1pPr>
+            <a:lvl2pPr>
+              <a:defRPr>
+                <a:solidFill>
+                  <a:schemeClr val="tx1">
+                    <a:lumMod val="95000"/>
+                    <a:lumOff val="5000"/>
+                  </a:schemeClr>
+                </a:solidFill>
+                <a:latin typeface="Helvetica Neue" panose="02000503000000020004" pitchFamily="2" charset="0"/>
+                <a:ea typeface="Helvetica Neue" panose="02000503000000020004" pitchFamily="2" charset="0"/>
+                <a:cs typeface="Helvetica Neue" panose="02000503000000020004" pitchFamily="2" charset="0"/>
+              </a:defRPr>
+            </a:lvl2pPr>
+            <a:lvl3pPr>
+              <a:defRPr>
+                <a:solidFill>
+                  <a:schemeClr val="tx1">
+                    <a:lumMod val="95000"/>
+                    <a:lumOff val="5000"/>
+                  </a:schemeClr>
+                </a:solidFill>
+                <a:latin typeface="Helvetica Neue" panose="02000503000000020004" pitchFamily="2" charset="0"/>
+                <a:ea typeface="Helvetica Neue" panose="02000503000000020004" pitchFamily="2" charset="0"/>
+                <a:cs typeface="Helvetica Neue" panose="02000503000000020004" pitchFamily="2" charset="0"/>
+              </a:defRPr>
+            </a:lvl3pPr>
+            <a:lvl4pPr>
+              <a:defRPr>
+                <a:solidFill>
+                  <a:schemeClr val="tx1">
+                    <a:lumMod val="95000"/>
+                    <a:lumOff val="5000"/>
+                  </a:schemeClr>
+                </a:solidFill>
+                <a:latin typeface="Helvetica Neue" panose="02000503000000020004" pitchFamily="2" charset="0"/>
+                <a:ea typeface="Helvetica Neue" panose="02000503000000020004" pitchFamily="2" charset="0"/>
+                <a:cs typeface="Helvetica Neue" panose="02000503000000020004" pitchFamily="2" charset="0"/>
+              </a:defRPr>
+            </a:lvl4pPr>
+            <a:lvl5pPr>
+              <a:defRPr>
+                <a:solidFill>
+                  <a:schemeClr val="tx1">
+                    <a:lumMod val="95000"/>
+                    <a:lumOff val="5000"/>
+                  </a:schemeClr>
+                </a:solidFill>
+                <a:latin typeface="Helvetica Neue" panose="02000503000000020004" pitchFamily="2" charset="0"/>
+                <a:ea typeface="Helvetica Neue" panose="02000503000000020004" pitchFamily="2" charset="0"/>
+                <a:cs typeface="Helvetica Neue" panose="02000503000000020004" pitchFamily="2" charset="0"/>
+              </a:defRPr>
+            </a:lvl5pPr>
+          </a:lstStyle>
+          <a:p>
+            <a:pPr lvl="0"/>
+            <a:r>
+              <a:rPr lang="en-US" altLang="zh-CN" dirty="0"/>
+              <a:t>v</a:t>
+            </a:r>
+            <a:r>
+              <a:rPr lang="en-CN" altLang="zh-CN"/>
+              <a:t>erb</a:t>
+            </a:r>
+            <a:endParaRPr lang="en-US" dirty="0"/>
+          </a:p>
+        </p:txBody>
+      </p:sp>
+      <p:sp>
+        <p:nvSpPr>
+          <p:cNvPr id="46" name="TextBox 45">
+            <a:extLst>
+              <a:ext uri="{FF2B5EF4-FFF2-40B4-BE49-F238E27FC236}">
+                <a16:creationId xmlns:a16="http://schemas.microsoft.com/office/drawing/2014/main" id="{094DAEF5-1662-274F-847F-DBDDDD46FCA8}"/>
+              </a:ext>
+            </a:extLst>
+          </p:cNvPr>
+          <p:cNvSpPr txBox="1"/>
+          <p:nvPr userDrawn="1"/>
+        </p:nvSpPr>
+        <p:spPr>
+          <a:xfrm>
+            <a:off x="6411497" y="3708043"/>
+            <a:ext cx="745460" cy="461665"/>
+          </a:xfrm>
+          <a:prstGeom prst="rect">
+            <a:avLst/>
+          </a:prstGeom>
+          <a:noFill/>
+        </p:spPr>
+        <p:txBody>
+          <a:bodyPr wrap="none" rtlCol="0">
+            <a:spAutoFit/>
+          </a:bodyPr>
+          <a:lstStyle/>
+          <a:p>
+            <a:pPr algn="r"/>
+            <a:r>
+              <a:rPr lang="en-US" altLang="zh-CN" sz="1200" b="1" i="0" dirty="0" err="1">
+                <a:solidFill>
+                  <a:schemeClr val="accent5">
+                    <a:lumMod val="60000"/>
+                    <a:lumOff val="40000"/>
+                  </a:schemeClr>
+                </a:solidFill>
+                <a:latin typeface="+mj-lt"/>
+                <a:ea typeface="Roboto" pitchFamily="2" charset="0"/>
+                <a:cs typeface="Helvetica Neue" panose="02000503000000020004" pitchFamily="2" charset="0"/>
+              </a:rPr>
+              <a:t>nosotros</a:t>
+            </a:r>
+            <a:endParaRPr lang="en-CN" altLang="zh-CN" sz="1200" b="1" i="0" dirty="0">
+              <a:solidFill>
+                <a:schemeClr val="accent5">
+                  <a:lumMod val="60000"/>
+                  <a:lumOff val="40000"/>
+                </a:schemeClr>
+              </a:solidFill>
+              <a:latin typeface="+mj-lt"/>
+              <a:ea typeface="Roboto" pitchFamily="2" charset="0"/>
+              <a:cs typeface="Helvetica Neue" panose="02000503000000020004" pitchFamily="2" charset="0"/>
+            </a:endParaRPr>
+          </a:p>
+          <a:p>
+            <a:pPr algn="r"/>
+            <a:r>
+              <a:rPr lang="en-CN" altLang="zh-CN" sz="1200" b="1" i="0" dirty="0">
+                <a:solidFill>
+                  <a:schemeClr val="accent5">
+                    <a:lumMod val="60000"/>
+                    <a:lumOff val="40000"/>
+                  </a:schemeClr>
+                </a:solidFill>
+                <a:latin typeface="+mj-lt"/>
+                <a:ea typeface="Roboto" pitchFamily="2" charset="0"/>
+                <a:cs typeface="Helvetica Neue" panose="02000503000000020004" pitchFamily="2" charset="0"/>
+              </a:rPr>
+              <a:t>nosotras</a:t>
+            </a:r>
+            <a:endParaRPr lang="en-CN" sz="1200" b="1" i="0" dirty="0">
+              <a:solidFill>
+                <a:schemeClr val="accent5">
+                  <a:lumMod val="60000"/>
+                  <a:lumOff val="40000"/>
+                </a:schemeClr>
+              </a:solidFill>
+              <a:latin typeface="+mj-lt"/>
+              <a:ea typeface="Roboto" pitchFamily="2" charset="0"/>
+            </a:endParaRPr>
+          </a:p>
+        </p:txBody>
+      </p:sp>
+      <p:sp>
+        <p:nvSpPr>
+          <p:cNvPr id="47" name="Text Placeholder 6">
+            <a:extLst>
+              <a:ext uri="{FF2B5EF4-FFF2-40B4-BE49-F238E27FC236}">
+                <a16:creationId xmlns:a16="http://schemas.microsoft.com/office/drawing/2014/main" id="{DE0D3562-7636-FD4A-8FB3-BDA5B9584696}"/>
+              </a:ext>
+            </a:extLst>
+          </p:cNvPr>
+          <p:cNvSpPr>
+            <a:spLocks noGrp="1"/>
+          </p:cNvSpPr>
+          <p:nvPr>
+            <p:ph type="body" sz="quarter" idx="17" hasCustomPrompt="1"/>
+          </p:nvPr>
+        </p:nvSpPr>
+        <p:spPr>
+          <a:xfrm>
+            <a:off x="7279045" y="3450542"/>
+            <a:ext cx="4323805" cy="792000"/>
+          </a:xfrm>
+          <a:prstGeom prst="rect">
+            <a:avLst/>
+          </a:prstGeom>
+        </p:spPr>
+        <p:txBody>
+          <a:bodyPr vert="horz" anchor="ctr"/>
+          <a:lstStyle>
+            <a:lvl1pPr marL="0" indent="0" algn="l">
+              <a:buNone/>
+              <a:defRPr sz="2400" b="1" i="0">
+                <a:solidFill>
+                  <a:schemeClr val="accent1">
+                    <a:lumMod val="75000"/>
+                  </a:schemeClr>
+                </a:solidFill>
+                <a:latin typeface="+mj-lt"/>
+                <a:ea typeface="Roboto Medium" pitchFamily="2" charset="0"/>
+                <a:cs typeface="Helvetica Neue" panose="02000503000000020004" pitchFamily="2" charset="0"/>
+              </a:defRPr>
+            </a:lvl1pPr>
+            <a:lvl2pPr>
+              <a:defRPr>
+                <a:solidFill>
+                  <a:schemeClr val="tx1">
+                    <a:lumMod val="95000"/>
+                    <a:lumOff val="5000"/>
+                  </a:schemeClr>
+                </a:solidFill>
+                <a:latin typeface="Helvetica Neue" panose="02000503000000020004" pitchFamily="2" charset="0"/>
+                <a:ea typeface="Helvetica Neue" panose="02000503000000020004" pitchFamily="2" charset="0"/>
+                <a:cs typeface="Helvetica Neue" panose="02000503000000020004" pitchFamily="2" charset="0"/>
+              </a:defRPr>
+            </a:lvl2pPr>
+            <a:lvl3pPr>
+              <a:defRPr>
+                <a:solidFill>
+                  <a:schemeClr val="tx1">
+                    <a:lumMod val="95000"/>
+                    <a:lumOff val="5000"/>
+                  </a:schemeClr>
+                </a:solidFill>
+                <a:latin typeface="Helvetica Neue" panose="02000503000000020004" pitchFamily="2" charset="0"/>
+                <a:ea typeface="Helvetica Neue" panose="02000503000000020004" pitchFamily="2" charset="0"/>
+                <a:cs typeface="Helvetica Neue" panose="02000503000000020004" pitchFamily="2" charset="0"/>
+              </a:defRPr>
+            </a:lvl3pPr>
+            <a:lvl4pPr>
+              <a:defRPr>
+                <a:solidFill>
+                  <a:schemeClr val="tx1">
+                    <a:lumMod val="95000"/>
+                    <a:lumOff val="5000"/>
+                  </a:schemeClr>
+                </a:solidFill>
+                <a:latin typeface="Helvetica Neue" panose="02000503000000020004" pitchFamily="2" charset="0"/>
+                <a:ea typeface="Helvetica Neue" panose="02000503000000020004" pitchFamily="2" charset="0"/>
+                <a:cs typeface="Helvetica Neue" panose="02000503000000020004" pitchFamily="2" charset="0"/>
+              </a:defRPr>
+            </a:lvl4pPr>
+            <a:lvl5pPr>
+              <a:defRPr>
+                <a:solidFill>
+                  <a:schemeClr val="tx1">
+                    <a:lumMod val="95000"/>
+                    <a:lumOff val="5000"/>
+                  </a:schemeClr>
+                </a:solidFill>
+                <a:latin typeface="Helvetica Neue" panose="02000503000000020004" pitchFamily="2" charset="0"/>
+                <a:ea typeface="Helvetica Neue" panose="02000503000000020004" pitchFamily="2" charset="0"/>
+                <a:cs typeface="Helvetica Neue" panose="02000503000000020004" pitchFamily="2" charset="0"/>
+              </a:defRPr>
+            </a:lvl5pPr>
+          </a:lstStyle>
+          <a:p>
+            <a:pPr lvl="0"/>
+            <a:r>
+              <a:rPr lang="en-US" altLang="zh-CN" dirty="0"/>
+              <a:t>v</a:t>
+            </a:r>
+            <a:r>
+              <a:rPr lang="en-CN" altLang="zh-CN"/>
+              <a:t>erb</a:t>
+            </a:r>
+            <a:endParaRPr lang="en-US" dirty="0"/>
+          </a:p>
+        </p:txBody>
+      </p:sp>
+      <p:sp>
+        <p:nvSpPr>
+          <p:cNvPr id="48" name="TextBox 47">
+            <a:extLst>
+              <a:ext uri="{FF2B5EF4-FFF2-40B4-BE49-F238E27FC236}">
+                <a16:creationId xmlns:a16="http://schemas.microsoft.com/office/drawing/2014/main" id="{8FA13772-0B6E-4142-952B-BD7E2C26459C}"/>
+              </a:ext>
+            </a:extLst>
+          </p:cNvPr>
+          <p:cNvSpPr txBox="1"/>
+          <p:nvPr userDrawn="1"/>
+        </p:nvSpPr>
+        <p:spPr>
+          <a:xfrm>
+            <a:off x="6424128" y="4412544"/>
+            <a:ext cx="732829" cy="461665"/>
+          </a:xfrm>
+          <a:prstGeom prst="rect">
+            <a:avLst/>
+          </a:prstGeom>
+          <a:noFill/>
+        </p:spPr>
+        <p:txBody>
+          <a:bodyPr wrap="none" rtlCol="0">
+            <a:spAutoFit/>
+          </a:bodyPr>
+          <a:lstStyle/>
+          <a:p>
+            <a:pPr algn="r"/>
+            <a:r>
+              <a:rPr lang="en-US" altLang="zh-CN" sz="1200" b="1" i="0" kern="1200" dirty="0" err="1">
+                <a:solidFill>
+                  <a:schemeClr val="accent5">
+                    <a:lumMod val="60000"/>
+                    <a:lumOff val="40000"/>
+                  </a:schemeClr>
+                </a:solidFill>
+                <a:effectLst/>
+                <a:latin typeface="+mj-lt"/>
+                <a:ea typeface="Roboto" pitchFamily="2" charset="0"/>
+                <a:cs typeface="Helvetica Neue" panose="02000503000000020004" pitchFamily="2" charset="0"/>
+              </a:rPr>
+              <a:t>v</a:t>
+            </a:r>
+            <a:r>
+              <a:rPr lang="en-US" sz="1200" b="1" i="0" kern="1200" dirty="0" err="1">
+                <a:solidFill>
+                  <a:schemeClr val="accent5">
+                    <a:lumMod val="60000"/>
+                    <a:lumOff val="40000"/>
+                  </a:schemeClr>
+                </a:solidFill>
+                <a:effectLst/>
+                <a:latin typeface="+mj-lt"/>
+                <a:ea typeface="Roboto" pitchFamily="2" charset="0"/>
+                <a:cs typeface="Helvetica Neue" panose="02000503000000020004" pitchFamily="2" charset="0"/>
+              </a:rPr>
+              <a:t>osotros</a:t>
+            </a:r>
+            <a:endParaRPr lang="en-US" sz="1200" b="1" i="0" kern="1200" dirty="0">
+              <a:solidFill>
+                <a:schemeClr val="accent5">
+                  <a:lumMod val="60000"/>
+                  <a:lumOff val="40000"/>
+                </a:schemeClr>
+              </a:solidFill>
+              <a:effectLst/>
+              <a:latin typeface="+mj-lt"/>
+              <a:ea typeface="Roboto" pitchFamily="2" charset="0"/>
+              <a:cs typeface="Helvetica Neue" panose="02000503000000020004" pitchFamily="2" charset="0"/>
+            </a:endParaRPr>
+          </a:p>
+          <a:p>
+            <a:pPr algn="r"/>
+            <a:r>
+              <a:rPr lang="en-US" sz="1200" b="1" i="0" kern="1200" dirty="0" err="1">
+                <a:solidFill>
+                  <a:schemeClr val="accent5">
+                    <a:lumMod val="60000"/>
+                    <a:lumOff val="40000"/>
+                  </a:schemeClr>
+                </a:solidFill>
+                <a:effectLst/>
+                <a:latin typeface="+mj-lt"/>
+                <a:ea typeface="Roboto" pitchFamily="2" charset="0"/>
+                <a:cs typeface="Helvetica Neue" panose="02000503000000020004" pitchFamily="2" charset="0"/>
+              </a:rPr>
+              <a:t>vosotras</a:t>
+            </a:r>
+            <a:endParaRPr lang="en-CN" sz="1200" b="1" i="0" dirty="0">
+              <a:solidFill>
+                <a:schemeClr val="accent5">
+                  <a:lumMod val="60000"/>
+                  <a:lumOff val="40000"/>
+                </a:schemeClr>
+              </a:solidFill>
+              <a:latin typeface="+mj-lt"/>
+              <a:ea typeface="Roboto" pitchFamily="2" charset="0"/>
+            </a:endParaRPr>
+          </a:p>
+        </p:txBody>
+      </p:sp>
+      <p:sp>
+        <p:nvSpPr>
+          <p:cNvPr id="49" name="Text Placeholder 6">
+            <a:extLst>
+              <a:ext uri="{FF2B5EF4-FFF2-40B4-BE49-F238E27FC236}">
+                <a16:creationId xmlns:a16="http://schemas.microsoft.com/office/drawing/2014/main" id="{33C945EE-CF20-DB4E-ACA4-5CF60B6C7DAF}"/>
+              </a:ext>
+            </a:extLst>
+          </p:cNvPr>
+          <p:cNvSpPr>
+            <a:spLocks noGrp="1"/>
+          </p:cNvSpPr>
+          <p:nvPr>
+            <p:ph type="body" sz="quarter" idx="18" hasCustomPrompt="1"/>
+          </p:nvPr>
+        </p:nvSpPr>
+        <p:spPr>
+          <a:xfrm>
+            <a:off x="7279045" y="4247376"/>
+            <a:ext cx="4323805" cy="792000"/>
+          </a:xfrm>
+          <a:prstGeom prst="rect">
+            <a:avLst/>
+          </a:prstGeom>
+        </p:spPr>
+        <p:txBody>
+          <a:bodyPr vert="horz" anchor="ctr"/>
+          <a:lstStyle>
+            <a:lvl1pPr marL="0" indent="0" algn="l">
+              <a:buNone/>
+              <a:defRPr sz="2400" b="1" i="0">
+                <a:solidFill>
+                  <a:schemeClr val="accent1">
+                    <a:lumMod val="75000"/>
+                  </a:schemeClr>
+                </a:solidFill>
+                <a:latin typeface="+mj-lt"/>
+                <a:ea typeface="Roboto Medium" pitchFamily="2" charset="0"/>
+                <a:cs typeface="Helvetica Neue" panose="02000503000000020004" pitchFamily="2" charset="0"/>
+              </a:defRPr>
+            </a:lvl1pPr>
+            <a:lvl2pPr>
+              <a:defRPr>
+                <a:solidFill>
+                  <a:schemeClr val="tx1">
+                    <a:lumMod val="95000"/>
+                    <a:lumOff val="5000"/>
+                  </a:schemeClr>
+                </a:solidFill>
+                <a:latin typeface="Helvetica Neue" panose="02000503000000020004" pitchFamily="2" charset="0"/>
+                <a:ea typeface="Helvetica Neue" panose="02000503000000020004" pitchFamily="2" charset="0"/>
+                <a:cs typeface="Helvetica Neue" panose="02000503000000020004" pitchFamily="2" charset="0"/>
+              </a:defRPr>
+            </a:lvl2pPr>
+            <a:lvl3pPr>
+              <a:defRPr>
+                <a:solidFill>
+                  <a:schemeClr val="tx1">
+                    <a:lumMod val="95000"/>
+                    <a:lumOff val="5000"/>
+                  </a:schemeClr>
+                </a:solidFill>
+                <a:latin typeface="Helvetica Neue" panose="02000503000000020004" pitchFamily="2" charset="0"/>
+                <a:ea typeface="Helvetica Neue" panose="02000503000000020004" pitchFamily="2" charset="0"/>
+                <a:cs typeface="Helvetica Neue" panose="02000503000000020004" pitchFamily="2" charset="0"/>
+              </a:defRPr>
+            </a:lvl3pPr>
+            <a:lvl4pPr>
+              <a:defRPr>
+                <a:solidFill>
+                  <a:schemeClr val="tx1">
+                    <a:lumMod val="95000"/>
+                    <a:lumOff val="5000"/>
+                  </a:schemeClr>
+                </a:solidFill>
+                <a:latin typeface="Helvetica Neue" panose="02000503000000020004" pitchFamily="2" charset="0"/>
+                <a:ea typeface="Helvetica Neue" panose="02000503000000020004" pitchFamily="2" charset="0"/>
+                <a:cs typeface="Helvetica Neue" panose="02000503000000020004" pitchFamily="2" charset="0"/>
+              </a:defRPr>
+            </a:lvl4pPr>
+            <a:lvl5pPr>
+              <a:defRPr>
+                <a:solidFill>
+                  <a:schemeClr val="tx1">
+                    <a:lumMod val="95000"/>
+                    <a:lumOff val="5000"/>
+                  </a:schemeClr>
+                </a:solidFill>
+                <a:latin typeface="Helvetica Neue" panose="02000503000000020004" pitchFamily="2" charset="0"/>
+                <a:ea typeface="Helvetica Neue" panose="02000503000000020004" pitchFamily="2" charset="0"/>
+                <a:cs typeface="Helvetica Neue" panose="02000503000000020004" pitchFamily="2" charset="0"/>
+              </a:defRPr>
+            </a:lvl5pPr>
+          </a:lstStyle>
+          <a:p>
+            <a:pPr lvl="0"/>
+            <a:r>
+              <a:rPr lang="en-US" altLang="zh-CN" dirty="0"/>
+              <a:t>v</a:t>
+            </a:r>
+            <a:r>
+              <a:rPr lang="en-CN" altLang="zh-CN"/>
+              <a:t>erb</a:t>
+            </a:r>
+            <a:endParaRPr lang="en-US" dirty="0"/>
+          </a:p>
+        </p:txBody>
+      </p:sp>
+      <p:sp>
+        <p:nvSpPr>
+          <p:cNvPr id="50" name="TextBox 49">
+            <a:extLst>
+              <a:ext uri="{FF2B5EF4-FFF2-40B4-BE49-F238E27FC236}">
+                <a16:creationId xmlns:a16="http://schemas.microsoft.com/office/drawing/2014/main" id="{618203A0-6E75-1141-9676-14B8225FDF39}"/>
+              </a:ext>
+            </a:extLst>
+          </p:cNvPr>
+          <p:cNvSpPr txBox="1"/>
+          <p:nvPr userDrawn="1"/>
+        </p:nvSpPr>
+        <p:spPr>
+          <a:xfrm>
+            <a:off x="6480553" y="5148364"/>
+            <a:ext cx="676404" cy="646331"/>
+          </a:xfrm>
+          <a:prstGeom prst="rect">
+            <a:avLst/>
+          </a:prstGeom>
+          <a:noFill/>
+        </p:spPr>
+        <p:txBody>
+          <a:bodyPr wrap="none" rtlCol="0">
+            <a:spAutoFit/>
+          </a:bodyPr>
+          <a:lstStyle/>
+          <a:p>
+            <a:pPr algn="r">
+              <a:lnSpc>
+                <a:spcPct val="100000"/>
+              </a:lnSpc>
+            </a:pPr>
+            <a:r>
+              <a:rPr lang="en-US" sz="1200" b="1" i="0" kern="1200" dirty="0" err="1">
+                <a:solidFill>
+                  <a:schemeClr val="accent5">
+                    <a:lumMod val="60000"/>
+                    <a:lumOff val="40000"/>
+                  </a:schemeClr>
+                </a:solidFill>
+                <a:effectLst/>
+                <a:latin typeface="+mj-lt"/>
+                <a:ea typeface="Roboto" pitchFamily="2" charset="0"/>
+                <a:cs typeface="Helvetica Neue" panose="02000503000000020004" pitchFamily="2" charset="0"/>
+              </a:rPr>
+              <a:t>ellos</a:t>
+            </a:r>
+            <a:endParaRPr lang="en-US" sz="1200" b="1" i="0" kern="1200" dirty="0">
+              <a:solidFill>
+                <a:schemeClr val="accent5">
+                  <a:lumMod val="60000"/>
+                  <a:lumOff val="40000"/>
+                </a:schemeClr>
+              </a:solidFill>
+              <a:effectLst/>
+              <a:latin typeface="+mj-lt"/>
+              <a:ea typeface="Roboto" pitchFamily="2" charset="0"/>
+              <a:cs typeface="Helvetica Neue" panose="02000503000000020004" pitchFamily="2" charset="0"/>
+            </a:endParaRPr>
+          </a:p>
+          <a:p>
+            <a:pPr algn="r">
+              <a:lnSpc>
+                <a:spcPct val="100000"/>
+              </a:lnSpc>
+            </a:pPr>
+            <a:r>
+              <a:rPr lang="en-US" sz="1200" b="1" i="0" kern="1200" dirty="0" err="1">
+                <a:solidFill>
+                  <a:schemeClr val="accent5">
+                    <a:lumMod val="60000"/>
+                    <a:lumOff val="40000"/>
+                  </a:schemeClr>
+                </a:solidFill>
+                <a:effectLst/>
+                <a:latin typeface="+mj-lt"/>
+                <a:ea typeface="Roboto" pitchFamily="2" charset="0"/>
+                <a:cs typeface="Helvetica Neue" panose="02000503000000020004" pitchFamily="2" charset="0"/>
+              </a:rPr>
+              <a:t>ellas</a:t>
+            </a:r>
+            <a:endParaRPr lang="en-US" sz="1200" b="1" i="0" kern="1200" dirty="0">
+              <a:solidFill>
+                <a:schemeClr val="accent5">
+                  <a:lumMod val="60000"/>
+                  <a:lumOff val="40000"/>
+                </a:schemeClr>
+              </a:solidFill>
+              <a:effectLst/>
+              <a:latin typeface="+mj-lt"/>
+              <a:ea typeface="Roboto" pitchFamily="2" charset="0"/>
+              <a:cs typeface="Helvetica Neue" panose="02000503000000020004" pitchFamily="2" charset="0"/>
+            </a:endParaRPr>
+          </a:p>
+          <a:p>
+            <a:pPr algn="r">
+              <a:lnSpc>
+                <a:spcPct val="100000"/>
+              </a:lnSpc>
+            </a:pPr>
+            <a:r>
+              <a:rPr lang="en-US" altLang="zh-CN" sz="1200" b="1" i="0" kern="1200" dirty="0" err="1">
+                <a:solidFill>
+                  <a:schemeClr val="accent5">
+                    <a:lumMod val="60000"/>
+                    <a:lumOff val="40000"/>
+                  </a:schemeClr>
+                </a:solidFill>
+                <a:effectLst/>
+                <a:latin typeface="+mj-lt"/>
+                <a:ea typeface="Roboto" pitchFamily="2" charset="0"/>
+                <a:cs typeface="Helvetica Neue" panose="02000503000000020004" pitchFamily="2" charset="0"/>
+              </a:rPr>
+              <a:t>ustedes</a:t>
+            </a:r>
+            <a:endParaRPr lang="en-CN" sz="1200" b="1" i="0" dirty="0">
+              <a:solidFill>
+                <a:schemeClr val="accent5">
+                  <a:lumMod val="60000"/>
+                  <a:lumOff val="40000"/>
+                </a:schemeClr>
+              </a:solidFill>
+              <a:latin typeface="+mj-lt"/>
+              <a:ea typeface="Roboto" pitchFamily="2" charset="0"/>
+              <a:cs typeface="Helvetica Neue" panose="02000503000000020004" pitchFamily="2" charset="0"/>
+            </a:endParaRPr>
+          </a:p>
+        </p:txBody>
+      </p:sp>
+      <p:sp>
+        <p:nvSpPr>
+          <p:cNvPr id="51" name="Text Placeholder 6">
+            <a:extLst>
+              <a:ext uri="{FF2B5EF4-FFF2-40B4-BE49-F238E27FC236}">
+                <a16:creationId xmlns:a16="http://schemas.microsoft.com/office/drawing/2014/main" id="{2D1D0316-95FE-7F42-AEFA-76D9E3B7D6C1}"/>
+              </a:ext>
+            </a:extLst>
+          </p:cNvPr>
+          <p:cNvSpPr>
+            <a:spLocks noGrp="1"/>
+          </p:cNvSpPr>
+          <p:nvPr>
+            <p:ph type="body" sz="quarter" idx="19" hasCustomPrompt="1"/>
+          </p:nvPr>
+        </p:nvSpPr>
+        <p:spPr>
+          <a:xfrm>
+            <a:off x="7279045" y="5083399"/>
+            <a:ext cx="4323805" cy="792000"/>
+          </a:xfrm>
+          <a:prstGeom prst="rect">
+            <a:avLst/>
+          </a:prstGeom>
+        </p:spPr>
+        <p:txBody>
+          <a:bodyPr vert="horz" anchor="ctr"/>
+          <a:lstStyle>
+            <a:lvl1pPr marL="0" indent="0" algn="l">
+              <a:buNone/>
+              <a:defRPr sz="2400" b="1" i="0">
+                <a:solidFill>
+                  <a:schemeClr val="accent1">
+                    <a:lumMod val="75000"/>
+                  </a:schemeClr>
+                </a:solidFill>
+                <a:latin typeface="+mj-lt"/>
+                <a:ea typeface="Roboto Medium" pitchFamily="2" charset="0"/>
+                <a:cs typeface="Helvetica Neue" panose="02000503000000020004" pitchFamily="2" charset="0"/>
+              </a:defRPr>
+            </a:lvl1pPr>
+            <a:lvl2pPr>
+              <a:defRPr>
+                <a:solidFill>
+                  <a:schemeClr val="tx1">
+                    <a:lumMod val="95000"/>
+                    <a:lumOff val="5000"/>
+                  </a:schemeClr>
+                </a:solidFill>
+                <a:latin typeface="Helvetica Neue" panose="02000503000000020004" pitchFamily="2" charset="0"/>
+                <a:ea typeface="Helvetica Neue" panose="02000503000000020004" pitchFamily="2" charset="0"/>
+                <a:cs typeface="Helvetica Neue" panose="02000503000000020004" pitchFamily="2" charset="0"/>
+              </a:defRPr>
+            </a:lvl2pPr>
+            <a:lvl3pPr>
+              <a:defRPr>
+                <a:solidFill>
+                  <a:schemeClr val="tx1">
+                    <a:lumMod val="95000"/>
+                    <a:lumOff val="5000"/>
+                  </a:schemeClr>
+                </a:solidFill>
+                <a:latin typeface="Helvetica Neue" panose="02000503000000020004" pitchFamily="2" charset="0"/>
+                <a:ea typeface="Helvetica Neue" panose="02000503000000020004" pitchFamily="2" charset="0"/>
+                <a:cs typeface="Helvetica Neue" panose="02000503000000020004" pitchFamily="2" charset="0"/>
+              </a:defRPr>
+            </a:lvl3pPr>
+            <a:lvl4pPr>
+              <a:defRPr>
+                <a:solidFill>
+                  <a:schemeClr val="tx1">
+                    <a:lumMod val="95000"/>
+                    <a:lumOff val="5000"/>
+                  </a:schemeClr>
+                </a:solidFill>
+                <a:latin typeface="Helvetica Neue" panose="02000503000000020004" pitchFamily="2" charset="0"/>
+                <a:ea typeface="Helvetica Neue" panose="02000503000000020004" pitchFamily="2" charset="0"/>
+                <a:cs typeface="Helvetica Neue" panose="02000503000000020004" pitchFamily="2" charset="0"/>
+              </a:defRPr>
+            </a:lvl4pPr>
+            <a:lvl5pPr>
+              <a:defRPr>
+                <a:solidFill>
+                  <a:schemeClr val="tx1">
+                    <a:lumMod val="95000"/>
+                    <a:lumOff val="5000"/>
+                  </a:schemeClr>
+                </a:solidFill>
+                <a:latin typeface="Helvetica Neue" panose="02000503000000020004" pitchFamily="2" charset="0"/>
+                <a:ea typeface="Helvetica Neue" panose="02000503000000020004" pitchFamily="2" charset="0"/>
+                <a:cs typeface="Helvetica Neue" panose="02000503000000020004" pitchFamily="2" charset="0"/>
+              </a:defRPr>
+            </a:lvl5pPr>
+          </a:lstStyle>
+          <a:p>
+            <a:pPr lvl="0"/>
+            <a:r>
+              <a:rPr lang="en-US" altLang="zh-CN" dirty="0"/>
+              <a:t>v</a:t>
+            </a:r>
+            <a:r>
+              <a:rPr lang="en-CN" altLang="zh-CN"/>
+              <a:t>erb</a:t>
+            </a:r>
+            <a:endParaRPr lang="en-US" dirty="0"/>
+          </a:p>
+        </p:txBody>
+      </p:sp>
+      <p:sp>
+        <p:nvSpPr>
+          <p:cNvPr id="52" name="Rounded Rectangle 51">
+            <a:extLst>
+              <a:ext uri="{FF2B5EF4-FFF2-40B4-BE49-F238E27FC236}">
+                <a16:creationId xmlns:a16="http://schemas.microsoft.com/office/drawing/2014/main" id="{ABF34FC3-6878-DA40-A937-0D9D185CD0CE}"/>
+              </a:ext>
+            </a:extLst>
+          </p:cNvPr>
+          <p:cNvSpPr/>
+          <p:nvPr userDrawn="1"/>
+        </p:nvSpPr>
+        <p:spPr>
+          <a:xfrm>
+            <a:off x="2536563" y="5660182"/>
+            <a:ext cx="3243942" cy="726888"/>
+          </a:xfrm>
+          <a:prstGeom prst="roundRect">
+            <a:avLst>
+              <a:gd name="adj" fmla="val 4877"/>
+            </a:avLst>
+          </a:prstGeom>
+          <a:solidFill>
+            <a:schemeClr val="accent6">
+              <a:lumMod val="40000"/>
+              <a:lumOff val="60000"/>
+              <a:alpha val="34000"/>
+            </a:schemeClr>
+          </a:solidFill>
+          <a:ln w="12700">
+            <a:noFill/>
+          </a:ln>
+        </p:spPr>
+        <p:style>
+          <a:lnRef idx="2">
+            <a:schemeClr val="accent1">
+              <a:shade val="50000"/>
+            </a:schemeClr>
+          </a:lnRef>
+          <a:fillRef idx="1">
+            <a:schemeClr val="accent1"/>
+          </a:fillRef>
+          <a:effectRef idx="0">
+            <a:schemeClr val="accent1"/>
+          </a:effectRef>
+          <a:fontRef idx="minor">
+            <a:schemeClr val="lt1"/>
+          </a:fontRef>
+        </p:style>
+        <p:txBody>
+          <a:bodyPr rtlCol="0" anchor="ctr"/>
+          <a:lstStyle/>
+          <a:p>
+            <a:pPr algn="ctr"/>
+            <a:endParaRPr lang="en-CN">
+              <a:solidFill>
+                <a:schemeClr val="accent6">
+                  <a:lumMod val="20000"/>
+                  <a:lumOff val="80000"/>
+                </a:schemeClr>
+              </a:solidFill>
+            </a:endParaRPr>
+          </a:p>
+        </p:txBody>
+      </p:sp>
+      <p:sp>
+        <p:nvSpPr>
+          <p:cNvPr id="53" name="Text Placeholder 6">
+            <a:extLst>
+              <a:ext uri="{FF2B5EF4-FFF2-40B4-BE49-F238E27FC236}">
+                <a16:creationId xmlns:a16="http://schemas.microsoft.com/office/drawing/2014/main" id="{1BB438DF-30BA-3F4A-A349-4549580D2586}"/>
+              </a:ext>
+            </a:extLst>
+          </p:cNvPr>
+          <p:cNvSpPr>
+            <a:spLocks noGrp="1"/>
+          </p:cNvSpPr>
+          <p:nvPr>
+            <p:ph type="body" sz="quarter" idx="20" hasCustomPrompt="1"/>
+          </p:nvPr>
+        </p:nvSpPr>
+        <p:spPr>
+          <a:xfrm>
+            <a:off x="2586869" y="5777836"/>
+            <a:ext cx="3161338" cy="227948"/>
+          </a:xfrm>
+          <a:prstGeom prst="rect">
+            <a:avLst/>
+          </a:prstGeom>
+        </p:spPr>
+        <p:txBody>
+          <a:bodyPr vert="horz" anchor="ctr"/>
+          <a:lstStyle>
+            <a:lvl1pPr marL="0" indent="0" algn="r">
+              <a:buNone/>
+              <a:defRPr sz="1400" b="0" i="0">
+                <a:solidFill>
+                  <a:schemeClr val="accent1">
+                    <a:lumMod val="75000"/>
+                  </a:schemeClr>
+                </a:solidFill>
+                <a:latin typeface="PingFang SC" panose="020B0400000000000000" pitchFamily="34" charset="-122"/>
+                <a:ea typeface="PingFang SC" panose="020B0400000000000000" pitchFamily="34" charset="-122"/>
+                <a:cs typeface="Helvetica Neue" panose="02000503000000020004" pitchFamily="2" charset="0"/>
+              </a:defRPr>
+            </a:lvl1pPr>
+            <a:lvl2pPr>
+              <a:defRPr>
+                <a:solidFill>
+                  <a:schemeClr val="tx1">
+                    <a:lumMod val="95000"/>
+                    <a:lumOff val="5000"/>
+                  </a:schemeClr>
+                </a:solidFill>
+                <a:latin typeface="Helvetica Neue" panose="02000503000000020004" pitchFamily="2" charset="0"/>
+                <a:ea typeface="Helvetica Neue" panose="02000503000000020004" pitchFamily="2" charset="0"/>
+                <a:cs typeface="Helvetica Neue" panose="02000503000000020004" pitchFamily="2" charset="0"/>
+              </a:defRPr>
+            </a:lvl2pPr>
+            <a:lvl3pPr>
+              <a:defRPr>
+                <a:solidFill>
+                  <a:schemeClr val="tx1">
+                    <a:lumMod val="95000"/>
+                    <a:lumOff val="5000"/>
+                  </a:schemeClr>
+                </a:solidFill>
+                <a:latin typeface="Helvetica Neue" panose="02000503000000020004" pitchFamily="2" charset="0"/>
+                <a:ea typeface="Helvetica Neue" panose="02000503000000020004" pitchFamily="2" charset="0"/>
+                <a:cs typeface="Helvetica Neue" panose="02000503000000020004" pitchFamily="2" charset="0"/>
+              </a:defRPr>
+            </a:lvl3pPr>
+            <a:lvl4pPr>
+              <a:defRPr>
+                <a:solidFill>
+                  <a:schemeClr val="tx1">
+                    <a:lumMod val="95000"/>
+                    <a:lumOff val="5000"/>
+                  </a:schemeClr>
+                </a:solidFill>
+                <a:latin typeface="Helvetica Neue" panose="02000503000000020004" pitchFamily="2" charset="0"/>
+                <a:ea typeface="Helvetica Neue" panose="02000503000000020004" pitchFamily="2" charset="0"/>
+                <a:cs typeface="Helvetica Neue" panose="02000503000000020004" pitchFamily="2" charset="0"/>
+              </a:defRPr>
+            </a:lvl4pPr>
+            <a:lvl5pPr>
+              <a:defRPr>
+                <a:solidFill>
+                  <a:schemeClr val="tx1">
+                    <a:lumMod val="95000"/>
+                    <a:lumOff val="5000"/>
+                  </a:schemeClr>
+                </a:solidFill>
+                <a:latin typeface="Helvetica Neue" panose="02000503000000020004" pitchFamily="2" charset="0"/>
+                <a:ea typeface="Helvetica Neue" panose="02000503000000020004" pitchFamily="2" charset="0"/>
+                <a:cs typeface="Helvetica Neue" panose="02000503000000020004" pitchFamily="2" charset="0"/>
+              </a:defRPr>
+            </a:lvl5pPr>
+          </a:lstStyle>
+          <a:p>
+            <a:pPr lvl="0"/>
+            <a:r>
+              <a:rPr lang="zh-CN" altLang="en-CN" dirty="0"/>
+              <a:t>时态</a:t>
+            </a:r>
+            <a:endParaRPr lang="en-US" dirty="0"/>
+          </a:p>
+        </p:txBody>
+      </p:sp>
+      <p:sp>
+        <p:nvSpPr>
+          <p:cNvPr id="54" name="Text Placeholder 6">
+            <a:extLst>
+              <a:ext uri="{FF2B5EF4-FFF2-40B4-BE49-F238E27FC236}">
+                <a16:creationId xmlns:a16="http://schemas.microsoft.com/office/drawing/2014/main" id="{576FB3D7-49A4-774B-8506-38F41AFC7713}"/>
+              </a:ext>
+            </a:extLst>
+          </p:cNvPr>
+          <p:cNvSpPr>
+            <a:spLocks noGrp="1"/>
+          </p:cNvSpPr>
+          <p:nvPr>
+            <p:ph type="body" sz="quarter" idx="21" hasCustomPrompt="1"/>
+          </p:nvPr>
+        </p:nvSpPr>
+        <p:spPr>
+          <a:xfrm>
+            <a:off x="2586870" y="6049065"/>
+            <a:ext cx="3161338" cy="227946"/>
+          </a:xfrm>
+          <a:prstGeom prst="rect">
+            <a:avLst/>
+          </a:prstGeom>
+        </p:spPr>
+        <p:txBody>
+          <a:bodyPr vert="horz" anchor="ctr"/>
+          <a:lstStyle>
+            <a:lvl1pPr marL="0" indent="0" algn="r">
+              <a:buNone/>
+              <a:defRPr sz="1400" b="0" i="0">
+                <a:solidFill>
+                  <a:schemeClr val="accent1">
+                    <a:lumMod val="75000"/>
+                  </a:schemeClr>
+                </a:solidFill>
+                <a:latin typeface="PingFang SC" panose="020B0400000000000000" pitchFamily="34" charset="-122"/>
+                <a:ea typeface="PingFang SC" panose="020B0400000000000000" pitchFamily="34" charset="-122"/>
+                <a:cs typeface="Helvetica Neue" panose="02000503000000020004" pitchFamily="2" charset="0"/>
+              </a:defRPr>
+            </a:lvl1pPr>
+            <a:lvl2pPr>
+              <a:defRPr>
+                <a:solidFill>
+                  <a:schemeClr val="tx1">
+                    <a:lumMod val="95000"/>
+                    <a:lumOff val="5000"/>
+                  </a:schemeClr>
+                </a:solidFill>
+                <a:latin typeface="Helvetica Neue" panose="02000503000000020004" pitchFamily="2" charset="0"/>
+                <a:ea typeface="Helvetica Neue" panose="02000503000000020004" pitchFamily="2" charset="0"/>
+                <a:cs typeface="Helvetica Neue" panose="02000503000000020004" pitchFamily="2" charset="0"/>
+              </a:defRPr>
+            </a:lvl2pPr>
+            <a:lvl3pPr>
+              <a:defRPr>
+                <a:solidFill>
+                  <a:schemeClr val="tx1">
+                    <a:lumMod val="95000"/>
+                    <a:lumOff val="5000"/>
+                  </a:schemeClr>
+                </a:solidFill>
+                <a:latin typeface="Helvetica Neue" panose="02000503000000020004" pitchFamily="2" charset="0"/>
+                <a:ea typeface="Helvetica Neue" panose="02000503000000020004" pitchFamily="2" charset="0"/>
+                <a:cs typeface="Helvetica Neue" panose="02000503000000020004" pitchFamily="2" charset="0"/>
+              </a:defRPr>
+            </a:lvl3pPr>
+            <a:lvl4pPr>
+              <a:defRPr>
+                <a:solidFill>
+                  <a:schemeClr val="tx1">
+                    <a:lumMod val="95000"/>
+                    <a:lumOff val="5000"/>
+                  </a:schemeClr>
+                </a:solidFill>
+                <a:latin typeface="Helvetica Neue" panose="02000503000000020004" pitchFamily="2" charset="0"/>
+                <a:ea typeface="Helvetica Neue" panose="02000503000000020004" pitchFamily="2" charset="0"/>
+                <a:cs typeface="Helvetica Neue" panose="02000503000000020004" pitchFamily="2" charset="0"/>
+              </a:defRPr>
+            </a:lvl4pPr>
+            <a:lvl5pPr>
+              <a:defRPr>
+                <a:solidFill>
+                  <a:schemeClr val="tx1">
+                    <a:lumMod val="95000"/>
+                    <a:lumOff val="5000"/>
+                  </a:schemeClr>
+                </a:solidFill>
+                <a:latin typeface="Helvetica Neue" panose="02000503000000020004" pitchFamily="2" charset="0"/>
+                <a:ea typeface="Helvetica Neue" panose="02000503000000020004" pitchFamily="2" charset="0"/>
+                <a:cs typeface="Helvetica Neue" panose="02000503000000020004" pitchFamily="2" charset="0"/>
+              </a:defRPr>
+            </a:lvl5pPr>
+          </a:lstStyle>
+          <a:p>
+            <a:pPr lvl="0"/>
+            <a:r>
+              <a:rPr lang="zh-CN" altLang="en-US" dirty="0"/>
+              <a:t>人称</a:t>
+            </a:r>
+            <a:endParaRPr lang="en-US" dirty="0"/>
+          </a:p>
+        </p:txBody>
+      </p:sp>
+    </p:spTree>
+    <p:extLst>
+      <p:ext uri="{BB962C8B-B14F-4D97-AF65-F5344CB8AC3E}">
+        <p14:creationId xmlns:p14="http://schemas.microsoft.com/office/powerpoint/2010/main" val="2509066943"/>
       </p:ext>
     </p:extLst>
   </p:cSld>
@@ -10836,20 +10683,19 @@
   </p:cSld>
   <p:clrMap bg1="lt1" tx1="dk1" bg2="lt2" tx2="dk2" accent1="accent1" accent2="accent2" accent3="accent3" accent4="accent4" accent5="accent5" accent6="accent6" hlink="hlink" folHlink="folHlink"/>
   <p:sldLayoutIdLst>
-    <p:sldLayoutId id="2147483853" r:id="rId1"/>
-    <p:sldLayoutId id="2147483929" r:id="rId2"/>
-    <p:sldLayoutId id="2147483925" r:id="rId3"/>
-    <p:sldLayoutId id="2147483857" r:id="rId4"/>
-    <p:sldLayoutId id="2147483930" r:id="rId5"/>
-    <p:sldLayoutId id="2147483931" r:id="rId6"/>
-    <p:sldLayoutId id="2147483918" r:id="rId7"/>
-    <p:sldLayoutId id="2147483936" r:id="rId8"/>
-    <p:sldLayoutId id="2147483937" r:id="rId9"/>
-    <p:sldLayoutId id="2147483938" r:id="rId10"/>
-    <p:sldLayoutId id="2147483939" r:id="rId11"/>
-    <p:sldLayoutId id="2147483940" r:id="rId12"/>
-    <p:sldLayoutId id="2147483891" r:id="rId13"/>
-    <p:sldLayoutId id="2147483928" r:id="rId14"/>
+    <p:sldLayoutId id="2147483929" r:id="rId1"/>
+    <p:sldLayoutId id="2147483925" r:id="rId2"/>
+    <p:sldLayoutId id="2147483857" r:id="rId3"/>
+    <p:sldLayoutId id="2147483930" r:id="rId4"/>
+    <p:sldLayoutId id="2147483931" r:id="rId5"/>
+    <p:sldLayoutId id="2147483918" r:id="rId6"/>
+    <p:sldLayoutId id="2147483936" r:id="rId7"/>
+    <p:sldLayoutId id="2147483937" r:id="rId8"/>
+    <p:sldLayoutId id="2147483938" r:id="rId9"/>
+    <p:sldLayoutId id="2147483939" r:id="rId10"/>
+    <p:sldLayoutId id="2147483940" r:id="rId11"/>
+    <p:sldLayoutId id="2147483891" r:id="rId12"/>
+    <p:sldLayoutId id="2147483928" r:id="rId13"/>
   </p:sldLayoutIdLst>
   <p:hf sldNum="0" hdr="0" ftr="0" dt="0"/>
   <p:txStyles>
@@ -11227,7 +11073,7 @@
 <file path=ppt/theme/theme1.xml><?xml version="1.0" encoding="utf-8"?>
 <a:theme xmlns:a="http://schemas.openxmlformats.org/drawingml/2006/main" name="Dividend">
   <a:themeElements>
-    <a:clrScheme name="Dividend">
+    <a:clrScheme name="Red">
       <a:dk1>
         <a:sysClr val="windowText" lastClr="000000"/>
       </a:dk1>
@@ -11235,48 +11081,46 @@
         <a:sysClr val="window" lastClr="FFFFFF"/>
       </a:lt1>
       <a:dk2>
-        <a:srgbClr val="3D3D3D"/>
+        <a:srgbClr val="323232"/>
       </a:dk2>
       <a:lt2>
-        <a:srgbClr val="EBEBEB"/>
+        <a:srgbClr val="E5C243"/>
       </a:lt2>
       <a:accent1>
-        <a:srgbClr val="4D1434"/>
+        <a:srgbClr val="A5300F"/>
       </a:accent1>
       <a:accent2>
-        <a:srgbClr val="903163"/>
+        <a:srgbClr val="D55816"/>
       </a:accent2>
       <a:accent3>
-        <a:srgbClr val="B2324B"/>
+        <a:srgbClr val="E19825"/>
       </a:accent3>
       <a:accent4>
-        <a:srgbClr val="969FA7"/>
+        <a:srgbClr val="B19C7D"/>
       </a:accent4>
       <a:accent5>
-        <a:srgbClr val="66B1CE"/>
+        <a:srgbClr val="7F5F52"/>
       </a:accent5>
       <a:accent6>
-        <a:srgbClr val="40619D"/>
+        <a:srgbClr val="B27D49"/>
       </a:accent6>
       <a:hlink>
-        <a:srgbClr val="828282"/>
+        <a:srgbClr val="6B9F25"/>
       </a:hlink>
       <a:folHlink>
-        <a:srgbClr val="A5A5A5"/>
+        <a:srgbClr val="B26B02"/>
       </a:folHlink>
     </a:clrScheme>
-    <a:fontScheme name="Dividend">
+    <a:fontScheme name="Calibri-Cambria">
       <a:majorFont>
-        <a:latin typeface="Gill Sans MT" panose="020B0502020104020203"/>
+        <a:latin typeface="Calibri" panose="020F0502020204030204"/>
         <a:ea typeface=""/>
         <a:cs typeface=""/>
-        <a:font script="Grek" typeface="Corbel"/>
-        <a:font script="Cyrl" typeface="Corbel"/>
-        <a:font script="Jpan" typeface="HGｺﾞｼｯｸE"/>
-        <a:font script="Hang" typeface="휴먼매직체"/>
-        <a:font script="Hans" typeface="华文中宋"/>
-        <a:font script="Hant" typeface="微軟正黑體"/>
-        <a:font script="Arab" typeface="Majalla UI"/>
+        <a:font script="Jpan" typeface="HGｺﾞｼｯｸM"/>
+        <a:font script="Hang" typeface="맑은 고딕"/>
+        <a:font script="Hans" typeface="宋体"/>
+        <a:font script="Hant" typeface="新細明體"/>
+        <a:font script="Arab" typeface="Arial"/>
         <a:font script="Hebr" typeface="Arial"/>
         <a:font script="Thai" typeface="Cordia New"/>
         <a:font script="Ethi" typeface="Nyala"/>
@@ -11304,22 +11148,20 @@
         <a:font script="Geor" typeface="Sylfaen"/>
       </a:majorFont>
       <a:minorFont>
-        <a:latin typeface="Gill Sans MT" panose="020B0502020104020203"/>
+        <a:latin typeface="Cambria" panose="02040503050406030204"/>
         <a:ea typeface=""/>
         <a:cs typeface=""/>
-        <a:font script="Grek" typeface="Corbel"/>
-        <a:font script="Cyrl" typeface="Corbel"/>
-        <a:font script="Jpan" typeface="HGｺﾞｼｯｸE"/>
-        <a:font script="Hang" typeface="휴먼매직체"/>
-        <a:font script="Hans" typeface="华文中宋"/>
-        <a:font script="Hant" typeface="微軟正黑體"/>
-        <a:font script="Arab" typeface="Majalla UI"/>
-        <a:font script="Hebr" typeface="Arial"/>
-        <a:font script="Thai" typeface="Cordia New"/>
+        <a:font script="Jpan" typeface="HG明朝B"/>
+        <a:font script="Hang" typeface="맑은 고딕"/>
+        <a:font script="Hans" typeface="黑体"/>
+        <a:font script="Hant" typeface="新細明體"/>
+        <a:font script="Arab" typeface="Times New Roman"/>
+        <a:font script="Hebr" typeface="Times New Roman"/>
+        <a:font script="Thai" typeface="Angsana New"/>
         <a:font script="Ethi" typeface="Nyala"/>
         <a:font script="Beng" typeface="Vrinda"/>
         <a:font script="Gujr" typeface="Shruti"/>
-        <a:font script="Khmr" typeface="DaunPenh"/>
+        <a:font script="Khmr" typeface="MoolBoran"/>
         <a:font script="Knda" typeface="Tunga"/>
         <a:font script="Guru" typeface="Raavi"/>
         <a:font script="Cans" typeface="Euphemia"/>
@@ -11336,7 +11178,7 @@
         <a:font script="Laoo" typeface="DokChampa"/>
         <a:font script="Sinh" typeface="Iskoola Pota"/>
         <a:font script="Mong" typeface="Mongolian Baiti"/>
-        <a:font script="Viet" typeface="Tahoma"/>
+        <a:font script="Viet" typeface="Times New Roman"/>
         <a:font script="Uigh" typeface="Microsoft Uighur"/>
         <a:font script="Geor" typeface="Sylfaen"/>
       </a:minorFont>
